--- a/reference/test.pptx
+++ b/reference/test.pptx
@@ -2199,7 +2199,7 @@
 
 <file path=ppt/slides/slide1.xml><?xml version="1.0" encoding="utf-8"?>
 <p:sld xmlns:a="http://schemas.openxmlformats.org/drawingml/2006/main" xmlns:r="http://schemas.openxmlformats.org/officeDocument/2006/relationships" xmlns:p="http://schemas.openxmlformats.org/presentationml/2006/main">
-  <p:cSld name="Title and Content">
+  <p:cSld>
     <p:spTree>
       <p:nvGrpSpPr>
         <p:cNvPr id="1" name=""/>
@@ -12011,11 +12011,6 @@
         </a:graphic>
       </p:graphicFrame>
     </p:spTree>
-    <p:extLst>
-      <p:ext uri="{BB962C8B-B14F-4D97-AF65-F5344CB8AC3E}">
-        <p14:creationId xmlns:p14="http://schemas.microsoft.com/office/powerpoint/2010/main" val="271576982"/>
-      </p:ext>
-    </p:extLst>
   </p:cSld>
   <p:clrMapOvr>
     <a:masterClrMapping/>

--- a/reference/test.pptx
+++ b/reference/test.pptx
@@ -2216,7 +2216,7 @@
       </p:grpSpPr>
       <p:graphicFrame xmlns:a="http://schemas.openxmlformats.org/drawingml/2006/main" xmlns:r="http://schemas.openxmlformats.org/officeDocument/2006/relationships" xmlns:p="http://schemas.openxmlformats.org/presentationml/2006/main">
         <p:nvGraphicFramePr>
-          <p:cNvPr name="" id="2"/>
+          <p:cNvPr id="2" name=""/>
           <p:cNvGraphicFramePr>
             <a:graphicFrameLocks noGrp="true"/>
           </p:cNvGraphicFramePr>
@@ -7114,7 +7114,7 @@
       </p:graphicFrame>
       <p:graphicFrame xmlns:a="http://schemas.openxmlformats.org/drawingml/2006/main" xmlns:r="http://schemas.openxmlformats.org/officeDocument/2006/relationships" xmlns:p="http://schemas.openxmlformats.org/presentationml/2006/main">
         <p:nvGraphicFramePr>
-          <p:cNvPr name="" id="3"/>
+          <p:cNvPr id="3" name=""/>
           <p:cNvGraphicFramePr>
             <a:graphicFrameLocks noGrp="true"/>
           </p:cNvGraphicFramePr>

--- a/reference/test.pptx
+++ b/reference/test.pptx
@@ -2273,31 +2273,23 @@
                     </a:p>
                   </a:txBody>
                   <a:tcPr anchor="ctr" marB="0" marT="0" marR="0" marL="0">
-                    <a:lnL algn="ctr" cmpd="sng" cap="flat" w="12700">
-                      <a:solidFill>
-                        <a:srgbClr val="000000">
-                          <a:alpha val="100000"/>
-                        </a:srgbClr>
-                      </a:solidFill>
-                      <a:prstDash val="solid"/>
-                    </a:lnL>
-                    <a:lnR algn="ctr" cmpd="sng" cap="flat" w="12700">
-                      <a:solidFill>
-                        <a:srgbClr val="000000">
-                          <a:alpha val="100000"/>
-                        </a:srgbClr>
-                      </a:solidFill>
-                      <a:prstDash val="solid"/>
-                    </a:lnR>
-                    <a:lnT algn="ctr" cmpd="sng" cap="flat" w="12700">
-                      <a:solidFill>
-                        <a:srgbClr val="000000">
-                          <a:alpha val="100000"/>
-                        </a:srgbClr>
-                      </a:solidFill>
-                      <a:prstDash val="solid"/>
-                    </a:lnT>
-                    <a:lnB algn="ctr" cmpd="sng" cap="flat" w="12700">
+                    <a:lnL algn="ctr" cmpd="sng" cap="flat" w="0">
+                      <a:noFill/>
+                      <a:prstDash val="solid"/>
+                    </a:lnL>
+                    <a:lnR algn="ctr" cmpd="sng" cap="flat" w="0">
+                      <a:noFill/>
+                      <a:prstDash val="solid"/>
+                    </a:lnR>
+                    <a:lnT algn="ctr" cmpd="sng" cap="flat" w="25400">
+                      <a:solidFill>
+                        <a:srgbClr val="000000">
+                          <a:alpha val="100000"/>
+                        </a:srgbClr>
+                      </a:solidFill>
+                      <a:prstDash val="solid"/>
+                    </a:lnT>
+                    <a:lnB algn="ctr" cmpd="sng" cap="flat" w="25400">
                       <a:solidFill>
                         <a:srgbClr val="000000">
                           <a:alpha val="100000"/>
@@ -2336,31 +2328,23 @@
                     </a:p>
                   </a:txBody>
                   <a:tcPr anchor="ctr" marB="0" marT="0" marR="0" marL="0">
-                    <a:lnL algn="ctr" cmpd="sng" cap="flat" w="12700">
-                      <a:solidFill>
-                        <a:srgbClr val="000000">
-                          <a:alpha val="100000"/>
-                        </a:srgbClr>
-                      </a:solidFill>
-                      <a:prstDash val="solid"/>
-                    </a:lnL>
-                    <a:lnR algn="ctr" cmpd="sng" cap="flat" w="12700">
-                      <a:solidFill>
-                        <a:srgbClr val="000000">
-                          <a:alpha val="100000"/>
-                        </a:srgbClr>
-                      </a:solidFill>
-                      <a:prstDash val="solid"/>
-                    </a:lnR>
-                    <a:lnT algn="ctr" cmpd="sng" cap="flat" w="12700">
-                      <a:solidFill>
-                        <a:srgbClr val="000000">
-                          <a:alpha val="100000"/>
-                        </a:srgbClr>
-                      </a:solidFill>
-                      <a:prstDash val="solid"/>
-                    </a:lnT>
-                    <a:lnB algn="ctr" cmpd="sng" cap="flat" w="12700">
+                    <a:lnL algn="ctr" cmpd="sng" cap="flat" w="0">
+                      <a:noFill/>
+                      <a:prstDash val="solid"/>
+                    </a:lnL>
+                    <a:lnR algn="ctr" cmpd="sng" cap="flat" w="0">
+                      <a:noFill/>
+                      <a:prstDash val="solid"/>
+                    </a:lnR>
+                    <a:lnT algn="ctr" cmpd="sng" cap="flat" w="25400">
+                      <a:solidFill>
+                        <a:srgbClr val="000000">
+                          <a:alpha val="100000"/>
+                        </a:srgbClr>
+                      </a:solidFill>
+                      <a:prstDash val="solid"/>
+                    </a:lnT>
+                    <a:lnB algn="ctr" cmpd="sng" cap="flat" w="25400">
                       <a:solidFill>
                         <a:srgbClr val="000000">
                           <a:alpha val="100000"/>
@@ -2399,31 +2383,23 @@
                     </a:p>
                   </a:txBody>
                   <a:tcPr anchor="ctr" marB="0" marT="0" marR="0" marL="0">
-                    <a:lnL algn="ctr" cmpd="sng" cap="flat" w="12700">
-                      <a:solidFill>
-                        <a:srgbClr val="000000">
-                          <a:alpha val="100000"/>
-                        </a:srgbClr>
-                      </a:solidFill>
-                      <a:prstDash val="solid"/>
-                    </a:lnL>
-                    <a:lnR algn="ctr" cmpd="sng" cap="flat" w="12700">
-                      <a:solidFill>
-                        <a:srgbClr val="000000">
-                          <a:alpha val="100000"/>
-                        </a:srgbClr>
-                      </a:solidFill>
-                      <a:prstDash val="solid"/>
-                    </a:lnR>
-                    <a:lnT algn="ctr" cmpd="sng" cap="flat" w="12700">
-                      <a:solidFill>
-                        <a:srgbClr val="000000">
-                          <a:alpha val="100000"/>
-                        </a:srgbClr>
-                      </a:solidFill>
-                      <a:prstDash val="solid"/>
-                    </a:lnT>
-                    <a:lnB algn="ctr" cmpd="sng" cap="flat" w="12700">
+                    <a:lnL algn="ctr" cmpd="sng" cap="flat" w="0">
+                      <a:noFill/>
+                      <a:prstDash val="solid"/>
+                    </a:lnL>
+                    <a:lnR algn="ctr" cmpd="sng" cap="flat" w="0">
+                      <a:noFill/>
+                      <a:prstDash val="solid"/>
+                    </a:lnR>
+                    <a:lnT algn="ctr" cmpd="sng" cap="flat" w="25400">
+                      <a:solidFill>
+                        <a:srgbClr val="000000">
+                          <a:alpha val="100000"/>
+                        </a:srgbClr>
+                      </a:solidFill>
+                      <a:prstDash val="solid"/>
+                    </a:lnT>
+                    <a:lnB algn="ctr" cmpd="sng" cap="flat" w="25400">
                       <a:solidFill>
                         <a:srgbClr val="000000">
                           <a:alpha val="100000"/>
@@ -2462,31 +2438,23 @@
                     </a:p>
                   </a:txBody>
                   <a:tcPr anchor="ctr" marB="0" marT="0" marR="0" marL="0">
-                    <a:lnL algn="ctr" cmpd="sng" cap="flat" w="12700">
-                      <a:solidFill>
-                        <a:srgbClr val="000000">
-                          <a:alpha val="100000"/>
-                        </a:srgbClr>
-                      </a:solidFill>
-                      <a:prstDash val="solid"/>
-                    </a:lnL>
-                    <a:lnR algn="ctr" cmpd="sng" cap="flat" w="12700">
-                      <a:solidFill>
-                        <a:srgbClr val="000000">
-                          <a:alpha val="100000"/>
-                        </a:srgbClr>
-                      </a:solidFill>
-                      <a:prstDash val="solid"/>
-                    </a:lnR>
-                    <a:lnT algn="ctr" cmpd="sng" cap="flat" w="12700">
-                      <a:solidFill>
-                        <a:srgbClr val="000000">
-                          <a:alpha val="100000"/>
-                        </a:srgbClr>
-                      </a:solidFill>
-                      <a:prstDash val="solid"/>
-                    </a:lnT>
-                    <a:lnB algn="ctr" cmpd="sng" cap="flat" w="12700">
+                    <a:lnL algn="ctr" cmpd="sng" cap="flat" w="0">
+                      <a:noFill/>
+                      <a:prstDash val="solid"/>
+                    </a:lnL>
+                    <a:lnR algn="ctr" cmpd="sng" cap="flat" w="0">
+                      <a:noFill/>
+                      <a:prstDash val="solid"/>
+                    </a:lnR>
+                    <a:lnT algn="ctr" cmpd="sng" cap="flat" w="25400">
+                      <a:solidFill>
+                        <a:srgbClr val="000000">
+                          <a:alpha val="100000"/>
+                        </a:srgbClr>
+                      </a:solidFill>
+                      <a:prstDash val="solid"/>
+                    </a:lnT>
+                    <a:lnB algn="ctr" cmpd="sng" cap="flat" w="25400">
                       <a:solidFill>
                         <a:srgbClr val="000000">
                           <a:alpha val="100000"/>
@@ -2525,31 +2493,23 @@
                     </a:p>
                   </a:txBody>
                   <a:tcPr anchor="ctr" marB="0" marT="0" marR="0" marL="0">
-                    <a:lnL algn="ctr" cmpd="sng" cap="flat" w="12700">
-                      <a:solidFill>
-                        <a:srgbClr val="000000">
-                          <a:alpha val="100000"/>
-                        </a:srgbClr>
-                      </a:solidFill>
-                      <a:prstDash val="solid"/>
-                    </a:lnL>
-                    <a:lnR algn="ctr" cmpd="sng" cap="flat" w="12700">
-                      <a:solidFill>
-                        <a:srgbClr val="000000">
-                          <a:alpha val="100000"/>
-                        </a:srgbClr>
-                      </a:solidFill>
-                      <a:prstDash val="solid"/>
-                    </a:lnR>
-                    <a:lnT algn="ctr" cmpd="sng" cap="flat" w="12700">
-                      <a:solidFill>
-                        <a:srgbClr val="000000">
-                          <a:alpha val="100000"/>
-                        </a:srgbClr>
-                      </a:solidFill>
-                      <a:prstDash val="solid"/>
-                    </a:lnT>
-                    <a:lnB algn="ctr" cmpd="sng" cap="flat" w="12700">
+                    <a:lnL algn="ctr" cmpd="sng" cap="flat" w="0">
+                      <a:noFill/>
+                      <a:prstDash val="solid"/>
+                    </a:lnL>
+                    <a:lnR algn="ctr" cmpd="sng" cap="flat" w="0">
+                      <a:noFill/>
+                      <a:prstDash val="solid"/>
+                    </a:lnR>
+                    <a:lnT algn="ctr" cmpd="sng" cap="flat" w="25400">
+                      <a:solidFill>
+                        <a:srgbClr val="000000">
+                          <a:alpha val="100000"/>
+                        </a:srgbClr>
+                      </a:solidFill>
+                      <a:prstDash val="solid"/>
+                    </a:lnT>
+                    <a:lnB algn="ctr" cmpd="sng" cap="flat" w="25400">
                       <a:solidFill>
                         <a:srgbClr val="000000">
                           <a:alpha val="100000"/>
@@ -2588,31 +2548,23 @@
                     </a:p>
                   </a:txBody>
                   <a:tcPr anchor="ctr" marB="0" marT="0" marR="0" marL="0">
-                    <a:lnL algn="ctr" cmpd="sng" cap="flat" w="12700">
-                      <a:solidFill>
-                        <a:srgbClr val="000000">
-                          <a:alpha val="100000"/>
-                        </a:srgbClr>
-                      </a:solidFill>
-                      <a:prstDash val="solid"/>
-                    </a:lnL>
-                    <a:lnR algn="ctr" cmpd="sng" cap="flat" w="12700">
-                      <a:solidFill>
-                        <a:srgbClr val="000000">
-                          <a:alpha val="100000"/>
-                        </a:srgbClr>
-                      </a:solidFill>
-                      <a:prstDash val="solid"/>
-                    </a:lnR>
-                    <a:lnT algn="ctr" cmpd="sng" cap="flat" w="12700">
-                      <a:solidFill>
-                        <a:srgbClr val="000000">
-                          <a:alpha val="100000"/>
-                        </a:srgbClr>
-                      </a:solidFill>
-                      <a:prstDash val="solid"/>
-                    </a:lnT>
-                    <a:lnB algn="ctr" cmpd="sng" cap="flat" w="12700">
+                    <a:lnL algn="ctr" cmpd="sng" cap="flat" w="0">
+                      <a:noFill/>
+                      <a:prstDash val="solid"/>
+                    </a:lnL>
+                    <a:lnR algn="ctr" cmpd="sng" cap="flat" w="0">
+                      <a:noFill/>
+                      <a:prstDash val="solid"/>
+                    </a:lnR>
+                    <a:lnT algn="ctr" cmpd="sng" cap="flat" w="25400">
+                      <a:solidFill>
+                        <a:srgbClr val="000000">
+                          <a:alpha val="100000"/>
+                        </a:srgbClr>
+                      </a:solidFill>
+                      <a:prstDash val="solid"/>
+                    </a:lnT>
+                    <a:lnB algn="ctr" cmpd="sng" cap="flat" w="25400">
                       <a:solidFill>
                         <a:srgbClr val="000000">
                           <a:alpha val="100000"/>
@@ -2651,31 +2603,23 @@
                     </a:p>
                   </a:txBody>
                   <a:tcPr anchor="ctr" marB="0" marT="0" marR="0" marL="0">
-                    <a:lnL algn="ctr" cmpd="sng" cap="flat" w="12700">
-                      <a:solidFill>
-                        <a:srgbClr val="000000">
-                          <a:alpha val="100000"/>
-                        </a:srgbClr>
-                      </a:solidFill>
-                      <a:prstDash val="solid"/>
-                    </a:lnL>
-                    <a:lnR algn="ctr" cmpd="sng" cap="flat" w="12700">
-                      <a:solidFill>
-                        <a:srgbClr val="000000">
-                          <a:alpha val="100000"/>
-                        </a:srgbClr>
-                      </a:solidFill>
-                      <a:prstDash val="solid"/>
-                    </a:lnR>
-                    <a:lnT algn="ctr" cmpd="sng" cap="flat" w="12700">
-                      <a:solidFill>
-                        <a:srgbClr val="000000">
-                          <a:alpha val="100000"/>
-                        </a:srgbClr>
-                      </a:solidFill>
-                      <a:prstDash val="solid"/>
-                    </a:lnT>
-                    <a:lnB algn="ctr" cmpd="sng" cap="flat" w="12700">
+                    <a:lnL algn="ctr" cmpd="sng" cap="flat" w="0">
+                      <a:noFill/>
+                      <a:prstDash val="solid"/>
+                    </a:lnL>
+                    <a:lnR algn="ctr" cmpd="sng" cap="flat" w="0">
+                      <a:noFill/>
+                      <a:prstDash val="solid"/>
+                    </a:lnR>
+                    <a:lnT algn="ctr" cmpd="sng" cap="flat" w="25400">
+                      <a:solidFill>
+                        <a:srgbClr val="000000">
+                          <a:alpha val="100000"/>
+                        </a:srgbClr>
+                      </a:solidFill>
+                      <a:prstDash val="solid"/>
+                    </a:lnT>
+                    <a:lnB algn="ctr" cmpd="sng" cap="flat" w="25400">
                       <a:solidFill>
                         <a:srgbClr val="000000">
                           <a:alpha val="100000"/>
@@ -2714,31 +2658,23 @@
                     </a:p>
                   </a:txBody>
                   <a:tcPr anchor="ctr" marB="0" marT="0" marR="0" marL="0">
-                    <a:lnL algn="ctr" cmpd="sng" cap="flat" w="12700">
-                      <a:solidFill>
-                        <a:srgbClr val="000000">
-                          <a:alpha val="100000"/>
-                        </a:srgbClr>
-                      </a:solidFill>
-                      <a:prstDash val="solid"/>
-                    </a:lnL>
-                    <a:lnR algn="ctr" cmpd="sng" cap="flat" w="12700">
-                      <a:solidFill>
-                        <a:srgbClr val="000000">
-                          <a:alpha val="100000"/>
-                        </a:srgbClr>
-                      </a:solidFill>
-                      <a:prstDash val="solid"/>
-                    </a:lnR>
-                    <a:lnT algn="ctr" cmpd="sng" cap="flat" w="12700">
-                      <a:solidFill>
-                        <a:srgbClr val="000000">
-                          <a:alpha val="100000"/>
-                        </a:srgbClr>
-                      </a:solidFill>
-                      <a:prstDash val="solid"/>
-                    </a:lnT>
-                    <a:lnB algn="ctr" cmpd="sng" cap="flat" w="12700">
+                    <a:lnL algn="ctr" cmpd="sng" cap="flat" w="0">
+                      <a:noFill/>
+                      <a:prstDash val="solid"/>
+                    </a:lnL>
+                    <a:lnR algn="ctr" cmpd="sng" cap="flat" w="0">
+                      <a:noFill/>
+                      <a:prstDash val="solid"/>
+                    </a:lnR>
+                    <a:lnT algn="ctr" cmpd="sng" cap="flat" w="25400">
+                      <a:solidFill>
+                        <a:srgbClr val="000000">
+                          <a:alpha val="100000"/>
+                        </a:srgbClr>
+                      </a:solidFill>
+                      <a:prstDash val="solid"/>
+                    </a:lnT>
+                    <a:lnB algn="ctr" cmpd="sng" cap="flat" w="25400">
                       <a:solidFill>
                         <a:srgbClr val="000000">
                           <a:alpha val="100000"/>
@@ -2777,31 +2713,23 @@
                     </a:p>
                   </a:txBody>
                   <a:tcPr anchor="ctr" marB="0" marT="0" marR="0" marL="0">
-                    <a:lnL algn="ctr" cmpd="sng" cap="flat" w="12700">
-                      <a:solidFill>
-                        <a:srgbClr val="000000">
-                          <a:alpha val="100000"/>
-                        </a:srgbClr>
-                      </a:solidFill>
-                      <a:prstDash val="solid"/>
-                    </a:lnL>
-                    <a:lnR algn="ctr" cmpd="sng" cap="flat" w="12700">
-                      <a:solidFill>
-                        <a:srgbClr val="000000">
-                          <a:alpha val="100000"/>
-                        </a:srgbClr>
-                      </a:solidFill>
-                      <a:prstDash val="solid"/>
-                    </a:lnR>
-                    <a:lnT algn="ctr" cmpd="sng" cap="flat" w="12700">
-                      <a:solidFill>
-                        <a:srgbClr val="000000">
-                          <a:alpha val="100000"/>
-                        </a:srgbClr>
-                      </a:solidFill>
-                      <a:prstDash val="solid"/>
-                    </a:lnT>
-                    <a:lnB algn="ctr" cmpd="sng" cap="flat" w="12700">
+                    <a:lnL algn="ctr" cmpd="sng" cap="flat" w="0">
+                      <a:noFill/>
+                      <a:prstDash val="solid"/>
+                    </a:lnL>
+                    <a:lnR algn="ctr" cmpd="sng" cap="flat" w="0">
+                      <a:noFill/>
+                      <a:prstDash val="solid"/>
+                    </a:lnR>
+                    <a:lnT algn="ctr" cmpd="sng" cap="flat" w="25400">
+                      <a:solidFill>
+                        <a:srgbClr val="000000">
+                          <a:alpha val="100000"/>
+                        </a:srgbClr>
+                      </a:solidFill>
+                      <a:prstDash val="solid"/>
+                    </a:lnT>
+                    <a:lnB algn="ctr" cmpd="sng" cap="flat" w="25400">
                       <a:solidFill>
                         <a:srgbClr val="000000">
                           <a:alpha val="100000"/>
@@ -2840,31 +2768,23 @@
                     </a:p>
                   </a:txBody>
                   <a:tcPr anchor="ctr" marB="0" marT="0" marR="0" marL="0">
-                    <a:lnL algn="ctr" cmpd="sng" cap="flat" w="12700">
-                      <a:solidFill>
-                        <a:srgbClr val="000000">
-                          <a:alpha val="100000"/>
-                        </a:srgbClr>
-                      </a:solidFill>
-                      <a:prstDash val="solid"/>
-                    </a:lnL>
-                    <a:lnR algn="ctr" cmpd="sng" cap="flat" w="12700">
-                      <a:solidFill>
-                        <a:srgbClr val="000000">
-                          <a:alpha val="100000"/>
-                        </a:srgbClr>
-                      </a:solidFill>
-                      <a:prstDash val="solid"/>
-                    </a:lnR>
-                    <a:lnT algn="ctr" cmpd="sng" cap="flat" w="12700">
-                      <a:solidFill>
-                        <a:srgbClr val="000000">
-                          <a:alpha val="100000"/>
-                        </a:srgbClr>
-                      </a:solidFill>
-                      <a:prstDash val="solid"/>
-                    </a:lnT>
-                    <a:lnB algn="ctr" cmpd="sng" cap="flat" w="12700">
+                    <a:lnL algn="ctr" cmpd="sng" cap="flat" w="0">
+                      <a:noFill/>
+                      <a:prstDash val="solid"/>
+                    </a:lnL>
+                    <a:lnR algn="ctr" cmpd="sng" cap="flat" w="0">
+                      <a:noFill/>
+                      <a:prstDash val="solid"/>
+                    </a:lnR>
+                    <a:lnT algn="ctr" cmpd="sng" cap="flat" w="25400">
+                      <a:solidFill>
+                        <a:srgbClr val="000000">
+                          <a:alpha val="100000"/>
+                        </a:srgbClr>
+                      </a:solidFill>
+                      <a:prstDash val="solid"/>
+                    </a:lnT>
+                    <a:lnB algn="ctr" cmpd="sng" cap="flat" w="25400">
                       <a:solidFill>
                         <a:srgbClr val="000000">
                           <a:alpha val="100000"/>
@@ -2903,31 +2823,23 @@
                     </a:p>
                   </a:txBody>
                   <a:tcPr anchor="ctr" marB="0" marT="0" marR="0" marL="0">
-                    <a:lnL algn="ctr" cmpd="sng" cap="flat" w="12700">
-                      <a:solidFill>
-                        <a:srgbClr val="000000">
-                          <a:alpha val="100000"/>
-                        </a:srgbClr>
-                      </a:solidFill>
-                      <a:prstDash val="solid"/>
-                    </a:lnL>
-                    <a:lnR algn="ctr" cmpd="sng" cap="flat" w="12700">
-                      <a:solidFill>
-                        <a:srgbClr val="000000">
-                          <a:alpha val="100000"/>
-                        </a:srgbClr>
-                      </a:solidFill>
-                      <a:prstDash val="solid"/>
-                    </a:lnR>
-                    <a:lnT algn="ctr" cmpd="sng" cap="flat" w="12700">
-                      <a:solidFill>
-                        <a:srgbClr val="000000">
-                          <a:alpha val="100000"/>
-                        </a:srgbClr>
-                      </a:solidFill>
-                      <a:prstDash val="solid"/>
-                    </a:lnT>
-                    <a:lnB algn="ctr" cmpd="sng" cap="flat" w="12700">
+                    <a:lnL algn="ctr" cmpd="sng" cap="flat" w="0">
+                      <a:noFill/>
+                      <a:prstDash val="solid"/>
+                    </a:lnL>
+                    <a:lnR algn="ctr" cmpd="sng" cap="flat" w="0">
+                      <a:noFill/>
+                      <a:prstDash val="solid"/>
+                    </a:lnR>
+                    <a:lnT algn="ctr" cmpd="sng" cap="flat" w="25400">
+                      <a:solidFill>
+                        <a:srgbClr val="000000">
+                          <a:alpha val="100000"/>
+                        </a:srgbClr>
+                      </a:solidFill>
+                      <a:prstDash val="solid"/>
+                    </a:lnT>
+                    <a:lnB algn="ctr" cmpd="sng" cap="flat" w="25400">
                       <a:solidFill>
                         <a:srgbClr val="000000">
                           <a:alpha val="100000"/>
@@ -2968,28 +2880,16 @@
                     </a:p>
                   </a:txBody>
                   <a:tcPr anchor="ctr" marB="0" marT="0" marR="0" marL="0">
-                    <a:lnL algn="ctr" cmpd="sng" cap="flat" w="12700">
-                      <a:solidFill>
-                        <a:srgbClr val="000000">
-                          <a:alpha val="100000"/>
-                        </a:srgbClr>
-                      </a:solidFill>
-                      <a:prstDash val="solid"/>
-                    </a:lnL>
-                    <a:lnR algn="ctr" cmpd="sng" cap="flat" w="12700">
-                      <a:solidFill>
-                        <a:srgbClr val="000000">
-                          <a:alpha val="100000"/>
-                        </a:srgbClr>
-                      </a:solidFill>
-                      <a:prstDash val="solid"/>
-                    </a:lnR>
-                    <a:lnT algn="ctr" cmpd="sng" cap="flat" w="12700">
-                      <a:solidFill>
-                        <a:srgbClr val="000000">
-                          <a:alpha val="100000"/>
-                        </a:srgbClr>
-                      </a:solidFill>
+                    <a:lnL algn="ctr" cmpd="sng" cap="flat" w="0">
+                      <a:noFill/>
+                      <a:prstDash val="solid"/>
+                    </a:lnL>
+                    <a:lnR algn="ctr" cmpd="sng" cap="flat" w="0">
+                      <a:noFill/>
+                      <a:prstDash val="solid"/>
+                    </a:lnR>
+                    <a:lnT algn="ctr" cmpd="sng" cap="flat" w="0">
+                      <a:noFill/>
                       <a:prstDash val="solid"/>
                     </a:lnT>
                     <a:lnB algn="ctr" cmpd="sng" cap="flat" w="12700">
@@ -3031,28 +2931,16 @@
                     </a:p>
                   </a:txBody>
                   <a:tcPr anchor="ctr" marB="0" marT="0" marR="0" marL="0">
-                    <a:lnL algn="ctr" cmpd="sng" cap="flat" w="12700">
-                      <a:solidFill>
-                        <a:srgbClr val="000000">
-                          <a:alpha val="100000"/>
-                        </a:srgbClr>
-                      </a:solidFill>
-                      <a:prstDash val="solid"/>
-                    </a:lnL>
-                    <a:lnR algn="ctr" cmpd="sng" cap="flat" w="12700">
-                      <a:solidFill>
-                        <a:srgbClr val="000000">
-                          <a:alpha val="100000"/>
-                        </a:srgbClr>
-                      </a:solidFill>
-                      <a:prstDash val="solid"/>
-                    </a:lnR>
-                    <a:lnT algn="ctr" cmpd="sng" cap="flat" w="12700">
-                      <a:solidFill>
-                        <a:srgbClr val="000000">
-                          <a:alpha val="100000"/>
-                        </a:srgbClr>
-                      </a:solidFill>
+                    <a:lnL algn="ctr" cmpd="sng" cap="flat" w="0">
+                      <a:noFill/>
+                      <a:prstDash val="solid"/>
+                    </a:lnL>
+                    <a:lnR algn="ctr" cmpd="sng" cap="flat" w="0">
+                      <a:noFill/>
+                      <a:prstDash val="solid"/>
+                    </a:lnR>
+                    <a:lnT algn="ctr" cmpd="sng" cap="flat" w="0">
+                      <a:noFill/>
                       <a:prstDash val="solid"/>
                     </a:lnT>
                     <a:lnB algn="ctr" cmpd="sng" cap="flat" w="12700">
@@ -3094,28 +2982,16 @@
                     </a:p>
                   </a:txBody>
                   <a:tcPr anchor="ctr" marB="0" marT="0" marR="0" marL="0">
-                    <a:lnL algn="ctr" cmpd="sng" cap="flat" w="12700">
-                      <a:solidFill>
-                        <a:srgbClr val="000000">
-                          <a:alpha val="100000"/>
-                        </a:srgbClr>
-                      </a:solidFill>
-                      <a:prstDash val="solid"/>
-                    </a:lnL>
-                    <a:lnR algn="ctr" cmpd="sng" cap="flat" w="12700">
-                      <a:solidFill>
-                        <a:srgbClr val="000000">
-                          <a:alpha val="100000"/>
-                        </a:srgbClr>
-                      </a:solidFill>
-                      <a:prstDash val="solid"/>
-                    </a:lnR>
-                    <a:lnT algn="ctr" cmpd="sng" cap="flat" w="12700">
-                      <a:solidFill>
-                        <a:srgbClr val="000000">
-                          <a:alpha val="100000"/>
-                        </a:srgbClr>
-                      </a:solidFill>
+                    <a:lnL algn="ctr" cmpd="sng" cap="flat" w="0">
+                      <a:noFill/>
+                      <a:prstDash val="solid"/>
+                    </a:lnL>
+                    <a:lnR algn="ctr" cmpd="sng" cap="flat" w="0">
+                      <a:noFill/>
+                      <a:prstDash val="solid"/>
+                    </a:lnR>
+                    <a:lnT algn="ctr" cmpd="sng" cap="flat" w="0">
+                      <a:noFill/>
                       <a:prstDash val="solid"/>
                     </a:lnT>
                     <a:lnB algn="ctr" cmpd="sng" cap="flat" w="12700">
@@ -3157,28 +3033,16 @@
                     </a:p>
                   </a:txBody>
                   <a:tcPr anchor="ctr" marB="0" marT="0" marR="0" marL="0">
-                    <a:lnL algn="ctr" cmpd="sng" cap="flat" w="12700">
-                      <a:solidFill>
-                        <a:srgbClr val="000000">
-                          <a:alpha val="100000"/>
-                        </a:srgbClr>
-                      </a:solidFill>
-                      <a:prstDash val="solid"/>
-                    </a:lnL>
-                    <a:lnR algn="ctr" cmpd="sng" cap="flat" w="12700">
-                      <a:solidFill>
-                        <a:srgbClr val="000000">
-                          <a:alpha val="100000"/>
-                        </a:srgbClr>
-                      </a:solidFill>
-                      <a:prstDash val="solid"/>
-                    </a:lnR>
-                    <a:lnT algn="ctr" cmpd="sng" cap="flat" w="12700">
-                      <a:solidFill>
-                        <a:srgbClr val="000000">
-                          <a:alpha val="100000"/>
-                        </a:srgbClr>
-                      </a:solidFill>
+                    <a:lnL algn="ctr" cmpd="sng" cap="flat" w="0">
+                      <a:noFill/>
+                      <a:prstDash val="solid"/>
+                    </a:lnL>
+                    <a:lnR algn="ctr" cmpd="sng" cap="flat" w="0">
+                      <a:noFill/>
+                      <a:prstDash val="solid"/>
+                    </a:lnR>
+                    <a:lnT algn="ctr" cmpd="sng" cap="flat" w="0">
+                      <a:noFill/>
                       <a:prstDash val="solid"/>
                     </a:lnT>
                     <a:lnB algn="ctr" cmpd="sng" cap="flat" w="12700">
@@ -3220,28 +3084,16 @@
                     </a:p>
                   </a:txBody>
                   <a:tcPr anchor="ctr" marB="0" marT="0" marR="0" marL="0">
-                    <a:lnL algn="ctr" cmpd="sng" cap="flat" w="12700">
-                      <a:solidFill>
-                        <a:srgbClr val="000000">
-                          <a:alpha val="100000"/>
-                        </a:srgbClr>
-                      </a:solidFill>
-                      <a:prstDash val="solid"/>
-                    </a:lnL>
-                    <a:lnR algn="ctr" cmpd="sng" cap="flat" w="12700">
-                      <a:solidFill>
-                        <a:srgbClr val="000000">
-                          <a:alpha val="100000"/>
-                        </a:srgbClr>
-                      </a:solidFill>
-                      <a:prstDash val="solid"/>
-                    </a:lnR>
-                    <a:lnT algn="ctr" cmpd="sng" cap="flat" w="12700">
-                      <a:solidFill>
-                        <a:srgbClr val="000000">
-                          <a:alpha val="100000"/>
-                        </a:srgbClr>
-                      </a:solidFill>
+                    <a:lnL algn="ctr" cmpd="sng" cap="flat" w="0">
+                      <a:noFill/>
+                      <a:prstDash val="solid"/>
+                    </a:lnL>
+                    <a:lnR algn="ctr" cmpd="sng" cap="flat" w="0">
+                      <a:noFill/>
+                      <a:prstDash val="solid"/>
+                    </a:lnR>
+                    <a:lnT algn="ctr" cmpd="sng" cap="flat" w="0">
+                      <a:noFill/>
                       <a:prstDash val="solid"/>
                     </a:lnT>
                     <a:lnB algn="ctr" cmpd="sng" cap="flat" w="12700">
@@ -3283,28 +3135,16 @@
                     </a:p>
                   </a:txBody>
                   <a:tcPr anchor="ctr" marB="0" marT="0" marR="0" marL="0">
-                    <a:lnL algn="ctr" cmpd="sng" cap="flat" w="12700">
-                      <a:solidFill>
-                        <a:srgbClr val="000000">
-                          <a:alpha val="100000"/>
-                        </a:srgbClr>
-                      </a:solidFill>
-                      <a:prstDash val="solid"/>
-                    </a:lnL>
-                    <a:lnR algn="ctr" cmpd="sng" cap="flat" w="12700">
-                      <a:solidFill>
-                        <a:srgbClr val="000000">
-                          <a:alpha val="100000"/>
-                        </a:srgbClr>
-                      </a:solidFill>
-                      <a:prstDash val="solid"/>
-                    </a:lnR>
-                    <a:lnT algn="ctr" cmpd="sng" cap="flat" w="12700">
-                      <a:solidFill>
-                        <a:srgbClr val="000000">
-                          <a:alpha val="100000"/>
-                        </a:srgbClr>
-                      </a:solidFill>
+                    <a:lnL algn="ctr" cmpd="sng" cap="flat" w="0">
+                      <a:noFill/>
+                      <a:prstDash val="solid"/>
+                    </a:lnL>
+                    <a:lnR algn="ctr" cmpd="sng" cap="flat" w="0">
+                      <a:noFill/>
+                      <a:prstDash val="solid"/>
+                    </a:lnR>
+                    <a:lnT algn="ctr" cmpd="sng" cap="flat" w="0">
+                      <a:noFill/>
                       <a:prstDash val="solid"/>
                     </a:lnT>
                     <a:lnB algn="ctr" cmpd="sng" cap="flat" w="12700">
@@ -3346,28 +3186,16 @@
                     </a:p>
                   </a:txBody>
                   <a:tcPr anchor="ctr" marB="0" marT="0" marR="0" marL="0">
-                    <a:lnL algn="ctr" cmpd="sng" cap="flat" w="12700">
-                      <a:solidFill>
-                        <a:srgbClr val="000000">
-                          <a:alpha val="100000"/>
-                        </a:srgbClr>
-                      </a:solidFill>
-                      <a:prstDash val="solid"/>
-                    </a:lnL>
-                    <a:lnR algn="ctr" cmpd="sng" cap="flat" w="12700">
-                      <a:solidFill>
-                        <a:srgbClr val="000000">
-                          <a:alpha val="100000"/>
-                        </a:srgbClr>
-                      </a:solidFill>
-                      <a:prstDash val="solid"/>
-                    </a:lnR>
-                    <a:lnT algn="ctr" cmpd="sng" cap="flat" w="12700">
-                      <a:solidFill>
-                        <a:srgbClr val="000000">
-                          <a:alpha val="100000"/>
-                        </a:srgbClr>
-                      </a:solidFill>
+                    <a:lnL algn="ctr" cmpd="sng" cap="flat" w="0">
+                      <a:noFill/>
+                      <a:prstDash val="solid"/>
+                    </a:lnL>
+                    <a:lnR algn="ctr" cmpd="sng" cap="flat" w="0">
+                      <a:noFill/>
+                      <a:prstDash val="solid"/>
+                    </a:lnR>
+                    <a:lnT algn="ctr" cmpd="sng" cap="flat" w="0">
+                      <a:noFill/>
                       <a:prstDash val="solid"/>
                     </a:lnT>
                     <a:lnB algn="ctr" cmpd="sng" cap="flat" w="12700">
@@ -3409,28 +3237,16 @@
                     </a:p>
                   </a:txBody>
                   <a:tcPr anchor="ctr" marB="0" marT="0" marR="0" marL="0">
-                    <a:lnL algn="ctr" cmpd="sng" cap="flat" w="12700">
-                      <a:solidFill>
-                        <a:srgbClr val="000000">
-                          <a:alpha val="100000"/>
-                        </a:srgbClr>
-                      </a:solidFill>
-                      <a:prstDash val="solid"/>
-                    </a:lnL>
-                    <a:lnR algn="ctr" cmpd="sng" cap="flat" w="12700">
-                      <a:solidFill>
-                        <a:srgbClr val="000000">
-                          <a:alpha val="100000"/>
-                        </a:srgbClr>
-                      </a:solidFill>
-                      <a:prstDash val="solid"/>
-                    </a:lnR>
-                    <a:lnT algn="ctr" cmpd="sng" cap="flat" w="12700">
-                      <a:solidFill>
-                        <a:srgbClr val="000000">
-                          <a:alpha val="100000"/>
-                        </a:srgbClr>
-                      </a:solidFill>
+                    <a:lnL algn="ctr" cmpd="sng" cap="flat" w="0">
+                      <a:noFill/>
+                      <a:prstDash val="solid"/>
+                    </a:lnL>
+                    <a:lnR algn="ctr" cmpd="sng" cap="flat" w="0">
+                      <a:noFill/>
+                      <a:prstDash val="solid"/>
+                    </a:lnR>
+                    <a:lnT algn="ctr" cmpd="sng" cap="flat" w="0">
+                      <a:noFill/>
                       <a:prstDash val="solid"/>
                     </a:lnT>
                     <a:lnB algn="ctr" cmpd="sng" cap="flat" w="12700">
@@ -3472,28 +3288,16 @@
                     </a:p>
                   </a:txBody>
                   <a:tcPr anchor="ctr" marB="0" marT="0" marR="0" marL="0">
-                    <a:lnL algn="ctr" cmpd="sng" cap="flat" w="12700">
-                      <a:solidFill>
-                        <a:srgbClr val="000000">
-                          <a:alpha val="100000"/>
-                        </a:srgbClr>
-                      </a:solidFill>
-                      <a:prstDash val="solid"/>
-                    </a:lnL>
-                    <a:lnR algn="ctr" cmpd="sng" cap="flat" w="12700">
-                      <a:solidFill>
-                        <a:srgbClr val="000000">
-                          <a:alpha val="100000"/>
-                        </a:srgbClr>
-                      </a:solidFill>
-                      <a:prstDash val="solid"/>
-                    </a:lnR>
-                    <a:lnT algn="ctr" cmpd="sng" cap="flat" w="12700">
-                      <a:solidFill>
-                        <a:srgbClr val="000000">
-                          <a:alpha val="100000"/>
-                        </a:srgbClr>
-                      </a:solidFill>
+                    <a:lnL algn="ctr" cmpd="sng" cap="flat" w="0">
+                      <a:noFill/>
+                      <a:prstDash val="solid"/>
+                    </a:lnL>
+                    <a:lnR algn="ctr" cmpd="sng" cap="flat" w="0">
+                      <a:noFill/>
+                      <a:prstDash val="solid"/>
+                    </a:lnR>
+                    <a:lnT algn="ctr" cmpd="sng" cap="flat" w="0">
+                      <a:noFill/>
                       <a:prstDash val="solid"/>
                     </a:lnT>
                     <a:lnB algn="ctr" cmpd="sng" cap="flat" w="12700">
@@ -3535,28 +3339,16 @@
                     </a:p>
                   </a:txBody>
                   <a:tcPr anchor="ctr" marB="0" marT="0" marR="0" marL="0">
-                    <a:lnL algn="ctr" cmpd="sng" cap="flat" w="12700">
-                      <a:solidFill>
-                        <a:srgbClr val="000000">
-                          <a:alpha val="100000"/>
-                        </a:srgbClr>
-                      </a:solidFill>
-                      <a:prstDash val="solid"/>
-                    </a:lnL>
-                    <a:lnR algn="ctr" cmpd="sng" cap="flat" w="12700">
-                      <a:solidFill>
-                        <a:srgbClr val="000000">
-                          <a:alpha val="100000"/>
-                        </a:srgbClr>
-                      </a:solidFill>
-                      <a:prstDash val="solid"/>
-                    </a:lnR>
-                    <a:lnT algn="ctr" cmpd="sng" cap="flat" w="12700">
-                      <a:solidFill>
-                        <a:srgbClr val="000000">
-                          <a:alpha val="100000"/>
-                        </a:srgbClr>
-                      </a:solidFill>
+                    <a:lnL algn="ctr" cmpd="sng" cap="flat" w="0">
+                      <a:noFill/>
+                      <a:prstDash val="solid"/>
+                    </a:lnL>
+                    <a:lnR algn="ctr" cmpd="sng" cap="flat" w="0">
+                      <a:noFill/>
+                      <a:prstDash val="solid"/>
+                    </a:lnR>
+                    <a:lnT algn="ctr" cmpd="sng" cap="flat" w="0">
+                      <a:noFill/>
                       <a:prstDash val="solid"/>
                     </a:lnT>
                     <a:lnB algn="ctr" cmpd="sng" cap="flat" w="12700">
@@ -3598,28 +3390,16 @@
                     </a:p>
                   </a:txBody>
                   <a:tcPr anchor="ctr" marB="0" marT="0" marR="0" marL="0">
-                    <a:lnL algn="ctr" cmpd="sng" cap="flat" w="12700">
-                      <a:solidFill>
-                        <a:srgbClr val="000000">
-                          <a:alpha val="100000"/>
-                        </a:srgbClr>
-                      </a:solidFill>
-                      <a:prstDash val="solid"/>
-                    </a:lnL>
-                    <a:lnR algn="ctr" cmpd="sng" cap="flat" w="12700">
-                      <a:solidFill>
-                        <a:srgbClr val="000000">
-                          <a:alpha val="100000"/>
-                        </a:srgbClr>
-                      </a:solidFill>
-                      <a:prstDash val="solid"/>
-                    </a:lnR>
-                    <a:lnT algn="ctr" cmpd="sng" cap="flat" w="12700">
-                      <a:solidFill>
-                        <a:srgbClr val="000000">
-                          <a:alpha val="100000"/>
-                        </a:srgbClr>
-                      </a:solidFill>
+                    <a:lnL algn="ctr" cmpd="sng" cap="flat" w="0">
+                      <a:noFill/>
+                      <a:prstDash val="solid"/>
+                    </a:lnL>
+                    <a:lnR algn="ctr" cmpd="sng" cap="flat" w="0">
+                      <a:noFill/>
+                      <a:prstDash val="solid"/>
+                    </a:lnR>
+                    <a:lnT algn="ctr" cmpd="sng" cap="flat" w="0">
+                      <a:noFill/>
                       <a:prstDash val="solid"/>
                     </a:lnT>
                     <a:lnB algn="ctr" cmpd="sng" cap="flat" w="12700">
@@ -3663,20 +3443,12 @@
                     </a:p>
                   </a:txBody>
                   <a:tcPr anchor="ctr" marB="0" marT="0" marR="0" marL="0">
-                    <a:lnL algn="ctr" cmpd="sng" cap="flat" w="12700">
-                      <a:solidFill>
-                        <a:srgbClr val="000000">
-                          <a:alpha val="100000"/>
-                        </a:srgbClr>
-                      </a:solidFill>
-                      <a:prstDash val="solid"/>
-                    </a:lnL>
-                    <a:lnR algn="ctr" cmpd="sng" cap="flat" w="12700">
-                      <a:solidFill>
-                        <a:srgbClr val="000000">
-                          <a:alpha val="100000"/>
-                        </a:srgbClr>
-                      </a:solidFill>
+                    <a:lnL algn="ctr" cmpd="sng" cap="flat" w="0">
+                      <a:noFill/>
+                      <a:prstDash val="solid"/>
+                    </a:lnL>
+                    <a:lnR algn="ctr" cmpd="sng" cap="flat" w="0">
+                      <a:noFill/>
                       <a:prstDash val="solid"/>
                     </a:lnR>
                     <a:lnT algn="ctr" cmpd="sng" cap="flat" w="12700">
@@ -3726,20 +3498,12 @@
                     </a:p>
                   </a:txBody>
                   <a:tcPr anchor="ctr" marB="0" marT="0" marR="0" marL="0">
-                    <a:lnL algn="ctr" cmpd="sng" cap="flat" w="12700">
-                      <a:solidFill>
-                        <a:srgbClr val="000000">
-                          <a:alpha val="100000"/>
-                        </a:srgbClr>
-                      </a:solidFill>
-                      <a:prstDash val="solid"/>
-                    </a:lnL>
-                    <a:lnR algn="ctr" cmpd="sng" cap="flat" w="12700">
-                      <a:solidFill>
-                        <a:srgbClr val="000000">
-                          <a:alpha val="100000"/>
-                        </a:srgbClr>
-                      </a:solidFill>
+                    <a:lnL algn="ctr" cmpd="sng" cap="flat" w="0">
+                      <a:noFill/>
+                      <a:prstDash val="solid"/>
+                    </a:lnL>
+                    <a:lnR algn="ctr" cmpd="sng" cap="flat" w="0">
+                      <a:noFill/>
                       <a:prstDash val="solid"/>
                     </a:lnR>
                     <a:lnT algn="ctr" cmpd="sng" cap="flat" w="12700">
@@ -3789,20 +3553,12 @@
                     </a:p>
                   </a:txBody>
                   <a:tcPr anchor="ctr" marB="0" marT="0" marR="0" marL="0">
-                    <a:lnL algn="ctr" cmpd="sng" cap="flat" w="12700">
-                      <a:solidFill>
-                        <a:srgbClr val="000000">
-                          <a:alpha val="100000"/>
-                        </a:srgbClr>
-                      </a:solidFill>
-                      <a:prstDash val="solid"/>
-                    </a:lnL>
-                    <a:lnR algn="ctr" cmpd="sng" cap="flat" w="12700">
-                      <a:solidFill>
-                        <a:srgbClr val="000000">
-                          <a:alpha val="100000"/>
-                        </a:srgbClr>
-                      </a:solidFill>
+                    <a:lnL algn="ctr" cmpd="sng" cap="flat" w="0">
+                      <a:noFill/>
+                      <a:prstDash val="solid"/>
+                    </a:lnL>
+                    <a:lnR algn="ctr" cmpd="sng" cap="flat" w="0">
+                      <a:noFill/>
                       <a:prstDash val="solid"/>
                     </a:lnR>
                     <a:lnT algn="ctr" cmpd="sng" cap="flat" w="12700">
@@ -3852,20 +3608,12 @@
                     </a:p>
                   </a:txBody>
                   <a:tcPr anchor="ctr" marB="0" marT="0" marR="0" marL="0">
-                    <a:lnL algn="ctr" cmpd="sng" cap="flat" w="12700">
-                      <a:solidFill>
-                        <a:srgbClr val="000000">
-                          <a:alpha val="100000"/>
-                        </a:srgbClr>
-                      </a:solidFill>
-                      <a:prstDash val="solid"/>
-                    </a:lnL>
-                    <a:lnR algn="ctr" cmpd="sng" cap="flat" w="12700">
-                      <a:solidFill>
-                        <a:srgbClr val="000000">
-                          <a:alpha val="100000"/>
-                        </a:srgbClr>
-                      </a:solidFill>
+                    <a:lnL algn="ctr" cmpd="sng" cap="flat" w="0">
+                      <a:noFill/>
+                      <a:prstDash val="solid"/>
+                    </a:lnL>
+                    <a:lnR algn="ctr" cmpd="sng" cap="flat" w="0">
+                      <a:noFill/>
                       <a:prstDash val="solid"/>
                     </a:lnR>
                     <a:lnT algn="ctr" cmpd="sng" cap="flat" w="12700">
@@ -3915,20 +3663,12 @@
                     </a:p>
                   </a:txBody>
                   <a:tcPr anchor="ctr" marB="0" marT="0" marR="0" marL="0">
-                    <a:lnL algn="ctr" cmpd="sng" cap="flat" w="12700">
-                      <a:solidFill>
-                        <a:srgbClr val="000000">
-                          <a:alpha val="100000"/>
-                        </a:srgbClr>
-                      </a:solidFill>
-                      <a:prstDash val="solid"/>
-                    </a:lnL>
-                    <a:lnR algn="ctr" cmpd="sng" cap="flat" w="12700">
-                      <a:solidFill>
-                        <a:srgbClr val="000000">
-                          <a:alpha val="100000"/>
-                        </a:srgbClr>
-                      </a:solidFill>
+                    <a:lnL algn="ctr" cmpd="sng" cap="flat" w="0">
+                      <a:noFill/>
+                      <a:prstDash val="solid"/>
+                    </a:lnL>
+                    <a:lnR algn="ctr" cmpd="sng" cap="flat" w="0">
+                      <a:noFill/>
                       <a:prstDash val="solid"/>
                     </a:lnR>
                     <a:lnT algn="ctr" cmpd="sng" cap="flat" w="12700">
@@ -3978,20 +3718,12 @@
                     </a:p>
                   </a:txBody>
                   <a:tcPr anchor="ctr" marB="0" marT="0" marR="0" marL="0">
-                    <a:lnL algn="ctr" cmpd="sng" cap="flat" w="12700">
-                      <a:solidFill>
-                        <a:srgbClr val="000000">
-                          <a:alpha val="100000"/>
-                        </a:srgbClr>
-                      </a:solidFill>
-                      <a:prstDash val="solid"/>
-                    </a:lnL>
-                    <a:lnR algn="ctr" cmpd="sng" cap="flat" w="12700">
-                      <a:solidFill>
-                        <a:srgbClr val="000000">
-                          <a:alpha val="100000"/>
-                        </a:srgbClr>
-                      </a:solidFill>
+                    <a:lnL algn="ctr" cmpd="sng" cap="flat" w="0">
+                      <a:noFill/>
+                      <a:prstDash val="solid"/>
+                    </a:lnL>
+                    <a:lnR algn="ctr" cmpd="sng" cap="flat" w="0">
+                      <a:noFill/>
                       <a:prstDash val="solid"/>
                     </a:lnR>
                     <a:lnT algn="ctr" cmpd="sng" cap="flat" w="12700">
@@ -4041,20 +3773,12 @@
                     </a:p>
                   </a:txBody>
                   <a:tcPr anchor="ctr" marB="0" marT="0" marR="0" marL="0">
-                    <a:lnL algn="ctr" cmpd="sng" cap="flat" w="12700">
-                      <a:solidFill>
-                        <a:srgbClr val="000000">
-                          <a:alpha val="100000"/>
-                        </a:srgbClr>
-                      </a:solidFill>
-                      <a:prstDash val="solid"/>
-                    </a:lnL>
-                    <a:lnR algn="ctr" cmpd="sng" cap="flat" w="12700">
-                      <a:solidFill>
-                        <a:srgbClr val="000000">
-                          <a:alpha val="100000"/>
-                        </a:srgbClr>
-                      </a:solidFill>
+                    <a:lnL algn="ctr" cmpd="sng" cap="flat" w="0">
+                      <a:noFill/>
+                      <a:prstDash val="solid"/>
+                    </a:lnL>
+                    <a:lnR algn="ctr" cmpd="sng" cap="flat" w="0">
+                      <a:noFill/>
                       <a:prstDash val="solid"/>
                     </a:lnR>
                     <a:lnT algn="ctr" cmpd="sng" cap="flat" w="12700">
@@ -4104,20 +3828,12 @@
                     </a:p>
                   </a:txBody>
                   <a:tcPr anchor="ctr" marB="0" marT="0" marR="0" marL="0">
-                    <a:lnL algn="ctr" cmpd="sng" cap="flat" w="12700">
-                      <a:solidFill>
-                        <a:srgbClr val="000000">
-                          <a:alpha val="100000"/>
-                        </a:srgbClr>
-                      </a:solidFill>
-                      <a:prstDash val="solid"/>
-                    </a:lnL>
-                    <a:lnR algn="ctr" cmpd="sng" cap="flat" w="12700">
-                      <a:solidFill>
-                        <a:srgbClr val="000000">
-                          <a:alpha val="100000"/>
-                        </a:srgbClr>
-                      </a:solidFill>
+                    <a:lnL algn="ctr" cmpd="sng" cap="flat" w="0">
+                      <a:noFill/>
+                      <a:prstDash val="solid"/>
+                    </a:lnL>
+                    <a:lnR algn="ctr" cmpd="sng" cap="flat" w="0">
+                      <a:noFill/>
                       <a:prstDash val="solid"/>
                     </a:lnR>
                     <a:lnT algn="ctr" cmpd="sng" cap="flat" w="12700">
@@ -4167,20 +3883,12 @@
                     </a:p>
                   </a:txBody>
                   <a:tcPr anchor="ctr" marB="0" marT="0" marR="0" marL="0">
-                    <a:lnL algn="ctr" cmpd="sng" cap="flat" w="12700">
-                      <a:solidFill>
-                        <a:srgbClr val="000000">
-                          <a:alpha val="100000"/>
-                        </a:srgbClr>
-                      </a:solidFill>
-                      <a:prstDash val="solid"/>
-                    </a:lnL>
-                    <a:lnR algn="ctr" cmpd="sng" cap="flat" w="12700">
-                      <a:solidFill>
-                        <a:srgbClr val="000000">
-                          <a:alpha val="100000"/>
-                        </a:srgbClr>
-                      </a:solidFill>
+                    <a:lnL algn="ctr" cmpd="sng" cap="flat" w="0">
+                      <a:noFill/>
+                      <a:prstDash val="solid"/>
+                    </a:lnL>
+                    <a:lnR algn="ctr" cmpd="sng" cap="flat" w="0">
+                      <a:noFill/>
                       <a:prstDash val="solid"/>
                     </a:lnR>
                     <a:lnT algn="ctr" cmpd="sng" cap="flat" w="12700">
@@ -4230,20 +3938,12 @@
                     </a:p>
                   </a:txBody>
                   <a:tcPr anchor="ctr" marB="0" marT="0" marR="0" marL="0">
-                    <a:lnL algn="ctr" cmpd="sng" cap="flat" w="12700">
-                      <a:solidFill>
-                        <a:srgbClr val="000000">
-                          <a:alpha val="100000"/>
-                        </a:srgbClr>
-                      </a:solidFill>
-                      <a:prstDash val="solid"/>
-                    </a:lnL>
-                    <a:lnR algn="ctr" cmpd="sng" cap="flat" w="12700">
-                      <a:solidFill>
-                        <a:srgbClr val="000000">
-                          <a:alpha val="100000"/>
-                        </a:srgbClr>
-                      </a:solidFill>
+                    <a:lnL algn="ctr" cmpd="sng" cap="flat" w="0">
+                      <a:noFill/>
+                      <a:prstDash val="solid"/>
+                    </a:lnL>
+                    <a:lnR algn="ctr" cmpd="sng" cap="flat" w="0">
+                      <a:noFill/>
                       <a:prstDash val="solid"/>
                     </a:lnR>
                     <a:lnT algn="ctr" cmpd="sng" cap="flat" w="12700">
@@ -4293,20 +3993,12 @@
                     </a:p>
                   </a:txBody>
                   <a:tcPr anchor="ctr" marB="0" marT="0" marR="0" marL="0">
-                    <a:lnL algn="ctr" cmpd="sng" cap="flat" w="12700">
-                      <a:solidFill>
-                        <a:srgbClr val="000000">
-                          <a:alpha val="100000"/>
-                        </a:srgbClr>
-                      </a:solidFill>
-                      <a:prstDash val="solid"/>
-                    </a:lnL>
-                    <a:lnR algn="ctr" cmpd="sng" cap="flat" w="12700">
-                      <a:solidFill>
-                        <a:srgbClr val="000000">
-                          <a:alpha val="100000"/>
-                        </a:srgbClr>
-                      </a:solidFill>
+                    <a:lnL algn="ctr" cmpd="sng" cap="flat" w="0">
+                      <a:noFill/>
+                      <a:prstDash val="solid"/>
+                    </a:lnL>
+                    <a:lnR algn="ctr" cmpd="sng" cap="flat" w="0">
+                      <a:noFill/>
                       <a:prstDash val="solid"/>
                     </a:lnR>
                     <a:lnT algn="ctr" cmpd="sng" cap="flat" w="12700">
@@ -4358,20 +4050,12 @@
                     </a:p>
                   </a:txBody>
                   <a:tcPr anchor="ctr" marB="0" marT="0" marR="0" marL="0">
-                    <a:lnL algn="ctr" cmpd="sng" cap="flat" w="12700">
-                      <a:solidFill>
-                        <a:srgbClr val="000000">
-                          <a:alpha val="100000"/>
-                        </a:srgbClr>
-                      </a:solidFill>
-                      <a:prstDash val="solid"/>
-                    </a:lnL>
-                    <a:lnR algn="ctr" cmpd="sng" cap="flat" w="12700">
-                      <a:solidFill>
-                        <a:srgbClr val="000000">
-                          <a:alpha val="100000"/>
-                        </a:srgbClr>
-                      </a:solidFill>
+                    <a:lnL algn="ctr" cmpd="sng" cap="flat" w="0">
+                      <a:noFill/>
+                      <a:prstDash val="solid"/>
+                    </a:lnL>
+                    <a:lnR algn="ctr" cmpd="sng" cap="flat" w="0">
+                      <a:noFill/>
                       <a:prstDash val="solid"/>
                     </a:lnR>
                     <a:lnT algn="ctr" cmpd="sng" cap="flat" w="12700">
@@ -4421,20 +4105,12 @@
                     </a:p>
                   </a:txBody>
                   <a:tcPr anchor="ctr" marB="0" marT="0" marR="0" marL="0">
-                    <a:lnL algn="ctr" cmpd="sng" cap="flat" w="12700">
-                      <a:solidFill>
-                        <a:srgbClr val="000000">
-                          <a:alpha val="100000"/>
-                        </a:srgbClr>
-                      </a:solidFill>
-                      <a:prstDash val="solid"/>
-                    </a:lnL>
-                    <a:lnR algn="ctr" cmpd="sng" cap="flat" w="12700">
-                      <a:solidFill>
-                        <a:srgbClr val="000000">
-                          <a:alpha val="100000"/>
-                        </a:srgbClr>
-                      </a:solidFill>
+                    <a:lnL algn="ctr" cmpd="sng" cap="flat" w="0">
+                      <a:noFill/>
+                      <a:prstDash val="solid"/>
+                    </a:lnL>
+                    <a:lnR algn="ctr" cmpd="sng" cap="flat" w="0">
+                      <a:noFill/>
                       <a:prstDash val="solid"/>
                     </a:lnR>
                     <a:lnT algn="ctr" cmpd="sng" cap="flat" w="12700">
@@ -4484,20 +4160,12 @@
                     </a:p>
                   </a:txBody>
                   <a:tcPr anchor="ctr" marB="0" marT="0" marR="0" marL="0">
-                    <a:lnL algn="ctr" cmpd="sng" cap="flat" w="12700">
-                      <a:solidFill>
-                        <a:srgbClr val="000000">
-                          <a:alpha val="100000"/>
-                        </a:srgbClr>
-                      </a:solidFill>
-                      <a:prstDash val="solid"/>
-                    </a:lnL>
-                    <a:lnR algn="ctr" cmpd="sng" cap="flat" w="12700">
-                      <a:solidFill>
-                        <a:srgbClr val="000000">
-                          <a:alpha val="100000"/>
-                        </a:srgbClr>
-                      </a:solidFill>
+                    <a:lnL algn="ctr" cmpd="sng" cap="flat" w="0">
+                      <a:noFill/>
+                      <a:prstDash val="solid"/>
+                    </a:lnL>
+                    <a:lnR algn="ctr" cmpd="sng" cap="flat" w="0">
+                      <a:noFill/>
                       <a:prstDash val="solid"/>
                     </a:lnR>
                     <a:lnT algn="ctr" cmpd="sng" cap="flat" w="12700">
@@ -4547,20 +4215,12 @@
                     </a:p>
                   </a:txBody>
                   <a:tcPr anchor="ctr" marB="0" marT="0" marR="0" marL="0">
-                    <a:lnL algn="ctr" cmpd="sng" cap="flat" w="12700">
-                      <a:solidFill>
-                        <a:srgbClr val="000000">
-                          <a:alpha val="100000"/>
-                        </a:srgbClr>
-                      </a:solidFill>
-                      <a:prstDash val="solid"/>
-                    </a:lnL>
-                    <a:lnR algn="ctr" cmpd="sng" cap="flat" w="12700">
-                      <a:solidFill>
-                        <a:srgbClr val="000000">
-                          <a:alpha val="100000"/>
-                        </a:srgbClr>
-                      </a:solidFill>
+                    <a:lnL algn="ctr" cmpd="sng" cap="flat" w="0">
+                      <a:noFill/>
+                      <a:prstDash val="solid"/>
+                    </a:lnL>
+                    <a:lnR algn="ctr" cmpd="sng" cap="flat" w="0">
+                      <a:noFill/>
                       <a:prstDash val="solid"/>
                     </a:lnR>
                     <a:lnT algn="ctr" cmpd="sng" cap="flat" w="12700">
@@ -4610,20 +4270,12 @@
                     </a:p>
                   </a:txBody>
                   <a:tcPr anchor="ctr" marB="0" marT="0" marR="0" marL="0">
-                    <a:lnL algn="ctr" cmpd="sng" cap="flat" w="12700">
-                      <a:solidFill>
-                        <a:srgbClr val="000000">
-                          <a:alpha val="100000"/>
-                        </a:srgbClr>
-                      </a:solidFill>
-                      <a:prstDash val="solid"/>
-                    </a:lnL>
-                    <a:lnR algn="ctr" cmpd="sng" cap="flat" w="12700">
-                      <a:solidFill>
-                        <a:srgbClr val="000000">
-                          <a:alpha val="100000"/>
-                        </a:srgbClr>
-                      </a:solidFill>
+                    <a:lnL algn="ctr" cmpd="sng" cap="flat" w="0">
+                      <a:noFill/>
+                      <a:prstDash val="solid"/>
+                    </a:lnL>
+                    <a:lnR algn="ctr" cmpd="sng" cap="flat" w="0">
+                      <a:noFill/>
                       <a:prstDash val="solid"/>
                     </a:lnR>
                     <a:lnT algn="ctr" cmpd="sng" cap="flat" w="12700">
@@ -4673,20 +4325,12 @@
                     </a:p>
                   </a:txBody>
                   <a:tcPr anchor="ctr" marB="0" marT="0" marR="0" marL="0">
-                    <a:lnL algn="ctr" cmpd="sng" cap="flat" w="12700">
-                      <a:solidFill>
-                        <a:srgbClr val="000000">
-                          <a:alpha val="100000"/>
-                        </a:srgbClr>
-                      </a:solidFill>
-                      <a:prstDash val="solid"/>
-                    </a:lnL>
-                    <a:lnR algn="ctr" cmpd="sng" cap="flat" w="12700">
-                      <a:solidFill>
-                        <a:srgbClr val="000000">
-                          <a:alpha val="100000"/>
-                        </a:srgbClr>
-                      </a:solidFill>
+                    <a:lnL algn="ctr" cmpd="sng" cap="flat" w="0">
+                      <a:noFill/>
+                      <a:prstDash val="solid"/>
+                    </a:lnL>
+                    <a:lnR algn="ctr" cmpd="sng" cap="flat" w="0">
+                      <a:noFill/>
                       <a:prstDash val="solid"/>
                     </a:lnR>
                     <a:lnT algn="ctr" cmpd="sng" cap="flat" w="12700">
@@ -4736,20 +4380,12 @@
                     </a:p>
                   </a:txBody>
                   <a:tcPr anchor="ctr" marB="0" marT="0" marR="0" marL="0">
-                    <a:lnL algn="ctr" cmpd="sng" cap="flat" w="12700">
-                      <a:solidFill>
-                        <a:srgbClr val="000000">
-                          <a:alpha val="100000"/>
-                        </a:srgbClr>
-                      </a:solidFill>
-                      <a:prstDash val="solid"/>
-                    </a:lnL>
-                    <a:lnR algn="ctr" cmpd="sng" cap="flat" w="12700">
-                      <a:solidFill>
-                        <a:srgbClr val="000000">
-                          <a:alpha val="100000"/>
-                        </a:srgbClr>
-                      </a:solidFill>
+                    <a:lnL algn="ctr" cmpd="sng" cap="flat" w="0">
+                      <a:noFill/>
+                      <a:prstDash val="solid"/>
+                    </a:lnL>
+                    <a:lnR algn="ctr" cmpd="sng" cap="flat" w="0">
+                      <a:noFill/>
                       <a:prstDash val="solid"/>
                     </a:lnR>
                     <a:lnT algn="ctr" cmpd="sng" cap="flat" w="12700">
@@ -4799,20 +4435,12 @@
                     </a:p>
                   </a:txBody>
                   <a:tcPr anchor="ctr" marB="0" marT="0" marR="0" marL="0">
-                    <a:lnL algn="ctr" cmpd="sng" cap="flat" w="12700">
-                      <a:solidFill>
-                        <a:srgbClr val="000000">
-                          <a:alpha val="100000"/>
-                        </a:srgbClr>
-                      </a:solidFill>
-                      <a:prstDash val="solid"/>
-                    </a:lnL>
-                    <a:lnR algn="ctr" cmpd="sng" cap="flat" w="12700">
-                      <a:solidFill>
-                        <a:srgbClr val="000000">
-                          <a:alpha val="100000"/>
-                        </a:srgbClr>
-                      </a:solidFill>
+                    <a:lnL algn="ctr" cmpd="sng" cap="flat" w="0">
+                      <a:noFill/>
+                      <a:prstDash val="solid"/>
+                    </a:lnL>
+                    <a:lnR algn="ctr" cmpd="sng" cap="flat" w="0">
+                      <a:noFill/>
                       <a:prstDash val="solid"/>
                     </a:lnR>
                     <a:lnT algn="ctr" cmpd="sng" cap="flat" w="12700">
@@ -4862,20 +4490,12 @@
                     </a:p>
                   </a:txBody>
                   <a:tcPr anchor="ctr" marB="0" marT="0" marR="0" marL="0">
-                    <a:lnL algn="ctr" cmpd="sng" cap="flat" w="12700">
-                      <a:solidFill>
-                        <a:srgbClr val="000000">
-                          <a:alpha val="100000"/>
-                        </a:srgbClr>
-                      </a:solidFill>
-                      <a:prstDash val="solid"/>
-                    </a:lnL>
-                    <a:lnR algn="ctr" cmpd="sng" cap="flat" w="12700">
-                      <a:solidFill>
-                        <a:srgbClr val="000000">
-                          <a:alpha val="100000"/>
-                        </a:srgbClr>
-                      </a:solidFill>
+                    <a:lnL algn="ctr" cmpd="sng" cap="flat" w="0">
+                      <a:noFill/>
+                      <a:prstDash val="solid"/>
+                    </a:lnL>
+                    <a:lnR algn="ctr" cmpd="sng" cap="flat" w="0">
+                      <a:noFill/>
                       <a:prstDash val="solid"/>
                     </a:lnR>
                     <a:lnT algn="ctr" cmpd="sng" cap="flat" w="12700">
@@ -4925,20 +4545,12 @@
                     </a:p>
                   </a:txBody>
                   <a:tcPr anchor="ctr" marB="0" marT="0" marR="0" marL="0">
-                    <a:lnL algn="ctr" cmpd="sng" cap="flat" w="12700">
-                      <a:solidFill>
-                        <a:srgbClr val="000000">
-                          <a:alpha val="100000"/>
-                        </a:srgbClr>
-                      </a:solidFill>
-                      <a:prstDash val="solid"/>
-                    </a:lnL>
-                    <a:lnR algn="ctr" cmpd="sng" cap="flat" w="12700">
-                      <a:solidFill>
-                        <a:srgbClr val="000000">
-                          <a:alpha val="100000"/>
-                        </a:srgbClr>
-                      </a:solidFill>
+                    <a:lnL algn="ctr" cmpd="sng" cap="flat" w="0">
+                      <a:noFill/>
+                      <a:prstDash val="solid"/>
+                    </a:lnL>
+                    <a:lnR algn="ctr" cmpd="sng" cap="flat" w="0">
+                      <a:noFill/>
                       <a:prstDash val="solid"/>
                     </a:lnR>
                     <a:lnT algn="ctr" cmpd="sng" cap="flat" w="12700">
@@ -4988,20 +4600,12 @@
                     </a:p>
                   </a:txBody>
                   <a:tcPr anchor="ctr" marB="0" marT="0" marR="0" marL="0">
-                    <a:lnL algn="ctr" cmpd="sng" cap="flat" w="12700">
-                      <a:solidFill>
-                        <a:srgbClr val="000000">
-                          <a:alpha val="100000"/>
-                        </a:srgbClr>
-                      </a:solidFill>
-                      <a:prstDash val="solid"/>
-                    </a:lnL>
-                    <a:lnR algn="ctr" cmpd="sng" cap="flat" w="12700">
-                      <a:solidFill>
-                        <a:srgbClr val="000000">
-                          <a:alpha val="100000"/>
-                        </a:srgbClr>
-                      </a:solidFill>
+                    <a:lnL algn="ctr" cmpd="sng" cap="flat" w="0">
+                      <a:noFill/>
+                      <a:prstDash val="solid"/>
+                    </a:lnL>
+                    <a:lnR algn="ctr" cmpd="sng" cap="flat" w="0">
+                      <a:noFill/>
                       <a:prstDash val="solid"/>
                     </a:lnR>
                     <a:lnT algn="ctr" cmpd="sng" cap="flat" w="12700">
@@ -5053,20 +4657,12 @@
                     </a:p>
                   </a:txBody>
                   <a:tcPr anchor="ctr" marB="0" marT="0" marR="0" marL="0">
-                    <a:lnL algn="ctr" cmpd="sng" cap="flat" w="12700">
-                      <a:solidFill>
-                        <a:srgbClr val="000000">
-                          <a:alpha val="100000"/>
-                        </a:srgbClr>
-                      </a:solidFill>
-                      <a:prstDash val="solid"/>
-                    </a:lnL>
-                    <a:lnR algn="ctr" cmpd="sng" cap="flat" w="12700">
-                      <a:solidFill>
-                        <a:srgbClr val="000000">
-                          <a:alpha val="100000"/>
-                        </a:srgbClr>
-                      </a:solidFill>
+                    <a:lnL algn="ctr" cmpd="sng" cap="flat" w="0">
+                      <a:noFill/>
+                      <a:prstDash val="solid"/>
+                    </a:lnL>
+                    <a:lnR algn="ctr" cmpd="sng" cap="flat" w="0">
+                      <a:noFill/>
                       <a:prstDash val="solid"/>
                     </a:lnR>
                     <a:lnT algn="ctr" cmpd="sng" cap="flat" w="12700">
@@ -5116,20 +4712,12 @@
                     </a:p>
                   </a:txBody>
                   <a:tcPr anchor="ctr" marB="0" marT="0" marR="0" marL="0">
-                    <a:lnL algn="ctr" cmpd="sng" cap="flat" w="12700">
-                      <a:solidFill>
-                        <a:srgbClr val="000000">
-                          <a:alpha val="100000"/>
-                        </a:srgbClr>
-                      </a:solidFill>
-                      <a:prstDash val="solid"/>
-                    </a:lnL>
-                    <a:lnR algn="ctr" cmpd="sng" cap="flat" w="12700">
-                      <a:solidFill>
-                        <a:srgbClr val="000000">
-                          <a:alpha val="100000"/>
-                        </a:srgbClr>
-                      </a:solidFill>
+                    <a:lnL algn="ctr" cmpd="sng" cap="flat" w="0">
+                      <a:noFill/>
+                      <a:prstDash val="solid"/>
+                    </a:lnL>
+                    <a:lnR algn="ctr" cmpd="sng" cap="flat" w="0">
+                      <a:noFill/>
                       <a:prstDash val="solid"/>
                     </a:lnR>
                     <a:lnT algn="ctr" cmpd="sng" cap="flat" w="12700">
@@ -5179,20 +4767,12 @@
                     </a:p>
                   </a:txBody>
                   <a:tcPr anchor="ctr" marB="0" marT="0" marR="0" marL="0">
-                    <a:lnL algn="ctr" cmpd="sng" cap="flat" w="12700">
-                      <a:solidFill>
-                        <a:srgbClr val="000000">
-                          <a:alpha val="100000"/>
-                        </a:srgbClr>
-                      </a:solidFill>
-                      <a:prstDash val="solid"/>
-                    </a:lnL>
-                    <a:lnR algn="ctr" cmpd="sng" cap="flat" w="12700">
-                      <a:solidFill>
-                        <a:srgbClr val="000000">
-                          <a:alpha val="100000"/>
-                        </a:srgbClr>
-                      </a:solidFill>
+                    <a:lnL algn="ctr" cmpd="sng" cap="flat" w="0">
+                      <a:noFill/>
+                      <a:prstDash val="solid"/>
+                    </a:lnL>
+                    <a:lnR algn="ctr" cmpd="sng" cap="flat" w="0">
+                      <a:noFill/>
                       <a:prstDash val="solid"/>
                     </a:lnR>
                     <a:lnT algn="ctr" cmpd="sng" cap="flat" w="12700">
@@ -5242,20 +4822,12 @@
                     </a:p>
                   </a:txBody>
                   <a:tcPr anchor="ctr" marB="0" marT="0" marR="0" marL="0">
-                    <a:lnL algn="ctr" cmpd="sng" cap="flat" w="12700">
-                      <a:solidFill>
-                        <a:srgbClr val="000000">
-                          <a:alpha val="100000"/>
-                        </a:srgbClr>
-                      </a:solidFill>
-                      <a:prstDash val="solid"/>
-                    </a:lnL>
-                    <a:lnR algn="ctr" cmpd="sng" cap="flat" w="12700">
-                      <a:solidFill>
-                        <a:srgbClr val="000000">
-                          <a:alpha val="100000"/>
-                        </a:srgbClr>
-                      </a:solidFill>
+                    <a:lnL algn="ctr" cmpd="sng" cap="flat" w="0">
+                      <a:noFill/>
+                      <a:prstDash val="solid"/>
+                    </a:lnL>
+                    <a:lnR algn="ctr" cmpd="sng" cap="flat" w="0">
+                      <a:noFill/>
                       <a:prstDash val="solid"/>
                     </a:lnR>
                     <a:lnT algn="ctr" cmpd="sng" cap="flat" w="12700">
@@ -5305,20 +4877,12 @@
                     </a:p>
                   </a:txBody>
                   <a:tcPr anchor="ctr" marB="0" marT="0" marR="0" marL="0">
-                    <a:lnL algn="ctr" cmpd="sng" cap="flat" w="12700">
-                      <a:solidFill>
-                        <a:srgbClr val="000000">
-                          <a:alpha val="100000"/>
-                        </a:srgbClr>
-                      </a:solidFill>
-                      <a:prstDash val="solid"/>
-                    </a:lnL>
-                    <a:lnR algn="ctr" cmpd="sng" cap="flat" w="12700">
-                      <a:solidFill>
-                        <a:srgbClr val="000000">
-                          <a:alpha val="100000"/>
-                        </a:srgbClr>
-                      </a:solidFill>
+                    <a:lnL algn="ctr" cmpd="sng" cap="flat" w="0">
+                      <a:noFill/>
+                      <a:prstDash val="solid"/>
+                    </a:lnL>
+                    <a:lnR algn="ctr" cmpd="sng" cap="flat" w="0">
+                      <a:noFill/>
                       <a:prstDash val="solid"/>
                     </a:lnR>
                     <a:lnT algn="ctr" cmpd="sng" cap="flat" w="12700">
@@ -5368,20 +4932,12 @@
                     </a:p>
                   </a:txBody>
                   <a:tcPr anchor="ctr" marB="0" marT="0" marR="0" marL="0">
-                    <a:lnL algn="ctr" cmpd="sng" cap="flat" w="12700">
-                      <a:solidFill>
-                        <a:srgbClr val="000000">
-                          <a:alpha val="100000"/>
-                        </a:srgbClr>
-                      </a:solidFill>
-                      <a:prstDash val="solid"/>
-                    </a:lnL>
-                    <a:lnR algn="ctr" cmpd="sng" cap="flat" w="12700">
-                      <a:solidFill>
-                        <a:srgbClr val="000000">
-                          <a:alpha val="100000"/>
-                        </a:srgbClr>
-                      </a:solidFill>
+                    <a:lnL algn="ctr" cmpd="sng" cap="flat" w="0">
+                      <a:noFill/>
+                      <a:prstDash val="solid"/>
+                    </a:lnL>
+                    <a:lnR algn="ctr" cmpd="sng" cap="flat" w="0">
+                      <a:noFill/>
                       <a:prstDash val="solid"/>
                     </a:lnR>
                     <a:lnT algn="ctr" cmpd="sng" cap="flat" w="12700">
@@ -5431,20 +4987,12 @@
                     </a:p>
                   </a:txBody>
                   <a:tcPr anchor="ctr" marB="0" marT="0" marR="0" marL="0">
-                    <a:lnL algn="ctr" cmpd="sng" cap="flat" w="12700">
-                      <a:solidFill>
-                        <a:srgbClr val="000000">
-                          <a:alpha val="100000"/>
-                        </a:srgbClr>
-                      </a:solidFill>
-                      <a:prstDash val="solid"/>
-                    </a:lnL>
-                    <a:lnR algn="ctr" cmpd="sng" cap="flat" w="12700">
-                      <a:solidFill>
-                        <a:srgbClr val="000000">
-                          <a:alpha val="100000"/>
-                        </a:srgbClr>
-                      </a:solidFill>
+                    <a:lnL algn="ctr" cmpd="sng" cap="flat" w="0">
+                      <a:noFill/>
+                      <a:prstDash val="solid"/>
+                    </a:lnL>
+                    <a:lnR algn="ctr" cmpd="sng" cap="flat" w="0">
+                      <a:noFill/>
                       <a:prstDash val="solid"/>
                     </a:lnR>
                     <a:lnT algn="ctr" cmpd="sng" cap="flat" w="12700">
@@ -5494,20 +5042,12 @@
                     </a:p>
                   </a:txBody>
                   <a:tcPr anchor="ctr" marB="0" marT="0" marR="0" marL="0">
-                    <a:lnL algn="ctr" cmpd="sng" cap="flat" w="12700">
-                      <a:solidFill>
-                        <a:srgbClr val="000000">
-                          <a:alpha val="100000"/>
-                        </a:srgbClr>
-                      </a:solidFill>
-                      <a:prstDash val="solid"/>
-                    </a:lnL>
-                    <a:lnR algn="ctr" cmpd="sng" cap="flat" w="12700">
-                      <a:solidFill>
-                        <a:srgbClr val="000000">
-                          <a:alpha val="100000"/>
-                        </a:srgbClr>
-                      </a:solidFill>
+                    <a:lnL algn="ctr" cmpd="sng" cap="flat" w="0">
+                      <a:noFill/>
+                      <a:prstDash val="solid"/>
+                    </a:lnL>
+                    <a:lnR algn="ctr" cmpd="sng" cap="flat" w="0">
+                      <a:noFill/>
                       <a:prstDash val="solid"/>
                     </a:lnR>
                     <a:lnT algn="ctr" cmpd="sng" cap="flat" w="12700">
@@ -5557,20 +5097,12 @@
                     </a:p>
                   </a:txBody>
                   <a:tcPr anchor="ctr" marB="0" marT="0" marR="0" marL="0">
-                    <a:lnL algn="ctr" cmpd="sng" cap="flat" w="12700">
-                      <a:solidFill>
-                        <a:srgbClr val="000000">
-                          <a:alpha val="100000"/>
-                        </a:srgbClr>
-                      </a:solidFill>
-                      <a:prstDash val="solid"/>
-                    </a:lnL>
-                    <a:lnR algn="ctr" cmpd="sng" cap="flat" w="12700">
-                      <a:solidFill>
-                        <a:srgbClr val="000000">
-                          <a:alpha val="100000"/>
-                        </a:srgbClr>
-                      </a:solidFill>
+                    <a:lnL algn="ctr" cmpd="sng" cap="flat" w="0">
+                      <a:noFill/>
+                      <a:prstDash val="solid"/>
+                    </a:lnL>
+                    <a:lnR algn="ctr" cmpd="sng" cap="flat" w="0">
+                      <a:noFill/>
                       <a:prstDash val="solid"/>
                     </a:lnR>
                     <a:lnT algn="ctr" cmpd="sng" cap="flat" w="12700">
@@ -5620,20 +5152,12 @@
                     </a:p>
                   </a:txBody>
                   <a:tcPr anchor="ctr" marB="0" marT="0" marR="0" marL="0">
-                    <a:lnL algn="ctr" cmpd="sng" cap="flat" w="12700">
-                      <a:solidFill>
-                        <a:srgbClr val="000000">
-                          <a:alpha val="100000"/>
-                        </a:srgbClr>
-                      </a:solidFill>
-                      <a:prstDash val="solid"/>
-                    </a:lnL>
-                    <a:lnR algn="ctr" cmpd="sng" cap="flat" w="12700">
-                      <a:solidFill>
-                        <a:srgbClr val="000000">
-                          <a:alpha val="100000"/>
-                        </a:srgbClr>
-                      </a:solidFill>
+                    <a:lnL algn="ctr" cmpd="sng" cap="flat" w="0">
+                      <a:noFill/>
+                      <a:prstDash val="solid"/>
+                    </a:lnL>
+                    <a:lnR algn="ctr" cmpd="sng" cap="flat" w="0">
+                      <a:noFill/>
                       <a:prstDash val="solid"/>
                     </a:lnR>
                     <a:lnT algn="ctr" cmpd="sng" cap="flat" w="12700">
@@ -5683,20 +5207,12 @@
                     </a:p>
                   </a:txBody>
                   <a:tcPr anchor="ctr" marB="0" marT="0" marR="0" marL="0">
-                    <a:lnL algn="ctr" cmpd="sng" cap="flat" w="12700">
-                      <a:solidFill>
-                        <a:srgbClr val="000000">
-                          <a:alpha val="100000"/>
-                        </a:srgbClr>
-                      </a:solidFill>
-                      <a:prstDash val="solid"/>
-                    </a:lnL>
-                    <a:lnR algn="ctr" cmpd="sng" cap="flat" w="12700">
-                      <a:solidFill>
-                        <a:srgbClr val="000000">
-                          <a:alpha val="100000"/>
-                        </a:srgbClr>
-                      </a:solidFill>
+                    <a:lnL algn="ctr" cmpd="sng" cap="flat" w="0">
+                      <a:noFill/>
+                      <a:prstDash val="solid"/>
+                    </a:lnL>
+                    <a:lnR algn="ctr" cmpd="sng" cap="flat" w="0">
+                      <a:noFill/>
                       <a:prstDash val="solid"/>
                     </a:lnR>
                     <a:lnT algn="ctr" cmpd="sng" cap="flat" w="12700">
@@ -5748,20 +5264,12 @@
                     </a:p>
                   </a:txBody>
                   <a:tcPr anchor="ctr" marB="0" marT="0" marR="0" marL="0">
-                    <a:lnL algn="ctr" cmpd="sng" cap="flat" w="12700">
-                      <a:solidFill>
-                        <a:srgbClr val="000000">
-                          <a:alpha val="100000"/>
-                        </a:srgbClr>
-                      </a:solidFill>
-                      <a:prstDash val="solid"/>
-                    </a:lnL>
-                    <a:lnR algn="ctr" cmpd="sng" cap="flat" w="12700">
-                      <a:solidFill>
-                        <a:srgbClr val="000000">
-                          <a:alpha val="100000"/>
-                        </a:srgbClr>
-                      </a:solidFill>
+                    <a:lnL algn="ctr" cmpd="sng" cap="flat" w="0">
+                      <a:noFill/>
+                      <a:prstDash val="solid"/>
+                    </a:lnL>
+                    <a:lnR algn="ctr" cmpd="sng" cap="flat" w="0">
+                      <a:noFill/>
                       <a:prstDash val="solid"/>
                     </a:lnR>
                     <a:lnT algn="ctr" cmpd="sng" cap="flat" w="12700">
@@ -5811,20 +5319,12 @@
                     </a:p>
                   </a:txBody>
                   <a:tcPr anchor="ctr" marB="0" marT="0" marR="0" marL="0">
-                    <a:lnL algn="ctr" cmpd="sng" cap="flat" w="12700">
-                      <a:solidFill>
-                        <a:srgbClr val="000000">
-                          <a:alpha val="100000"/>
-                        </a:srgbClr>
-                      </a:solidFill>
-                      <a:prstDash val="solid"/>
-                    </a:lnL>
-                    <a:lnR algn="ctr" cmpd="sng" cap="flat" w="12700">
-                      <a:solidFill>
-                        <a:srgbClr val="000000">
-                          <a:alpha val="100000"/>
-                        </a:srgbClr>
-                      </a:solidFill>
+                    <a:lnL algn="ctr" cmpd="sng" cap="flat" w="0">
+                      <a:noFill/>
+                      <a:prstDash val="solid"/>
+                    </a:lnL>
+                    <a:lnR algn="ctr" cmpd="sng" cap="flat" w="0">
+                      <a:noFill/>
                       <a:prstDash val="solid"/>
                     </a:lnR>
                     <a:lnT algn="ctr" cmpd="sng" cap="flat" w="12700">
@@ -5874,20 +5374,12 @@
                     </a:p>
                   </a:txBody>
                   <a:tcPr anchor="ctr" marB="0" marT="0" marR="0" marL="0">
-                    <a:lnL algn="ctr" cmpd="sng" cap="flat" w="12700">
-                      <a:solidFill>
-                        <a:srgbClr val="000000">
-                          <a:alpha val="100000"/>
-                        </a:srgbClr>
-                      </a:solidFill>
-                      <a:prstDash val="solid"/>
-                    </a:lnL>
-                    <a:lnR algn="ctr" cmpd="sng" cap="flat" w="12700">
-                      <a:solidFill>
-                        <a:srgbClr val="000000">
-                          <a:alpha val="100000"/>
-                        </a:srgbClr>
-                      </a:solidFill>
+                    <a:lnL algn="ctr" cmpd="sng" cap="flat" w="0">
+                      <a:noFill/>
+                      <a:prstDash val="solid"/>
+                    </a:lnL>
+                    <a:lnR algn="ctr" cmpd="sng" cap="flat" w="0">
+                      <a:noFill/>
                       <a:prstDash val="solid"/>
                     </a:lnR>
                     <a:lnT algn="ctr" cmpd="sng" cap="flat" w="12700">
@@ -5937,20 +5429,12 @@
                     </a:p>
                   </a:txBody>
                   <a:tcPr anchor="ctr" marB="0" marT="0" marR="0" marL="0">
-                    <a:lnL algn="ctr" cmpd="sng" cap="flat" w="12700">
-                      <a:solidFill>
-                        <a:srgbClr val="000000">
-                          <a:alpha val="100000"/>
-                        </a:srgbClr>
-                      </a:solidFill>
-                      <a:prstDash val="solid"/>
-                    </a:lnL>
-                    <a:lnR algn="ctr" cmpd="sng" cap="flat" w="12700">
-                      <a:solidFill>
-                        <a:srgbClr val="000000">
-                          <a:alpha val="100000"/>
-                        </a:srgbClr>
-                      </a:solidFill>
+                    <a:lnL algn="ctr" cmpd="sng" cap="flat" w="0">
+                      <a:noFill/>
+                      <a:prstDash val="solid"/>
+                    </a:lnL>
+                    <a:lnR algn="ctr" cmpd="sng" cap="flat" w="0">
+                      <a:noFill/>
                       <a:prstDash val="solid"/>
                     </a:lnR>
                     <a:lnT algn="ctr" cmpd="sng" cap="flat" w="12700">
@@ -6000,20 +5484,12 @@
                     </a:p>
                   </a:txBody>
                   <a:tcPr anchor="ctr" marB="0" marT="0" marR="0" marL="0">
-                    <a:lnL algn="ctr" cmpd="sng" cap="flat" w="12700">
-                      <a:solidFill>
-                        <a:srgbClr val="000000">
-                          <a:alpha val="100000"/>
-                        </a:srgbClr>
-                      </a:solidFill>
-                      <a:prstDash val="solid"/>
-                    </a:lnL>
-                    <a:lnR algn="ctr" cmpd="sng" cap="flat" w="12700">
-                      <a:solidFill>
-                        <a:srgbClr val="000000">
-                          <a:alpha val="100000"/>
-                        </a:srgbClr>
-                      </a:solidFill>
+                    <a:lnL algn="ctr" cmpd="sng" cap="flat" w="0">
+                      <a:noFill/>
+                      <a:prstDash val="solid"/>
+                    </a:lnL>
+                    <a:lnR algn="ctr" cmpd="sng" cap="flat" w="0">
+                      <a:noFill/>
                       <a:prstDash val="solid"/>
                     </a:lnR>
                     <a:lnT algn="ctr" cmpd="sng" cap="flat" w="12700">
@@ -6063,20 +5539,12 @@
                     </a:p>
                   </a:txBody>
                   <a:tcPr anchor="ctr" marB="0" marT="0" marR="0" marL="0">
-                    <a:lnL algn="ctr" cmpd="sng" cap="flat" w="12700">
-                      <a:solidFill>
-                        <a:srgbClr val="000000">
-                          <a:alpha val="100000"/>
-                        </a:srgbClr>
-                      </a:solidFill>
-                      <a:prstDash val="solid"/>
-                    </a:lnL>
-                    <a:lnR algn="ctr" cmpd="sng" cap="flat" w="12700">
-                      <a:solidFill>
-                        <a:srgbClr val="000000">
-                          <a:alpha val="100000"/>
-                        </a:srgbClr>
-                      </a:solidFill>
+                    <a:lnL algn="ctr" cmpd="sng" cap="flat" w="0">
+                      <a:noFill/>
+                      <a:prstDash val="solid"/>
+                    </a:lnL>
+                    <a:lnR algn="ctr" cmpd="sng" cap="flat" w="0">
+                      <a:noFill/>
                       <a:prstDash val="solid"/>
                     </a:lnR>
                     <a:lnT algn="ctr" cmpd="sng" cap="flat" w="12700">
@@ -6126,20 +5594,12 @@
                     </a:p>
                   </a:txBody>
                   <a:tcPr anchor="ctr" marB="0" marT="0" marR="0" marL="0">
-                    <a:lnL algn="ctr" cmpd="sng" cap="flat" w="12700">
-                      <a:solidFill>
-                        <a:srgbClr val="000000">
-                          <a:alpha val="100000"/>
-                        </a:srgbClr>
-                      </a:solidFill>
-                      <a:prstDash val="solid"/>
-                    </a:lnL>
-                    <a:lnR algn="ctr" cmpd="sng" cap="flat" w="12700">
-                      <a:solidFill>
-                        <a:srgbClr val="000000">
-                          <a:alpha val="100000"/>
-                        </a:srgbClr>
-                      </a:solidFill>
+                    <a:lnL algn="ctr" cmpd="sng" cap="flat" w="0">
+                      <a:noFill/>
+                      <a:prstDash val="solid"/>
+                    </a:lnL>
+                    <a:lnR algn="ctr" cmpd="sng" cap="flat" w="0">
+                      <a:noFill/>
                       <a:prstDash val="solid"/>
                     </a:lnR>
                     <a:lnT algn="ctr" cmpd="sng" cap="flat" w="12700">
@@ -6189,20 +5649,12 @@
                     </a:p>
                   </a:txBody>
                   <a:tcPr anchor="ctr" marB="0" marT="0" marR="0" marL="0">
-                    <a:lnL algn="ctr" cmpd="sng" cap="flat" w="12700">
-                      <a:solidFill>
-                        <a:srgbClr val="000000">
-                          <a:alpha val="100000"/>
-                        </a:srgbClr>
-                      </a:solidFill>
-                      <a:prstDash val="solid"/>
-                    </a:lnL>
-                    <a:lnR algn="ctr" cmpd="sng" cap="flat" w="12700">
-                      <a:solidFill>
-                        <a:srgbClr val="000000">
-                          <a:alpha val="100000"/>
-                        </a:srgbClr>
-                      </a:solidFill>
+                    <a:lnL algn="ctr" cmpd="sng" cap="flat" w="0">
+                      <a:noFill/>
+                      <a:prstDash val="solid"/>
+                    </a:lnL>
+                    <a:lnR algn="ctr" cmpd="sng" cap="flat" w="0">
+                      <a:noFill/>
                       <a:prstDash val="solid"/>
                     </a:lnR>
                     <a:lnT algn="ctr" cmpd="sng" cap="flat" w="12700">
@@ -6252,20 +5704,12 @@
                     </a:p>
                   </a:txBody>
                   <a:tcPr anchor="ctr" marB="0" marT="0" marR="0" marL="0">
-                    <a:lnL algn="ctr" cmpd="sng" cap="flat" w="12700">
-                      <a:solidFill>
-                        <a:srgbClr val="000000">
-                          <a:alpha val="100000"/>
-                        </a:srgbClr>
-                      </a:solidFill>
-                      <a:prstDash val="solid"/>
-                    </a:lnL>
-                    <a:lnR algn="ctr" cmpd="sng" cap="flat" w="12700">
-                      <a:solidFill>
-                        <a:srgbClr val="000000">
-                          <a:alpha val="100000"/>
-                        </a:srgbClr>
-                      </a:solidFill>
+                    <a:lnL algn="ctr" cmpd="sng" cap="flat" w="0">
+                      <a:noFill/>
+                      <a:prstDash val="solid"/>
+                    </a:lnL>
+                    <a:lnR algn="ctr" cmpd="sng" cap="flat" w="0">
+                      <a:noFill/>
                       <a:prstDash val="solid"/>
                     </a:lnR>
                     <a:lnT algn="ctr" cmpd="sng" cap="flat" w="12700">
@@ -6315,20 +5759,12 @@
                     </a:p>
                   </a:txBody>
                   <a:tcPr anchor="ctr" marB="0" marT="0" marR="0" marL="0">
-                    <a:lnL algn="ctr" cmpd="sng" cap="flat" w="12700">
-                      <a:solidFill>
-                        <a:srgbClr val="000000">
-                          <a:alpha val="100000"/>
-                        </a:srgbClr>
-                      </a:solidFill>
-                      <a:prstDash val="solid"/>
-                    </a:lnL>
-                    <a:lnR algn="ctr" cmpd="sng" cap="flat" w="12700">
-                      <a:solidFill>
-                        <a:srgbClr val="000000">
-                          <a:alpha val="100000"/>
-                        </a:srgbClr>
-                      </a:solidFill>
+                    <a:lnL algn="ctr" cmpd="sng" cap="flat" w="0">
+                      <a:noFill/>
+                      <a:prstDash val="solid"/>
+                    </a:lnL>
+                    <a:lnR algn="ctr" cmpd="sng" cap="flat" w="0">
+                      <a:noFill/>
                       <a:prstDash val="solid"/>
                     </a:lnR>
                     <a:lnT algn="ctr" cmpd="sng" cap="flat" w="12700">
@@ -6378,20 +5814,12 @@
                     </a:p>
                   </a:txBody>
                   <a:tcPr anchor="ctr" marB="0" marT="0" marR="0" marL="0">
-                    <a:lnL algn="ctr" cmpd="sng" cap="flat" w="12700">
-                      <a:solidFill>
-                        <a:srgbClr val="000000">
-                          <a:alpha val="100000"/>
-                        </a:srgbClr>
-                      </a:solidFill>
-                      <a:prstDash val="solid"/>
-                    </a:lnL>
-                    <a:lnR algn="ctr" cmpd="sng" cap="flat" w="12700">
-                      <a:solidFill>
-                        <a:srgbClr val="000000">
-                          <a:alpha val="100000"/>
-                        </a:srgbClr>
-                      </a:solidFill>
+                    <a:lnL algn="ctr" cmpd="sng" cap="flat" w="0">
+                      <a:noFill/>
+                      <a:prstDash val="solid"/>
+                    </a:lnL>
+                    <a:lnR algn="ctr" cmpd="sng" cap="flat" w="0">
+                      <a:noFill/>
                       <a:prstDash val="solid"/>
                     </a:lnR>
                     <a:lnT algn="ctr" cmpd="sng" cap="flat" w="12700">
@@ -6443,31 +5871,19 @@
                     </a:p>
                   </a:txBody>
                   <a:tcPr anchor="ctr" marB="0" marT="0" marR="0" marL="0">
-                    <a:lnL algn="ctr" cmpd="sng" cap="flat" w="12700">
-                      <a:solidFill>
-                        <a:srgbClr val="000000">
-                          <a:alpha val="100000"/>
-                        </a:srgbClr>
-                      </a:solidFill>
-                      <a:prstDash val="solid"/>
-                    </a:lnL>
-                    <a:lnR algn="ctr" cmpd="sng" cap="flat" w="12700">
-                      <a:solidFill>
-                        <a:srgbClr val="000000">
-                          <a:alpha val="100000"/>
-                        </a:srgbClr>
-                      </a:solidFill>
-                      <a:prstDash val="solid"/>
-                    </a:lnR>
-                    <a:lnT algn="ctr" cmpd="sng" cap="flat" w="12700">
-                      <a:solidFill>
-                        <a:srgbClr val="000000">
-                          <a:alpha val="100000"/>
-                        </a:srgbClr>
-                      </a:solidFill>
-                      <a:prstDash val="solid"/>
-                    </a:lnT>
-                    <a:lnB algn="ctr" cmpd="sng" cap="flat" w="12700">
+                    <a:lnL algn="ctr" cmpd="sng" cap="flat" w="0">
+                      <a:noFill/>
+                      <a:prstDash val="solid"/>
+                    </a:lnL>
+                    <a:lnR algn="ctr" cmpd="sng" cap="flat" w="0">
+                      <a:noFill/>
+                      <a:prstDash val="solid"/>
+                    </a:lnR>
+                    <a:lnT algn="ctr" cmpd="sng" cap="flat" w="0">
+                      <a:noFill/>
+                      <a:prstDash val="solid"/>
+                    </a:lnT>
+                    <a:lnB algn="ctr" cmpd="sng" cap="flat" w="25400">
                       <a:solidFill>
                         <a:srgbClr val="000000">
                           <a:alpha val="100000"/>
@@ -6506,31 +5922,19 @@
                     </a:p>
                   </a:txBody>
                   <a:tcPr anchor="ctr" marB="0" marT="0" marR="0" marL="0">
-                    <a:lnL algn="ctr" cmpd="sng" cap="flat" w="12700">
-                      <a:solidFill>
-                        <a:srgbClr val="000000">
-                          <a:alpha val="100000"/>
-                        </a:srgbClr>
-                      </a:solidFill>
-                      <a:prstDash val="solid"/>
-                    </a:lnL>
-                    <a:lnR algn="ctr" cmpd="sng" cap="flat" w="12700">
-                      <a:solidFill>
-                        <a:srgbClr val="000000">
-                          <a:alpha val="100000"/>
-                        </a:srgbClr>
-                      </a:solidFill>
-                      <a:prstDash val="solid"/>
-                    </a:lnR>
-                    <a:lnT algn="ctr" cmpd="sng" cap="flat" w="12700">
-                      <a:solidFill>
-                        <a:srgbClr val="000000">
-                          <a:alpha val="100000"/>
-                        </a:srgbClr>
-                      </a:solidFill>
-                      <a:prstDash val="solid"/>
-                    </a:lnT>
-                    <a:lnB algn="ctr" cmpd="sng" cap="flat" w="12700">
+                    <a:lnL algn="ctr" cmpd="sng" cap="flat" w="0">
+                      <a:noFill/>
+                      <a:prstDash val="solid"/>
+                    </a:lnL>
+                    <a:lnR algn="ctr" cmpd="sng" cap="flat" w="0">
+                      <a:noFill/>
+                      <a:prstDash val="solid"/>
+                    </a:lnR>
+                    <a:lnT algn="ctr" cmpd="sng" cap="flat" w="0">
+                      <a:noFill/>
+                      <a:prstDash val="solid"/>
+                    </a:lnT>
+                    <a:lnB algn="ctr" cmpd="sng" cap="flat" w="25400">
                       <a:solidFill>
                         <a:srgbClr val="000000">
                           <a:alpha val="100000"/>
@@ -6569,31 +5973,19 @@
                     </a:p>
                   </a:txBody>
                   <a:tcPr anchor="ctr" marB="0" marT="0" marR="0" marL="0">
-                    <a:lnL algn="ctr" cmpd="sng" cap="flat" w="12700">
-                      <a:solidFill>
-                        <a:srgbClr val="000000">
-                          <a:alpha val="100000"/>
-                        </a:srgbClr>
-                      </a:solidFill>
-                      <a:prstDash val="solid"/>
-                    </a:lnL>
-                    <a:lnR algn="ctr" cmpd="sng" cap="flat" w="12700">
-                      <a:solidFill>
-                        <a:srgbClr val="000000">
-                          <a:alpha val="100000"/>
-                        </a:srgbClr>
-                      </a:solidFill>
-                      <a:prstDash val="solid"/>
-                    </a:lnR>
-                    <a:lnT algn="ctr" cmpd="sng" cap="flat" w="12700">
-                      <a:solidFill>
-                        <a:srgbClr val="000000">
-                          <a:alpha val="100000"/>
-                        </a:srgbClr>
-                      </a:solidFill>
-                      <a:prstDash val="solid"/>
-                    </a:lnT>
-                    <a:lnB algn="ctr" cmpd="sng" cap="flat" w="12700">
+                    <a:lnL algn="ctr" cmpd="sng" cap="flat" w="0">
+                      <a:noFill/>
+                      <a:prstDash val="solid"/>
+                    </a:lnL>
+                    <a:lnR algn="ctr" cmpd="sng" cap="flat" w="0">
+                      <a:noFill/>
+                      <a:prstDash val="solid"/>
+                    </a:lnR>
+                    <a:lnT algn="ctr" cmpd="sng" cap="flat" w="0">
+                      <a:noFill/>
+                      <a:prstDash val="solid"/>
+                    </a:lnT>
+                    <a:lnB algn="ctr" cmpd="sng" cap="flat" w="25400">
                       <a:solidFill>
                         <a:srgbClr val="000000">
                           <a:alpha val="100000"/>
@@ -6632,31 +6024,19 @@
                     </a:p>
                   </a:txBody>
                   <a:tcPr anchor="ctr" marB="0" marT="0" marR="0" marL="0">
-                    <a:lnL algn="ctr" cmpd="sng" cap="flat" w="12700">
-                      <a:solidFill>
-                        <a:srgbClr val="000000">
-                          <a:alpha val="100000"/>
-                        </a:srgbClr>
-                      </a:solidFill>
-                      <a:prstDash val="solid"/>
-                    </a:lnL>
-                    <a:lnR algn="ctr" cmpd="sng" cap="flat" w="12700">
-                      <a:solidFill>
-                        <a:srgbClr val="000000">
-                          <a:alpha val="100000"/>
-                        </a:srgbClr>
-                      </a:solidFill>
-                      <a:prstDash val="solid"/>
-                    </a:lnR>
-                    <a:lnT algn="ctr" cmpd="sng" cap="flat" w="12700">
-                      <a:solidFill>
-                        <a:srgbClr val="000000">
-                          <a:alpha val="100000"/>
-                        </a:srgbClr>
-                      </a:solidFill>
-                      <a:prstDash val="solid"/>
-                    </a:lnT>
-                    <a:lnB algn="ctr" cmpd="sng" cap="flat" w="12700">
+                    <a:lnL algn="ctr" cmpd="sng" cap="flat" w="0">
+                      <a:noFill/>
+                      <a:prstDash val="solid"/>
+                    </a:lnL>
+                    <a:lnR algn="ctr" cmpd="sng" cap="flat" w="0">
+                      <a:noFill/>
+                      <a:prstDash val="solid"/>
+                    </a:lnR>
+                    <a:lnT algn="ctr" cmpd="sng" cap="flat" w="0">
+                      <a:noFill/>
+                      <a:prstDash val="solid"/>
+                    </a:lnT>
+                    <a:lnB algn="ctr" cmpd="sng" cap="flat" w="25400">
                       <a:solidFill>
                         <a:srgbClr val="000000">
                           <a:alpha val="100000"/>
@@ -6695,31 +6075,19 @@
                     </a:p>
                   </a:txBody>
                   <a:tcPr anchor="ctr" marB="0" marT="0" marR="0" marL="0">
-                    <a:lnL algn="ctr" cmpd="sng" cap="flat" w="12700">
-                      <a:solidFill>
-                        <a:srgbClr val="000000">
-                          <a:alpha val="100000"/>
-                        </a:srgbClr>
-                      </a:solidFill>
-                      <a:prstDash val="solid"/>
-                    </a:lnL>
-                    <a:lnR algn="ctr" cmpd="sng" cap="flat" w="12700">
-                      <a:solidFill>
-                        <a:srgbClr val="000000">
-                          <a:alpha val="100000"/>
-                        </a:srgbClr>
-                      </a:solidFill>
-                      <a:prstDash val="solid"/>
-                    </a:lnR>
-                    <a:lnT algn="ctr" cmpd="sng" cap="flat" w="12700">
-                      <a:solidFill>
-                        <a:srgbClr val="000000">
-                          <a:alpha val="100000"/>
-                        </a:srgbClr>
-                      </a:solidFill>
-                      <a:prstDash val="solid"/>
-                    </a:lnT>
-                    <a:lnB algn="ctr" cmpd="sng" cap="flat" w="12700">
+                    <a:lnL algn="ctr" cmpd="sng" cap="flat" w="0">
+                      <a:noFill/>
+                      <a:prstDash val="solid"/>
+                    </a:lnL>
+                    <a:lnR algn="ctr" cmpd="sng" cap="flat" w="0">
+                      <a:noFill/>
+                      <a:prstDash val="solid"/>
+                    </a:lnR>
+                    <a:lnT algn="ctr" cmpd="sng" cap="flat" w="0">
+                      <a:noFill/>
+                      <a:prstDash val="solid"/>
+                    </a:lnT>
+                    <a:lnB algn="ctr" cmpd="sng" cap="flat" w="25400">
                       <a:solidFill>
                         <a:srgbClr val="000000">
                           <a:alpha val="100000"/>
@@ -6758,31 +6126,19 @@
                     </a:p>
                   </a:txBody>
                   <a:tcPr anchor="ctr" marB="0" marT="0" marR="0" marL="0">
-                    <a:lnL algn="ctr" cmpd="sng" cap="flat" w="12700">
-                      <a:solidFill>
-                        <a:srgbClr val="000000">
-                          <a:alpha val="100000"/>
-                        </a:srgbClr>
-                      </a:solidFill>
-                      <a:prstDash val="solid"/>
-                    </a:lnL>
-                    <a:lnR algn="ctr" cmpd="sng" cap="flat" w="12700">
-                      <a:solidFill>
-                        <a:srgbClr val="000000">
-                          <a:alpha val="100000"/>
-                        </a:srgbClr>
-                      </a:solidFill>
-                      <a:prstDash val="solid"/>
-                    </a:lnR>
-                    <a:lnT algn="ctr" cmpd="sng" cap="flat" w="12700">
-                      <a:solidFill>
-                        <a:srgbClr val="000000">
-                          <a:alpha val="100000"/>
-                        </a:srgbClr>
-                      </a:solidFill>
-                      <a:prstDash val="solid"/>
-                    </a:lnT>
-                    <a:lnB algn="ctr" cmpd="sng" cap="flat" w="12700">
+                    <a:lnL algn="ctr" cmpd="sng" cap="flat" w="0">
+                      <a:noFill/>
+                      <a:prstDash val="solid"/>
+                    </a:lnL>
+                    <a:lnR algn="ctr" cmpd="sng" cap="flat" w="0">
+                      <a:noFill/>
+                      <a:prstDash val="solid"/>
+                    </a:lnR>
+                    <a:lnT algn="ctr" cmpd="sng" cap="flat" w="0">
+                      <a:noFill/>
+                      <a:prstDash val="solid"/>
+                    </a:lnT>
+                    <a:lnB algn="ctr" cmpd="sng" cap="flat" w="25400">
                       <a:solidFill>
                         <a:srgbClr val="000000">
                           <a:alpha val="100000"/>
@@ -6821,31 +6177,19 @@
                     </a:p>
                   </a:txBody>
                   <a:tcPr anchor="ctr" marB="0" marT="0" marR="0" marL="0">
-                    <a:lnL algn="ctr" cmpd="sng" cap="flat" w="12700">
-                      <a:solidFill>
-                        <a:srgbClr val="000000">
-                          <a:alpha val="100000"/>
-                        </a:srgbClr>
-                      </a:solidFill>
-                      <a:prstDash val="solid"/>
-                    </a:lnL>
-                    <a:lnR algn="ctr" cmpd="sng" cap="flat" w="12700">
-                      <a:solidFill>
-                        <a:srgbClr val="000000">
-                          <a:alpha val="100000"/>
-                        </a:srgbClr>
-                      </a:solidFill>
-                      <a:prstDash val="solid"/>
-                    </a:lnR>
-                    <a:lnT algn="ctr" cmpd="sng" cap="flat" w="12700">
-                      <a:solidFill>
-                        <a:srgbClr val="000000">
-                          <a:alpha val="100000"/>
-                        </a:srgbClr>
-                      </a:solidFill>
-                      <a:prstDash val="solid"/>
-                    </a:lnT>
-                    <a:lnB algn="ctr" cmpd="sng" cap="flat" w="12700">
+                    <a:lnL algn="ctr" cmpd="sng" cap="flat" w="0">
+                      <a:noFill/>
+                      <a:prstDash val="solid"/>
+                    </a:lnL>
+                    <a:lnR algn="ctr" cmpd="sng" cap="flat" w="0">
+                      <a:noFill/>
+                      <a:prstDash val="solid"/>
+                    </a:lnR>
+                    <a:lnT algn="ctr" cmpd="sng" cap="flat" w="0">
+                      <a:noFill/>
+                      <a:prstDash val="solid"/>
+                    </a:lnT>
+                    <a:lnB algn="ctr" cmpd="sng" cap="flat" w="25400">
                       <a:solidFill>
                         <a:srgbClr val="000000">
                           <a:alpha val="100000"/>
@@ -6884,31 +6228,19 @@
                     </a:p>
                   </a:txBody>
                   <a:tcPr anchor="ctr" marB="0" marT="0" marR="0" marL="0">
-                    <a:lnL algn="ctr" cmpd="sng" cap="flat" w="12700">
-                      <a:solidFill>
-                        <a:srgbClr val="000000">
-                          <a:alpha val="100000"/>
-                        </a:srgbClr>
-                      </a:solidFill>
-                      <a:prstDash val="solid"/>
-                    </a:lnL>
-                    <a:lnR algn="ctr" cmpd="sng" cap="flat" w="12700">
-                      <a:solidFill>
-                        <a:srgbClr val="000000">
-                          <a:alpha val="100000"/>
-                        </a:srgbClr>
-                      </a:solidFill>
-                      <a:prstDash val="solid"/>
-                    </a:lnR>
-                    <a:lnT algn="ctr" cmpd="sng" cap="flat" w="12700">
-                      <a:solidFill>
-                        <a:srgbClr val="000000">
-                          <a:alpha val="100000"/>
-                        </a:srgbClr>
-                      </a:solidFill>
-                      <a:prstDash val="solid"/>
-                    </a:lnT>
-                    <a:lnB algn="ctr" cmpd="sng" cap="flat" w="12700">
+                    <a:lnL algn="ctr" cmpd="sng" cap="flat" w="0">
+                      <a:noFill/>
+                      <a:prstDash val="solid"/>
+                    </a:lnL>
+                    <a:lnR algn="ctr" cmpd="sng" cap="flat" w="0">
+                      <a:noFill/>
+                      <a:prstDash val="solid"/>
+                    </a:lnR>
+                    <a:lnT algn="ctr" cmpd="sng" cap="flat" w="0">
+                      <a:noFill/>
+                      <a:prstDash val="solid"/>
+                    </a:lnT>
+                    <a:lnB algn="ctr" cmpd="sng" cap="flat" w="25400">
                       <a:solidFill>
                         <a:srgbClr val="000000">
                           <a:alpha val="100000"/>
@@ -6947,31 +6279,19 @@
                     </a:p>
                   </a:txBody>
                   <a:tcPr anchor="ctr" marB="0" marT="0" marR="0" marL="0">
-                    <a:lnL algn="ctr" cmpd="sng" cap="flat" w="12700">
-                      <a:solidFill>
-                        <a:srgbClr val="000000">
-                          <a:alpha val="100000"/>
-                        </a:srgbClr>
-                      </a:solidFill>
-                      <a:prstDash val="solid"/>
-                    </a:lnL>
-                    <a:lnR algn="ctr" cmpd="sng" cap="flat" w="12700">
-                      <a:solidFill>
-                        <a:srgbClr val="000000">
-                          <a:alpha val="100000"/>
-                        </a:srgbClr>
-                      </a:solidFill>
-                      <a:prstDash val="solid"/>
-                    </a:lnR>
-                    <a:lnT algn="ctr" cmpd="sng" cap="flat" w="12700">
-                      <a:solidFill>
-                        <a:srgbClr val="000000">
-                          <a:alpha val="100000"/>
-                        </a:srgbClr>
-                      </a:solidFill>
-                      <a:prstDash val="solid"/>
-                    </a:lnT>
-                    <a:lnB algn="ctr" cmpd="sng" cap="flat" w="12700">
+                    <a:lnL algn="ctr" cmpd="sng" cap="flat" w="0">
+                      <a:noFill/>
+                      <a:prstDash val="solid"/>
+                    </a:lnL>
+                    <a:lnR algn="ctr" cmpd="sng" cap="flat" w="0">
+                      <a:noFill/>
+                      <a:prstDash val="solid"/>
+                    </a:lnR>
+                    <a:lnT algn="ctr" cmpd="sng" cap="flat" w="0">
+                      <a:noFill/>
+                      <a:prstDash val="solid"/>
+                    </a:lnT>
+                    <a:lnB algn="ctr" cmpd="sng" cap="flat" w="25400">
                       <a:solidFill>
                         <a:srgbClr val="000000">
                           <a:alpha val="100000"/>
@@ -7010,31 +6330,19 @@
                     </a:p>
                   </a:txBody>
                   <a:tcPr anchor="ctr" marB="0" marT="0" marR="0" marL="0">
-                    <a:lnL algn="ctr" cmpd="sng" cap="flat" w="12700">
-                      <a:solidFill>
-                        <a:srgbClr val="000000">
-                          <a:alpha val="100000"/>
-                        </a:srgbClr>
-                      </a:solidFill>
-                      <a:prstDash val="solid"/>
-                    </a:lnL>
-                    <a:lnR algn="ctr" cmpd="sng" cap="flat" w="12700">
-                      <a:solidFill>
-                        <a:srgbClr val="000000">
-                          <a:alpha val="100000"/>
-                        </a:srgbClr>
-                      </a:solidFill>
-                      <a:prstDash val="solid"/>
-                    </a:lnR>
-                    <a:lnT algn="ctr" cmpd="sng" cap="flat" w="12700">
-                      <a:solidFill>
-                        <a:srgbClr val="000000">
-                          <a:alpha val="100000"/>
-                        </a:srgbClr>
-                      </a:solidFill>
-                      <a:prstDash val="solid"/>
-                    </a:lnT>
-                    <a:lnB algn="ctr" cmpd="sng" cap="flat" w="12700">
+                    <a:lnL algn="ctr" cmpd="sng" cap="flat" w="0">
+                      <a:noFill/>
+                      <a:prstDash val="solid"/>
+                    </a:lnL>
+                    <a:lnR algn="ctr" cmpd="sng" cap="flat" w="0">
+                      <a:noFill/>
+                      <a:prstDash val="solid"/>
+                    </a:lnR>
+                    <a:lnT algn="ctr" cmpd="sng" cap="flat" w="0">
+                      <a:noFill/>
+                      <a:prstDash val="solid"/>
+                    </a:lnT>
+                    <a:lnB algn="ctr" cmpd="sng" cap="flat" w="25400">
                       <a:solidFill>
                         <a:srgbClr val="000000">
                           <a:alpha val="100000"/>
@@ -7073,31 +6381,19 @@
                     </a:p>
                   </a:txBody>
                   <a:tcPr anchor="ctr" marB="0" marT="0" marR="0" marL="0">
-                    <a:lnL algn="ctr" cmpd="sng" cap="flat" w="12700">
-                      <a:solidFill>
-                        <a:srgbClr val="000000">
-                          <a:alpha val="100000"/>
-                        </a:srgbClr>
-                      </a:solidFill>
-                      <a:prstDash val="solid"/>
-                    </a:lnL>
-                    <a:lnR algn="ctr" cmpd="sng" cap="flat" w="12700">
-                      <a:solidFill>
-                        <a:srgbClr val="000000">
-                          <a:alpha val="100000"/>
-                        </a:srgbClr>
-                      </a:solidFill>
-                      <a:prstDash val="solid"/>
-                    </a:lnR>
-                    <a:lnT algn="ctr" cmpd="sng" cap="flat" w="12700">
-                      <a:solidFill>
-                        <a:srgbClr val="000000">
-                          <a:alpha val="100000"/>
-                        </a:srgbClr>
-                      </a:solidFill>
-                      <a:prstDash val="solid"/>
-                    </a:lnT>
-                    <a:lnB algn="ctr" cmpd="sng" cap="flat" w="12700">
+                    <a:lnL algn="ctr" cmpd="sng" cap="flat" w="0">
+                      <a:noFill/>
+                      <a:prstDash val="solid"/>
+                    </a:lnL>
+                    <a:lnR algn="ctr" cmpd="sng" cap="flat" w="0">
+                      <a:noFill/>
+                      <a:prstDash val="solid"/>
+                    </a:lnR>
+                    <a:lnT algn="ctr" cmpd="sng" cap="flat" w="0">
+                      <a:noFill/>
+                      <a:prstDash val="solid"/>
+                    </a:lnT>
+                    <a:lnB algn="ctr" cmpd="sng" cap="flat" w="25400">
                       <a:solidFill>
                         <a:srgbClr val="000000">
                           <a:alpha val="100000"/>
@@ -7171,31 +6467,23 @@
                     </a:p>
                   </a:txBody>
                   <a:tcPr anchor="ctr" marB="0" marT="0" marR="0" marL="0">
-                    <a:lnL algn="ctr" cmpd="sng" cap="flat" w="12700">
-                      <a:solidFill>
-                        <a:srgbClr val="000000">
-                          <a:alpha val="100000"/>
-                        </a:srgbClr>
-                      </a:solidFill>
-                      <a:prstDash val="solid"/>
-                    </a:lnL>
-                    <a:lnR algn="ctr" cmpd="sng" cap="flat" w="12700">
-                      <a:solidFill>
-                        <a:srgbClr val="000000">
-                          <a:alpha val="100000"/>
-                        </a:srgbClr>
-                      </a:solidFill>
-                      <a:prstDash val="solid"/>
-                    </a:lnR>
-                    <a:lnT algn="ctr" cmpd="sng" cap="flat" w="12700">
-                      <a:solidFill>
-                        <a:srgbClr val="000000">
-                          <a:alpha val="100000"/>
-                        </a:srgbClr>
-                      </a:solidFill>
-                      <a:prstDash val="solid"/>
-                    </a:lnT>
-                    <a:lnB algn="ctr" cmpd="sng" cap="flat" w="12700">
+                    <a:lnL algn="ctr" cmpd="sng" cap="flat" w="0">
+                      <a:noFill/>
+                      <a:prstDash val="solid"/>
+                    </a:lnL>
+                    <a:lnR algn="ctr" cmpd="sng" cap="flat" w="0">
+                      <a:noFill/>
+                      <a:prstDash val="solid"/>
+                    </a:lnR>
+                    <a:lnT algn="ctr" cmpd="sng" cap="flat" w="25400">
+                      <a:solidFill>
+                        <a:srgbClr val="000000">
+                          <a:alpha val="100000"/>
+                        </a:srgbClr>
+                      </a:solidFill>
+                      <a:prstDash val="solid"/>
+                    </a:lnT>
+                    <a:lnB algn="ctr" cmpd="sng" cap="flat" w="25400">
                       <a:solidFill>
                         <a:srgbClr val="000000">
                           <a:alpha val="100000"/>
@@ -7234,31 +6522,23 @@
                     </a:p>
                   </a:txBody>
                   <a:tcPr anchor="ctr" marB="0" marT="0" marR="0" marL="0">
-                    <a:lnL algn="ctr" cmpd="sng" cap="flat" w="12700">
-                      <a:solidFill>
-                        <a:srgbClr val="000000">
-                          <a:alpha val="100000"/>
-                        </a:srgbClr>
-                      </a:solidFill>
-                      <a:prstDash val="solid"/>
-                    </a:lnL>
-                    <a:lnR algn="ctr" cmpd="sng" cap="flat" w="12700">
-                      <a:solidFill>
-                        <a:srgbClr val="000000">
-                          <a:alpha val="100000"/>
-                        </a:srgbClr>
-                      </a:solidFill>
-                      <a:prstDash val="solid"/>
-                    </a:lnR>
-                    <a:lnT algn="ctr" cmpd="sng" cap="flat" w="12700">
-                      <a:solidFill>
-                        <a:srgbClr val="000000">
-                          <a:alpha val="100000"/>
-                        </a:srgbClr>
-                      </a:solidFill>
-                      <a:prstDash val="solid"/>
-                    </a:lnT>
-                    <a:lnB algn="ctr" cmpd="sng" cap="flat" w="12700">
+                    <a:lnL algn="ctr" cmpd="sng" cap="flat" w="0">
+                      <a:noFill/>
+                      <a:prstDash val="solid"/>
+                    </a:lnL>
+                    <a:lnR algn="ctr" cmpd="sng" cap="flat" w="0">
+                      <a:noFill/>
+                      <a:prstDash val="solid"/>
+                    </a:lnR>
+                    <a:lnT algn="ctr" cmpd="sng" cap="flat" w="25400">
+                      <a:solidFill>
+                        <a:srgbClr val="000000">
+                          <a:alpha val="100000"/>
+                        </a:srgbClr>
+                      </a:solidFill>
+                      <a:prstDash val="solid"/>
+                    </a:lnT>
+                    <a:lnB algn="ctr" cmpd="sng" cap="flat" w="25400">
                       <a:solidFill>
                         <a:srgbClr val="000000">
                           <a:alpha val="100000"/>
@@ -7297,31 +6577,23 @@
                     </a:p>
                   </a:txBody>
                   <a:tcPr anchor="ctr" marB="0" marT="0" marR="0" marL="0">
-                    <a:lnL algn="ctr" cmpd="sng" cap="flat" w="12700">
-                      <a:solidFill>
-                        <a:srgbClr val="000000">
-                          <a:alpha val="100000"/>
-                        </a:srgbClr>
-                      </a:solidFill>
-                      <a:prstDash val="solid"/>
-                    </a:lnL>
-                    <a:lnR algn="ctr" cmpd="sng" cap="flat" w="12700">
-                      <a:solidFill>
-                        <a:srgbClr val="000000">
-                          <a:alpha val="100000"/>
-                        </a:srgbClr>
-                      </a:solidFill>
-                      <a:prstDash val="solid"/>
-                    </a:lnR>
-                    <a:lnT algn="ctr" cmpd="sng" cap="flat" w="12700">
-                      <a:solidFill>
-                        <a:srgbClr val="000000">
-                          <a:alpha val="100000"/>
-                        </a:srgbClr>
-                      </a:solidFill>
-                      <a:prstDash val="solid"/>
-                    </a:lnT>
-                    <a:lnB algn="ctr" cmpd="sng" cap="flat" w="12700">
+                    <a:lnL algn="ctr" cmpd="sng" cap="flat" w="0">
+                      <a:noFill/>
+                      <a:prstDash val="solid"/>
+                    </a:lnL>
+                    <a:lnR algn="ctr" cmpd="sng" cap="flat" w="0">
+                      <a:noFill/>
+                      <a:prstDash val="solid"/>
+                    </a:lnR>
+                    <a:lnT algn="ctr" cmpd="sng" cap="flat" w="25400">
+                      <a:solidFill>
+                        <a:srgbClr val="000000">
+                          <a:alpha val="100000"/>
+                        </a:srgbClr>
+                      </a:solidFill>
+                      <a:prstDash val="solid"/>
+                    </a:lnT>
+                    <a:lnB algn="ctr" cmpd="sng" cap="flat" w="25400">
                       <a:solidFill>
                         <a:srgbClr val="000000">
                           <a:alpha val="100000"/>
@@ -7360,31 +6632,23 @@
                     </a:p>
                   </a:txBody>
                   <a:tcPr anchor="ctr" marB="0" marT="0" marR="0" marL="0">
-                    <a:lnL algn="ctr" cmpd="sng" cap="flat" w="12700">
-                      <a:solidFill>
-                        <a:srgbClr val="000000">
-                          <a:alpha val="100000"/>
-                        </a:srgbClr>
-                      </a:solidFill>
-                      <a:prstDash val="solid"/>
-                    </a:lnL>
-                    <a:lnR algn="ctr" cmpd="sng" cap="flat" w="12700">
-                      <a:solidFill>
-                        <a:srgbClr val="000000">
-                          <a:alpha val="100000"/>
-                        </a:srgbClr>
-                      </a:solidFill>
-                      <a:prstDash val="solid"/>
-                    </a:lnR>
-                    <a:lnT algn="ctr" cmpd="sng" cap="flat" w="12700">
-                      <a:solidFill>
-                        <a:srgbClr val="000000">
-                          <a:alpha val="100000"/>
-                        </a:srgbClr>
-                      </a:solidFill>
-                      <a:prstDash val="solid"/>
-                    </a:lnT>
-                    <a:lnB algn="ctr" cmpd="sng" cap="flat" w="12700">
+                    <a:lnL algn="ctr" cmpd="sng" cap="flat" w="0">
+                      <a:noFill/>
+                      <a:prstDash val="solid"/>
+                    </a:lnL>
+                    <a:lnR algn="ctr" cmpd="sng" cap="flat" w="0">
+                      <a:noFill/>
+                      <a:prstDash val="solid"/>
+                    </a:lnR>
+                    <a:lnT algn="ctr" cmpd="sng" cap="flat" w="25400">
+                      <a:solidFill>
+                        <a:srgbClr val="000000">
+                          <a:alpha val="100000"/>
+                        </a:srgbClr>
+                      </a:solidFill>
+                      <a:prstDash val="solid"/>
+                    </a:lnT>
+                    <a:lnB algn="ctr" cmpd="sng" cap="flat" w="25400">
                       <a:solidFill>
                         <a:srgbClr val="000000">
                           <a:alpha val="100000"/>
@@ -7423,31 +6687,23 @@
                     </a:p>
                   </a:txBody>
                   <a:tcPr anchor="ctr" marB="0" marT="0" marR="0" marL="0">
-                    <a:lnL algn="ctr" cmpd="sng" cap="flat" w="12700">
-                      <a:solidFill>
-                        <a:srgbClr val="000000">
-                          <a:alpha val="100000"/>
-                        </a:srgbClr>
-                      </a:solidFill>
-                      <a:prstDash val="solid"/>
-                    </a:lnL>
-                    <a:lnR algn="ctr" cmpd="sng" cap="flat" w="12700">
-                      <a:solidFill>
-                        <a:srgbClr val="000000">
-                          <a:alpha val="100000"/>
-                        </a:srgbClr>
-                      </a:solidFill>
-                      <a:prstDash val="solid"/>
-                    </a:lnR>
-                    <a:lnT algn="ctr" cmpd="sng" cap="flat" w="12700">
-                      <a:solidFill>
-                        <a:srgbClr val="000000">
-                          <a:alpha val="100000"/>
-                        </a:srgbClr>
-                      </a:solidFill>
-                      <a:prstDash val="solid"/>
-                    </a:lnT>
-                    <a:lnB algn="ctr" cmpd="sng" cap="flat" w="12700">
+                    <a:lnL algn="ctr" cmpd="sng" cap="flat" w="0">
+                      <a:noFill/>
+                      <a:prstDash val="solid"/>
+                    </a:lnL>
+                    <a:lnR algn="ctr" cmpd="sng" cap="flat" w="0">
+                      <a:noFill/>
+                      <a:prstDash val="solid"/>
+                    </a:lnR>
+                    <a:lnT algn="ctr" cmpd="sng" cap="flat" w="25400">
+                      <a:solidFill>
+                        <a:srgbClr val="000000">
+                          <a:alpha val="100000"/>
+                        </a:srgbClr>
+                      </a:solidFill>
+                      <a:prstDash val="solid"/>
+                    </a:lnT>
+                    <a:lnB algn="ctr" cmpd="sng" cap="flat" w="25400">
                       <a:solidFill>
                         <a:srgbClr val="000000">
                           <a:alpha val="100000"/>
@@ -7486,31 +6742,23 @@
                     </a:p>
                   </a:txBody>
                   <a:tcPr anchor="ctr" marB="0" marT="0" marR="0" marL="0">
-                    <a:lnL algn="ctr" cmpd="sng" cap="flat" w="12700">
-                      <a:solidFill>
-                        <a:srgbClr val="000000">
-                          <a:alpha val="100000"/>
-                        </a:srgbClr>
-                      </a:solidFill>
-                      <a:prstDash val="solid"/>
-                    </a:lnL>
-                    <a:lnR algn="ctr" cmpd="sng" cap="flat" w="12700">
-                      <a:solidFill>
-                        <a:srgbClr val="000000">
-                          <a:alpha val="100000"/>
-                        </a:srgbClr>
-                      </a:solidFill>
-                      <a:prstDash val="solid"/>
-                    </a:lnR>
-                    <a:lnT algn="ctr" cmpd="sng" cap="flat" w="12700">
-                      <a:solidFill>
-                        <a:srgbClr val="000000">
-                          <a:alpha val="100000"/>
-                        </a:srgbClr>
-                      </a:solidFill>
-                      <a:prstDash val="solid"/>
-                    </a:lnT>
-                    <a:lnB algn="ctr" cmpd="sng" cap="flat" w="12700">
+                    <a:lnL algn="ctr" cmpd="sng" cap="flat" w="0">
+                      <a:noFill/>
+                      <a:prstDash val="solid"/>
+                    </a:lnL>
+                    <a:lnR algn="ctr" cmpd="sng" cap="flat" w="0">
+                      <a:noFill/>
+                      <a:prstDash val="solid"/>
+                    </a:lnR>
+                    <a:lnT algn="ctr" cmpd="sng" cap="flat" w="25400">
+                      <a:solidFill>
+                        <a:srgbClr val="000000">
+                          <a:alpha val="100000"/>
+                        </a:srgbClr>
+                      </a:solidFill>
+                      <a:prstDash val="solid"/>
+                    </a:lnT>
+                    <a:lnB algn="ctr" cmpd="sng" cap="flat" w="25400">
                       <a:solidFill>
                         <a:srgbClr val="000000">
                           <a:alpha val="100000"/>
@@ -7549,31 +6797,23 @@
                     </a:p>
                   </a:txBody>
                   <a:tcPr anchor="ctr" marB="0" marT="0" marR="0" marL="0">
-                    <a:lnL algn="ctr" cmpd="sng" cap="flat" w="12700">
-                      <a:solidFill>
-                        <a:srgbClr val="000000">
-                          <a:alpha val="100000"/>
-                        </a:srgbClr>
-                      </a:solidFill>
-                      <a:prstDash val="solid"/>
-                    </a:lnL>
-                    <a:lnR algn="ctr" cmpd="sng" cap="flat" w="12700">
-                      <a:solidFill>
-                        <a:srgbClr val="000000">
-                          <a:alpha val="100000"/>
-                        </a:srgbClr>
-                      </a:solidFill>
-                      <a:prstDash val="solid"/>
-                    </a:lnR>
-                    <a:lnT algn="ctr" cmpd="sng" cap="flat" w="12700">
-                      <a:solidFill>
-                        <a:srgbClr val="000000">
-                          <a:alpha val="100000"/>
-                        </a:srgbClr>
-                      </a:solidFill>
-                      <a:prstDash val="solid"/>
-                    </a:lnT>
-                    <a:lnB algn="ctr" cmpd="sng" cap="flat" w="12700">
+                    <a:lnL algn="ctr" cmpd="sng" cap="flat" w="0">
+                      <a:noFill/>
+                      <a:prstDash val="solid"/>
+                    </a:lnL>
+                    <a:lnR algn="ctr" cmpd="sng" cap="flat" w="0">
+                      <a:noFill/>
+                      <a:prstDash val="solid"/>
+                    </a:lnR>
+                    <a:lnT algn="ctr" cmpd="sng" cap="flat" w="25400">
+                      <a:solidFill>
+                        <a:srgbClr val="000000">
+                          <a:alpha val="100000"/>
+                        </a:srgbClr>
+                      </a:solidFill>
+                      <a:prstDash val="solid"/>
+                    </a:lnT>
+                    <a:lnB algn="ctr" cmpd="sng" cap="flat" w="25400">
                       <a:solidFill>
                         <a:srgbClr val="000000">
                           <a:alpha val="100000"/>
@@ -7612,31 +6852,23 @@
                     </a:p>
                   </a:txBody>
                   <a:tcPr anchor="ctr" marB="0" marT="0" marR="0" marL="0">
-                    <a:lnL algn="ctr" cmpd="sng" cap="flat" w="12700">
-                      <a:solidFill>
-                        <a:srgbClr val="000000">
-                          <a:alpha val="100000"/>
-                        </a:srgbClr>
-                      </a:solidFill>
-                      <a:prstDash val="solid"/>
-                    </a:lnL>
-                    <a:lnR algn="ctr" cmpd="sng" cap="flat" w="12700">
-                      <a:solidFill>
-                        <a:srgbClr val="000000">
-                          <a:alpha val="100000"/>
-                        </a:srgbClr>
-                      </a:solidFill>
-                      <a:prstDash val="solid"/>
-                    </a:lnR>
-                    <a:lnT algn="ctr" cmpd="sng" cap="flat" w="12700">
-                      <a:solidFill>
-                        <a:srgbClr val="000000">
-                          <a:alpha val="100000"/>
-                        </a:srgbClr>
-                      </a:solidFill>
-                      <a:prstDash val="solid"/>
-                    </a:lnT>
-                    <a:lnB algn="ctr" cmpd="sng" cap="flat" w="12700">
+                    <a:lnL algn="ctr" cmpd="sng" cap="flat" w="0">
+                      <a:noFill/>
+                      <a:prstDash val="solid"/>
+                    </a:lnL>
+                    <a:lnR algn="ctr" cmpd="sng" cap="flat" w="0">
+                      <a:noFill/>
+                      <a:prstDash val="solid"/>
+                    </a:lnR>
+                    <a:lnT algn="ctr" cmpd="sng" cap="flat" w="25400">
+                      <a:solidFill>
+                        <a:srgbClr val="000000">
+                          <a:alpha val="100000"/>
+                        </a:srgbClr>
+                      </a:solidFill>
+                      <a:prstDash val="solid"/>
+                    </a:lnT>
+                    <a:lnB algn="ctr" cmpd="sng" cap="flat" w="25400">
                       <a:solidFill>
                         <a:srgbClr val="000000">
                           <a:alpha val="100000"/>
@@ -7675,31 +6907,23 @@
                     </a:p>
                   </a:txBody>
                   <a:tcPr anchor="ctr" marB="0" marT="0" marR="0" marL="0">
-                    <a:lnL algn="ctr" cmpd="sng" cap="flat" w="12700">
-                      <a:solidFill>
-                        <a:srgbClr val="000000">
-                          <a:alpha val="100000"/>
-                        </a:srgbClr>
-                      </a:solidFill>
-                      <a:prstDash val="solid"/>
-                    </a:lnL>
-                    <a:lnR algn="ctr" cmpd="sng" cap="flat" w="12700">
-                      <a:solidFill>
-                        <a:srgbClr val="000000">
-                          <a:alpha val="100000"/>
-                        </a:srgbClr>
-                      </a:solidFill>
-                      <a:prstDash val="solid"/>
-                    </a:lnR>
-                    <a:lnT algn="ctr" cmpd="sng" cap="flat" w="12700">
-                      <a:solidFill>
-                        <a:srgbClr val="000000">
-                          <a:alpha val="100000"/>
-                        </a:srgbClr>
-                      </a:solidFill>
-                      <a:prstDash val="solid"/>
-                    </a:lnT>
-                    <a:lnB algn="ctr" cmpd="sng" cap="flat" w="12700">
+                    <a:lnL algn="ctr" cmpd="sng" cap="flat" w="0">
+                      <a:noFill/>
+                      <a:prstDash val="solid"/>
+                    </a:lnL>
+                    <a:lnR algn="ctr" cmpd="sng" cap="flat" w="0">
+                      <a:noFill/>
+                      <a:prstDash val="solid"/>
+                    </a:lnR>
+                    <a:lnT algn="ctr" cmpd="sng" cap="flat" w="25400">
+                      <a:solidFill>
+                        <a:srgbClr val="000000">
+                          <a:alpha val="100000"/>
+                        </a:srgbClr>
+                      </a:solidFill>
+                      <a:prstDash val="solid"/>
+                    </a:lnT>
+                    <a:lnB algn="ctr" cmpd="sng" cap="flat" w="25400">
                       <a:solidFill>
                         <a:srgbClr val="000000">
                           <a:alpha val="100000"/>
@@ -7738,31 +6962,23 @@
                     </a:p>
                   </a:txBody>
                   <a:tcPr anchor="ctr" marB="0" marT="0" marR="0" marL="0">
-                    <a:lnL algn="ctr" cmpd="sng" cap="flat" w="12700">
-                      <a:solidFill>
-                        <a:srgbClr val="000000">
-                          <a:alpha val="100000"/>
-                        </a:srgbClr>
-                      </a:solidFill>
-                      <a:prstDash val="solid"/>
-                    </a:lnL>
-                    <a:lnR algn="ctr" cmpd="sng" cap="flat" w="12700">
-                      <a:solidFill>
-                        <a:srgbClr val="000000">
-                          <a:alpha val="100000"/>
-                        </a:srgbClr>
-                      </a:solidFill>
-                      <a:prstDash val="solid"/>
-                    </a:lnR>
-                    <a:lnT algn="ctr" cmpd="sng" cap="flat" w="12700">
-                      <a:solidFill>
-                        <a:srgbClr val="000000">
-                          <a:alpha val="100000"/>
-                        </a:srgbClr>
-                      </a:solidFill>
-                      <a:prstDash val="solid"/>
-                    </a:lnT>
-                    <a:lnB algn="ctr" cmpd="sng" cap="flat" w="12700">
+                    <a:lnL algn="ctr" cmpd="sng" cap="flat" w="0">
+                      <a:noFill/>
+                      <a:prstDash val="solid"/>
+                    </a:lnL>
+                    <a:lnR algn="ctr" cmpd="sng" cap="flat" w="0">
+                      <a:noFill/>
+                      <a:prstDash val="solid"/>
+                    </a:lnR>
+                    <a:lnT algn="ctr" cmpd="sng" cap="flat" w="25400">
+                      <a:solidFill>
+                        <a:srgbClr val="000000">
+                          <a:alpha val="100000"/>
+                        </a:srgbClr>
+                      </a:solidFill>
+                      <a:prstDash val="solid"/>
+                    </a:lnT>
+                    <a:lnB algn="ctr" cmpd="sng" cap="flat" w="25400">
                       <a:solidFill>
                         <a:srgbClr val="000000">
                           <a:alpha val="100000"/>
@@ -7801,31 +7017,23 @@
                     </a:p>
                   </a:txBody>
                   <a:tcPr anchor="ctr" marB="0" marT="0" marR="0" marL="0">
-                    <a:lnL algn="ctr" cmpd="sng" cap="flat" w="12700">
-                      <a:solidFill>
-                        <a:srgbClr val="000000">
-                          <a:alpha val="100000"/>
-                        </a:srgbClr>
-                      </a:solidFill>
-                      <a:prstDash val="solid"/>
-                    </a:lnL>
-                    <a:lnR algn="ctr" cmpd="sng" cap="flat" w="12700">
-                      <a:solidFill>
-                        <a:srgbClr val="000000">
-                          <a:alpha val="100000"/>
-                        </a:srgbClr>
-                      </a:solidFill>
-                      <a:prstDash val="solid"/>
-                    </a:lnR>
-                    <a:lnT algn="ctr" cmpd="sng" cap="flat" w="12700">
-                      <a:solidFill>
-                        <a:srgbClr val="000000">
-                          <a:alpha val="100000"/>
-                        </a:srgbClr>
-                      </a:solidFill>
-                      <a:prstDash val="solid"/>
-                    </a:lnT>
-                    <a:lnB algn="ctr" cmpd="sng" cap="flat" w="12700">
+                    <a:lnL algn="ctr" cmpd="sng" cap="flat" w="0">
+                      <a:noFill/>
+                      <a:prstDash val="solid"/>
+                    </a:lnL>
+                    <a:lnR algn="ctr" cmpd="sng" cap="flat" w="0">
+                      <a:noFill/>
+                      <a:prstDash val="solid"/>
+                    </a:lnR>
+                    <a:lnT algn="ctr" cmpd="sng" cap="flat" w="25400">
+                      <a:solidFill>
+                        <a:srgbClr val="000000">
+                          <a:alpha val="100000"/>
+                        </a:srgbClr>
+                      </a:solidFill>
+                      <a:prstDash val="solid"/>
+                    </a:lnT>
+                    <a:lnB algn="ctr" cmpd="sng" cap="flat" w="25400">
                       <a:solidFill>
                         <a:srgbClr val="000000">
                           <a:alpha val="100000"/>
@@ -7866,28 +7074,16 @@
                     </a:p>
                   </a:txBody>
                   <a:tcPr anchor="ctr" marB="0" marT="0" marR="0" marL="0">
-                    <a:lnL algn="ctr" cmpd="sng" cap="flat" w="12700">
-                      <a:solidFill>
-                        <a:srgbClr val="000000">
-                          <a:alpha val="100000"/>
-                        </a:srgbClr>
-                      </a:solidFill>
-                      <a:prstDash val="solid"/>
-                    </a:lnL>
-                    <a:lnR algn="ctr" cmpd="sng" cap="flat" w="12700">
-                      <a:solidFill>
-                        <a:srgbClr val="000000">
-                          <a:alpha val="100000"/>
-                        </a:srgbClr>
-                      </a:solidFill>
-                      <a:prstDash val="solid"/>
-                    </a:lnR>
-                    <a:lnT algn="ctr" cmpd="sng" cap="flat" w="12700">
-                      <a:solidFill>
-                        <a:srgbClr val="000000">
-                          <a:alpha val="100000"/>
-                        </a:srgbClr>
-                      </a:solidFill>
+                    <a:lnL algn="ctr" cmpd="sng" cap="flat" w="0">
+                      <a:noFill/>
+                      <a:prstDash val="solid"/>
+                    </a:lnL>
+                    <a:lnR algn="ctr" cmpd="sng" cap="flat" w="0">
+                      <a:noFill/>
+                      <a:prstDash val="solid"/>
+                    </a:lnR>
+                    <a:lnT algn="ctr" cmpd="sng" cap="flat" w="0">
+                      <a:noFill/>
                       <a:prstDash val="solid"/>
                     </a:lnT>
                     <a:lnB algn="ctr" cmpd="sng" cap="flat" w="12700">
@@ -7929,28 +7125,16 @@
                     </a:p>
                   </a:txBody>
                   <a:tcPr anchor="ctr" marB="0" marT="0" marR="0" marL="0">
-                    <a:lnL algn="ctr" cmpd="sng" cap="flat" w="12700">
-                      <a:solidFill>
-                        <a:srgbClr val="000000">
-                          <a:alpha val="100000"/>
-                        </a:srgbClr>
-                      </a:solidFill>
-                      <a:prstDash val="solid"/>
-                    </a:lnL>
-                    <a:lnR algn="ctr" cmpd="sng" cap="flat" w="12700">
-                      <a:solidFill>
-                        <a:srgbClr val="000000">
-                          <a:alpha val="100000"/>
-                        </a:srgbClr>
-                      </a:solidFill>
-                      <a:prstDash val="solid"/>
-                    </a:lnR>
-                    <a:lnT algn="ctr" cmpd="sng" cap="flat" w="12700">
-                      <a:solidFill>
-                        <a:srgbClr val="000000">
-                          <a:alpha val="100000"/>
-                        </a:srgbClr>
-                      </a:solidFill>
+                    <a:lnL algn="ctr" cmpd="sng" cap="flat" w="0">
+                      <a:noFill/>
+                      <a:prstDash val="solid"/>
+                    </a:lnL>
+                    <a:lnR algn="ctr" cmpd="sng" cap="flat" w="0">
+                      <a:noFill/>
+                      <a:prstDash val="solid"/>
+                    </a:lnR>
+                    <a:lnT algn="ctr" cmpd="sng" cap="flat" w="0">
+                      <a:noFill/>
                       <a:prstDash val="solid"/>
                     </a:lnT>
                     <a:lnB algn="ctr" cmpd="sng" cap="flat" w="12700">
@@ -7992,28 +7176,16 @@
                     </a:p>
                   </a:txBody>
                   <a:tcPr anchor="ctr" marB="0" marT="0" marR="0" marL="0">
-                    <a:lnL algn="ctr" cmpd="sng" cap="flat" w="12700">
-                      <a:solidFill>
-                        <a:srgbClr val="000000">
-                          <a:alpha val="100000"/>
-                        </a:srgbClr>
-                      </a:solidFill>
-                      <a:prstDash val="solid"/>
-                    </a:lnL>
-                    <a:lnR algn="ctr" cmpd="sng" cap="flat" w="12700">
-                      <a:solidFill>
-                        <a:srgbClr val="000000">
-                          <a:alpha val="100000"/>
-                        </a:srgbClr>
-                      </a:solidFill>
-                      <a:prstDash val="solid"/>
-                    </a:lnR>
-                    <a:lnT algn="ctr" cmpd="sng" cap="flat" w="12700">
-                      <a:solidFill>
-                        <a:srgbClr val="000000">
-                          <a:alpha val="100000"/>
-                        </a:srgbClr>
-                      </a:solidFill>
+                    <a:lnL algn="ctr" cmpd="sng" cap="flat" w="0">
+                      <a:noFill/>
+                      <a:prstDash val="solid"/>
+                    </a:lnL>
+                    <a:lnR algn="ctr" cmpd="sng" cap="flat" w="0">
+                      <a:noFill/>
+                      <a:prstDash val="solid"/>
+                    </a:lnR>
+                    <a:lnT algn="ctr" cmpd="sng" cap="flat" w="0">
+                      <a:noFill/>
                       <a:prstDash val="solid"/>
                     </a:lnT>
                     <a:lnB algn="ctr" cmpd="sng" cap="flat" w="12700">
@@ -8055,28 +7227,16 @@
                     </a:p>
                   </a:txBody>
                   <a:tcPr anchor="ctr" marB="0" marT="0" marR="0" marL="0">
-                    <a:lnL algn="ctr" cmpd="sng" cap="flat" w="12700">
-                      <a:solidFill>
-                        <a:srgbClr val="000000">
-                          <a:alpha val="100000"/>
-                        </a:srgbClr>
-                      </a:solidFill>
-                      <a:prstDash val="solid"/>
-                    </a:lnL>
-                    <a:lnR algn="ctr" cmpd="sng" cap="flat" w="12700">
-                      <a:solidFill>
-                        <a:srgbClr val="000000">
-                          <a:alpha val="100000"/>
-                        </a:srgbClr>
-                      </a:solidFill>
-                      <a:prstDash val="solid"/>
-                    </a:lnR>
-                    <a:lnT algn="ctr" cmpd="sng" cap="flat" w="12700">
-                      <a:solidFill>
-                        <a:srgbClr val="000000">
-                          <a:alpha val="100000"/>
-                        </a:srgbClr>
-                      </a:solidFill>
+                    <a:lnL algn="ctr" cmpd="sng" cap="flat" w="0">
+                      <a:noFill/>
+                      <a:prstDash val="solid"/>
+                    </a:lnL>
+                    <a:lnR algn="ctr" cmpd="sng" cap="flat" w="0">
+                      <a:noFill/>
+                      <a:prstDash val="solid"/>
+                    </a:lnR>
+                    <a:lnT algn="ctr" cmpd="sng" cap="flat" w="0">
+                      <a:noFill/>
                       <a:prstDash val="solid"/>
                     </a:lnT>
                     <a:lnB algn="ctr" cmpd="sng" cap="flat" w="12700">
@@ -8118,28 +7278,16 @@
                     </a:p>
                   </a:txBody>
                   <a:tcPr anchor="ctr" marB="0" marT="0" marR="0" marL="0">
-                    <a:lnL algn="ctr" cmpd="sng" cap="flat" w="12700">
-                      <a:solidFill>
-                        <a:srgbClr val="000000">
-                          <a:alpha val="100000"/>
-                        </a:srgbClr>
-                      </a:solidFill>
-                      <a:prstDash val="solid"/>
-                    </a:lnL>
-                    <a:lnR algn="ctr" cmpd="sng" cap="flat" w="12700">
-                      <a:solidFill>
-                        <a:srgbClr val="000000">
-                          <a:alpha val="100000"/>
-                        </a:srgbClr>
-                      </a:solidFill>
-                      <a:prstDash val="solid"/>
-                    </a:lnR>
-                    <a:lnT algn="ctr" cmpd="sng" cap="flat" w="12700">
-                      <a:solidFill>
-                        <a:srgbClr val="000000">
-                          <a:alpha val="100000"/>
-                        </a:srgbClr>
-                      </a:solidFill>
+                    <a:lnL algn="ctr" cmpd="sng" cap="flat" w="0">
+                      <a:noFill/>
+                      <a:prstDash val="solid"/>
+                    </a:lnL>
+                    <a:lnR algn="ctr" cmpd="sng" cap="flat" w="0">
+                      <a:noFill/>
+                      <a:prstDash val="solid"/>
+                    </a:lnR>
+                    <a:lnT algn="ctr" cmpd="sng" cap="flat" w="0">
+                      <a:noFill/>
                       <a:prstDash val="solid"/>
                     </a:lnT>
                     <a:lnB algn="ctr" cmpd="sng" cap="flat" w="12700">
@@ -8181,28 +7329,16 @@
                     </a:p>
                   </a:txBody>
                   <a:tcPr anchor="ctr" marB="0" marT="0" marR="0" marL="0">
-                    <a:lnL algn="ctr" cmpd="sng" cap="flat" w="12700">
-                      <a:solidFill>
-                        <a:srgbClr val="000000">
-                          <a:alpha val="100000"/>
-                        </a:srgbClr>
-                      </a:solidFill>
-                      <a:prstDash val="solid"/>
-                    </a:lnL>
-                    <a:lnR algn="ctr" cmpd="sng" cap="flat" w="12700">
-                      <a:solidFill>
-                        <a:srgbClr val="000000">
-                          <a:alpha val="100000"/>
-                        </a:srgbClr>
-                      </a:solidFill>
-                      <a:prstDash val="solid"/>
-                    </a:lnR>
-                    <a:lnT algn="ctr" cmpd="sng" cap="flat" w="12700">
-                      <a:solidFill>
-                        <a:srgbClr val="000000">
-                          <a:alpha val="100000"/>
-                        </a:srgbClr>
-                      </a:solidFill>
+                    <a:lnL algn="ctr" cmpd="sng" cap="flat" w="0">
+                      <a:noFill/>
+                      <a:prstDash val="solid"/>
+                    </a:lnL>
+                    <a:lnR algn="ctr" cmpd="sng" cap="flat" w="0">
+                      <a:noFill/>
+                      <a:prstDash val="solid"/>
+                    </a:lnR>
+                    <a:lnT algn="ctr" cmpd="sng" cap="flat" w="0">
+                      <a:noFill/>
                       <a:prstDash val="solid"/>
                     </a:lnT>
                     <a:lnB algn="ctr" cmpd="sng" cap="flat" w="12700">
@@ -8244,28 +7380,16 @@
                     </a:p>
                   </a:txBody>
                   <a:tcPr anchor="ctr" marB="0" marT="0" marR="0" marL="0">
-                    <a:lnL algn="ctr" cmpd="sng" cap="flat" w="12700">
-                      <a:solidFill>
-                        <a:srgbClr val="000000">
-                          <a:alpha val="100000"/>
-                        </a:srgbClr>
-                      </a:solidFill>
-                      <a:prstDash val="solid"/>
-                    </a:lnL>
-                    <a:lnR algn="ctr" cmpd="sng" cap="flat" w="12700">
-                      <a:solidFill>
-                        <a:srgbClr val="000000">
-                          <a:alpha val="100000"/>
-                        </a:srgbClr>
-                      </a:solidFill>
-                      <a:prstDash val="solid"/>
-                    </a:lnR>
-                    <a:lnT algn="ctr" cmpd="sng" cap="flat" w="12700">
-                      <a:solidFill>
-                        <a:srgbClr val="000000">
-                          <a:alpha val="100000"/>
-                        </a:srgbClr>
-                      </a:solidFill>
+                    <a:lnL algn="ctr" cmpd="sng" cap="flat" w="0">
+                      <a:noFill/>
+                      <a:prstDash val="solid"/>
+                    </a:lnL>
+                    <a:lnR algn="ctr" cmpd="sng" cap="flat" w="0">
+                      <a:noFill/>
+                      <a:prstDash val="solid"/>
+                    </a:lnR>
+                    <a:lnT algn="ctr" cmpd="sng" cap="flat" w="0">
+                      <a:noFill/>
                       <a:prstDash val="solid"/>
                     </a:lnT>
                     <a:lnB algn="ctr" cmpd="sng" cap="flat" w="12700">
@@ -8307,28 +7431,16 @@
                     </a:p>
                   </a:txBody>
                   <a:tcPr anchor="ctr" marB="0" marT="0" marR="0" marL="0">
-                    <a:lnL algn="ctr" cmpd="sng" cap="flat" w="12700">
-                      <a:solidFill>
-                        <a:srgbClr val="000000">
-                          <a:alpha val="100000"/>
-                        </a:srgbClr>
-                      </a:solidFill>
-                      <a:prstDash val="solid"/>
-                    </a:lnL>
-                    <a:lnR algn="ctr" cmpd="sng" cap="flat" w="12700">
-                      <a:solidFill>
-                        <a:srgbClr val="000000">
-                          <a:alpha val="100000"/>
-                        </a:srgbClr>
-                      </a:solidFill>
-                      <a:prstDash val="solid"/>
-                    </a:lnR>
-                    <a:lnT algn="ctr" cmpd="sng" cap="flat" w="12700">
-                      <a:solidFill>
-                        <a:srgbClr val="000000">
-                          <a:alpha val="100000"/>
-                        </a:srgbClr>
-                      </a:solidFill>
+                    <a:lnL algn="ctr" cmpd="sng" cap="flat" w="0">
+                      <a:noFill/>
+                      <a:prstDash val="solid"/>
+                    </a:lnL>
+                    <a:lnR algn="ctr" cmpd="sng" cap="flat" w="0">
+                      <a:noFill/>
+                      <a:prstDash val="solid"/>
+                    </a:lnR>
+                    <a:lnT algn="ctr" cmpd="sng" cap="flat" w="0">
+                      <a:noFill/>
                       <a:prstDash val="solid"/>
                     </a:lnT>
                     <a:lnB algn="ctr" cmpd="sng" cap="flat" w="12700">
@@ -8370,28 +7482,16 @@
                     </a:p>
                   </a:txBody>
                   <a:tcPr anchor="ctr" marB="0" marT="0" marR="0" marL="0">
-                    <a:lnL algn="ctr" cmpd="sng" cap="flat" w="12700">
-                      <a:solidFill>
-                        <a:srgbClr val="000000">
-                          <a:alpha val="100000"/>
-                        </a:srgbClr>
-                      </a:solidFill>
-                      <a:prstDash val="solid"/>
-                    </a:lnL>
-                    <a:lnR algn="ctr" cmpd="sng" cap="flat" w="12700">
-                      <a:solidFill>
-                        <a:srgbClr val="000000">
-                          <a:alpha val="100000"/>
-                        </a:srgbClr>
-                      </a:solidFill>
-                      <a:prstDash val="solid"/>
-                    </a:lnR>
-                    <a:lnT algn="ctr" cmpd="sng" cap="flat" w="12700">
-                      <a:solidFill>
-                        <a:srgbClr val="000000">
-                          <a:alpha val="100000"/>
-                        </a:srgbClr>
-                      </a:solidFill>
+                    <a:lnL algn="ctr" cmpd="sng" cap="flat" w="0">
+                      <a:noFill/>
+                      <a:prstDash val="solid"/>
+                    </a:lnL>
+                    <a:lnR algn="ctr" cmpd="sng" cap="flat" w="0">
+                      <a:noFill/>
+                      <a:prstDash val="solid"/>
+                    </a:lnR>
+                    <a:lnT algn="ctr" cmpd="sng" cap="flat" w="0">
+                      <a:noFill/>
                       <a:prstDash val="solid"/>
                     </a:lnT>
                     <a:lnB algn="ctr" cmpd="sng" cap="flat" w="12700">
@@ -8433,28 +7533,16 @@
                     </a:p>
                   </a:txBody>
                   <a:tcPr anchor="ctr" marB="0" marT="0" marR="0" marL="0">
-                    <a:lnL algn="ctr" cmpd="sng" cap="flat" w="12700">
-                      <a:solidFill>
-                        <a:srgbClr val="000000">
-                          <a:alpha val="100000"/>
-                        </a:srgbClr>
-                      </a:solidFill>
-                      <a:prstDash val="solid"/>
-                    </a:lnL>
-                    <a:lnR algn="ctr" cmpd="sng" cap="flat" w="12700">
-                      <a:solidFill>
-                        <a:srgbClr val="000000">
-                          <a:alpha val="100000"/>
-                        </a:srgbClr>
-                      </a:solidFill>
-                      <a:prstDash val="solid"/>
-                    </a:lnR>
-                    <a:lnT algn="ctr" cmpd="sng" cap="flat" w="12700">
-                      <a:solidFill>
-                        <a:srgbClr val="000000">
-                          <a:alpha val="100000"/>
-                        </a:srgbClr>
-                      </a:solidFill>
+                    <a:lnL algn="ctr" cmpd="sng" cap="flat" w="0">
+                      <a:noFill/>
+                      <a:prstDash val="solid"/>
+                    </a:lnL>
+                    <a:lnR algn="ctr" cmpd="sng" cap="flat" w="0">
+                      <a:noFill/>
+                      <a:prstDash val="solid"/>
+                    </a:lnR>
+                    <a:lnT algn="ctr" cmpd="sng" cap="flat" w="0">
+                      <a:noFill/>
                       <a:prstDash val="solid"/>
                     </a:lnT>
                     <a:lnB algn="ctr" cmpd="sng" cap="flat" w="12700">
@@ -8496,28 +7584,16 @@
                     </a:p>
                   </a:txBody>
                   <a:tcPr anchor="ctr" marB="0" marT="0" marR="0" marL="0">
-                    <a:lnL algn="ctr" cmpd="sng" cap="flat" w="12700">
-                      <a:solidFill>
-                        <a:srgbClr val="000000">
-                          <a:alpha val="100000"/>
-                        </a:srgbClr>
-                      </a:solidFill>
-                      <a:prstDash val="solid"/>
-                    </a:lnL>
-                    <a:lnR algn="ctr" cmpd="sng" cap="flat" w="12700">
-                      <a:solidFill>
-                        <a:srgbClr val="000000">
-                          <a:alpha val="100000"/>
-                        </a:srgbClr>
-                      </a:solidFill>
-                      <a:prstDash val="solid"/>
-                    </a:lnR>
-                    <a:lnT algn="ctr" cmpd="sng" cap="flat" w="12700">
-                      <a:solidFill>
-                        <a:srgbClr val="000000">
-                          <a:alpha val="100000"/>
-                        </a:srgbClr>
-                      </a:solidFill>
+                    <a:lnL algn="ctr" cmpd="sng" cap="flat" w="0">
+                      <a:noFill/>
+                      <a:prstDash val="solid"/>
+                    </a:lnL>
+                    <a:lnR algn="ctr" cmpd="sng" cap="flat" w="0">
+                      <a:noFill/>
+                      <a:prstDash val="solid"/>
+                    </a:lnR>
+                    <a:lnT algn="ctr" cmpd="sng" cap="flat" w="0">
+                      <a:noFill/>
                       <a:prstDash val="solid"/>
                     </a:lnT>
                     <a:lnB algn="ctr" cmpd="sng" cap="flat" w="12700">
@@ -8561,20 +7637,12 @@
                     </a:p>
                   </a:txBody>
                   <a:tcPr anchor="ctr" marB="0" marT="0" marR="0" marL="0">
-                    <a:lnL algn="ctr" cmpd="sng" cap="flat" w="12700">
-                      <a:solidFill>
-                        <a:srgbClr val="000000">
-                          <a:alpha val="100000"/>
-                        </a:srgbClr>
-                      </a:solidFill>
-                      <a:prstDash val="solid"/>
-                    </a:lnL>
-                    <a:lnR algn="ctr" cmpd="sng" cap="flat" w="12700">
-                      <a:solidFill>
-                        <a:srgbClr val="000000">
-                          <a:alpha val="100000"/>
-                        </a:srgbClr>
-                      </a:solidFill>
+                    <a:lnL algn="ctr" cmpd="sng" cap="flat" w="0">
+                      <a:noFill/>
+                      <a:prstDash val="solid"/>
+                    </a:lnL>
+                    <a:lnR algn="ctr" cmpd="sng" cap="flat" w="0">
+                      <a:noFill/>
                       <a:prstDash val="solid"/>
                     </a:lnR>
                     <a:lnT algn="ctr" cmpd="sng" cap="flat" w="12700">
@@ -8624,20 +7692,12 @@
                     </a:p>
                   </a:txBody>
                   <a:tcPr anchor="ctr" marB="0" marT="0" marR="0" marL="0">
-                    <a:lnL algn="ctr" cmpd="sng" cap="flat" w="12700">
-                      <a:solidFill>
-                        <a:srgbClr val="000000">
-                          <a:alpha val="100000"/>
-                        </a:srgbClr>
-                      </a:solidFill>
-                      <a:prstDash val="solid"/>
-                    </a:lnL>
-                    <a:lnR algn="ctr" cmpd="sng" cap="flat" w="12700">
-                      <a:solidFill>
-                        <a:srgbClr val="000000">
-                          <a:alpha val="100000"/>
-                        </a:srgbClr>
-                      </a:solidFill>
+                    <a:lnL algn="ctr" cmpd="sng" cap="flat" w="0">
+                      <a:noFill/>
+                      <a:prstDash val="solid"/>
+                    </a:lnL>
+                    <a:lnR algn="ctr" cmpd="sng" cap="flat" w="0">
+                      <a:noFill/>
                       <a:prstDash val="solid"/>
                     </a:lnR>
                     <a:lnT algn="ctr" cmpd="sng" cap="flat" w="12700">
@@ -8687,20 +7747,12 @@
                     </a:p>
                   </a:txBody>
                   <a:tcPr anchor="ctr" marB="0" marT="0" marR="0" marL="0">
-                    <a:lnL algn="ctr" cmpd="sng" cap="flat" w="12700">
-                      <a:solidFill>
-                        <a:srgbClr val="000000">
-                          <a:alpha val="100000"/>
-                        </a:srgbClr>
-                      </a:solidFill>
-                      <a:prstDash val="solid"/>
-                    </a:lnL>
-                    <a:lnR algn="ctr" cmpd="sng" cap="flat" w="12700">
-                      <a:solidFill>
-                        <a:srgbClr val="000000">
-                          <a:alpha val="100000"/>
-                        </a:srgbClr>
-                      </a:solidFill>
+                    <a:lnL algn="ctr" cmpd="sng" cap="flat" w="0">
+                      <a:noFill/>
+                      <a:prstDash val="solid"/>
+                    </a:lnL>
+                    <a:lnR algn="ctr" cmpd="sng" cap="flat" w="0">
+                      <a:noFill/>
                       <a:prstDash val="solid"/>
                     </a:lnR>
                     <a:lnT algn="ctr" cmpd="sng" cap="flat" w="12700">
@@ -8750,20 +7802,12 @@
                     </a:p>
                   </a:txBody>
                   <a:tcPr anchor="ctr" marB="0" marT="0" marR="0" marL="0">
-                    <a:lnL algn="ctr" cmpd="sng" cap="flat" w="12700">
-                      <a:solidFill>
-                        <a:srgbClr val="000000">
-                          <a:alpha val="100000"/>
-                        </a:srgbClr>
-                      </a:solidFill>
-                      <a:prstDash val="solid"/>
-                    </a:lnL>
-                    <a:lnR algn="ctr" cmpd="sng" cap="flat" w="12700">
-                      <a:solidFill>
-                        <a:srgbClr val="000000">
-                          <a:alpha val="100000"/>
-                        </a:srgbClr>
-                      </a:solidFill>
+                    <a:lnL algn="ctr" cmpd="sng" cap="flat" w="0">
+                      <a:noFill/>
+                      <a:prstDash val="solid"/>
+                    </a:lnL>
+                    <a:lnR algn="ctr" cmpd="sng" cap="flat" w="0">
+                      <a:noFill/>
                       <a:prstDash val="solid"/>
                     </a:lnR>
                     <a:lnT algn="ctr" cmpd="sng" cap="flat" w="12700">
@@ -8813,20 +7857,12 @@
                     </a:p>
                   </a:txBody>
                   <a:tcPr anchor="ctr" marB="0" marT="0" marR="0" marL="0">
-                    <a:lnL algn="ctr" cmpd="sng" cap="flat" w="12700">
-                      <a:solidFill>
-                        <a:srgbClr val="000000">
-                          <a:alpha val="100000"/>
-                        </a:srgbClr>
-                      </a:solidFill>
-                      <a:prstDash val="solid"/>
-                    </a:lnL>
-                    <a:lnR algn="ctr" cmpd="sng" cap="flat" w="12700">
-                      <a:solidFill>
-                        <a:srgbClr val="000000">
-                          <a:alpha val="100000"/>
-                        </a:srgbClr>
-                      </a:solidFill>
+                    <a:lnL algn="ctr" cmpd="sng" cap="flat" w="0">
+                      <a:noFill/>
+                      <a:prstDash val="solid"/>
+                    </a:lnL>
+                    <a:lnR algn="ctr" cmpd="sng" cap="flat" w="0">
+                      <a:noFill/>
                       <a:prstDash val="solid"/>
                     </a:lnR>
                     <a:lnT algn="ctr" cmpd="sng" cap="flat" w="12700">
@@ -8876,20 +7912,12 @@
                     </a:p>
                   </a:txBody>
                   <a:tcPr anchor="ctr" marB="0" marT="0" marR="0" marL="0">
-                    <a:lnL algn="ctr" cmpd="sng" cap="flat" w="12700">
-                      <a:solidFill>
-                        <a:srgbClr val="000000">
-                          <a:alpha val="100000"/>
-                        </a:srgbClr>
-                      </a:solidFill>
-                      <a:prstDash val="solid"/>
-                    </a:lnL>
-                    <a:lnR algn="ctr" cmpd="sng" cap="flat" w="12700">
-                      <a:solidFill>
-                        <a:srgbClr val="000000">
-                          <a:alpha val="100000"/>
-                        </a:srgbClr>
-                      </a:solidFill>
+                    <a:lnL algn="ctr" cmpd="sng" cap="flat" w="0">
+                      <a:noFill/>
+                      <a:prstDash val="solid"/>
+                    </a:lnL>
+                    <a:lnR algn="ctr" cmpd="sng" cap="flat" w="0">
+                      <a:noFill/>
                       <a:prstDash val="solid"/>
                     </a:lnR>
                     <a:lnT algn="ctr" cmpd="sng" cap="flat" w="12700">
@@ -8939,20 +7967,12 @@
                     </a:p>
                   </a:txBody>
                   <a:tcPr anchor="ctr" marB="0" marT="0" marR="0" marL="0">
-                    <a:lnL algn="ctr" cmpd="sng" cap="flat" w="12700">
-                      <a:solidFill>
-                        <a:srgbClr val="000000">
-                          <a:alpha val="100000"/>
-                        </a:srgbClr>
-                      </a:solidFill>
-                      <a:prstDash val="solid"/>
-                    </a:lnL>
-                    <a:lnR algn="ctr" cmpd="sng" cap="flat" w="12700">
-                      <a:solidFill>
-                        <a:srgbClr val="000000">
-                          <a:alpha val="100000"/>
-                        </a:srgbClr>
-                      </a:solidFill>
+                    <a:lnL algn="ctr" cmpd="sng" cap="flat" w="0">
+                      <a:noFill/>
+                      <a:prstDash val="solid"/>
+                    </a:lnL>
+                    <a:lnR algn="ctr" cmpd="sng" cap="flat" w="0">
+                      <a:noFill/>
                       <a:prstDash val="solid"/>
                     </a:lnR>
                     <a:lnT algn="ctr" cmpd="sng" cap="flat" w="12700">
@@ -9002,20 +8022,12 @@
                     </a:p>
                   </a:txBody>
                   <a:tcPr anchor="ctr" marB="0" marT="0" marR="0" marL="0">
-                    <a:lnL algn="ctr" cmpd="sng" cap="flat" w="12700">
-                      <a:solidFill>
-                        <a:srgbClr val="000000">
-                          <a:alpha val="100000"/>
-                        </a:srgbClr>
-                      </a:solidFill>
-                      <a:prstDash val="solid"/>
-                    </a:lnL>
-                    <a:lnR algn="ctr" cmpd="sng" cap="flat" w="12700">
-                      <a:solidFill>
-                        <a:srgbClr val="000000">
-                          <a:alpha val="100000"/>
-                        </a:srgbClr>
-                      </a:solidFill>
+                    <a:lnL algn="ctr" cmpd="sng" cap="flat" w="0">
+                      <a:noFill/>
+                      <a:prstDash val="solid"/>
+                    </a:lnL>
+                    <a:lnR algn="ctr" cmpd="sng" cap="flat" w="0">
+                      <a:noFill/>
                       <a:prstDash val="solid"/>
                     </a:lnR>
                     <a:lnT algn="ctr" cmpd="sng" cap="flat" w="12700">
@@ -9065,20 +8077,12 @@
                     </a:p>
                   </a:txBody>
                   <a:tcPr anchor="ctr" marB="0" marT="0" marR="0" marL="0">
-                    <a:lnL algn="ctr" cmpd="sng" cap="flat" w="12700">
-                      <a:solidFill>
-                        <a:srgbClr val="000000">
-                          <a:alpha val="100000"/>
-                        </a:srgbClr>
-                      </a:solidFill>
-                      <a:prstDash val="solid"/>
-                    </a:lnL>
-                    <a:lnR algn="ctr" cmpd="sng" cap="flat" w="12700">
-                      <a:solidFill>
-                        <a:srgbClr val="000000">
-                          <a:alpha val="100000"/>
-                        </a:srgbClr>
-                      </a:solidFill>
+                    <a:lnL algn="ctr" cmpd="sng" cap="flat" w="0">
+                      <a:noFill/>
+                      <a:prstDash val="solid"/>
+                    </a:lnL>
+                    <a:lnR algn="ctr" cmpd="sng" cap="flat" w="0">
+                      <a:noFill/>
                       <a:prstDash val="solid"/>
                     </a:lnR>
                     <a:lnT algn="ctr" cmpd="sng" cap="flat" w="12700">
@@ -9128,20 +8132,12 @@
                     </a:p>
                   </a:txBody>
                   <a:tcPr anchor="ctr" marB="0" marT="0" marR="0" marL="0">
-                    <a:lnL algn="ctr" cmpd="sng" cap="flat" w="12700">
-                      <a:solidFill>
-                        <a:srgbClr val="000000">
-                          <a:alpha val="100000"/>
-                        </a:srgbClr>
-                      </a:solidFill>
-                      <a:prstDash val="solid"/>
-                    </a:lnL>
-                    <a:lnR algn="ctr" cmpd="sng" cap="flat" w="12700">
-                      <a:solidFill>
-                        <a:srgbClr val="000000">
-                          <a:alpha val="100000"/>
-                        </a:srgbClr>
-                      </a:solidFill>
+                    <a:lnL algn="ctr" cmpd="sng" cap="flat" w="0">
+                      <a:noFill/>
+                      <a:prstDash val="solid"/>
+                    </a:lnL>
+                    <a:lnR algn="ctr" cmpd="sng" cap="flat" w="0">
+                      <a:noFill/>
                       <a:prstDash val="solid"/>
                     </a:lnR>
                     <a:lnT algn="ctr" cmpd="sng" cap="flat" w="12700">
@@ -9191,20 +8187,12 @@
                     </a:p>
                   </a:txBody>
                   <a:tcPr anchor="ctr" marB="0" marT="0" marR="0" marL="0">
-                    <a:lnL algn="ctr" cmpd="sng" cap="flat" w="12700">
-                      <a:solidFill>
-                        <a:srgbClr val="000000">
-                          <a:alpha val="100000"/>
-                        </a:srgbClr>
-                      </a:solidFill>
-                      <a:prstDash val="solid"/>
-                    </a:lnL>
-                    <a:lnR algn="ctr" cmpd="sng" cap="flat" w="12700">
-                      <a:solidFill>
-                        <a:srgbClr val="000000">
-                          <a:alpha val="100000"/>
-                        </a:srgbClr>
-                      </a:solidFill>
+                    <a:lnL algn="ctr" cmpd="sng" cap="flat" w="0">
+                      <a:noFill/>
+                      <a:prstDash val="solid"/>
+                    </a:lnL>
+                    <a:lnR algn="ctr" cmpd="sng" cap="flat" w="0">
+                      <a:noFill/>
                       <a:prstDash val="solid"/>
                     </a:lnR>
                     <a:lnT algn="ctr" cmpd="sng" cap="flat" w="12700">
@@ -9256,20 +8244,12 @@
                     </a:p>
                   </a:txBody>
                   <a:tcPr anchor="ctr" marB="0" marT="0" marR="0" marL="0">
-                    <a:lnL algn="ctr" cmpd="sng" cap="flat" w="12700">
-                      <a:solidFill>
-                        <a:srgbClr val="000000">
-                          <a:alpha val="100000"/>
-                        </a:srgbClr>
-                      </a:solidFill>
-                      <a:prstDash val="solid"/>
-                    </a:lnL>
-                    <a:lnR algn="ctr" cmpd="sng" cap="flat" w="12700">
-                      <a:solidFill>
-                        <a:srgbClr val="000000">
-                          <a:alpha val="100000"/>
-                        </a:srgbClr>
-                      </a:solidFill>
+                    <a:lnL algn="ctr" cmpd="sng" cap="flat" w="0">
+                      <a:noFill/>
+                      <a:prstDash val="solid"/>
+                    </a:lnL>
+                    <a:lnR algn="ctr" cmpd="sng" cap="flat" w="0">
+                      <a:noFill/>
                       <a:prstDash val="solid"/>
                     </a:lnR>
                     <a:lnT algn="ctr" cmpd="sng" cap="flat" w="12700">
@@ -9319,20 +8299,12 @@
                     </a:p>
                   </a:txBody>
                   <a:tcPr anchor="ctr" marB="0" marT="0" marR="0" marL="0">
-                    <a:lnL algn="ctr" cmpd="sng" cap="flat" w="12700">
-                      <a:solidFill>
-                        <a:srgbClr val="000000">
-                          <a:alpha val="100000"/>
-                        </a:srgbClr>
-                      </a:solidFill>
-                      <a:prstDash val="solid"/>
-                    </a:lnL>
-                    <a:lnR algn="ctr" cmpd="sng" cap="flat" w="12700">
-                      <a:solidFill>
-                        <a:srgbClr val="000000">
-                          <a:alpha val="100000"/>
-                        </a:srgbClr>
-                      </a:solidFill>
+                    <a:lnL algn="ctr" cmpd="sng" cap="flat" w="0">
+                      <a:noFill/>
+                      <a:prstDash val="solid"/>
+                    </a:lnL>
+                    <a:lnR algn="ctr" cmpd="sng" cap="flat" w="0">
+                      <a:noFill/>
                       <a:prstDash val="solid"/>
                     </a:lnR>
                     <a:lnT algn="ctr" cmpd="sng" cap="flat" w="12700">
@@ -9382,20 +8354,12 @@
                     </a:p>
                   </a:txBody>
                   <a:tcPr anchor="ctr" marB="0" marT="0" marR="0" marL="0">
-                    <a:lnL algn="ctr" cmpd="sng" cap="flat" w="12700">
-                      <a:solidFill>
-                        <a:srgbClr val="000000">
-                          <a:alpha val="100000"/>
-                        </a:srgbClr>
-                      </a:solidFill>
-                      <a:prstDash val="solid"/>
-                    </a:lnL>
-                    <a:lnR algn="ctr" cmpd="sng" cap="flat" w="12700">
-                      <a:solidFill>
-                        <a:srgbClr val="000000">
-                          <a:alpha val="100000"/>
-                        </a:srgbClr>
-                      </a:solidFill>
+                    <a:lnL algn="ctr" cmpd="sng" cap="flat" w="0">
+                      <a:noFill/>
+                      <a:prstDash val="solid"/>
+                    </a:lnL>
+                    <a:lnR algn="ctr" cmpd="sng" cap="flat" w="0">
+                      <a:noFill/>
                       <a:prstDash val="solid"/>
                     </a:lnR>
                     <a:lnT algn="ctr" cmpd="sng" cap="flat" w="12700">
@@ -9445,20 +8409,12 @@
                     </a:p>
                   </a:txBody>
                   <a:tcPr anchor="ctr" marB="0" marT="0" marR="0" marL="0">
-                    <a:lnL algn="ctr" cmpd="sng" cap="flat" w="12700">
-                      <a:solidFill>
-                        <a:srgbClr val="000000">
-                          <a:alpha val="100000"/>
-                        </a:srgbClr>
-                      </a:solidFill>
-                      <a:prstDash val="solid"/>
-                    </a:lnL>
-                    <a:lnR algn="ctr" cmpd="sng" cap="flat" w="12700">
-                      <a:solidFill>
-                        <a:srgbClr val="000000">
-                          <a:alpha val="100000"/>
-                        </a:srgbClr>
-                      </a:solidFill>
+                    <a:lnL algn="ctr" cmpd="sng" cap="flat" w="0">
+                      <a:noFill/>
+                      <a:prstDash val="solid"/>
+                    </a:lnL>
+                    <a:lnR algn="ctr" cmpd="sng" cap="flat" w="0">
+                      <a:noFill/>
                       <a:prstDash val="solid"/>
                     </a:lnR>
                     <a:lnT algn="ctr" cmpd="sng" cap="flat" w="12700">
@@ -9508,20 +8464,12 @@
                     </a:p>
                   </a:txBody>
                   <a:tcPr anchor="ctr" marB="0" marT="0" marR="0" marL="0">
-                    <a:lnL algn="ctr" cmpd="sng" cap="flat" w="12700">
-                      <a:solidFill>
-                        <a:srgbClr val="000000">
-                          <a:alpha val="100000"/>
-                        </a:srgbClr>
-                      </a:solidFill>
-                      <a:prstDash val="solid"/>
-                    </a:lnL>
-                    <a:lnR algn="ctr" cmpd="sng" cap="flat" w="12700">
-                      <a:solidFill>
-                        <a:srgbClr val="000000">
-                          <a:alpha val="100000"/>
-                        </a:srgbClr>
-                      </a:solidFill>
+                    <a:lnL algn="ctr" cmpd="sng" cap="flat" w="0">
+                      <a:noFill/>
+                      <a:prstDash val="solid"/>
+                    </a:lnL>
+                    <a:lnR algn="ctr" cmpd="sng" cap="flat" w="0">
+                      <a:noFill/>
                       <a:prstDash val="solid"/>
                     </a:lnR>
                     <a:lnT algn="ctr" cmpd="sng" cap="flat" w="12700">
@@ -9571,20 +8519,12 @@
                     </a:p>
                   </a:txBody>
                   <a:tcPr anchor="ctr" marB="0" marT="0" marR="0" marL="0">
-                    <a:lnL algn="ctr" cmpd="sng" cap="flat" w="12700">
-                      <a:solidFill>
-                        <a:srgbClr val="000000">
-                          <a:alpha val="100000"/>
-                        </a:srgbClr>
-                      </a:solidFill>
-                      <a:prstDash val="solid"/>
-                    </a:lnL>
-                    <a:lnR algn="ctr" cmpd="sng" cap="flat" w="12700">
-                      <a:solidFill>
-                        <a:srgbClr val="000000">
-                          <a:alpha val="100000"/>
-                        </a:srgbClr>
-                      </a:solidFill>
+                    <a:lnL algn="ctr" cmpd="sng" cap="flat" w="0">
+                      <a:noFill/>
+                      <a:prstDash val="solid"/>
+                    </a:lnL>
+                    <a:lnR algn="ctr" cmpd="sng" cap="flat" w="0">
+                      <a:noFill/>
                       <a:prstDash val="solid"/>
                     </a:lnR>
                     <a:lnT algn="ctr" cmpd="sng" cap="flat" w="12700">
@@ -9634,20 +8574,12 @@
                     </a:p>
                   </a:txBody>
                   <a:tcPr anchor="ctr" marB="0" marT="0" marR="0" marL="0">
-                    <a:lnL algn="ctr" cmpd="sng" cap="flat" w="12700">
-                      <a:solidFill>
-                        <a:srgbClr val="000000">
-                          <a:alpha val="100000"/>
-                        </a:srgbClr>
-                      </a:solidFill>
-                      <a:prstDash val="solid"/>
-                    </a:lnL>
-                    <a:lnR algn="ctr" cmpd="sng" cap="flat" w="12700">
-                      <a:solidFill>
-                        <a:srgbClr val="000000">
-                          <a:alpha val="100000"/>
-                        </a:srgbClr>
-                      </a:solidFill>
+                    <a:lnL algn="ctr" cmpd="sng" cap="flat" w="0">
+                      <a:noFill/>
+                      <a:prstDash val="solid"/>
+                    </a:lnL>
+                    <a:lnR algn="ctr" cmpd="sng" cap="flat" w="0">
+                      <a:noFill/>
                       <a:prstDash val="solid"/>
                     </a:lnR>
                     <a:lnT algn="ctr" cmpd="sng" cap="flat" w="12700">
@@ -9697,20 +8629,12 @@
                     </a:p>
                   </a:txBody>
                   <a:tcPr anchor="ctr" marB="0" marT="0" marR="0" marL="0">
-                    <a:lnL algn="ctr" cmpd="sng" cap="flat" w="12700">
-                      <a:solidFill>
-                        <a:srgbClr val="000000">
-                          <a:alpha val="100000"/>
-                        </a:srgbClr>
-                      </a:solidFill>
-                      <a:prstDash val="solid"/>
-                    </a:lnL>
-                    <a:lnR algn="ctr" cmpd="sng" cap="flat" w="12700">
-                      <a:solidFill>
-                        <a:srgbClr val="000000">
-                          <a:alpha val="100000"/>
-                        </a:srgbClr>
-                      </a:solidFill>
+                    <a:lnL algn="ctr" cmpd="sng" cap="flat" w="0">
+                      <a:noFill/>
+                      <a:prstDash val="solid"/>
+                    </a:lnL>
+                    <a:lnR algn="ctr" cmpd="sng" cap="flat" w="0">
+                      <a:noFill/>
                       <a:prstDash val="solid"/>
                     </a:lnR>
                     <a:lnT algn="ctr" cmpd="sng" cap="flat" w="12700">
@@ -9760,20 +8684,12 @@
                     </a:p>
                   </a:txBody>
                   <a:tcPr anchor="ctr" marB="0" marT="0" marR="0" marL="0">
-                    <a:lnL algn="ctr" cmpd="sng" cap="flat" w="12700">
-                      <a:solidFill>
-                        <a:srgbClr val="000000">
-                          <a:alpha val="100000"/>
-                        </a:srgbClr>
-                      </a:solidFill>
-                      <a:prstDash val="solid"/>
-                    </a:lnL>
-                    <a:lnR algn="ctr" cmpd="sng" cap="flat" w="12700">
-                      <a:solidFill>
-                        <a:srgbClr val="000000">
-                          <a:alpha val="100000"/>
-                        </a:srgbClr>
-                      </a:solidFill>
+                    <a:lnL algn="ctr" cmpd="sng" cap="flat" w="0">
+                      <a:noFill/>
+                      <a:prstDash val="solid"/>
+                    </a:lnL>
+                    <a:lnR algn="ctr" cmpd="sng" cap="flat" w="0">
+                      <a:noFill/>
                       <a:prstDash val="solid"/>
                     </a:lnR>
                     <a:lnT algn="ctr" cmpd="sng" cap="flat" w="12700">
@@ -9823,20 +8739,12 @@
                     </a:p>
                   </a:txBody>
                   <a:tcPr anchor="ctr" marB="0" marT="0" marR="0" marL="0">
-                    <a:lnL algn="ctr" cmpd="sng" cap="flat" w="12700">
-                      <a:solidFill>
-                        <a:srgbClr val="000000">
-                          <a:alpha val="100000"/>
-                        </a:srgbClr>
-                      </a:solidFill>
-                      <a:prstDash val="solid"/>
-                    </a:lnL>
-                    <a:lnR algn="ctr" cmpd="sng" cap="flat" w="12700">
-                      <a:solidFill>
-                        <a:srgbClr val="000000">
-                          <a:alpha val="100000"/>
-                        </a:srgbClr>
-                      </a:solidFill>
+                    <a:lnL algn="ctr" cmpd="sng" cap="flat" w="0">
+                      <a:noFill/>
+                      <a:prstDash val="solid"/>
+                    </a:lnL>
+                    <a:lnR algn="ctr" cmpd="sng" cap="flat" w="0">
+                      <a:noFill/>
                       <a:prstDash val="solid"/>
                     </a:lnR>
                     <a:lnT algn="ctr" cmpd="sng" cap="flat" w="12700">
@@ -9886,20 +8794,12 @@
                     </a:p>
                   </a:txBody>
                   <a:tcPr anchor="ctr" marB="0" marT="0" marR="0" marL="0">
-                    <a:lnL algn="ctr" cmpd="sng" cap="flat" w="12700">
-                      <a:solidFill>
-                        <a:srgbClr val="000000">
-                          <a:alpha val="100000"/>
-                        </a:srgbClr>
-                      </a:solidFill>
-                      <a:prstDash val="solid"/>
-                    </a:lnL>
-                    <a:lnR algn="ctr" cmpd="sng" cap="flat" w="12700">
-                      <a:solidFill>
-                        <a:srgbClr val="000000">
-                          <a:alpha val="100000"/>
-                        </a:srgbClr>
-                      </a:solidFill>
+                    <a:lnL algn="ctr" cmpd="sng" cap="flat" w="0">
+                      <a:noFill/>
+                      <a:prstDash val="solid"/>
+                    </a:lnL>
+                    <a:lnR algn="ctr" cmpd="sng" cap="flat" w="0">
+                      <a:noFill/>
                       <a:prstDash val="solid"/>
                     </a:lnR>
                     <a:lnT algn="ctr" cmpd="sng" cap="flat" w="12700">
@@ -9951,20 +8851,12 @@
                     </a:p>
                   </a:txBody>
                   <a:tcPr anchor="ctr" marB="0" marT="0" marR="0" marL="0">
-                    <a:lnL algn="ctr" cmpd="sng" cap="flat" w="12700">
-                      <a:solidFill>
-                        <a:srgbClr val="000000">
-                          <a:alpha val="100000"/>
-                        </a:srgbClr>
-                      </a:solidFill>
-                      <a:prstDash val="solid"/>
-                    </a:lnL>
-                    <a:lnR algn="ctr" cmpd="sng" cap="flat" w="12700">
-                      <a:solidFill>
-                        <a:srgbClr val="000000">
-                          <a:alpha val="100000"/>
-                        </a:srgbClr>
-                      </a:solidFill>
+                    <a:lnL algn="ctr" cmpd="sng" cap="flat" w="0">
+                      <a:noFill/>
+                      <a:prstDash val="solid"/>
+                    </a:lnL>
+                    <a:lnR algn="ctr" cmpd="sng" cap="flat" w="0">
+                      <a:noFill/>
                       <a:prstDash val="solid"/>
                     </a:lnR>
                     <a:lnT algn="ctr" cmpd="sng" cap="flat" w="12700">
@@ -10014,20 +8906,12 @@
                     </a:p>
                   </a:txBody>
                   <a:tcPr anchor="ctr" marB="0" marT="0" marR="0" marL="0">
-                    <a:lnL algn="ctr" cmpd="sng" cap="flat" w="12700">
-                      <a:solidFill>
-                        <a:srgbClr val="000000">
-                          <a:alpha val="100000"/>
-                        </a:srgbClr>
-                      </a:solidFill>
-                      <a:prstDash val="solid"/>
-                    </a:lnL>
-                    <a:lnR algn="ctr" cmpd="sng" cap="flat" w="12700">
-                      <a:solidFill>
-                        <a:srgbClr val="000000">
-                          <a:alpha val="100000"/>
-                        </a:srgbClr>
-                      </a:solidFill>
+                    <a:lnL algn="ctr" cmpd="sng" cap="flat" w="0">
+                      <a:noFill/>
+                      <a:prstDash val="solid"/>
+                    </a:lnL>
+                    <a:lnR algn="ctr" cmpd="sng" cap="flat" w="0">
+                      <a:noFill/>
                       <a:prstDash val="solid"/>
                     </a:lnR>
                     <a:lnT algn="ctr" cmpd="sng" cap="flat" w="12700">
@@ -10077,20 +8961,12 @@
                     </a:p>
                   </a:txBody>
                   <a:tcPr anchor="ctr" marB="0" marT="0" marR="0" marL="0">
-                    <a:lnL algn="ctr" cmpd="sng" cap="flat" w="12700">
-                      <a:solidFill>
-                        <a:srgbClr val="000000">
-                          <a:alpha val="100000"/>
-                        </a:srgbClr>
-                      </a:solidFill>
-                      <a:prstDash val="solid"/>
-                    </a:lnL>
-                    <a:lnR algn="ctr" cmpd="sng" cap="flat" w="12700">
-                      <a:solidFill>
-                        <a:srgbClr val="000000">
-                          <a:alpha val="100000"/>
-                        </a:srgbClr>
-                      </a:solidFill>
+                    <a:lnL algn="ctr" cmpd="sng" cap="flat" w="0">
+                      <a:noFill/>
+                      <a:prstDash val="solid"/>
+                    </a:lnL>
+                    <a:lnR algn="ctr" cmpd="sng" cap="flat" w="0">
+                      <a:noFill/>
                       <a:prstDash val="solid"/>
                     </a:lnR>
                     <a:lnT algn="ctr" cmpd="sng" cap="flat" w="12700">
@@ -10140,20 +9016,12 @@
                     </a:p>
                   </a:txBody>
                   <a:tcPr anchor="ctr" marB="0" marT="0" marR="0" marL="0">
-                    <a:lnL algn="ctr" cmpd="sng" cap="flat" w="12700">
-                      <a:solidFill>
-                        <a:srgbClr val="000000">
-                          <a:alpha val="100000"/>
-                        </a:srgbClr>
-                      </a:solidFill>
-                      <a:prstDash val="solid"/>
-                    </a:lnL>
-                    <a:lnR algn="ctr" cmpd="sng" cap="flat" w="12700">
-                      <a:solidFill>
-                        <a:srgbClr val="000000">
-                          <a:alpha val="100000"/>
-                        </a:srgbClr>
-                      </a:solidFill>
+                    <a:lnL algn="ctr" cmpd="sng" cap="flat" w="0">
+                      <a:noFill/>
+                      <a:prstDash val="solid"/>
+                    </a:lnL>
+                    <a:lnR algn="ctr" cmpd="sng" cap="flat" w="0">
+                      <a:noFill/>
                       <a:prstDash val="solid"/>
                     </a:lnR>
                     <a:lnT algn="ctr" cmpd="sng" cap="flat" w="12700">
@@ -10203,20 +9071,12 @@
                     </a:p>
                   </a:txBody>
                   <a:tcPr anchor="ctr" marB="0" marT="0" marR="0" marL="0">
-                    <a:lnL algn="ctr" cmpd="sng" cap="flat" w="12700">
-                      <a:solidFill>
-                        <a:srgbClr val="000000">
-                          <a:alpha val="100000"/>
-                        </a:srgbClr>
-                      </a:solidFill>
-                      <a:prstDash val="solid"/>
-                    </a:lnL>
-                    <a:lnR algn="ctr" cmpd="sng" cap="flat" w="12700">
-                      <a:solidFill>
-                        <a:srgbClr val="000000">
-                          <a:alpha val="100000"/>
-                        </a:srgbClr>
-                      </a:solidFill>
+                    <a:lnL algn="ctr" cmpd="sng" cap="flat" w="0">
+                      <a:noFill/>
+                      <a:prstDash val="solid"/>
+                    </a:lnL>
+                    <a:lnR algn="ctr" cmpd="sng" cap="flat" w="0">
+                      <a:noFill/>
                       <a:prstDash val="solid"/>
                     </a:lnR>
                     <a:lnT algn="ctr" cmpd="sng" cap="flat" w="12700">
@@ -10266,20 +9126,12 @@
                     </a:p>
                   </a:txBody>
                   <a:tcPr anchor="ctr" marB="0" marT="0" marR="0" marL="0">
-                    <a:lnL algn="ctr" cmpd="sng" cap="flat" w="12700">
-                      <a:solidFill>
-                        <a:srgbClr val="000000">
-                          <a:alpha val="100000"/>
-                        </a:srgbClr>
-                      </a:solidFill>
-                      <a:prstDash val="solid"/>
-                    </a:lnL>
-                    <a:lnR algn="ctr" cmpd="sng" cap="flat" w="12700">
-                      <a:solidFill>
-                        <a:srgbClr val="000000">
-                          <a:alpha val="100000"/>
-                        </a:srgbClr>
-                      </a:solidFill>
+                    <a:lnL algn="ctr" cmpd="sng" cap="flat" w="0">
+                      <a:noFill/>
+                      <a:prstDash val="solid"/>
+                    </a:lnL>
+                    <a:lnR algn="ctr" cmpd="sng" cap="flat" w="0">
+                      <a:noFill/>
                       <a:prstDash val="solid"/>
                     </a:lnR>
                     <a:lnT algn="ctr" cmpd="sng" cap="flat" w="12700">
@@ -10329,20 +9181,12 @@
                     </a:p>
                   </a:txBody>
                   <a:tcPr anchor="ctr" marB="0" marT="0" marR="0" marL="0">
-                    <a:lnL algn="ctr" cmpd="sng" cap="flat" w="12700">
-                      <a:solidFill>
-                        <a:srgbClr val="000000">
-                          <a:alpha val="100000"/>
-                        </a:srgbClr>
-                      </a:solidFill>
-                      <a:prstDash val="solid"/>
-                    </a:lnL>
-                    <a:lnR algn="ctr" cmpd="sng" cap="flat" w="12700">
-                      <a:solidFill>
-                        <a:srgbClr val="000000">
-                          <a:alpha val="100000"/>
-                        </a:srgbClr>
-                      </a:solidFill>
+                    <a:lnL algn="ctr" cmpd="sng" cap="flat" w="0">
+                      <a:noFill/>
+                      <a:prstDash val="solid"/>
+                    </a:lnL>
+                    <a:lnR algn="ctr" cmpd="sng" cap="flat" w="0">
+                      <a:noFill/>
                       <a:prstDash val="solid"/>
                     </a:lnR>
                     <a:lnT algn="ctr" cmpd="sng" cap="flat" w="12700">
@@ -10392,20 +9236,12 @@
                     </a:p>
                   </a:txBody>
                   <a:tcPr anchor="ctr" marB="0" marT="0" marR="0" marL="0">
-                    <a:lnL algn="ctr" cmpd="sng" cap="flat" w="12700">
-                      <a:solidFill>
-                        <a:srgbClr val="000000">
-                          <a:alpha val="100000"/>
-                        </a:srgbClr>
-                      </a:solidFill>
-                      <a:prstDash val="solid"/>
-                    </a:lnL>
-                    <a:lnR algn="ctr" cmpd="sng" cap="flat" w="12700">
-                      <a:solidFill>
-                        <a:srgbClr val="000000">
-                          <a:alpha val="100000"/>
-                        </a:srgbClr>
-                      </a:solidFill>
+                    <a:lnL algn="ctr" cmpd="sng" cap="flat" w="0">
+                      <a:noFill/>
+                      <a:prstDash val="solid"/>
+                    </a:lnL>
+                    <a:lnR algn="ctr" cmpd="sng" cap="flat" w="0">
+                      <a:noFill/>
                       <a:prstDash val="solid"/>
                     </a:lnR>
                     <a:lnT algn="ctr" cmpd="sng" cap="flat" w="12700">
@@ -10455,20 +9291,12 @@
                     </a:p>
                   </a:txBody>
                   <a:tcPr anchor="ctr" marB="0" marT="0" marR="0" marL="0">
-                    <a:lnL algn="ctr" cmpd="sng" cap="flat" w="12700">
-                      <a:solidFill>
-                        <a:srgbClr val="000000">
-                          <a:alpha val="100000"/>
-                        </a:srgbClr>
-                      </a:solidFill>
-                      <a:prstDash val="solid"/>
-                    </a:lnL>
-                    <a:lnR algn="ctr" cmpd="sng" cap="flat" w="12700">
-                      <a:solidFill>
-                        <a:srgbClr val="000000">
-                          <a:alpha val="100000"/>
-                        </a:srgbClr>
-                      </a:solidFill>
+                    <a:lnL algn="ctr" cmpd="sng" cap="flat" w="0">
+                      <a:noFill/>
+                      <a:prstDash val="solid"/>
+                    </a:lnL>
+                    <a:lnR algn="ctr" cmpd="sng" cap="flat" w="0">
+                      <a:noFill/>
                       <a:prstDash val="solid"/>
                     </a:lnR>
                     <a:lnT algn="ctr" cmpd="sng" cap="flat" w="12700">
@@ -10518,20 +9346,12 @@
                     </a:p>
                   </a:txBody>
                   <a:tcPr anchor="ctr" marB="0" marT="0" marR="0" marL="0">
-                    <a:lnL algn="ctr" cmpd="sng" cap="flat" w="12700">
-                      <a:solidFill>
-                        <a:srgbClr val="000000">
-                          <a:alpha val="100000"/>
-                        </a:srgbClr>
-                      </a:solidFill>
-                      <a:prstDash val="solid"/>
-                    </a:lnL>
-                    <a:lnR algn="ctr" cmpd="sng" cap="flat" w="12700">
-                      <a:solidFill>
-                        <a:srgbClr val="000000">
-                          <a:alpha val="100000"/>
-                        </a:srgbClr>
-                      </a:solidFill>
+                    <a:lnL algn="ctr" cmpd="sng" cap="flat" w="0">
+                      <a:noFill/>
+                      <a:prstDash val="solid"/>
+                    </a:lnL>
+                    <a:lnR algn="ctr" cmpd="sng" cap="flat" w="0">
+                      <a:noFill/>
                       <a:prstDash val="solid"/>
                     </a:lnR>
                     <a:lnT algn="ctr" cmpd="sng" cap="flat" w="12700">
@@ -10581,20 +9401,12 @@
                     </a:p>
                   </a:txBody>
                   <a:tcPr anchor="ctr" marB="0" marT="0" marR="0" marL="0">
-                    <a:lnL algn="ctr" cmpd="sng" cap="flat" w="12700">
-                      <a:solidFill>
-                        <a:srgbClr val="000000">
-                          <a:alpha val="100000"/>
-                        </a:srgbClr>
-                      </a:solidFill>
-                      <a:prstDash val="solid"/>
-                    </a:lnL>
-                    <a:lnR algn="ctr" cmpd="sng" cap="flat" w="12700">
-                      <a:solidFill>
-                        <a:srgbClr val="000000">
-                          <a:alpha val="100000"/>
-                        </a:srgbClr>
-                      </a:solidFill>
+                    <a:lnL algn="ctr" cmpd="sng" cap="flat" w="0">
+                      <a:noFill/>
+                      <a:prstDash val="solid"/>
+                    </a:lnL>
+                    <a:lnR algn="ctr" cmpd="sng" cap="flat" w="0">
+                      <a:noFill/>
                       <a:prstDash val="solid"/>
                     </a:lnR>
                     <a:lnT algn="ctr" cmpd="sng" cap="flat" w="12700">
@@ -10646,20 +9458,12 @@
                     </a:p>
                   </a:txBody>
                   <a:tcPr anchor="ctr" marB="0" marT="0" marR="0" marL="0">
-                    <a:lnL algn="ctr" cmpd="sng" cap="flat" w="12700">
-                      <a:solidFill>
-                        <a:srgbClr val="000000">
-                          <a:alpha val="100000"/>
-                        </a:srgbClr>
-                      </a:solidFill>
-                      <a:prstDash val="solid"/>
-                    </a:lnL>
-                    <a:lnR algn="ctr" cmpd="sng" cap="flat" w="12700">
-                      <a:solidFill>
-                        <a:srgbClr val="000000">
-                          <a:alpha val="100000"/>
-                        </a:srgbClr>
-                      </a:solidFill>
+                    <a:lnL algn="ctr" cmpd="sng" cap="flat" w="0">
+                      <a:noFill/>
+                      <a:prstDash val="solid"/>
+                    </a:lnL>
+                    <a:lnR algn="ctr" cmpd="sng" cap="flat" w="0">
+                      <a:noFill/>
                       <a:prstDash val="solid"/>
                     </a:lnR>
                     <a:lnT algn="ctr" cmpd="sng" cap="flat" w="12700">
@@ -10709,20 +9513,12 @@
                     </a:p>
                   </a:txBody>
                   <a:tcPr anchor="ctr" marB="0" marT="0" marR="0" marL="0">
-                    <a:lnL algn="ctr" cmpd="sng" cap="flat" w="12700">
-                      <a:solidFill>
-                        <a:srgbClr val="000000">
-                          <a:alpha val="100000"/>
-                        </a:srgbClr>
-                      </a:solidFill>
-                      <a:prstDash val="solid"/>
-                    </a:lnL>
-                    <a:lnR algn="ctr" cmpd="sng" cap="flat" w="12700">
-                      <a:solidFill>
-                        <a:srgbClr val="000000">
-                          <a:alpha val="100000"/>
-                        </a:srgbClr>
-                      </a:solidFill>
+                    <a:lnL algn="ctr" cmpd="sng" cap="flat" w="0">
+                      <a:noFill/>
+                      <a:prstDash val="solid"/>
+                    </a:lnL>
+                    <a:lnR algn="ctr" cmpd="sng" cap="flat" w="0">
+                      <a:noFill/>
                       <a:prstDash val="solid"/>
                     </a:lnR>
                     <a:lnT algn="ctr" cmpd="sng" cap="flat" w="12700">
@@ -10772,20 +9568,12 @@
                     </a:p>
                   </a:txBody>
                   <a:tcPr anchor="ctr" marB="0" marT="0" marR="0" marL="0">
-                    <a:lnL algn="ctr" cmpd="sng" cap="flat" w="12700">
-                      <a:solidFill>
-                        <a:srgbClr val="000000">
-                          <a:alpha val="100000"/>
-                        </a:srgbClr>
-                      </a:solidFill>
-                      <a:prstDash val="solid"/>
-                    </a:lnL>
-                    <a:lnR algn="ctr" cmpd="sng" cap="flat" w="12700">
-                      <a:solidFill>
-                        <a:srgbClr val="000000">
-                          <a:alpha val="100000"/>
-                        </a:srgbClr>
-                      </a:solidFill>
+                    <a:lnL algn="ctr" cmpd="sng" cap="flat" w="0">
+                      <a:noFill/>
+                      <a:prstDash val="solid"/>
+                    </a:lnL>
+                    <a:lnR algn="ctr" cmpd="sng" cap="flat" w="0">
+                      <a:noFill/>
                       <a:prstDash val="solid"/>
                     </a:lnR>
                     <a:lnT algn="ctr" cmpd="sng" cap="flat" w="12700">
@@ -10835,20 +9623,12 @@
                     </a:p>
                   </a:txBody>
                   <a:tcPr anchor="ctr" marB="0" marT="0" marR="0" marL="0">
-                    <a:lnL algn="ctr" cmpd="sng" cap="flat" w="12700">
-                      <a:solidFill>
-                        <a:srgbClr val="000000">
-                          <a:alpha val="100000"/>
-                        </a:srgbClr>
-                      </a:solidFill>
-                      <a:prstDash val="solid"/>
-                    </a:lnL>
-                    <a:lnR algn="ctr" cmpd="sng" cap="flat" w="12700">
-                      <a:solidFill>
-                        <a:srgbClr val="000000">
-                          <a:alpha val="100000"/>
-                        </a:srgbClr>
-                      </a:solidFill>
+                    <a:lnL algn="ctr" cmpd="sng" cap="flat" w="0">
+                      <a:noFill/>
+                      <a:prstDash val="solid"/>
+                    </a:lnL>
+                    <a:lnR algn="ctr" cmpd="sng" cap="flat" w="0">
+                      <a:noFill/>
                       <a:prstDash val="solid"/>
                     </a:lnR>
                     <a:lnT algn="ctr" cmpd="sng" cap="flat" w="12700">
@@ -10898,20 +9678,12 @@
                     </a:p>
                   </a:txBody>
                   <a:tcPr anchor="ctr" marB="0" marT="0" marR="0" marL="0">
-                    <a:lnL algn="ctr" cmpd="sng" cap="flat" w="12700">
-                      <a:solidFill>
-                        <a:srgbClr val="000000">
-                          <a:alpha val="100000"/>
-                        </a:srgbClr>
-                      </a:solidFill>
-                      <a:prstDash val="solid"/>
-                    </a:lnL>
-                    <a:lnR algn="ctr" cmpd="sng" cap="flat" w="12700">
-                      <a:solidFill>
-                        <a:srgbClr val="000000">
-                          <a:alpha val="100000"/>
-                        </a:srgbClr>
-                      </a:solidFill>
+                    <a:lnL algn="ctr" cmpd="sng" cap="flat" w="0">
+                      <a:noFill/>
+                      <a:prstDash val="solid"/>
+                    </a:lnL>
+                    <a:lnR algn="ctr" cmpd="sng" cap="flat" w="0">
+                      <a:noFill/>
                       <a:prstDash val="solid"/>
                     </a:lnR>
                     <a:lnT algn="ctr" cmpd="sng" cap="flat" w="12700">
@@ -10961,20 +9733,12 @@
                     </a:p>
                   </a:txBody>
                   <a:tcPr anchor="ctr" marB="0" marT="0" marR="0" marL="0">
-                    <a:lnL algn="ctr" cmpd="sng" cap="flat" w="12700">
-                      <a:solidFill>
-                        <a:srgbClr val="000000">
-                          <a:alpha val="100000"/>
-                        </a:srgbClr>
-                      </a:solidFill>
-                      <a:prstDash val="solid"/>
-                    </a:lnL>
-                    <a:lnR algn="ctr" cmpd="sng" cap="flat" w="12700">
-                      <a:solidFill>
-                        <a:srgbClr val="000000">
-                          <a:alpha val="100000"/>
-                        </a:srgbClr>
-                      </a:solidFill>
+                    <a:lnL algn="ctr" cmpd="sng" cap="flat" w="0">
+                      <a:noFill/>
+                      <a:prstDash val="solid"/>
+                    </a:lnL>
+                    <a:lnR algn="ctr" cmpd="sng" cap="flat" w="0">
+                      <a:noFill/>
                       <a:prstDash val="solid"/>
                     </a:lnR>
                     <a:lnT algn="ctr" cmpd="sng" cap="flat" w="12700">
@@ -11024,20 +9788,12 @@
                     </a:p>
                   </a:txBody>
                   <a:tcPr anchor="ctr" marB="0" marT="0" marR="0" marL="0">
-                    <a:lnL algn="ctr" cmpd="sng" cap="flat" w="12700">
-                      <a:solidFill>
-                        <a:srgbClr val="000000">
-                          <a:alpha val="100000"/>
-                        </a:srgbClr>
-                      </a:solidFill>
-                      <a:prstDash val="solid"/>
-                    </a:lnL>
-                    <a:lnR algn="ctr" cmpd="sng" cap="flat" w="12700">
-                      <a:solidFill>
-                        <a:srgbClr val="000000">
-                          <a:alpha val="100000"/>
-                        </a:srgbClr>
-                      </a:solidFill>
+                    <a:lnL algn="ctr" cmpd="sng" cap="flat" w="0">
+                      <a:noFill/>
+                      <a:prstDash val="solid"/>
+                    </a:lnL>
+                    <a:lnR algn="ctr" cmpd="sng" cap="flat" w="0">
+                      <a:noFill/>
                       <a:prstDash val="solid"/>
                     </a:lnR>
                     <a:lnT algn="ctr" cmpd="sng" cap="flat" w="12700">
@@ -11087,20 +9843,12 @@
                     </a:p>
                   </a:txBody>
                   <a:tcPr anchor="ctr" marB="0" marT="0" marR="0" marL="0">
-                    <a:lnL algn="ctr" cmpd="sng" cap="flat" w="12700">
-                      <a:solidFill>
-                        <a:srgbClr val="000000">
-                          <a:alpha val="100000"/>
-                        </a:srgbClr>
-                      </a:solidFill>
-                      <a:prstDash val="solid"/>
-                    </a:lnL>
-                    <a:lnR algn="ctr" cmpd="sng" cap="flat" w="12700">
-                      <a:solidFill>
-                        <a:srgbClr val="000000">
-                          <a:alpha val="100000"/>
-                        </a:srgbClr>
-                      </a:solidFill>
+                    <a:lnL algn="ctr" cmpd="sng" cap="flat" w="0">
+                      <a:noFill/>
+                      <a:prstDash val="solid"/>
+                    </a:lnL>
+                    <a:lnR algn="ctr" cmpd="sng" cap="flat" w="0">
+                      <a:noFill/>
                       <a:prstDash val="solid"/>
                     </a:lnR>
                     <a:lnT algn="ctr" cmpd="sng" cap="flat" w="12700">
@@ -11150,20 +9898,12 @@
                     </a:p>
                   </a:txBody>
                   <a:tcPr anchor="ctr" marB="0" marT="0" marR="0" marL="0">
-                    <a:lnL algn="ctr" cmpd="sng" cap="flat" w="12700">
-                      <a:solidFill>
-                        <a:srgbClr val="000000">
-                          <a:alpha val="100000"/>
-                        </a:srgbClr>
-                      </a:solidFill>
-                      <a:prstDash val="solid"/>
-                    </a:lnL>
-                    <a:lnR algn="ctr" cmpd="sng" cap="flat" w="12700">
-                      <a:solidFill>
-                        <a:srgbClr val="000000">
-                          <a:alpha val="100000"/>
-                        </a:srgbClr>
-                      </a:solidFill>
+                    <a:lnL algn="ctr" cmpd="sng" cap="flat" w="0">
+                      <a:noFill/>
+                      <a:prstDash val="solid"/>
+                    </a:lnL>
+                    <a:lnR algn="ctr" cmpd="sng" cap="flat" w="0">
+                      <a:noFill/>
                       <a:prstDash val="solid"/>
                     </a:lnR>
                     <a:lnT algn="ctr" cmpd="sng" cap="flat" w="12700">
@@ -11213,20 +9953,12 @@
                     </a:p>
                   </a:txBody>
                   <a:tcPr anchor="ctr" marB="0" marT="0" marR="0" marL="0">
-                    <a:lnL algn="ctr" cmpd="sng" cap="flat" w="12700">
-                      <a:solidFill>
-                        <a:srgbClr val="000000">
-                          <a:alpha val="100000"/>
-                        </a:srgbClr>
-                      </a:solidFill>
-                      <a:prstDash val="solid"/>
-                    </a:lnL>
-                    <a:lnR algn="ctr" cmpd="sng" cap="flat" w="12700">
-                      <a:solidFill>
-                        <a:srgbClr val="000000">
-                          <a:alpha val="100000"/>
-                        </a:srgbClr>
-                      </a:solidFill>
+                    <a:lnL algn="ctr" cmpd="sng" cap="flat" w="0">
+                      <a:noFill/>
+                      <a:prstDash val="solid"/>
+                    </a:lnL>
+                    <a:lnR algn="ctr" cmpd="sng" cap="flat" w="0">
+                      <a:noFill/>
                       <a:prstDash val="solid"/>
                     </a:lnR>
                     <a:lnT algn="ctr" cmpd="sng" cap="flat" w="12700">
@@ -11276,20 +10008,12 @@
                     </a:p>
                   </a:txBody>
                   <a:tcPr anchor="ctr" marB="0" marT="0" marR="0" marL="0">
-                    <a:lnL algn="ctr" cmpd="sng" cap="flat" w="12700">
-                      <a:solidFill>
-                        <a:srgbClr val="000000">
-                          <a:alpha val="100000"/>
-                        </a:srgbClr>
-                      </a:solidFill>
-                      <a:prstDash val="solid"/>
-                    </a:lnL>
-                    <a:lnR algn="ctr" cmpd="sng" cap="flat" w="12700">
-                      <a:solidFill>
-                        <a:srgbClr val="000000">
-                          <a:alpha val="100000"/>
-                        </a:srgbClr>
-                      </a:solidFill>
+                    <a:lnL algn="ctr" cmpd="sng" cap="flat" w="0">
+                      <a:noFill/>
+                      <a:prstDash val="solid"/>
+                    </a:lnL>
+                    <a:lnR algn="ctr" cmpd="sng" cap="flat" w="0">
+                      <a:noFill/>
                       <a:prstDash val="solid"/>
                     </a:lnR>
                     <a:lnT algn="ctr" cmpd="sng" cap="flat" w="12700">
@@ -11341,31 +10065,19 @@
                     </a:p>
                   </a:txBody>
                   <a:tcPr anchor="ctr" marB="0" marT="0" marR="0" marL="0">
-                    <a:lnL algn="ctr" cmpd="sng" cap="flat" w="12700">
-                      <a:solidFill>
-                        <a:srgbClr val="000000">
-                          <a:alpha val="100000"/>
-                        </a:srgbClr>
-                      </a:solidFill>
-                      <a:prstDash val="solid"/>
-                    </a:lnL>
-                    <a:lnR algn="ctr" cmpd="sng" cap="flat" w="12700">
-                      <a:solidFill>
-                        <a:srgbClr val="000000">
-                          <a:alpha val="100000"/>
-                        </a:srgbClr>
-                      </a:solidFill>
-                      <a:prstDash val="solid"/>
-                    </a:lnR>
-                    <a:lnT algn="ctr" cmpd="sng" cap="flat" w="12700">
-                      <a:solidFill>
-                        <a:srgbClr val="000000">
-                          <a:alpha val="100000"/>
-                        </a:srgbClr>
-                      </a:solidFill>
-                      <a:prstDash val="solid"/>
-                    </a:lnT>
-                    <a:lnB algn="ctr" cmpd="sng" cap="flat" w="12700">
+                    <a:lnL algn="ctr" cmpd="sng" cap="flat" w="0">
+                      <a:noFill/>
+                      <a:prstDash val="solid"/>
+                    </a:lnL>
+                    <a:lnR algn="ctr" cmpd="sng" cap="flat" w="0">
+                      <a:noFill/>
+                      <a:prstDash val="solid"/>
+                    </a:lnR>
+                    <a:lnT algn="ctr" cmpd="sng" cap="flat" w="0">
+                      <a:noFill/>
+                      <a:prstDash val="solid"/>
+                    </a:lnT>
+                    <a:lnB algn="ctr" cmpd="sng" cap="flat" w="25400">
                       <a:solidFill>
                         <a:srgbClr val="000000">
                           <a:alpha val="100000"/>
@@ -11404,31 +10116,19 @@
                     </a:p>
                   </a:txBody>
                   <a:tcPr anchor="ctr" marB="0" marT="0" marR="0" marL="0">
-                    <a:lnL algn="ctr" cmpd="sng" cap="flat" w="12700">
-                      <a:solidFill>
-                        <a:srgbClr val="000000">
-                          <a:alpha val="100000"/>
-                        </a:srgbClr>
-                      </a:solidFill>
-                      <a:prstDash val="solid"/>
-                    </a:lnL>
-                    <a:lnR algn="ctr" cmpd="sng" cap="flat" w="12700">
-                      <a:solidFill>
-                        <a:srgbClr val="000000">
-                          <a:alpha val="100000"/>
-                        </a:srgbClr>
-                      </a:solidFill>
-                      <a:prstDash val="solid"/>
-                    </a:lnR>
-                    <a:lnT algn="ctr" cmpd="sng" cap="flat" w="12700">
-                      <a:solidFill>
-                        <a:srgbClr val="000000">
-                          <a:alpha val="100000"/>
-                        </a:srgbClr>
-                      </a:solidFill>
-                      <a:prstDash val="solid"/>
-                    </a:lnT>
-                    <a:lnB algn="ctr" cmpd="sng" cap="flat" w="12700">
+                    <a:lnL algn="ctr" cmpd="sng" cap="flat" w="0">
+                      <a:noFill/>
+                      <a:prstDash val="solid"/>
+                    </a:lnL>
+                    <a:lnR algn="ctr" cmpd="sng" cap="flat" w="0">
+                      <a:noFill/>
+                      <a:prstDash val="solid"/>
+                    </a:lnR>
+                    <a:lnT algn="ctr" cmpd="sng" cap="flat" w="0">
+                      <a:noFill/>
+                      <a:prstDash val="solid"/>
+                    </a:lnT>
+                    <a:lnB algn="ctr" cmpd="sng" cap="flat" w="25400">
                       <a:solidFill>
                         <a:srgbClr val="000000">
                           <a:alpha val="100000"/>
@@ -11467,31 +10167,19 @@
                     </a:p>
                   </a:txBody>
                   <a:tcPr anchor="ctr" marB="0" marT="0" marR="0" marL="0">
-                    <a:lnL algn="ctr" cmpd="sng" cap="flat" w="12700">
-                      <a:solidFill>
-                        <a:srgbClr val="000000">
-                          <a:alpha val="100000"/>
-                        </a:srgbClr>
-                      </a:solidFill>
-                      <a:prstDash val="solid"/>
-                    </a:lnL>
-                    <a:lnR algn="ctr" cmpd="sng" cap="flat" w="12700">
-                      <a:solidFill>
-                        <a:srgbClr val="000000">
-                          <a:alpha val="100000"/>
-                        </a:srgbClr>
-                      </a:solidFill>
-                      <a:prstDash val="solid"/>
-                    </a:lnR>
-                    <a:lnT algn="ctr" cmpd="sng" cap="flat" w="12700">
-                      <a:solidFill>
-                        <a:srgbClr val="000000">
-                          <a:alpha val="100000"/>
-                        </a:srgbClr>
-                      </a:solidFill>
-                      <a:prstDash val="solid"/>
-                    </a:lnT>
-                    <a:lnB algn="ctr" cmpd="sng" cap="flat" w="12700">
+                    <a:lnL algn="ctr" cmpd="sng" cap="flat" w="0">
+                      <a:noFill/>
+                      <a:prstDash val="solid"/>
+                    </a:lnL>
+                    <a:lnR algn="ctr" cmpd="sng" cap="flat" w="0">
+                      <a:noFill/>
+                      <a:prstDash val="solid"/>
+                    </a:lnR>
+                    <a:lnT algn="ctr" cmpd="sng" cap="flat" w="0">
+                      <a:noFill/>
+                      <a:prstDash val="solid"/>
+                    </a:lnT>
+                    <a:lnB algn="ctr" cmpd="sng" cap="flat" w="25400">
                       <a:solidFill>
                         <a:srgbClr val="000000">
                           <a:alpha val="100000"/>
@@ -11530,31 +10218,19 @@
                     </a:p>
                   </a:txBody>
                   <a:tcPr anchor="ctr" marB="0" marT="0" marR="0" marL="0">
-                    <a:lnL algn="ctr" cmpd="sng" cap="flat" w="12700">
-                      <a:solidFill>
-                        <a:srgbClr val="000000">
-                          <a:alpha val="100000"/>
-                        </a:srgbClr>
-                      </a:solidFill>
-                      <a:prstDash val="solid"/>
-                    </a:lnL>
-                    <a:lnR algn="ctr" cmpd="sng" cap="flat" w="12700">
-                      <a:solidFill>
-                        <a:srgbClr val="000000">
-                          <a:alpha val="100000"/>
-                        </a:srgbClr>
-                      </a:solidFill>
-                      <a:prstDash val="solid"/>
-                    </a:lnR>
-                    <a:lnT algn="ctr" cmpd="sng" cap="flat" w="12700">
-                      <a:solidFill>
-                        <a:srgbClr val="000000">
-                          <a:alpha val="100000"/>
-                        </a:srgbClr>
-                      </a:solidFill>
-                      <a:prstDash val="solid"/>
-                    </a:lnT>
-                    <a:lnB algn="ctr" cmpd="sng" cap="flat" w="12700">
+                    <a:lnL algn="ctr" cmpd="sng" cap="flat" w="0">
+                      <a:noFill/>
+                      <a:prstDash val="solid"/>
+                    </a:lnL>
+                    <a:lnR algn="ctr" cmpd="sng" cap="flat" w="0">
+                      <a:noFill/>
+                      <a:prstDash val="solid"/>
+                    </a:lnR>
+                    <a:lnT algn="ctr" cmpd="sng" cap="flat" w="0">
+                      <a:noFill/>
+                      <a:prstDash val="solid"/>
+                    </a:lnT>
+                    <a:lnB algn="ctr" cmpd="sng" cap="flat" w="25400">
                       <a:solidFill>
                         <a:srgbClr val="000000">
                           <a:alpha val="100000"/>
@@ -11593,31 +10269,19 @@
                     </a:p>
                   </a:txBody>
                   <a:tcPr anchor="ctr" marB="0" marT="0" marR="0" marL="0">
-                    <a:lnL algn="ctr" cmpd="sng" cap="flat" w="12700">
-                      <a:solidFill>
-                        <a:srgbClr val="000000">
-                          <a:alpha val="100000"/>
-                        </a:srgbClr>
-                      </a:solidFill>
-                      <a:prstDash val="solid"/>
-                    </a:lnL>
-                    <a:lnR algn="ctr" cmpd="sng" cap="flat" w="12700">
-                      <a:solidFill>
-                        <a:srgbClr val="000000">
-                          <a:alpha val="100000"/>
-                        </a:srgbClr>
-                      </a:solidFill>
-                      <a:prstDash val="solid"/>
-                    </a:lnR>
-                    <a:lnT algn="ctr" cmpd="sng" cap="flat" w="12700">
-                      <a:solidFill>
-                        <a:srgbClr val="000000">
-                          <a:alpha val="100000"/>
-                        </a:srgbClr>
-                      </a:solidFill>
-                      <a:prstDash val="solid"/>
-                    </a:lnT>
-                    <a:lnB algn="ctr" cmpd="sng" cap="flat" w="12700">
+                    <a:lnL algn="ctr" cmpd="sng" cap="flat" w="0">
+                      <a:noFill/>
+                      <a:prstDash val="solid"/>
+                    </a:lnL>
+                    <a:lnR algn="ctr" cmpd="sng" cap="flat" w="0">
+                      <a:noFill/>
+                      <a:prstDash val="solid"/>
+                    </a:lnR>
+                    <a:lnT algn="ctr" cmpd="sng" cap="flat" w="0">
+                      <a:noFill/>
+                      <a:prstDash val="solid"/>
+                    </a:lnT>
+                    <a:lnB algn="ctr" cmpd="sng" cap="flat" w="25400">
                       <a:solidFill>
                         <a:srgbClr val="000000">
                           <a:alpha val="100000"/>
@@ -11656,31 +10320,19 @@
                     </a:p>
                   </a:txBody>
                   <a:tcPr anchor="ctr" marB="0" marT="0" marR="0" marL="0">
-                    <a:lnL algn="ctr" cmpd="sng" cap="flat" w="12700">
-                      <a:solidFill>
-                        <a:srgbClr val="000000">
-                          <a:alpha val="100000"/>
-                        </a:srgbClr>
-                      </a:solidFill>
-                      <a:prstDash val="solid"/>
-                    </a:lnL>
-                    <a:lnR algn="ctr" cmpd="sng" cap="flat" w="12700">
-                      <a:solidFill>
-                        <a:srgbClr val="000000">
-                          <a:alpha val="100000"/>
-                        </a:srgbClr>
-                      </a:solidFill>
-                      <a:prstDash val="solid"/>
-                    </a:lnR>
-                    <a:lnT algn="ctr" cmpd="sng" cap="flat" w="12700">
-                      <a:solidFill>
-                        <a:srgbClr val="000000">
-                          <a:alpha val="100000"/>
-                        </a:srgbClr>
-                      </a:solidFill>
-                      <a:prstDash val="solid"/>
-                    </a:lnT>
-                    <a:lnB algn="ctr" cmpd="sng" cap="flat" w="12700">
+                    <a:lnL algn="ctr" cmpd="sng" cap="flat" w="0">
+                      <a:noFill/>
+                      <a:prstDash val="solid"/>
+                    </a:lnL>
+                    <a:lnR algn="ctr" cmpd="sng" cap="flat" w="0">
+                      <a:noFill/>
+                      <a:prstDash val="solid"/>
+                    </a:lnR>
+                    <a:lnT algn="ctr" cmpd="sng" cap="flat" w="0">
+                      <a:noFill/>
+                      <a:prstDash val="solid"/>
+                    </a:lnT>
+                    <a:lnB algn="ctr" cmpd="sng" cap="flat" w="25400">
                       <a:solidFill>
                         <a:srgbClr val="000000">
                           <a:alpha val="100000"/>
@@ -11719,31 +10371,19 @@
                     </a:p>
                   </a:txBody>
                   <a:tcPr anchor="ctr" marB="0" marT="0" marR="0" marL="0">
-                    <a:lnL algn="ctr" cmpd="sng" cap="flat" w="12700">
-                      <a:solidFill>
-                        <a:srgbClr val="000000">
-                          <a:alpha val="100000"/>
-                        </a:srgbClr>
-                      </a:solidFill>
-                      <a:prstDash val="solid"/>
-                    </a:lnL>
-                    <a:lnR algn="ctr" cmpd="sng" cap="flat" w="12700">
-                      <a:solidFill>
-                        <a:srgbClr val="000000">
-                          <a:alpha val="100000"/>
-                        </a:srgbClr>
-                      </a:solidFill>
-                      <a:prstDash val="solid"/>
-                    </a:lnR>
-                    <a:lnT algn="ctr" cmpd="sng" cap="flat" w="12700">
-                      <a:solidFill>
-                        <a:srgbClr val="000000">
-                          <a:alpha val="100000"/>
-                        </a:srgbClr>
-                      </a:solidFill>
-                      <a:prstDash val="solid"/>
-                    </a:lnT>
-                    <a:lnB algn="ctr" cmpd="sng" cap="flat" w="12700">
+                    <a:lnL algn="ctr" cmpd="sng" cap="flat" w="0">
+                      <a:noFill/>
+                      <a:prstDash val="solid"/>
+                    </a:lnL>
+                    <a:lnR algn="ctr" cmpd="sng" cap="flat" w="0">
+                      <a:noFill/>
+                      <a:prstDash val="solid"/>
+                    </a:lnR>
+                    <a:lnT algn="ctr" cmpd="sng" cap="flat" w="0">
+                      <a:noFill/>
+                      <a:prstDash val="solid"/>
+                    </a:lnT>
+                    <a:lnB algn="ctr" cmpd="sng" cap="flat" w="25400">
                       <a:solidFill>
                         <a:srgbClr val="000000">
                           <a:alpha val="100000"/>
@@ -11782,31 +10422,19 @@
                     </a:p>
                   </a:txBody>
                   <a:tcPr anchor="ctr" marB="0" marT="0" marR="0" marL="0">
-                    <a:lnL algn="ctr" cmpd="sng" cap="flat" w="12700">
-                      <a:solidFill>
-                        <a:srgbClr val="000000">
-                          <a:alpha val="100000"/>
-                        </a:srgbClr>
-                      </a:solidFill>
-                      <a:prstDash val="solid"/>
-                    </a:lnL>
-                    <a:lnR algn="ctr" cmpd="sng" cap="flat" w="12700">
-                      <a:solidFill>
-                        <a:srgbClr val="000000">
-                          <a:alpha val="100000"/>
-                        </a:srgbClr>
-                      </a:solidFill>
-                      <a:prstDash val="solid"/>
-                    </a:lnR>
-                    <a:lnT algn="ctr" cmpd="sng" cap="flat" w="12700">
-                      <a:solidFill>
-                        <a:srgbClr val="000000">
-                          <a:alpha val="100000"/>
-                        </a:srgbClr>
-                      </a:solidFill>
-                      <a:prstDash val="solid"/>
-                    </a:lnT>
-                    <a:lnB algn="ctr" cmpd="sng" cap="flat" w="12700">
+                    <a:lnL algn="ctr" cmpd="sng" cap="flat" w="0">
+                      <a:noFill/>
+                      <a:prstDash val="solid"/>
+                    </a:lnL>
+                    <a:lnR algn="ctr" cmpd="sng" cap="flat" w="0">
+                      <a:noFill/>
+                      <a:prstDash val="solid"/>
+                    </a:lnR>
+                    <a:lnT algn="ctr" cmpd="sng" cap="flat" w="0">
+                      <a:noFill/>
+                      <a:prstDash val="solid"/>
+                    </a:lnT>
+                    <a:lnB algn="ctr" cmpd="sng" cap="flat" w="25400">
                       <a:solidFill>
                         <a:srgbClr val="000000">
                           <a:alpha val="100000"/>
@@ -11845,31 +10473,19 @@
                     </a:p>
                   </a:txBody>
                   <a:tcPr anchor="ctr" marB="0" marT="0" marR="0" marL="0">
-                    <a:lnL algn="ctr" cmpd="sng" cap="flat" w="12700">
-                      <a:solidFill>
-                        <a:srgbClr val="000000">
-                          <a:alpha val="100000"/>
-                        </a:srgbClr>
-                      </a:solidFill>
-                      <a:prstDash val="solid"/>
-                    </a:lnL>
-                    <a:lnR algn="ctr" cmpd="sng" cap="flat" w="12700">
-                      <a:solidFill>
-                        <a:srgbClr val="000000">
-                          <a:alpha val="100000"/>
-                        </a:srgbClr>
-                      </a:solidFill>
-                      <a:prstDash val="solid"/>
-                    </a:lnR>
-                    <a:lnT algn="ctr" cmpd="sng" cap="flat" w="12700">
-                      <a:solidFill>
-                        <a:srgbClr val="000000">
-                          <a:alpha val="100000"/>
-                        </a:srgbClr>
-                      </a:solidFill>
-                      <a:prstDash val="solid"/>
-                    </a:lnT>
-                    <a:lnB algn="ctr" cmpd="sng" cap="flat" w="12700">
+                    <a:lnL algn="ctr" cmpd="sng" cap="flat" w="0">
+                      <a:noFill/>
+                      <a:prstDash val="solid"/>
+                    </a:lnL>
+                    <a:lnR algn="ctr" cmpd="sng" cap="flat" w="0">
+                      <a:noFill/>
+                      <a:prstDash val="solid"/>
+                    </a:lnR>
+                    <a:lnT algn="ctr" cmpd="sng" cap="flat" w="0">
+                      <a:noFill/>
+                      <a:prstDash val="solid"/>
+                    </a:lnT>
+                    <a:lnB algn="ctr" cmpd="sng" cap="flat" w="25400">
                       <a:solidFill>
                         <a:srgbClr val="000000">
                           <a:alpha val="100000"/>
@@ -11908,31 +10524,19 @@
                     </a:p>
                   </a:txBody>
                   <a:tcPr anchor="ctr" marB="0" marT="0" marR="0" marL="0">
-                    <a:lnL algn="ctr" cmpd="sng" cap="flat" w="12700">
-                      <a:solidFill>
-                        <a:srgbClr val="000000">
-                          <a:alpha val="100000"/>
-                        </a:srgbClr>
-                      </a:solidFill>
-                      <a:prstDash val="solid"/>
-                    </a:lnL>
-                    <a:lnR algn="ctr" cmpd="sng" cap="flat" w="12700">
-                      <a:solidFill>
-                        <a:srgbClr val="000000">
-                          <a:alpha val="100000"/>
-                        </a:srgbClr>
-                      </a:solidFill>
-                      <a:prstDash val="solid"/>
-                    </a:lnR>
-                    <a:lnT algn="ctr" cmpd="sng" cap="flat" w="12700">
-                      <a:solidFill>
-                        <a:srgbClr val="000000">
-                          <a:alpha val="100000"/>
-                        </a:srgbClr>
-                      </a:solidFill>
-                      <a:prstDash val="solid"/>
-                    </a:lnT>
-                    <a:lnB algn="ctr" cmpd="sng" cap="flat" w="12700">
+                    <a:lnL algn="ctr" cmpd="sng" cap="flat" w="0">
+                      <a:noFill/>
+                      <a:prstDash val="solid"/>
+                    </a:lnL>
+                    <a:lnR algn="ctr" cmpd="sng" cap="flat" w="0">
+                      <a:noFill/>
+                      <a:prstDash val="solid"/>
+                    </a:lnR>
+                    <a:lnT algn="ctr" cmpd="sng" cap="flat" w="0">
+                      <a:noFill/>
+                      <a:prstDash val="solid"/>
+                    </a:lnT>
+                    <a:lnB algn="ctr" cmpd="sng" cap="flat" w="25400">
                       <a:solidFill>
                         <a:srgbClr val="000000">
                           <a:alpha val="100000"/>
@@ -11971,31 +10575,19 @@
                     </a:p>
                   </a:txBody>
                   <a:tcPr anchor="ctr" marB="0" marT="0" marR="0" marL="0">
-                    <a:lnL algn="ctr" cmpd="sng" cap="flat" w="12700">
-                      <a:solidFill>
-                        <a:srgbClr val="000000">
-                          <a:alpha val="100000"/>
-                        </a:srgbClr>
-                      </a:solidFill>
-                      <a:prstDash val="solid"/>
-                    </a:lnL>
-                    <a:lnR algn="ctr" cmpd="sng" cap="flat" w="12700">
-                      <a:solidFill>
-                        <a:srgbClr val="000000">
-                          <a:alpha val="100000"/>
-                        </a:srgbClr>
-                      </a:solidFill>
-                      <a:prstDash val="solid"/>
-                    </a:lnR>
-                    <a:lnT algn="ctr" cmpd="sng" cap="flat" w="12700">
-                      <a:solidFill>
-                        <a:srgbClr val="000000">
-                          <a:alpha val="100000"/>
-                        </a:srgbClr>
-                      </a:solidFill>
-                      <a:prstDash val="solid"/>
-                    </a:lnT>
-                    <a:lnB algn="ctr" cmpd="sng" cap="flat" w="12700">
+                    <a:lnL algn="ctr" cmpd="sng" cap="flat" w="0">
+                      <a:noFill/>
+                      <a:prstDash val="solid"/>
+                    </a:lnL>
+                    <a:lnR algn="ctr" cmpd="sng" cap="flat" w="0">
+                      <a:noFill/>
+                      <a:prstDash val="solid"/>
+                    </a:lnR>
+                    <a:lnT algn="ctr" cmpd="sng" cap="flat" w="0">
+                      <a:noFill/>
+                      <a:prstDash val="solid"/>
+                    </a:lnT>
+                    <a:lnB algn="ctr" cmpd="sng" cap="flat" w="25400">
                       <a:solidFill>
                         <a:srgbClr val="000000">
                           <a:alpha val="100000"/>

--- a/reference/test.pptx
+++ b/reference/test.pptx
@@ -2249,24 +2249,24 @@
                     <a:bodyPr/>
                     <a:lstStyle/>
                     <a:p>
-                      <a:pPr algn="ctr" marL="25400" marR="25400">
-                        <a:spcBef>
-                          <a:spcPts val="200"/>
-                        </a:spcBef>
-                        <a:spcAft>
-                          <a:spcPts val="200"/>
-                        </a:spcAft>
-                        <a:buNone/>
-                      </a:pPr>
-                      <a:r>
-                        <a:rPr sz="1000">
-                          <a:solidFill>
-                            <a:srgbClr val="000000">
-                              <a:alpha val="100000"/>
-                            </a:srgbClr>
-                          </a:solidFill>
-                          <a:latin typeface="Arial"/>
-                          <a:cs typeface="Arial"/>
+                      <a:pPr algn="r" marL="63500" marR="63500">
+                        <a:spcBef>
+                          <a:spcPts val="200"/>
+                        </a:spcBef>
+                        <a:spcAft>
+                          <a:spcPts val="200"/>
+                        </a:spcAft>
+                        <a:buNone/>
+                      </a:pPr>
+                      <a:r>
+                        <a:rPr sz="1100">
+                          <a:solidFill>
+                            <a:srgbClr val="111111">
+                              <a:alpha val="100000"/>
+                            </a:srgbClr>
+                          </a:solidFill>
+                          <a:latin typeface="Roboto"/>
+                          <a:cs typeface="Roboto"/>
                           <a:highlight>
                             <a:srgbClr val="FFFFFF">
                               <a:alpha val="0"/>
@@ -2317,24 +2317,24 @@
                     <a:bodyPr/>
                     <a:lstStyle/>
                     <a:p>
-                      <a:pPr algn="ctr" marL="25400" marR="25400">
-                        <a:spcBef>
-                          <a:spcPts val="200"/>
-                        </a:spcBef>
-                        <a:spcAft>
-                          <a:spcPts val="200"/>
-                        </a:spcAft>
-                        <a:buNone/>
-                      </a:pPr>
-                      <a:r>
-                        <a:rPr sz="1000">
-                          <a:solidFill>
-                            <a:srgbClr val="000000">
-                              <a:alpha val="100000"/>
-                            </a:srgbClr>
-                          </a:solidFill>
-                          <a:latin typeface="Arial"/>
-                          <a:cs typeface="Arial"/>
+                      <a:pPr algn="r" marL="63500" marR="63500">
+                        <a:spcBef>
+                          <a:spcPts val="200"/>
+                        </a:spcBef>
+                        <a:spcAft>
+                          <a:spcPts val="200"/>
+                        </a:spcAft>
+                        <a:buNone/>
+                      </a:pPr>
+                      <a:r>
+                        <a:rPr sz="1100">
+                          <a:solidFill>
+                            <a:srgbClr val="111111">
+                              <a:alpha val="100000"/>
+                            </a:srgbClr>
+                          </a:solidFill>
+                          <a:latin typeface="Roboto"/>
+                          <a:cs typeface="Roboto"/>
                           <a:highlight>
                             <a:srgbClr val="FFFFFF">
                               <a:alpha val="0"/>
@@ -2385,24 +2385,24 @@
                     <a:bodyPr/>
                     <a:lstStyle/>
                     <a:p>
-                      <a:pPr algn="ctr" marL="25400" marR="25400">
-                        <a:spcBef>
-                          <a:spcPts val="200"/>
-                        </a:spcBef>
-                        <a:spcAft>
-                          <a:spcPts val="200"/>
-                        </a:spcAft>
-                        <a:buNone/>
-                      </a:pPr>
-                      <a:r>
-                        <a:rPr sz="1000">
-                          <a:solidFill>
-                            <a:srgbClr val="000000">
-                              <a:alpha val="100000"/>
-                            </a:srgbClr>
-                          </a:solidFill>
-                          <a:latin typeface="Arial"/>
-                          <a:cs typeface="Arial"/>
+                      <a:pPr algn="r" marL="63500" marR="63500">
+                        <a:spcBef>
+                          <a:spcPts val="200"/>
+                        </a:spcBef>
+                        <a:spcAft>
+                          <a:spcPts val="200"/>
+                        </a:spcAft>
+                        <a:buNone/>
+                      </a:pPr>
+                      <a:r>
+                        <a:rPr sz="1100">
+                          <a:solidFill>
+                            <a:srgbClr val="111111">
+                              <a:alpha val="100000"/>
+                            </a:srgbClr>
+                          </a:solidFill>
+                          <a:latin typeface="Roboto"/>
+                          <a:cs typeface="Roboto"/>
                           <a:highlight>
                             <a:srgbClr val="FFFFFF">
                               <a:alpha val="0"/>
@@ -2453,24 +2453,24 @@
                     <a:bodyPr/>
                     <a:lstStyle/>
                     <a:p>
-                      <a:pPr algn="ctr" marL="25400" marR="25400">
-                        <a:spcBef>
-                          <a:spcPts val="200"/>
-                        </a:spcBef>
-                        <a:spcAft>
-                          <a:spcPts val="200"/>
-                        </a:spcAft>
-                        <a:buNone/>
-                      </a:pPr>
-                      <a:r>
-                        <a:rPr sz="1000">
-                          <a:solidFill>
-                            <a:srgbClr val="000000">
-                              <a:alpha val="100000"/>
-                            </a:srgbClr>
-                          </a:solidFill>
-                          <a:latin typeface="Arial"/>
-                          <a:cs typeface="Arial"/>
+                      <a:pPr algn="r" marL="63500" marR="63500">
+                        <a:spcBef>
+                          <a:spcPts val="200"/>
+                        </a:spcBef>
+                        <a:spcAft>
+                          <a:spcPts val="200"/>
+                        </a:spcAft>
+                        <a:buNone/>
+                      </a:pPr>
+                      <a:r>
+                        <a:rPr sz="1100">
+                          <a:solidFill>
+                            <a:srgbClr val="111111">
+                              <a:alpha val="100000"/>
+                            </a:srgbClr>
+                          </a:solidFill>
+                          <a:latin typeface="Roboto"/>
+                          <a:cs typeface="Roboto"/>
                           <a:highlight>
                             <a:srgbClr val="FFFFFF">
                               <a:alpha val="0"/>
@@ -2521,24 +2521,24 @@
                     <a:bodyPr/>
                     <a:lstStyle/>
                     <a:p>
-                      <a:pPr algn="ctr" marL="25400" marR="25400">
-                        <a:spcBef>
-                          <a:spcPts val="200"/>
-                        </a:spcBef>
-                        <a:spcAft>
-                          <a:spcPts val="200"/>
-                        </a:spcAft>
-                        <a:buNone/>
-                      </a:pPr>
-                      <a:r>
-                        <a:rPr sz="1000">
-                          <a:solidFill>
-                            <a:srgbClr val="000000">
-                              <a:alpha val="100000"/>
-                            </a:srgbClr>
-                          </a:solidFill>
-                          <a:latin typeface="Arial"/>
-                          <a:cs typeface="Arial"/>
+                      <a:pPr algn="r" marL="63500" marR="63500">
+                        <a:spcBef>
+                          <a:spcPts val="200"/>
+                        </a:spcBef>
+                        <a:spcAft>
+                          <a:spcPts val="200"/>
+                        </a:spcAft>
+                        <a:buNone/>
+                      </a:pPr>
+                      <a:r>
+                        <a:rPr sz="1100">
+                          <a:solidFill>
+                            <a:srgbClr val="111111">
+                              <a:alpha val="100000"/>
+                            </a:srgbClr>
+                          </a:solidFill>
+                          <a:latin typeface="Roboto"/>
+                          <a:cs typeface="Roboto"/>
                           <a:highlight>
                             <a:srgbClr val="FFFFFF">
                               <a:alpha val="0"/>
@@ -2589,24 +2589,24 @@
                     <a:bodyPr/>
                     <a:lstStyle/>
                     <a:p>
-                      <a:pPr algn="ctr" marL="25400" marR="25400">
-                        <a:spcBef>
-                          <a:spcPts val="200"/>
-                        </a:spcBef>
-                        <a:spcAft>
-                          <a:spcPts val="200"/>
-                        </a:spcAft>
-                        <a:buNone/>
-                      </a:pPr>
-                      <a:r>
-                        <a:rPr sz="1000">
-                          <a:solidFill>
-                            <a:srgbClr val="000000">
-                              <a:alpha val="100000"/>
-                            </a:srgbClr>
-                          </a:solidFill>
-                          <a:latin typeface="Arial"/>
-                          <a:cs typeface="Arial"/>
+                      <a:pPr algn="r" marL="63500" marR="63500">
+                        <a:spcBef>
+                          <a:spcPts val="200"/>
+                        </a:spcBef>
+                        <a:spcAft>
+                          <a:spcPts val="200"/>
+                        </a:spcAft>
+                        <a:buNone/>
+                      </a:pPr>
+                      <a:r>
+                        <a:rPr sz="1100">
+                          <a:solidFill>
+                            <a:srgbClr val="111111">
+                              <a:alpha val="100000"/>
+                            </a:srgbClr>
+                          </a:solidFill>
+                          <a:latin typeface="Roboto"/>
+                          <a:cs typeface="Roboto"/>
                           <a:highlight>
                             <a:srgbClr val="FFFFFF">
                               <a:alpha val="0"/>
@@ -2657,24 +2657,24 @@
                     <a:bodyPr/>
                     <a:lstStyle/>
                     <a:p>
-                      <a:pPr algn="ctr" marL="25400" marR="25400">
-                        <a:spcBef>
-                          <a:spcPts val="200"/>
-                        </a:spcBef>
-                        <a:spcAft>
-                          <a:spcPts val="200"/>
-                        </a:spcAft>
-                        <a:buNone/>
-                      </a:pPr>
-                      <a:r>
-                        <a:rPr sz="1000">
-                          <a:solidFill>
-                            <a:srgbClr val="000000">
-                              <a:alpha val="100000"/>
-                            </a:srgbClr>
-                          </a:solidFill>
-                          <a:latin typeface="Arial"/>
-                          <a:cs typeface="Arial"/>
+                      <a:pPr algn="r" marL="63500" marR="63500">
+                        <a:spcBef>
+                          <a:spcPts val="200"/>
+                        </a:spcBef>
+                        <a:spcAft>
+                          <a:spcPts val="200"/>
+                        </a:spcAft>
+                        <a:buNone/>
+                      </a:pPr>
+                      <a:r>
+                        <a:rPr sz="1100">
+                          <a:solidFill>
+                            <a:srgbClr val="111111">
+                              <a:alpha val="100000"/>
+                            </a:srgbClr>
+                          </a:solidFill>
+                          <a:latin typeface="Roboto"/>
+                          <a:cs typeface="Roboto"/>
                           <a:highlight>
                             <a:srgbClr val="FFFFFF">
                               <a:alpha val="0"/>
@@ -2725,24 +2725,24 @@
                     <a:bodyPr/>
                     <a:lstStyle/>
                     <a:p>
-                      <a:pPr algn="ctr" marL="25400" marR="25400">
-                        <a:spcBef>
-                          <a:spcPts val="200"/>
-                        </a:spcBef>
-                        <a:spcAft>
-                          <a:spcPts val="200"/>
-                        </a:spcAft>
-                        <a:buNone/>
-                      </a:pPr>
-                      <a:r>
-                        <a:rPr sz="1000">
-                          <a:solidFill>
-                            <a:srgbClr val="000000">
-                              <a:alpha val="100000"/>
-                            </a:srgbClr>
-                          </a:solidFill>
-                          <a:latin typeface="Arial"/>
-                          <a:cs typeface="Arial"/>
+                      <a:pPr algn="r" marL="63500" marR="63500">
+                        <a:spcBef>
+                          <a:spcPts val="200"/>
+                        </a:spcBef>
+                        <a:spcAft>
+                          <a:spcPts val="200"/>
+                        </a:spcAft>
+                        <a:buNone/>
+                      </a:pPr>
+                      <a:r>
+                        <a:rPr sz="1100">
+                          <a:solidFill>
+                            <a:srgbClr val="111111">
+                              <a:alpha val="100000"/>
+                            </a:srgbClr>
+                          </a:solidFill>
+                          <a:latin typeface="Roboto"/>
+                          <a:cs typeface="Roboto"/>
                           <a:highlight>
                             <a:srgbClr val="FFFFFF">
                               <a:alpha val="0"/>
@@ -2793,24 +2793,24 @@
                     <a:bodyPr/>
                     <a:lstStyle/>
                     <a:p>
-                      <a:pPr algn="ctr" marL="25400" marR="25400">
-                        <a:spcBef>
-                          <a:spcPts val="200"/>
-                        </a:spcBef>
-                        <a:spcAft>
-                          <a:spcPts val="200"/>
-                        </a:spcAft>
-                        <a:buNone/>
-                      </a:pPr>
-                      <a:r>
-                        <a:rPr sz="1000">
-                          <a:solidFill>
-                            <a:srgbClr val="000000">
-                              <a:alpha val="100000"/>
-                            </a:srgbClr>
-                          </a:solidFill>
-                          <a:latin typeface="Arial"/>
-                          <a:cs typeface="Arial"/>
+                      <a:pPr algn="r" marL="63500" marR="63500">
+                        <a:spcBef>
+                          <a:spcPts val="200"/>
+                        </a:spcBef>
+                        <a:spcAft>
+                          <a:spcPts val="200"/>
+                        </a:spcAft>
+                        <a:buNone/>
+                      </a:pPr>
+                      <a:r>
+                        <a:rPr sz="1100">
+                          <a:solidFill>
+                            <a:srgbClr val="111111">
+                              <a:alpha val="100000"/>
+                            </a:srgbClr>
+                          </a:solidFill>
+                          <a:latin typeface="Roboto"/>
+                          <a:cs typeface="Roboto"/>
                           <a:highlight>
                             <a:srgbClr val="FFFFFF">
                               <a:alpha val="0"/>
@@ -2861,24 +2861,24 @@
                     <a:bodyPr/>
                     <a:lstStyle/>
                     <a:p>
-                      <a:pPr algn="ctr" marL="25400" marR="25400">
-                        <a:spcBef>
-                          <a:spcPts val="200"/>
-                        </a:spcBef>
-                        <a:spcAft>
-                          <a:spcPts val="200"/>
-                        </a:spcAft>
-                        <a:buNone/>
-                      </a:pPr>
-                      <a:r>
-                        <a:rPr sz="1000">
-                          <a:solidFill>
-                            <a:srgbClr val="000000">
-                              <a:alpha val="100000"/>
-                            </a:srgbClr>
-                          </a:solidFill>
-                          <a:latin typeface="Arial"/>
-                          <a:cs typeface="Arial"/>
+                      <a:pPr algn="r" marL="63500" marR="63500">
+                        <a:spcBef>
+                          <a:spcPts val="200"/>
+                        </a:spcBef>
+                        <a:spcAft>
+                          <a:spcPts val="200"/>
+                        </a:spcAft>
+                        <a:buNone/>
+                      </a:pPr>
+                      <a:r>
+                        <a:rPr sz="1100">
+                          <a:solidFill>
+                            <a:srgbClr val="111111">
+                              <a:alpha val="100000"/>
+                            </a:srgbClr>
+                          </a:solidFill>
+                          <a:latin typeface="Roboto"/>
+                          <a:cs typeface="Roboto"/>
                           <a:highlight>
                             <a:srgbClr val="FFFFFF">
                               <a:alpha val="0"/>
@@ -2929,24 +2929,24 @@
                     <a:bodyPr/>
                     <a:lstStyle/>
                     <a:p>
-                      <a:pPr algn="ctr" marL="25400" marR="25400">
-                        <a:spcBef>
-                          <a:spcPts val="200"/>
-                        </a:spcBef>
-                        <a:spcAft>
-                          <a:spcPts val="200"/>
-                        </a:spcAft>
-                        <a:buNone/>
-                      </a:pPr>
-                      <a:r>
-                        <a:rPr sz="1000">
-                          <a:solidFill>
-                            <a:srgbClr val="000000">
-                              <a:alpha val="100000"/>
-                            </a:srgbClr>
-                          </a:solidFill>
-                          <a:latin typeface="Arial"/>
-                          <a:cs typeface="Arial"/>
+                      <a:pPr algn="r" marL="63500" marR="63500">
+                        <a:spcBef>
+                          <a:spcPts val="200"/>
+                        </a:spcBef>
+                        <a:spcAft>
+                          <a:spcPts val="200"/>
+                        </a:spcAft>
+                        <a:buNone/>
+                      </a:pPr>
+                      <a:r>
+                        <a:rPr sz="1100">
+                          <a:solidFill>
+                            <a:srgbClr val="111111">
+                              <a:alpha val="100000"/>
+                            </a:srgbClr>
+                          </a:solidFill>
+                          <a:latin typeface="Roboto"/>
+                          <a:cs typeface="Roboto"/>
                           <a:highlight>
                             <a:srgbClr val="FFFFFF">
                               <a:alpha val="0"/>
@@ -2999,24 +2999,24 @@
                     <a:bodyPr/>
                     <a:lstStyle/>
                     <a:p>
-                      <a:pPr algn="r" marL="25400" marR="25400">
-                        <a:spcBef>
-                          <a:spcPts val="200"/>
-                        </a:spcBef>
-                        <a:spcAft>
-                          <a:spcPts val="200"/>
-                        </a:spcAft>
-                        <a:buNone/>
-                      </a:pPr>
-                      <a:r>
-                        <a:rPr sz="1000">
-                          <a:solidFill>
-                            <a:srgbClr val="000000">
-                              <a:alpha val="100000"/>
-                            </a:srgbClr>
-                          </a:solidFill>
-                          <a:latin typeface="Arial"/>
-                          <a:cs typeface="Arial"/>
+                      <a:pPr algn="r" marL="63500" marR="63500">
+                        <a:spcBef>
+                          <a:spcPts val="200"/>
+                        </a:spcBef>
+                        <a:spcAft>
+                          <a:spcPts val="200"/>
+                        </a:spcAft>
+                        <a:buNone/>
+                      </a:pPr>
+                      <a:r>
+                        <a:rPr sz="1100">
+                          <a:solidFill>
+                            <a:srgbClr val="111111">
+                              <a:alpha val="100000"/>
+                            </a:srgbClr>
+                          </a:solidFill>
+                          <a:latin typeface="Roboto"/>
+                          <a:cs typeface="Roboto"/>
                           <a:highlight>
                             <a:srgbClr val="FFFFFF">
                               <a:alpha val="0"/>
@@ -3067,24 +3067,24 @@
                     <a:bodyPr/>
                     <a:lstStyle/>
                     <a:p>
-                      <a:pPr algn="r" marL="25400" marR="25400">
-                        <a:spcBef>
-                          <a:spcPts val="200"/>
-                        </a:spcBef>
-                        <a:spcAft>
-                          <a:spcPts val="200"/>
-                        </a:spcAft>
-                        <a:buNone/>
-                      </a:pPr>
-                      <a:r>
-                        <a:rPr sz="1000">
-                          <a:solidFill>
-                            <a:srgbClr val="000000">
-                              <a:alpha val="100000"/>
-                            </a:srgbClr>
-                          </a:solidFill>
-                          <a:latin typeface="Arial"/>
-                          <a:cs typeface="Arial"/>
+                      <a:pPr algn="r" marL="63500" marR="63500">
+                        <a:spcBef>
+                          <a:spcPts val="200"/>
+                        </a:spcBef>
+                        <a:spcAft>
+                          <a:spcPts val="200"/>
+                        </a:spcAft>
+                        <a:buNone/>
+                      </a:pPr>
+                      <a:r>
+                        <a:rPr sz="1100">
+                          <a:solidFill>
+                            <a:srgbClr val="111111">
+                              <a:alpha val="100000"/>
+                            </a:srgbClr>
+                          </a:solidFill>
+                          <a:latin typeface="Roboto"/>
+                          <a:cs typeface="Roboto"/>
                           <a:highlight>
                             <a:srgbClr val="FFFFFF">
                               <a:alpha val="0"/>
@@ -3135,24 +3135,24 @@
                     <a:bodyPr/>
                     <a:lstStyle/>
                     <a:p>
-                      <a:pPr algn="r" marL="25400" marR="25400">
-                        <a:spcBef>
-                          <a:spcPts val="200"/>
-                        </a:spcBef>
-                        <a:spcAft>
-                          <a:spcPts val="200"/>
-                        </a:spcAft>
-                        <a:buNone/>
-                      </a:pPr>
-                      <a:r>
-                        <a:rPr sz="1000">
-                          <a:solidFill>
-                            <a:srgbClr val="000000">
-                              <a:alpha val="100000"/>
-                            </a:srgbClr>
-                          </a:solidFill>
-                          <a:latin typeface="Arial"/>
-                          <a:cs typeface="Arial"/>
+                      <a:pPr algn="r" marL="63500" marR="63500">
+                        <a:spcBef>
+                          <a:spcPts val="200"/>
+                        </a:spcBef>
+                        <a:spcAft>
+                          <a:spcPts val="200"/>
+                        </a:spcAft>
+                        <a:buNone/>
+                      </a:pPr>
+                      <a:r>
+                        <a:rPr sz="1100">
+                          <a:solidFill>
+                            <a:srgbClr val="111111">
+                              <a:alpha val="100000"/>
+                            </a:srgbClr>
+                          </a:solidFill>
+                          <a:latin typeface="Roboto"/>
+                          <a:cs typeface="Roboto"/>
                           <a:highlight>
                             <a:srgbClr val="FFFFFF">
                               <a:alpha val="0"/>
@@ -3203,24 +3203,24 @@
                     <a:bodyPr/>
                     <a:lstStyle/>
                     <a:p>
-                      <a:pPr algn="r" marL="25400" marR="25400">
-                        <a:spcBef>
-                          <a:spcPts val="200"/>
-                        </a:spcBef>
-                        <a:spcAft>
-                          <a:spcPts val="200"/>
-                        </a:spcAft>
-                        <a:buNone/>
-                      </a:pPr>
-                      <a:r>
-                        <a:rPr sz="1000">
-                          <a:solidFill>
-                            <a:srgbClr val="000000">
-                              <a:alpha val="100000"/>
-                            </a:srgbClr>
-                          </a:solidFill>
-                          <a:latin typeface="Arial"/>
-                          <a:cs typeface="Arial"/>
+                      <a:pPr algn="r" marL="63500" marR="63500">
+                        <a:spcBef>
+                          <a:spcPts val="200"/>
+                        </a:spcBef>
+                        <a:spcAft>
+                          <a:spcPts val="200"/>
+                        </a:spcAft>
+                        <a:buNone/>
+                      </a:pPr>
+                      <a:r>
+                        <a:rPr sz="1100">
+                          <a:solidFill>
+                            <a:srgbClr val="111111">
+                              <a:alpha val="100000"/>
+                            </a:srgbClr>
+                          </a:solidFill>
+                          <a:latin typeface="Roboto"/>
+                          <a:cs typeface="Roboto"/>
                           <a:highlight>
                             <a:srgbClr val="FFFFFF">
                               <a:alpha val="0"/>
@@ -3271,24 +3271,24 @@
                     <a:bodyPr/>
                     <a:lstStyle/>
                     <a:p>
-                      <a:pPr algn="r" marL="25400" marR="25400">
-                        <a:spcBef>
-                          <a:spcPts val="200"/>
-                        </a:spcBef>
-                        <a:spcAft>
-                          <a:spcPts val="200"/>
-                        </a:spcAft>
-                        <a:buNone/>
-                      </a:pPr>
-                      <a:r>
-                        <a:rPr sz="1000">
-                          <a:solidFill>
-                            <a:srgbClr val="000000">
-                              <a:alpha val="100000"/>
-                            </a:srgbClr>
-                          </a:solidFill>
-                          <a:latin typeface="Arial"/>
-                          <a:cs typeface="Arial"/>
+                      <a:pPr algn="r" marL="63500" marR="63500">
+                        <a:spcBef>
+                          <a:spcPts val="200"/>
+                        </a:spcBef>
+                        <a:spcAft>
+                          <a:spcPts val="200"/>
+                        </a:spcAft>
+                        <a:buNone/>
+                      </a:pPr>
+                      <a:r>
+                        <a:rPr sz="1100">
+                          <a:solidFill>
+                            <a:srgbClr val="111111">
+                              <a:alpha val="100000"/>
+                            </a:srgbClr>
+                          </a:solidFill>
+                          <a:latin typeface="Roboto"/>
+                          <a:cs typeface="Roboto"/>
                           <a:highlight>
                             <a:srgbClr val="FFFFFF">
                               <a:alpha val="0"/>
@@ -3339,24 +3339,24 @@
                     <a:bodyPr/>
                     <a:lstStyle/>
                     <a:p>
-                      <a:pPr algn="r" marL="25400" marR="25400">
-                        <a:spcBef>
-                          <a:spcPts val="200"/>
-                        </a:spcBef>
-                        <a:spcAft>
-                          <a:spcPts val="200"/>
-                        </a:spcAft>
-                        <a:buNone/>
-                      </a:pPr>
-                      <a:r>
-                        <a:rPr sz="1000">
-                          <a:solidFill>
-                            <a:srgbClr val="000000">
-                              <a:alpha val="100000"/>
-                            </a:srgbClr>
-                          </a:solidFill>
-                          <a:latin typeface="Arial"/>
-                          <a:cs typeface="Arial"/>
+                      <a:pPr algn="r" marL="63500" marR="63500">
+                        <a:spcBef>
+                          <a:spcPts val="200"/>
+                        </a:spcBef>
+                        <a:spcAft>
+                          <a:spcPts val="200"/>
+                        </a:spcAft>
+                        <a:buNone/>
+                      </a:pPr>
+                      <a:r>
+                        <a:rPr sz="1100">
+                          <a:solidFill>
+                            <a:srgbClr val="111111">
+                              <a:alpha val="100000"/>
+                            </a:srgbClr>
+                          </a:solidFill>
+                          <a:latin typeface="Roboto"/>
+                          <a:cs typeface="Roboto"/>
                           <a:highlight>
                             <a:srgbClr val="FFFFFF">
                               <a:alpha val="0"/>
@@ -3407,24 +3407,24 @@
                     <a:bodyPr/>
                     <a:lstStyle/>
                     <a:p>
-                      <a:pPr algn="r" marL="25400" marR="25400">
-                        <a:spcBef>
-                          <a:spcPts val="200"/>
-                        </a:spcBef>
-                        <a:spcAft>
-                          <a:spcPts val="200"/>
-                        </a:spcAft>
-                        <a:buNone/>
-                      </a:pPr>
-                      <a:r>
-                        <a:rPr sz="1000">
-                          <a:solidFill>
-                            <a:srgbClr val="000000">
-                              <a:alpha val="100000"/>
-                            </a:srgbClr>
-                          </a:solidFill>
-                          <a:latin typeface="Arial"/>
-                          <a:cs typeface="Arial"/>
+                      <a:pPr algn="r" marL="63500" marR="63500">
+                        <a:spcBef>
+                          <a:spcPts val="200"/>
+                        </a:spcBef>
+                        <a:spcAft>
+                          <a:spcPts val="200"/>
+                        </a:spcAft>
+                        <a:buNone/>
+                      </a:pPr>
+                      <a:r>
+                        <a:rPr sz="1100">
+                          <a:solidFill>
+                            <a:srgbClr val="111111">
+                              <a:alpha val="100000"/>
+                            </a:srgbClr>
+                          </a:solidFill>
+                          <a:latin typeface="Roboto"/>
+                          <a:cs typeface="Roboto"/>
                           <a:highlight>
                             <a:srgbClr val="FFFFFF">
                               <a:alpha val="0"/>
@@ -3475,24 +3475,24 @@
                     <a:bodyPr/>
                     <a:lstStyle/>
                     <a:p>
-                      <a:pPr algn="r" marL="25400" marR="25400">
-                        <a:spcBef>
-                          <a:spcPts val="200"/>
-                        </a:spcBef>
-                        <a:spcAft>
-                          <a:spcPts val="200"/>
-                        </a:spcAft>
-                        <a:buNone/>
-                      </a:pPr>
-                      <a:r>
-                        <a:rPr sz="1000">
-                          <a:solidFill>
-                            <a:srgbClr val="000000">
-                              <a:alpha val="100000"/>
-                            </a:srgbClr>
-                          </a:solidFill>
-                          <a:latin typeface="Arial"/>
-                          <a:cs typeface="Arial"/>
+                      <a:pPr algn="r" marL="63500" marR="63500">
+                        <a:spcBef>
+                          <a:spcPts val="200"/>
+                        </a:spcBef>
+                        <a:spcAft>
+                          <a:spcPts val="200"/>
+                        </a:spcAft>
+                        <a:buNone/>
+                      </a:pPr>
+                      <a:r>
+                        <a:rPr sz="1100">
+                          <a:solidFill>
+                            <a:srgbClr val="111111">
+                              <a:alpha val="100000"/>
+                            </a:srgbClr>
+                          </a:solidFill>
+                          <a:latin typeface="Roboto"/>
+                          <a:cs typeface="Roboto"/>
                           <a:highlight>
                             <a:srgbClr val="FFFFFF">
                               <a:alpha val="0"/>
@@ -3543,24 +3543,24 @@
                     <a:bodyPr/>
                     <a:lstStyle/>
                     <a:p>
-                      <a:pPr algn="r" marL="25400" marR="25400">
-                        <a:spcBef>
-                          <a:spcPts val="200"/>
-                        </a:spcBef>
-                        <a:spcAft>
-                          <a:spcPts val="200"/>
-                        </a:spcAft>
-                        <a:buNone/>
-                      </a:pPr>
-                      <a:r>
-                        <a:rPr sz="1000">
-                          <a:solidFill>
-                            <a:srgbClr val="000000">
-                              <a:alpha val="100000"/>
-                            </a:srgbClr>
-                          </a:solidFill>
-                          <a:latin typeface="Arial"/>
-                          <a:cs typeface="Arial"/>
+                      <a:pPr algn="r" marL="63500" marR="63500">
+                        <a:spcBef>
+                          <a:spcPts val="200"/>
+                        </a:spcBef>
+                        <a:spcAft>
+                          <a:spcPts val="200"/>
+                        </a:spcAft>
+                        <a:buNone/>
+                      </a:pPr>
+                      <a:r>
+                        <a:rPr sz="1100">
+                          <a:solidFill>
+                            <a:srgbClr val="111111">
+                              <a:alpha val="100000"/>
+                            </a:srgbClr>
+                          </a:solidFill>
+                          <a:latin typeface="Roboto"/>
+                          <a:cs typeface="Roboto"/>
                           <a:highlight>
                             <a:srgbClr val="FFFFFF">
                               <a:alpha val="0"/>
@@ -3611,24 +3611,24 @@
                     <a:bodyPr/>
                     <a:lstStyle/>
                     <a:p>
-                      <a:pPr algn="r" marL="25400" marR="25400">
-                        <a:spcBef>
-                          <a:spcPts val="200"/>
-                        </a:spcBef>
-                        <a:spcAft>
-                          <a:spcPts val="200"/>
-                        </a:spcAft>
-                        <a:buNone/>
-                      </a:pPr>
-                      <a:r>
-                        <a:rPr sz="1000">
-                          <a:solidFill>
-                            <a:srgbClr val="000000">
-                              <a:alpha val="100000"/>
-                            </a:srgbClr>
-                          </a:solidFill>
-                          <a:latin typeface="Arial"/>
-                          <a:cs typeface="Arial"/>
+                      <a:pPr algn="r" marL="63500" marR="63500">
+                        <a:spcBef>
+                          <a:spcPts val="200"/>
+                        </a:spcBef>
+                        <a:spcAft>
+                          <a:spcPts val="200"/>
+                        </a:spcAft>
+                        <a:buNone/>
+                      </a:pPr>
+                      <a:r>
+                        <a:rPr sz="1100">
+                          <a:solidFill>
+                            <a:srgbClr val="111111">
+                              <a:alpha val="100000"/>
+                            </a:srgbClr>
+                          </a:solidFill>
+                          <a:latin typeface="Roboto"/>
+                          <a:cs typeface="Roboto"/>
                           <a:highlight>
                             <a:srgbClr val="FFFFFF">
                               <a:alpha val="0"/>
@@ -3679,24 +3679,24 @@
                     <a:bodyPr/>
                     <a:lstStyle/>
                     <a:p>
-                      <a:pPr algn="r" marL="25400" marR="25400">
-                        <a:spcBef>
-                          <a:spcPts val="200"/>
-                        </a:spcBef>
-                        <a:spcAft>
-                          <a:spcPts val="200"/>
-                        </a:spcAft>
-                        <a:buNone/>
-                      </a:pPr>
-                      <a:r>
-                        <a:rPr sz="1000">
-                          <a:solidFill>
-                            <a:srgbClr val="000000">
-                              <a:alpha val="100000"/>
-                            </a:srgbClr>
-                          </a:solidFill>
-                          <a:latin typeface="Arial"/>
-                          <a:cs typeface="Arial"/>
+                      <a:pPr algn="r" marL="63500" marR="63500">
+                        <a:spcBef>
+                          <a:spcPts val="200"/>
+                        </a:spcBef>
+                        <a:spcAft>
+                          <a:spcPts val="200"/>
+                        </a:spcAft>
+                        <a:buNone/>
+                      </a:pPr>
+                      <a:r>
+                        <a:rPr sz="1100">
+                          <a:solidFill>
+                            <a:srgbClr val="111111">
+                              <a:alpha val="100000"/>
+                            </a:srgbClr>
+                          </a:solidFill>
+                          <a:latin typeface="Roboto"/>
+                          <a:cs typeface="Roboto"/>
                           <a:highlight>
                             <a:srgbClr val="FFFFFF">
                               <a:alpha val="0"/>
@@ -3749,24 +3749,24 @@
                     <a:bodyPr/>
                     <a:lstStyle/>
                     <a:p>
-                      <a:pPr algn="r" marL="25400" marR="25400">
-                        <a:spcBef>
-                          <a:spcPts val="200"/>
-                        </a:spcBef>
-                        <a:spcAft>
-                          <a:spcPts val="200"/>
-                        </a:spcAft>
-                        <a:buNone/>
-                      </a:pPr>
-                      <a:r>
-                        <a:rPr sz="1000">
-                          <a:solidFill>
-                            <a:srgbClr val="000000">
-                              <a:alpha val="100000"/>
-                            </a:srgbClr>
-                          </a:solidFill>
-                          <a:latin typeface="Arial"/>
-                          <a:cs typeface="Arial"/>
+                      <a:pPr algn="r" marL="63500" marR="63500">
+                        <a:spcBef>
+                          <a:spcPts val="200"/>
+                        </a:spcBef>
+                        <a:spcAft>
+                          <a:spcPts val="200"/>
+                        </a:spcAft>
+                        <a:buNone/>
+                      </a:pPr>
+                      <a:r>
+                        <a:rPr sz="1100">
+                          <a:solidFill>
+                            <a:srgbClr val="111111">
+                              <a:alpha val="100000"/>
+                            </a:srgbClr>
+                          </a:solidFill>
+                          <a:latin typeface="Roboto"/>
+                          <a:cs typeface="Roboto"/>
                           <a:highlight>
                             <a:srgbClr val="FFFFFF">
                               <a:alpha val="0"/>
@@ -3817,24 +3817,24 @@
                     <a:bodyPr/>
                     <a:lstStyle/>
                     <a:p>
-                      <a:pPr algn="r" marL="25400" marR="25400">
-                        <a:spcBef>
-                          <a:spcPts val="200"/>
-                        </a:spcBef>
-                        <a:spcAft>
-                          <a:spcPts val="200"/>
-                        </a:spcAft>
-                        <a:buNone/>
-                      </a:pPr>
-                      <a:r>
-                        <a:rPr sz="1000">
-                          <a:solidFill>
-                            <a:srgbClr val="000000">
-                              <a:alpha val="100000"/>
-                            </a:srgbClr>
-                          </a:solidFill>
-                          <a:latin typeface="Arial"/>
-                          <a:cs typeface="Arial"/>
+                      <a:pPr algn="r" marL="63500" marR="63500">
+                        <a:spcBef>
+                          <a:spcPts val="200"/>
+                        </a:spcBef>
+                        <a:spcAft>
+                          <a:spcPts val="200"/>
+                        </a:spcAft>
+                        <a:buNone/>
+                      </a:pPr>
+                      <a:r>
+                        <a:rPr sz="1100">
+                          <a:solidFill>
+                            <a:srgbClr val="111111">
+                              <a:alpha val="100000"/>
+                            </a:srgbClr>
+                          </a:solidFill>
+                          <a:latin typeface="Roboto"/>
+                          <a:cs typeface="Roboto"/>
                           <a:highlight>
                             <a:srgbClr val="FFFFFF">
                               <a:alpha val="0"/>
@@ -3885,24 +3885,24 @@
                     <a:bodyPr/>
                     <a:lstStyle/>
                     <a:p>
-                      <a:pPr algn="r" marL="25400" marR="25400">
-                        <a:spcBef>
-                          <a:spcPts val="200"/>
-                        </a:spcBef>
-                        <a:spcAft>
-                          <a:spcPts val="200"/>
-                        </a:spcAft>
-                        <a:buNone/>
-                      </a:pPr>
-                      <a:r>
-                        <a:rPr sz="1000">
-                          <a:solidFill>
-                            <a:srgbClr val="000000">
-                              <a:alpha val="100000"/>
-                            </a:srgbClr>
-                          </a:solidFill>
-                          <a:latin typeface="Arial"/>
-                          <a:cs typeface="Arial"/>
+                      <a:pPr algn="r" marL="63500" marR="63500">
+                        <a:spcBef>
+                          <a:spcPts val="200"/>
+                        </a:spcBef>
+                        <a:spcAft>
+                          <a:spcPts val="200"/>
+                        </a:spcAft>
+                        <a:buNone/>
+                      </a:pPr>
+                      <a:r>
+                        <a:rPr sz="1100">
+                          <a:solidFill>
+                            <a:srgbClr val="111111">
+                              <a:alpha val="100000"/>
+                            </a:srgbClr>
+                          </a:solidFill>
+                          <a:latin typeface="Roboto"/>
+                          <a:cs typeface="Roboto"/>
                           <a:highlight>
                             <a:srgbClr val="FFFFFF">
                               <a:alpha val="0"/>
@@ -3953,24 +3953,24 @@
                     <a:bodyPr/>
                     <a:lstStyle/>
                     <a:p>
-                      <a:pPr algn="r" marL="25400" marR="25400">
-                        <a:spcBef>
-                          <a:spcPts val="200"/>
-                        </a:spcBef>
-                        <a:spcAft>
-                          <a:spcPts val="200"/>
-                        </a:spcAft>
-                        <a:buNone/>
-                      </a:pPr>
-                      <a:r>
-                        <a:rPr sz="1000">
-                          <a:solidFill>
-                            <a:srgbClr val="000000">
-                              <a:alpha val="100000"/>
-                            </a:srgbClr>
-                          </a:solidFill>
-                          <a:latin typeface="Arial"/>
-                          <a:cs typeface="Arial"/>
+                      <a:pPr algn="r" marL="63500" marR="63500">
+                        <a:spcBef>
+                          <a:spcPts val="200"/>
+                        </a:spcBef>
+                        <a:spcAft>
+                          <a:spcPts val="200"/>
+                        </a:spcAft>
+                        <a:buNone/>
+                      </a:pPr>
+                      <a:r>
+                        <a:rPr sz="1100">
+                          <a:solidFill>
+                            <a:srgbClr val="111111">
+                              <a:alpha val="100000"/>
+                            </a:srgbClr>
+                          </a:solidFill>
+                          <a:latin typeface="Roboto"/>
+                          <a:cs typeface="Roboto"/>
                           <a:highlight>
                             <a:srgbClr val="FFFFFF">
                               <a:alpha val="0"/>
@@ -4021,24 +4021,24 @@
                     <a:bodyPr/>
                     <a:lstStyle/>
                     <a:p>
-                      <a:pPr algn="r" marL="25400" marR="25400">
-                        <a:spcBef>
-                          <a:spcPts val="200"/>
-                        </a:spcBef>
-                        <a:spcAft>
-                          <a:spcPts val="200"/>
-                        </a:spcAft>
-                        <a:buNone/>
-                      </a:pPr>
-                      <a:r>
-                        <a:rPr sz="1000">
-                          <a:solidFill>
-                            <a:srgbClr val="000000">
-                              <a:alpha val="100000"/>
-                            </a:srgbClr>
-                          </a:solidFill>
-                          <a:latin typeface="Arial"/>
-                          <a:cs typeface="Arial"/>
+                      <a:pPr algn="r" marL="63500" marR="63500">
+                        <a:spcBef>
+                          <a:spcPts val="200"/>
+                        </a:spcBef>
+                        <a:spcAft>
+                          <a:spcPts val="200"/>
+                        </a:spcAft>
+                        <a:buNone/>
+                      </a:pPr>
+                      <a:r>
+                        <a:rPr sz="1100">
+                          <a:solidFill>
+                            <a:srgbClr val="111111">
+                              <a:alpha val="100000"/>
+                            </a:srgbClr>
+                          </a:solidFill>
+                          <a:latin typeface="Roboto"/>
+                          <a:cs typeface="Roboto"/>
                           <a:highlight>
                             <a:srgbClr val="FFFFFF">
                               <a:alpha val="0"/>
@@ -4089,24 +4089,24 @@
                     <a:bodyPr/>
                     <a:lstStyle/>
                     <a:p>
-                      <a:pPr algn="r" marL="25400" marR="25400">
-                        <a:spcBef>
-                          <a:spcPts val="200"/>
-                        </a:spcBef>
-                        <a:spcAft>
-                          <a:spcPts val="200"/>
-                        </a:spcAft>
-                        <a:buNone/>
-                      </a:pPr>
-                      <a:r>
-                        <a:rPr sz="1000">
-                          <a:solidFill>
-                            <a:srgbClr val="000000">
-                              <a:alpha val="100000"/>
-                            </a:srgbClr>
-                          </a:solidFill>
-                          <a:latin typeface="Arial"/>
-                          <a:cs typeface="Arial"/>
+                      <a:pPr algn="r" marL="63500" marR="63500">
+                        <a:spcBef>
+                          <a:spcPts val="200"/>
+                        </a:spcBef>
+                        <a:spcAft>
+                          <a:spcPts val="200"/>
+                        </a:spcAft>
+                        <a:buNone/>
+                      </a:pPr>
+                      <a:r>
+                        <a:rPr sz="1100">
+                          <a:solidFill>
+                            <a:srgbClr val="111111">
+                              <a:alpha val="100000"/>
+                            </a:srgbClr>
+                          </a:solidFill>
+                          <a:latin typeface="Roboto"/>
+                          <a:cs typeface="Roboto"/>
                           <a:highlight>
                             <a:srgbClr val="FFFFFF">
                               <a:alpha val="0"/>
@@ -4157,24 +4157,24 @@
                     <a:bodyPr/>
                     <a:lstStyle/>
                     <a:p>
-                      <a:pPr algn="r" marL="25400" marR="25400">
-                        <a:spcBef>
-                          <a:spcPts val="200"/>
-                        </a:spcBef>
-                        <a:spcAft>
-                          <a:spcPts val="200"/>
-                        </a:spcAft>
-                        <a:buNone/>
-                      </a:pPr>
-                      <a:r>
-                        <a:rPr sz="1000">
-                          <a:solidFill>
-                            <a:srgbClr val="000000">
-                              <a:alpha val="100000"/>
-                            </a:srgbClr>
-                          </a:solidFill>
-                          <a:latin typeface="Arial"/>
-                          <a:cs typeface="Arial"/>
+                      <a:pPr algn="r" marL="63500" marR="63500">
+                        <a:spcBef>
+                          <a:spcPts val="200"/>
+                        </a:spcBef>
+                        <a:spcAft>
+                          <a:spcPts val="200"/>
+                        </a:spcAft>
+                        <a:buNone/>
+                      </a:pPr>
+                      <a:r>
+                        <a:rPr sz="1100">
+                          <a:solidFill>
+                            <a:srgbClr val="111111">
+                              <a:alpha val="100000"/>
+                            </a:srgbClr>
+                          </a:solidFill>
+                          <a:latin typeface="Roboto"/>
+                          <a:cs typeface="Roboto"/>
                           <a:highlight>
                             <a:srgbClr val="FFFFFF">
                               <a:alpha val="0"/>
@@ -4225,24 +4225,24 @@
                     <a:bodyPr/>
                     <a:lstStyle/>
                     <a:p>
-                      <a:pPr algn="r" marL="25400" marR="25400">
-                        <a:spcBef>
-                          <a:spcPts val="200"/>
-                        </a:spcBef>
-                        <a:spcAft>
-                          <a:spcPts val="200"/>
-                        </a:spcAft>
-                        <a:buNone/>
-                      </a:pPr>
-                      <a:r>
-                        <a:rPr sz="1000">
-                          <a:solidFill>
-                            <a:srgbClr val="000000">
-                              <a:alpha val="100000"/>
-                            </a:srgbClr>
-                          </a:solidFill>
-                          <a:latin typeface="Arial"/>
-                          <a:cs typeface="Arial"/>
+                      <a:pPr algn="r" marL="63500" marR="63500">
+                        <a:spcBef>
+                          <a:spcPts val="200"/>
+                        </a:spcBef>
+                        <a:spcAft>
+                          <a:spcPts val="200"/>
+                        </a:spcAft>
+                        <a:buNone/>
+                      </a:pPr>
+                      <a:r>
+                        <a:rPr sz="1100">
+                          <a:solidFill>
+                            <a:srgbClr val="111111">
+                              <a:alpha val="100000"/>
+                            </a:srgbClr>
+                          </a:solidFill>
+                          <a:latin typeface="Roboto"/>
+                          <a:cs typeface="Roboto"/>
                           <a:highlight>
                             <a:srgbClr val="FFFFFF">
                               <a:alpha val="0"/>
@@ -4293,24 +4293,24 @@
                     <a:bodyPr/>
                     <a:lstStyle/>
                     <a:p>
-                      <a:pPr algn="r" marL="25400" marR="25400">
-                        <a:spcBef>
-                          <a:spcPts val="200"/>
-                        </a:spcBef>
-                        <a:spcAft>
-                          <a:spcPts val="200"/>
-                        </a:spcAft>
-                        <a:buNone/>
-                      </a:pPr>
-                      <a:r>
-                        <a:rPr sz="1000">
-                          <a:solidFill>
-                            <a:srgbClr val="000000">
-                              <a:alpha val="100000"/>
-                            </a:srgbClr>
-                          </a:solidFill>
-                          <a:latin typeface="Arial"/>
-                          <a:cs typeface="Arial"/>
+                      <a:pPr algn="r" marL="63500" marR="63500">
+                        <a:spcBef>
+                          <a:spcPts val="200"/>
+                        </a:spcBef>
+                        <a:spcAft>
+                          <a:spcPts val="200"/>
+                        </a:spcAft>
+                        <a:buNone/>
+                      </a:pPr>
+                      <a:r>
+                        <a:rPr sz="1100">
+                          <a:solidFill>
+                            <a:srgbClr val="111111">
+                              <a:alpha val="100000"/>
+                            </a:srgbClr>
+                          </a:solidFill>
+                          <a:latin typeface="Roboto"/>
+                          <a:cs typeface="Roboto"/>
                           <a:highlight>
                             <a:srgbClr val="FFFFFF">
                               <a:alpha val="0"/>
@@ -4361,24 +4361,24 @@
                     <a:bodyPr/>
                     <a:lstStyle/>
                     <a:p>
-                      <a:pPr algn="r" marL="25400" marR="25400">
-                        <a:spcBef>
-                          <a:spcPts val="200"/>
-                        </a:spcBef>
-                        <a:spcAft>
-                          <a:spcPts val="200"/>
-                        </a:spcAft>
-                        <a:buNone/>
-                      </a:pPr>
-                      <a:r>
-                        <a:rPr sz="1000">
-                          <a:solidFill>
-                            <a:srgbClr val="000000">
-                              <a:alpha val="100000"/>
-                            </a:srgbClr>
-                          </a:solidFill>
-                          <a:latin typeface="Arial"/>
-                          <a:cs typeface="Arial"/>
+                      <a:pPr algn="r" marL="63500" marR="63500">
+                        <a:spcBef>
+                          <a:spcPts val="200"/>
+                        </a:spcBef>
+                        <a:spcAft>
+                          <a:spcPts val="200"/>
+                        </a:spcAft>
+                        <a:buNone/>
+                      </a:pPr>
+                      <a:r>
+                        <a:rPr sz="1100">
+                          <a:solidFill>
+                            <a:srgbClr val="111111">
+                              <a:alpha val="100000"/>
+                            </a:srgbClr>
+                          </a:solidFill>
+                          <a:latin typeface="Roboto"/>
+                          <a:cs typeface="Roboto"/>
                           <a:highlight>
                             <a:srgbClr val="FFFFFF">
                               <a:alpha val="0"/>
@@ -4429,24 +4429,24 @@
                     <a:bodyPr/>
                     <a:lstStyle/>
                     <a:p>
-                      <a:pPr algn="r" marL="25400" marR="25400">
-                        <a:spcBef>
-                          <a:spcPts val="200"/>
-                        </a:spcBef>
-                        <a:spcAft>
-                          <a:spcPts val="200"/>
-                        </a:spcAft>
-                        <a:buNone/>
-                      </a:pPr>
-                      <a:r>
-                        <a:rPr sz="1000">
-                          <a:solidFill>
-                            <a:srgbClr val="000000">
-                              <a:alpha val="100000"/>
-                            </a:srgbClr>
-                          </a:solidFill>
-                          <a:latin typeface="Arial"/>
-                          <a:cs typeface="Arial"/>
+                      <a:pPr algn="r" marL="63500" marR="63500">
+                        <a:spcBef>
+                          <a:spcPts val="200"/>
+                        </a:spcBef>
+                        <a:spcAft>
+                          <a:spcPts val="200"/>
+                        </a:spcAft>
+                        <a:buNone/>
+                      </a:pPr>
+                      <a:r>
+                        <a:rPr sz="1100">
+                          <a:solidFill>
+                            <a:srgbClr val="111111">
+                              <a:alpha val="100000"/>
+                            </a:srgbClr>
+                          </a:solidFill>
+                          <a:latin typeface="Roboto"/>
+                          <a:cs typeface="Roboto"/>
                           <a:highlight>
                             <a:srgbClr val="FFFFFF">
                               <a:alpha val="0"/>
@@ -4499,24 +4499,24 @@
                     <a:bodyPr/>
                     <a:lstStyle/>
                     <a:p>
-                      <a:pPr algn="r" marL="25400" marR="25400">
-                        <a:spcBef>
-                          <a:spcPts val="200"/>
-                        </a:spcBef>
-                        <a:spcAft>
-                          <a:spcPts val="200"/>
-                        </a:spcAft>
-                        <a:buNone/>
-                      </a:pPr>
-                      <a:r>
-                        <a:rPr sz="1000">
-                          <a:solidFill>
-                            <a:srgbClr val="000000">
-                              <a:alpha val="100000"/>
-                            </a:srgbClr>
-                          </a:solidFill>
-                          <a:latin typeface="Arial"/>
-                          <a:cs typeface="Arial"/>
+                      <a:pPr algn="r" marL="63500" marR="63500">
+                        <a:spcBef>
+                          <a:spcPts val="200"/>
+                        </a:spcBef>
+                        <a:spcAft>
+                          <a:spcPts val="200"/>
+                        </a:spcAft>
+                        <a:buNone/>
+                      </a:pPr>
+                      <a:r>
+                        <a:rPr sz="1100">
+                          <a:solidFill>
+                            <a:srgbClr val="111111">
+                              <a:alpha val="100000"/>
+                            </a:srgbClr>
+                          </a:solidFill>
+                          <a:latin typeface="Roboto"/>
+                          <a:cs typeface="Roboto"/>
                           <a:highlight>
                             <a:srgbClr val="FFFFFF">
                               <a:alpha val="0"/>
@@ -4567,24 +4567,24 @@
                     <a:bodyPr/>
                     <a:lstStyle/>
                     <a:p>
-                      <a:pPr algn="r" marL="25400" marR="25400">
-                        <a:spcBef>
-                          <a:spcPts val="200"/>
-                        </a:spcBef>
-                        <a:spcAft>
-                          <a:spcPts val="200"/>
-                        </a:spcAft>
-                        <a:buNone/>
-                      </a:pPr>
-                      <a:r>
-                        <a:rPr sz="1000">
-                          <a:solidFill>
-                            <a:srgbClr val="000000">
-                              <a:alpha val="100000"/>
-                            </a:srgbClr>
-                          </a:solidFill>
-                          <a:latin typeface="Arial"/>
-                          <a:cs typeface="Arial"/>
+                      <a:pPr algn="r" marL="63500" marR="63500">
+                        <a:spcBef>
+                          <a:spcPts val="200"/>
+                        </a:spcBef>
+                        <a:spcAft>
+                          <a:spcPts val="200"/>
+                        </a:spcAft>
+                        <a:buNone/>
+                      </a:pPr>
+                      <a:r>
+                        <a:rPr sz="1100">
+                          <a:solidFill>
+                            <a:srgbClr val="111111">
+                              <a:alpha val="100000"/>
+                            </a:srgbClr>
+                          </a:solidFill>
+                          <a:latin typeface="Roboto"/>
+                          <a:cs typeface="Roboto"/>
                           <a:highlight>
                             <a:srgbClr val="FFFFFF">
                               <a:alpha val="0"/>
@@ -4635,24 +4635,24 @@
                     <a:bodyPr/>
                     <a:lstStyle/>
                     <a:p>
-                      <a:pPr algn="r" marL="25400" marR="25400">
-                        <a:spcBef>
-                          <a:spcPts val="200"/>
-                        </a:spcBef>
-                        <a:spcAft>
-                          <a:spcPts val="200"/>
-                        </a:spcAft>
-                        <a:buNone/>
-                      </a:pPr>
-                      <a:r>
-                        <a:rPr sz="1000">
-                          <a:solidFill>
-                            <a:srgbClr val="000000">
-                              <a:alpha val="100000"/>
-                            </a:srgbClr>
-                          </a:solidFill>
-                          <a:latin typeface="Arial"/>
-                          <a:cs typeface="Arial"/>
+                      <a:pPr algn="r" marL="63500" marR="63500">
+                        <a:spcBef>
+                          <a:spcPts val="200"/>
+                        </a:spcBef>
+                        <a:spcAft>
+                          <a:spcPts val="200"/>
+                        </a:spcAft>
+                        <a:buNone/>
+                      </a:pPr>
+                      <a:r>
+                        <a:rPr sz="1100">
+                          <a:solidFill>
+                            <a:srgbClr val="111111">
+                              <a:alpha val="100000"/>
+                            </a:srgbClr>
+                          </a:solidFill>
+                          <a:latin typeface="Roboto"/>
+                          <a:cs typeface="Roboto"/>
                           <a:highlight>
                             <a:srgbClr val="FFFFFF">
                               <a:alpha val="0"/>
@@ -4703,24 +4703,24 @@
                     <a:bodyPr/>
                     <a:lstStyle/>
                     <a:p>
-                      <a:pPr algn="r" marL="25400" marR="25400">
-                        <a:spcBef>
-                          <a:spcPts val="200"/>
-                        </a:spcBef>
-                        <a:spcAft>
-                          <a:spcPts val="200"/>
-                        </a:spcAft>
-                        <a:buNone/>
-                      </a:pPr>
-                      <a:r>
-                        <a:rPr sz="1000">
-                          <a:solidFill>
-                            <a:srgbClr val="000000">
-                              <a:alpha val="100000"/>
-                            </a:srgbClr>
-                          </a:solidFill>
-                          <a:latin typeface="Arial"/>
-                          <a:cs typeface="Arial"/>
+                      <a:pPr algn="r" marL="63500" marR="63500">
+                        <a:spcBef>
+                          <a:spcPts val="200"/>
+                        </a:spcBef>
+                        <a:spcAft>
+                          <a:spcPts val="200"/>
+                        </a:spcAft>
+                        <a:buNone/>
+                      </a:pPr>
+                      <a:r>
+                        <a:rPr sz="1100">
+                          <a:solidFill>
+                            <a:srgbClr val="111111">
+                              <a:alpha val="100000"/>
+                            </a:srgbClr>
+                          </a:solidFill>
+                          <a:latin typeface="Roboto"/>
+                          <a:cs typeface="Roboto"/>
                           <a:highlight>
                             <a:srgbClr val="FFFFFF">
                               <a:alpha val="0"/>
@@ -4771,24 +4771,24 @@
                     <a:bodyPr/>
                     <a:lstStyle/>
                     <a:p>
-                      <a:pPr algn="r" marL="25400" marR="25400">
-                        <a:spcBef>
-                          <a:spcPts val="200"/>
-                        </a:spcBef>
-                        <a:spcAft>
-                          <a:spcPts val="200"/>
-                        </a:spcAft>
-                        <a:buNone/>
-                      </a:pPr>
-                      <a:r>
-                        <a:rPr sz="1000">
-                          <a:solidFill>
-                            <a:srgbClr val="000000">
-                              <a:alpha val="100000"/>
-                            </a:srgbClr>
-                          </a:solidFill>
-                          <a:latin typeface="Arial"/>
-                          <a:cs typeface="Arial"/>
+                      <a:pPr algn="r" marL="63500" marR="63500">
+                        <a:spcBef>
+                          <a:spcPts val="200"/>
+                        </a:spcBef>
+                        <a:spcAft>
+                          <a:spcPts val="200"/>
+                        </a:spcAft>
+                        <a:buNone/>
+                      </a:pPr>
+                      <a:r>
+                        <a:rPr sz="1100">
+                          <a:solidFill>
+                            <a:srgbClr val="111111">
+                              <a:alpha val="100000"/>
+                            </a:srgbClr>
+                          </a:solidFill>
+                          <a:latin typeface="Roboto"/>
+                          <a:cs typeface="Roboto"/>
                           <a:highlight>
                             <a:srgbClr val="FFFFFF">
                               <a:alpha val="0"/>
@@ -4839,24 +4839,24 @@
                     <a:bodyPr/>
                     <a:lstStyle/>
                     <a:p>
-                      <a:pPr algn="r" marL="25400" marR="25400">
-                        <a:spcBef>
-                          <a:spcPts val="200"/>
-                        </a:spcBef>
-                        <a:spcAft>
-                          <a:spcPts val="200"/>
-                        </a:spcAft>
-                        <a:buNone/>
-                      </a:pPr>
-                      <a:r>
-                        <a:rPr sz="1000">
-                          <a:solidFill>
-                            <a:srgbClr val="000000">
-                              <a:alpha val="100000"/>
-                            </a:srgbClr>
-                          </a:solidFill>
-                          <a:latin typeface="Arial"/>
-                          <a:cs typeface="Arial"/>
+                      <a:pPr algn="r" marL="63500" marR="63500">
+                        <a:spcBef>
+                          <a:spcPts val="200"/>
+                        </a:spcBef>
+                        <a:spcAft>
+                          <a:spcPts val="200"/>
+                        </a:spcAft>
+                        <a:buNone/>
+                      </a:pPr>
+                      <a:r>
+                        <a:rPr sz="1100">
+                          <a:solidFill>
+                            <a:srgbClr val="111111">
+                              <a:alpha val="100000"/>
+                            </a:srgbClr>
+                          </a:solidFill>
+                          <a:latin typeface="Roboto"/>
+                          <a:cs typeface="Roboto"/>
                           <a:highlight>
                             <a:srgbClr val="FFFFFF">
                               <a:alpha val="0"/>
@@ -4907,24 +4907,24 @@
                     <a:bodyPr/>
                     <a:lstStyle/>
                     <a:p>
-                      <a:pPr algn="r" marL="25400" marR="25400">
-                        <a:spcBef>
-                          <a:spcPts val="200"/>
-                        </a:spcBef>
-                        <a:spcAft>
-                          <a:spcPts val="200"/>
-                        </a:spcAft>
-                        <a:buNone/>
-                      </a:pPr>
-                      <a:r>
-                        <a:rPr sz="1000">
-                          <a:solidFill>
-                            <a:srgbClr val="000000">
-                              <a:alpha val="100000"/>
-                            </a:srgbClr>
-                          </a:solidFill>
-                          <a:latin typeface="Arial"/>
-                          <a:cs typeface="Arial"/>
+                      <a:pPr algn="r" marL="63500" marR="63500">
+                        <a:spcBef>
+                          <a:spcPts val="200"/>
+                        </a:spcBef>
+                        <a:spcAft>
+                          <a:spcPts val="200"/>
+                        </a:spcAft>
+                        <a:buNone/>
+                      </a:pPr>
+                      <a:r>
+                        <a:rPr sz="1100">
+                          <a:solidFill>
+                            <a:srgbClr val="111111">
+                              <a:alpha val="100000"/>
+                            </a:srgbClr>
+                          </a:solidFill>
+                          <a:latin typeface="Roboto"/>
+                          <a:cs typeface="Roboto"/>
                           <a:highlight>
                             <a:srgbClr val="FFFFFF">
                               <a:alpha val="0"/>
@@ -4975,24 +4975,24 @@
                     <a:bodyPr/>
                     <a:lstStyle/>
                     <a:p>
-                      <a:pPr algn="r" marL="25400" marR="25400">
-                        <a:spcBef>
-                          <a:spcPts val="200"/>
-                        </a:spcBef>
-                        <a:spcAft>
-                          <a:spcPts val="200"/>
-                        </a:spcAft>
-                        <a:buNone/>
-                      </a:pPr>
-                      <a:r>
-                        <a:rPr sz="1000">
-                          <a:solidFill>
-                            <a:srgbClr val="000000">
-                              <a:alpha val="100000"/>
-                            </a:srgbClr>
-                          </a:solidFill>
-                          <a:latin typeface="Arial"/>
-                          <a:cs typeface="Arial"/>
+                      <a:pPr algn="r" marL="63500" marR="63500">
+                        <a:spcBef>
+                          <a:spcPts val="200"/>
+                        </a:spcBef>
+                        <a:spcAft>
+                          <a:spcPts val="200"/>
+                        </a:spcAft>
+                        <a:buNone/>
+                      </a:pPr>
+                      <a:r>
+                        <a:rPr sz="1100">
+                          <a:solidFill>
+                            <a:srgbClr val="111111">
+                              <a:alpha val="100000"/>
+                            </a:srgbClr>
+                          </a:solidFill>
+                          <a:latin typeface="Roboto"/>
+                          <a:cs typeface="Roboto"/>
                           <a:highlight>
                             <a:srgbClr val="FFFFFF">
                               <a:alpha val="0"/>
@@ -5043,24 +5043,24 @@
                     <a:bodyPr/>
                     <a:lstStyle/>
                     <a:p>
-                      <a:pPr algn="r" marL="25400" marR="25400">
-                        <a:spcBef>
-                          <a:spcPts val="200"/>
-                        </a:spcBef>
-                        <a:spcAft>
-                          <a:spcPts val="200"/>
-                        </a:spcAft>
-                        <a:buNone/>
-                      </a:pPr>
-                      <a:r>
-                        <a:rPr sz="1000">
-                          <a:solidFill>
-                            <a:srgbClr val="000000">
-                              <a:alpha val="100000"/>
-                            </a:srgbClr>
-                          </a:solidFill>
-                          <a:latin typeface="Arial"/>
-                          <a:cs typeface="Arial"/>
+                      <a:pPr algn="r" marL="63500" marR="63500">
+                        <a:spcBef>
+                          <a:spcPts val="200"/>
+                        </a:spcBef>
+                        <a:spcAft>
+                          <a:spcPts val="200"/>
+                        </a:spcAft>
+                        <a:buNone/>
+                      </a:pPr>
+                      <a:r>
+                        <a:rPr sz="1100">
+                          <a:solidFill>
+                            <a:srgbClr val="111111">
+                              <a:alpha val="100000"/>
+                            </a:srgbClr>
+                          </a:solidFill>
+                          <a:latin typeface="Roboto"/>
+                          <a:cs typeface="Roboto"/>
                           <a:highlight>
                             <a:srgbClr val="FFFFFF">
                               <a:alpha val="0"/>
@@ -5111,24 +5111,24 @@
                     <a:bodyPr/>
                     <a:lstStyle/>
                     <a:p>
-                      <a:pPr algn="r" marL="25400" marR="25400">
-                        <a:spcBef>
-                          <a:spcPts val="200"/>
-                        </a:spcBef>
-                        <a:spcAft>
-                          <a:spcPts val="200"/>
-                        </a:spcAft>
-                        <a:buNone/>
-                      </a:pPr>
-                      <a:r>
-                        <a:rPr sz="1000">
-                          <a:solidFill>
-                            <a:srgbClr val="000000">
-                              <a:alpha val="100000"/>
-                            </a:srgbClr>
-                          </a:solidFill>
-                          <a:latin typeface="Arial"/>
-                          <a:cs typeface="Arial"/>
+                      <a:pPr algn="r" marL="63500" marR="63500">
+                        <a:spcBef>
+                          <a:spcPts val="200"/>
+                        </a:spcBef>
+                        <a:spcAft>
+                          <a:spcPts val="200"/>
+                        </a:spcAft>
+                        <a:buNone/>
+                      </a:pPr>
+                      <a:r>
+                        <a:rPr sz="1100">
+                          <a:solidFill>
+                            <a:srgbClr val="111111">
+                              <a:alpha val="100000"/>
+                            </a:srgbClr>
+                          </a:solidFill>
+                          <a:latin typeface="Roboto"/>
+                          <a:cs typeface="Roboto"/>
                           <a:highlight>
                             <a:srgbClr val="FFFFFF">
                               <a:alpha val="0"/>
@@ -5179,24 +5179,24 @@
                     <a:bodyPr/>
                     <a:lstStyle/>
                     <a:p>
-                      <a:pPr algn="r" marL="25400" marR="25400">
-                        <a:spcBef>
-                          <a:spcPts val="200"/>
-                        </a:spcBef>
-                        <a:spcAft>
-                          <a:spcPts val="200"/>
-                        </a:spcAft>
-                        <a:buNone/>
-                      </a:pPr>
-                      <a:r>
-                        <a:rPr sz="1000">
-                          <a:solidFill>
-                            <a:srgbClr val="000000">
-                              <a:alpha val="100000"/>
-                            </a:srgbClr>
-                          </a:solidFill>
-                          <a:latin typeface="Arial"/>
-                          <a:cs typeface="Arial"/>
+                      <a:pPr algn="r" marL="63500" marR="63500">
+                        <a:spcBef>
+                          <a:spcPts val="200"/>
+                        </a:spcBef>
+                        <a:spcAft>
+                          <a:spcPts val="200"/>
+                        </a:spcAft>
+                        <a:buNone/>
+                      </a:pPr>
+                      <a:r>
+                        <a:rPr sz="1100">
+                          <a:solidFill>
+                            <a:srgbClr val="111111">
+                              <a:alpha val="100000"/>
+                            </a:srgbClr>
+                          </a:solidFill>
+                          <a:latin typeface="Roboto"/>
+                          <a:cs typeface="Roboto"/>
                           <a:highlight>
                             <a:srgbClr val="FFFFFF">
                               <a:alpha val="0"/>
@@ -5249,24 +5249,24 @@
                     <a:bodyPr/>
                     <a:lstStyle/>
                     <a:p>
-                      <a:pPr algn="r" marL="25400" marR="25400">
-                        <a:spcBef>
-                          <a:spcPts val="200"/>
-                        </a:spcBef>
-                        <a:spcAft>
-                          <a:spcPts val="200"/>
-                        </a:spcAft>
-                        <a:buNone/>
-                      </a:pPr>
-                      <a:r>
-                        <a:rPr sz="1000">
-                          <a:solidFill>
-                            <a:srgbClr val="000000">
-                              <a:alpha val="100000"/>
-                            </a:srgbClr>
-                          </a:solidFill>
-                          <a:latin typeface="Arial"/>
-                          <a:cs typeface="Arial"/>
+                      <a:pPr algn="r" marL="63500" marR="63500">
+                        <a:spcBef>
+                          <a:spcPts val="200"/>
+                        </a:spcBef>
+                        <a:spcAft>
+                          <a:spcPts val="200"/>
+                        </a:spcAft>
+                        <a:buNone/>
+                      </a:pPr>
+                      <a:r>
+                        <a:rPr sz="1100">
+                          <a:solidFill>
+                            <a:srgbClr val="111111">
+                              <a:alpha val="100000"/>
+                            </a:srgbClr>
+                          </a:solidFill>
+                          <a:latin typeface="Roboto"/>
+                          <a:cs typeface="Roboto"/>
                           <a:highlight>
                             <a:srgbClr val="FFFFFF">
                               <a:alpha val="0"/>
@@ -5317,24 +5317,24 @@
                     <a:bodyPr/>
                     <a:lstStyle/>
                     <a:p>
-                      <a:pPr algn="r" marL="25400" marR="25400">
-                        <a:spcBef>
-                          <a:spcPts val="200"/>
-                        </a:spcBef>
-                        <a:spcAft>
-                          <a:spcPts val="200"/>
-                        </a:spcAft>
-                        <a:buNone/>
-                      </a:pPr>
-                      <a:r>
-                        <a:rPr sz="1000">
-                          <a:solidFill>
-                            <a:srgbClr val="000000">
-                              <a:alpha val="100000"/>
-                            </a:srgbClr>
-                          </a:solidFill>
-                          <a:latin typeface="Arial"/>
-                          <a:cs typeface="Arial"/>
+                      <a:pPr algn="r" marL="63500" marR="63500">
+                        <a:spcBef>
+                          <a:spcPts val="200"/>
+                        </a:spcBef>
+                        <a:spcAft>
+                          <a:spcPts val="200"/>
+                        </a:spcAft>
+                        <a:buNone/>
+                      </a:pPr>
+                      <a:r>
+                        <a:rPr sz="1100">
+                          <a:solidFill>
+                            <a:srgbClr val="111111">
+                              <a:alpha val="100000"/>
+                            </a:srgbClr>
+                          </a:solidFill>
+                          <a:latin typeface="Roboto"/>
+                          <a:cs typeface="Roboto"/>
                           <a:highlight>
                             <a:srgbClr val="FFFFFF">
                               <a:alpha val="0"/>
@@ -5385,24 +5385,24 @@
                     <a:bodyPr/>
                     <a:lstStyle/>
                     <a:p>
-                      <a:pPr algn="r" marL="25400" marR="25400">
-                        <a:spcBef>
-                          <a:spcPts val="200"/>
-                        </a:spcBef>
-                        <a:spcAft>
-                          <a:spcPts val="200"/>
-                        </a:spcAft>
-                        <a:buNone/>
-                      </a:pPr>
-                      <a:r>
-                        <a:rPr sz="1000">
-                          <a:solidFill>
-                            <a:srgbClr val="000000">
-                              <a:alpha val="100000"/>
-                            </a:srgbClr>
-                          </a:solidFill>
-                          <a:latin typeface="Arial"/>
-                          <a:cs typeface="Arial"/>
+                      <a:pPr algn="r" marL="63500" marR="63500">
+                        <a:spcBef>
+                          <a:spcPts val="200"/>
+                        </a:spcBef>
+                        <a:spcAft>
+                          <a:spcPts val="200"/>
+                        </a:spcAft>
+                        <a:buNone/>
+                      </a:pPr>
+                      <a:r>
+                        <a:rPr sz="1100">
+                          <a:solidFill>
+                            <a:srgbClr val="111111">
+                              <a:alpha val="100000"/>
+                            </a:srgbClr>
+                          </a:solidFill>
+                          <a:latin typeface="Roboto"/>
+                          <a:cs typeface="Roboto"/>
                           <a:highlight>
                             <a:srgbClr val="FFFFFF">
                               <a:alpha val="0"/>
@@ -5453,24 +5453,24 @@
                     <a:bodyPr/>
                     <a:lstStyle/>
                     <a:p>
-                      <a:pPr algn="r" marL="25400" marR="25400">
-                        <a:spcBef>
-                          <a:spcPts val="200"/>
-                        </a:spcBef>
-                        <a:spcAft>
-                          <a:spcPts val="200"/>
-                        </a:spcAft>
-                        <a:buNone/>
-                      </a:pPr>
-                      <a:r>
-                        <a:rPr sz="1000">
-                          <a:solidFill>
-                            <a:srgbClr val="000000">
-                              <a:alpha val="100000"/>
-                            </a:srgbClr>
-                          </a:solidFill>
-                          <a:latin typeface="Arial"/>
-                          <a:cs typeface="Arial"/>
+                      <a:pPr algn="r" marL="63500" marR="63500">
+                        <a:spcBef>
+                          <a:spcPts val="200"/>
+                        </a:spcBef>
+                        <a:spcAft>
+                          <a:spcPts val="200"/>
+                        </a:spcAft>
+                        <a:buNone/>
+                      </a:pPr>
+                      <a:r>
+                        <a:rPr sz="1100">
+                          <a:solidFill>
+                            <a:srgbClr val="111111">
+                              <a:alpha val="100000"/>
+                            </a:srgbClr>
+                          </a:solidFill>
+                          <a:latin typeface="Roboto"/>
+                          <a:cs typeface="Roboto"/>
                           <a:highlight>
                             <a:srgbClr val="FFFFFF">
                               <a:alpha val="0"/>
@@ -5521,24 +5521,24 @@
                     <a:bodyPr/>
                     <a:lstStyle/>
                     <a:p>
-                      <a:pPr algn="r" marL="25400" marR="25400">
-                        <a:spcBef>
-                          <a:spcPts val="200"/>
-                        </a:spcBef>
-                        <a:spcAft>
-                          <a:spcPts val="200"/>
-                        </a:spcAft>
-                        <a:buNone/>
-                      </a:pPr>
-                      <a:r>
-                        <a:rPr sz="1000">
-                          <a:solidFill>
-                            <a:srgbClr val="000000">
-                              <a:alpha val="100000"/>
-                            </a:srgbClr>
-                          </a:solidFill>
-                          <a:latin typeface="Arial"/>
-                          <a:cs typeface="Arial"/>
+                      <a:pPr algn="r" marL="63500" marR="63500">
+                        <a:spcBef>
+                          <a:spcPts val="200"/>
+                        </a:spcBef>
+                        <a:spcAft>
+                          <a:spcPts val="200"/>
+                        </a:spcAft>
+                        <a:buNone/>
+                      </a:pPr>
+                      <a:r>
+                        <a:rPr sz="1100">
+                          <a:solidFill>
+                            <a:srgbClr val="111111">
+                              <a:alpha val="100000"/>
+                            </a:srgbClr>
+                          </a:solidFill>
+                          <a:latin typeface="Roboto"/>
+                          <a:cs typeface="Roboto"/>
                           <a:highlight>
                             <a:srgbClr val="FFFFFF">
                               <a:alpha val="0"/>
@@ -5589,24 +5589,24 @@
                     <a:bodyPr/>
                     <a:lstStyle/>
                     <a:p>
-                      <a:pPr algn="r" marL="25400" marR="25400">
-                        <a:spcBef>
-                          <a:spcPts val="200"/>
-                        </a:spcBef>
-                        <a:spcAft>
-                          <a:spcPts val="200"/>
-                        </a:spcAft>
-                        <a:buNone/>
-                      </a:pPr>
-                      <a:r>
-                        <a:rPr sz="1000">
-                          <a:solidFill>
-                            <a:srgbClr val="000000">
-                              <a:alpha val="100000"/>
-                            </a:srgbClr>
-                          </a:solidFill>
-                          <a:latin typeface="Arial"/>
-                          <a:cs typeface="Arial"/>
+                      <a:pPr algn="r" marL="63500" marR="63500">
+                        <a:spcBef>
+                          <a:spcPts val="200"/>
+                        </a:spcBef>
+                        <a:spcAft>
+                          <a:spcPts val="200"/>
+                        </a:spcAft>
+                        <a:buNone/>
+                      </a:pPr>
+                      <a:r>
+                        <a:rPr sz="1100">
+                          <a:solidFill>
+                            <a:srgbClr val="111111">
+                              <a:alpha val="100000"/>
+                            </a:srgbClr>
+                          </a:solidFill>
+                          <a:latin typeface="Roboto"/>
+                          <a:cs typeface="Roboto"/>
                           <a:highlight>
                             <a:srgbClr val="FFFFFF">
                               <a:alpha val="0"/>
@@ -5657,24 +5657,24 @@
                     <a:bodyPr/>
                     <a:lstStyle/>
                     <a:p>
-                      <a:pPr algn="r" marL="25400" marR="25400">
-                        <a:spcBef>
-                          <a:spcPts val="200"/>
-                        </a:spcBef>
-                        <a:spcAft>
-                          <a:spcPts val="200"/>
-                        </a:spcAft>
-                        <a:buNone/>
-                      </a:pPr>
-                      <a:r>
-                        <a:rPr sz="1000">
-                          <a:solidFill>
-                            <a:srgbClr val="000000">
-                              <a:alpha val="100000"/>
-                            </a:srgbClr>
-                          </a:solidFill>
-                          <a:latin typeface="Arial"/>
-                          <a:cs typeface="Arial"/>
+                      <a:pPr algn="r" marL="63500" marR="63500">
+                        <a:spcBef>
+                          <a:spcPts val="200"/>
+                        </a:spcBef>
+                        <a:spcAft>
+                          <a:spcPts val="200"/>
+                        </a:spcAft>
+                        <a:buNone/>
+                      </a:pPr>
+                      <a:r>
+                        <a:rPr sz="1100">
+                          <a:solidFill>
+                            <a:srgbClr val="111111">
+                              <a:alpha val="100000"/>
+                            </a:srgbClr>
+                          </a:solidFill>
+                          <a:latin typeface="Roboto"/>
+                          <a:cs typeface="Roboto"/>
                           <a:highlight>
                             <a:srgbClr val="FFFFFF">
                               <a:alpha val="0"/>
@@ -5725,24 +5725,24 @@
                     <a:bodyPr/>
                     <a:lstStyle/>
                     <a:p>
-                      <a:pPr algn="r" marL="25400" marR="25400">
-                        <a:spcBef>
-                          <a:spcPts val="200"/>
-                        </a:spcBef>
-                        <a:spcAft>
-                          <a:spcPts val="200"/>
-                        </a:spcAft>
-                        <a:buNone/>
-                      </a:pPr>
-                      <a:r>
-                        <a:rPr sz="1000">
-                          <a:solidFill>
-                            <a:srgbClr val="000000">
-                              <a:alpha val="100000"/>
-                            </a:srgbClr>
-                          </a:solidFill>
-                          <a:latin typeface="Arial"/>
-                          <a:cs typeface="Arial"/>
+                      <a:pPr algn="r" marL="63500" marR="63500">
+                        <a:spcBef>
+                          <a:spcPts val="200"/>
+                        </a:spcBef>
+                        <a:spcAft>
+                          <a:spcPts val="200"/>
+                        </a:spcAft>
+                        <a:buNone/>
+                      </a:pPr>
+                      <a:r>
+                        <a:rPr sz="1100">
+                          <a:solidFill>
+                            <a:srgbClr val="111111">
+                              <a:alpha val="100000"/>
+                            </a:srgbClr>
+                          </a:solidFill>
+                          <a:latin typeface="Roboto"/>
+                          <a:cs typeface="Roboto"/>
                           <a:highlight>
                             <a:srgbClr val="FFFFFF">
                               <a:alpha val="0"/>
@@ -5793,24 +5793,24 @@
                     <a:bodyPr/>
                     <a:lstStyle/>
                     <a:p>
-                      <a:pPr algn="r" marL="25400" marR="25400">
-                        <a:spcBef>
-                          <a:spcPts val="200"/>
-                        </a:spcBef>
-                        <a:spcAft>
-                          <a:spcPts val="200"/>
-                        </a:spcAft>
-                        <a:buNone/>
-                      </a:pPr>
-                      <a:r>
-                        <a:rPr sz="1000">
-                          <a:solidFill>
-                            <a:srgbClr val="000000">
-                              <a:alpha val="100000"/>
-                            </a:srgbClr>
-                          </a:solidFill>
-                          <a:latin typeface="Arial"/>
-                          <a:cs typeface="Arial"/>
+                      <a:pPr algn="r" marL="63500" marR="63500">
+                        <a:spcBef>
+                          <a:spcPts val="200"/>
+                        </a:spcBef>
+                        <a:spcAft>
+                          <a:spcPts val="200"/>
+                        </a:spcAft>
+                        <a:buNone/>
+                      </a:pPr>
+                      <a:r>
+                        <a:rPr sz="1100">
+                          <a:solidFill>
+                            <a:srgbClr val="111111">
+                              <a:alpha val="100000"/>
+                            </a:srgbClr>
+                          </a:solidFill>
+                          <a:latin typeface="Roboto"/>
+                          <a:cs typeface="Roboto"/>
                           <a:highlight>
                             <a:srgbClr val="FFFFFF">
                               <a:alpha val="0"/>
@@ -5861,24 +5861,24 @@
                     <a:bodyPr/>
                     <a:lstStyle/>
                     <a:p>
-                      <a:pPr algn="r" marL="25400" marR="25400">
-                        <a:spcBef>
-                          <a:spcPts val="200"/>
-                        </a:spcBef>
-                        <a:spcAft>
-                          <a:spcPts val="200"/>
-                        </a:spcAft>
-                        <a:buNone/>
-                      </a:pPr>
-                      <a:r>
-                        <a:rPr sz="1000">
-                          <a:solidFill>
-                            <a:srgbClr val="000000">
-                              <a:alpha val="100000"/>
-                            </a:srgbClr>
-                          </a:solidFill>
-                          <a:latin typeface="Arial"/>
-                          <a:cs typeface="Arial"/>
+                      <a:pPr algn="r" marL="63500" marR="63500">
+                        <a:spcBef>
+                          <a:spcPts val="200"/>
+                        </a:spcBef>
+                        <a:spcAft>
+                          <a:spcPts val="200"/>
+                        </a:spcAft>
+                        <a:buNone/>
+                      </a:pPr>
+                      <a:r>
+                        <a:rPr sz="1100">
+                          <a:solidFill>
+                            <a:srgbClr val="111111">
+                              <a:alpha val="100000"/>
+                            </a:srgbClr>
+                          </a:solidFill>
+                          <a:latin typeface="Roboto"/>
+                          <a:cs typeface="Roboto"/>
                           <a:highlight>
                             <a:srgbClr val="FFFFFF">
                               <a:alpha val="0"/>
@@ -5929,24 +5929,24 @@
                     <a:bodyPr/>
                     <a:lstStyle/>
                     <a:p>
-                      <a:pPr algn="r" marL="25400" marR="25400">
-                        <a:spcBef>
-                          <a:spcPts val="200"/>
-                        </a:spcBef>
-                        <a:spcAft>
-                          <a:spcPts val="200"/>
-                        </a:spcAft>
-                        <a:buNone/>
-                      </a:pPr>
-                      <a:r>
-                        <a:rPr sz="1000">
-                          <a:solidFill>
-                            <a:srgbClr val="000000">
-                              <a:alpha val="100000"/>
-                            </a:srgbClr>
-                          </a:solidFill>
-                          <a:latin typeface="Arial"/>
-                          <a:cs typeface="Arial"/>
+                      <a:pPr algn="r" marL="63500" marR="63500">
+                        <a:spcBef>
+                          <a:spcPts val="200"/>
+                        </a:spcBef>
+                        <a:spcAft>
+                          <a:spcPts val="200"/>
+                        </a:spcAft>
+                        <a:buNone/>
+                      </a:pPr>
+                      <a:r>
+                        <a:rPr sz="1100">
+                          <a:solidFill>
+                            <a:srgbClr val="111111">
+                              <a:alpha val="100000"/>
+                            </a:srgbClr>
+                          </a:solidFill>
+                          <a:latin typeface="Roboto"/>
+                          <a:cs typeface="Roboto"/>
                           <a:highlight>
                             <a:srgbClr val="FFFFFF">
                               <a:alpha val="0"/>
@@ -5999,24 +5999,24 @@
                     <a:bodyPr/>
                     <a:lstStyle/>
                     <a:p>
-                      <a:pPr algn="r" marL="25400" marR="25400">
-                        <a:spcBef>
-                          <a:spcPts val="200"/>
-                        </a:spcBef>
-                        <a:spcAft>
-                          <a:spcPts val="200"/>
-                        </a:spcAft>
-                        <a:buNone/>
-                      </a:pPr>
-                      <a:r>
-                        <a:rPr sz="1000">
-                          <a:solidFill>
-                            <a:srgbClr val="000000">
-                              <a:alpha val="100000"/>
-                            </a:srgbClr>
-                          </a:solidFill>
-                          <a:latin typeface="Arial"/>
-                          <a:cs typeface="Arial"/>
+                      <a:pPr algn="r" marL="63500" marR="63500">
+                        <a:spcBef>
+                          <a:spcPts val="200"/>
+                        </a:spcBef>
+                        <a:spcAft>
+                          <a:spcPts val="200"/>
+                        </a:spcAft>
+                        <a:buNone/>
+                      </a:pPr>
+                      <a:r>
+                        <a:rPr sz="1100">
+                          <a:solidFill>
+                            <a:srgbClr val="111111">
+                              <a:alpha val="100000"/>
+                            </a:srgbClr>
+                          </a:solidFill>
+                          <a:latin typeface="Roboto"/>
+                          <a:cs typeface="Roboto"/>
                           <a:highlight>
                             <a:srgbClr val="FFFFFF">
                               <a:alpha val="0"/>
@@ -6067,24 +6067,24 @@
                     <a:bodyPr/>
                     <a:lstStyle/>
                     <a:p>
-                      <a:pPr algn="r" marL="25400" marR="25400">
-                        <a:spcBef>
-                          <a:spcPts val="200"/>
-                        </a:spcBef>
-                        <a:spcAft>
-                          <a:spcPts val="200"/>
-                        </a:spcAft>
-                        <a:buNone/>
-                      </a:pPr>
-                      <a:r>
-                        <a:rPr sz="1000">
-                          <a:solidFill>
-                            <a:srgbClr val="000000">
-                              <a:alpha val="100000"/>
-                            </a:srgbClr>
-                          </a:solidFill>
-                          <a:latin typeface="Arial"/>
-                          <a:cs typeface="Arial"/>
+                      <a:pPr algn="r" marL="63500" marR="63500">
+                        <a:spcBef>
+                          <a:spcPts val="200"/>
+                        </a:spcBef>
+                        <a:spcAft>
+                          <a:spcPts val="200"/>
+                        </a:spcAft>
+                        <a:buNone/>
+                      </a:pPr>
+                      <a:r>
+                        <a:rPr sz="1100">
+                          <a:solidFill>
+                            <a:srgbClr val="111111">
+                              <a:alpha val="100000"/>
+                            </a:srgbClr>
+                          </a:solidFill>
+                          <a:latin typeface="Roboto"/>
+                          <a:cs typeface="Roboto"/>
                           <a:highlight>
                             <a:srgbClr val="FFFFFF">
                               <a:alpha val="0"/>
@@ -6135,24 +6135,24 @@
                     <a:bodyPr/>
                     <a:lstStyle/>
                     <a:p>
-                      <a:pPr algn="r" marL="25400" marR="25400">
-                        <a:spcBef>
-                          <a:spcPts val="200"/>
-                        </a:spcBef>
-                        <a:spcAft>
-                          <a:spcPts val="200"/>
-                        </a:spcAft>
-                        <a:buNone/>
-                      </a:pPr>
-                      <a:r>
-                        <a:rPr sz="1000">
-                          <a:solidFill>
-                            <a:srgbClr val="000000">
-                              <a:alpha val="100000"/>
-                            </a:srgbClr>
-                          </a:solidFill>
-                          <a:latin typeface="Arial"/>
-                          <a:cs typeface="Arial"/>
+                      <a:pPr algn="r" marL="63500" marR="63500">
+                        <a:spcBef>
+                          <a:spcPts val="200"/>
+                        </a:spcBef>
+                        <a:spcAft>
+                          <a:spcPts val="200"/>
+                        </a:spcAft>
+                        <a:buNone/>
+                      </a:pPr>
+                      <a:r>
+                        <a:rPr sz="1100">
+                          <a:solidFill>
+                            <a:srgbClr val="111111">
+                              <a:alpha val="100000"/>
+                            </a:srgbClr>
+                          </a:solidFill>
+                          <a:latin typeface="Roboto"/>
+                          <a:cs typeface="Roboto"/>
                           <a:highlight>
                             <a:srgbClr val="FFFFFF">
                               <a:alpha val="0"/>
@@ -6203,24 +6203,24 @@
                     <a:bodyPr/>
                     <a:lstStyle/>
                     <a:p>
-                      <a:pPr algn="r" marL="25400" marR="25400">
-                        <a:spcBef>
-                          <a:spcPts val="200"/>
-                        </a:spcBef>
-                        <a:spcAft>
-                          <a:spcPts val="200"/>
-                        </a:spcAft>
-                        <a:buNone/>
-                      </a:pPr>
-                      <a:r>
-                        <a:rPr sz="1000">
-                          <a:solidFill>
-                            <a:srgbClr val="000000">
-                              <a:alpha val="100000"/>
-                            </a:srgbClr>
-                          </a:solidFill>
-                          <a:latin typeface="Arial"/>
-                          <a:cs typeface="Arial"/>
+                      <a:pPr algn="r" marL="63500" marR="63500">
+                        <a:spcBef>
+                          <a:spcPts val="200"/>
+                        </a:spcBef>
+                        <a:spcAft>
+                          <a:spcPts val="200"/>
+                        </a:spcAft>
+                        <a:buNone/>
+                      </a:pPr>
+                      <a:r>
+                        <a:rPr sz="1100">
+                          <a:solidFill>
+                            <a:srgbClr val="111111">
+                              <a:alpha val="100000"/>
+                            </a:srgbClr>
+                          </a:solidFill>
+                          <a:latin typeface="Roboto"/>
+                          <a:cs typeface="Roboto"/>
                           <a:highlight>
                             <a:srgbClr val="FFFFFF">
                               <a:alpha val="0"/>
@@ -6271,24 +6271,24 @@
                     <a:bodyPr/>
                     <a:lstStyle/>
                     <a:p>
-                      <a:pPr algn="r" marL="25400" marR="25400">
-                        <a:spcBef>
-                          <a:spcPts val="200"/>
-                        </a:spcBef>
-                        <a:spcAft>
-                          <a:spcPts val="200"/>
-                        </a:spcAft>
-                        <a:buNone/>
-                      </a:pPr>
-                      <a:r>
-                        <a:rPr sz="1000">
-                          <a:solidFill>
-                            <a:srgbClr val="000000">
-                              <a:alpha val="100000"/>
-                            </a:srgbClr>
-                          </a:solidFill>
-                          <a:latin typeface="Arial"/>
-                          <a:cs typeface="Arial"/>
+                      <a:pPr algn="r" marL="63500" marR="63500">
+                        <a:spcBef>
+                          <a:spcPts val="200"/>
+                        </a:spcBef>
+                        <a:spcAft>
+                          <a:spcPts val="200"/>
+                        </a:spcAft>
+                        <a:buNone/>
+                      </a:pPr>
+                      <a:r>
+                        <a:rPr sz="1100">
+                          <a:solidFill>
+                            <a:srgbClr val="111111">
+                              <a:alpha val="100000"/>
+                            </a:srgbClr>
+                          </a:solidFill>
+                          <a:latin typeface="Roboto"/>
+                          <a:cs typeface="Roboto"/>
                           <a:highlight>
                             <a:srgbClr val="FFFFFF">
                               <a:alpha val="0"/>
@@ -6339,24 +6339,24 @@
                     <a:bodyPr/>
                     <a:lstStyle/>
                     <a:p>
-                      <a:pPr algn="r" marL="25400" marR="25400">
-                        <a:spcBef>
-                          <a:spcPts val="200"/>
-                        </a:spcBef>
-                        <a:spcAft>
-                          <a:spcPts val="200"/>
-                        </a:spcAft>
-                        <a:buNone/>
-                      </a:pPr>
-                      <a:r>
-                        <a:rPr sz="1000">
-                          <a:solidFill>
-                            <a:srgbClr val="000000">
-                              <a:alpha val="100000"/>
-                            </a:srgbClr>
-                          </a:solidFill>
-                          <a:latin typeface="Arial"/>
-                          <a:cs typeface="Arial"/>
+                      <a:pPr algn="r" marL="63500" marR="63500">
+                        <a:spcBef>
+                          <a:spcPts val="200"/>
+                        </a:spcBef>
+                        <a:spcAft>
+                          <a:spcPts val="200"/>
+                        </a:spcAft>
+                        <a:buNone/>
+                      </a:pPr>
+                      <a:r>
+                        <a:rPr sz="1100">
+                          <a:solidFill>
+                            <a:srgbClr val="111111">
+                              <a:alpha val="100000"/>
+                            </a:srgbClr>
+                          </a:solidFill>
+                          <a:latin typeface="Roboto"/>
+                          <a:cs typeface="Roboto"/>
                           <a:highlight>
                             <a:srgbClr val="FFFFFF">
                               <a:alpha val="0"/>
@@ -6407,24 +6407,24 @@
                     <a:bodyPr/>
                     <a:lstStyle/>
                     <a:p>
-                      <a:pPr algn="r" marL="25400" marR="25400">
-                        <a:spcBef>
-                          <a:spcPts val="200"/>
-                        </a:spcBef>
-                        <a:spcAft>
-                          <a:spcPts val="200"/>
-                        </a:spcAft>
-                        <a:buNone/>
-                      </a:pPr>
-                      <a:r>
-                        <a:rPr sz="1000">
-                          <a:solidFill>
-                            <a:srgbClr val="000000">
-                              <a:alpha val="100000"/>
-                            </a:srgbClr>
-                          </a:solidFill>
-                          <a:latin typeface="Arial"/>
-                          <a:cs typeface="Arial"/>
+                      <a:pPr algn="r" marL="63500" marR="63500">
+                        <a:spcBef>
+                          <a:spcPts val="200"/>
+                        </a:spcBef>
+                        <a:spcAft>
+                          <a:spcPts val="200"/>
+                        </a:spcAft>
+                        <a:buNone/>
+                      </a:pPr>
+                      <a:r>
+                        <a:rPr sz="1100">
+                          <a:solidFill>
+                            <a:srgbClr val="111111">
+                              <a:alpha val="100000"/>
+                            </a:srgbClr>
+                          </a:solidFill>
+                          <a:latin typeface="Roboto"/>
+                          <a:cs typeface="Roboto"/>
                           <a:highlight>
                             <a:srgbClr val="FFFFFF">
                               <a:alpha val="0"/>
@@ -6475,24 +6475,24 @@
                     <a:bodyPr/>
                     <a:lstStyle/>
                     <a:p>
-                      <a:pPr algn="r" marL="25400" marR="25400">
-                        <a:spcBef>
-                          <a:spcPts val="200"/>
-                        </a:spcBef>
-                        <a:spcAft>
-                          <a:spcPts val="200"/>
-                        </a:spcAft>
-                        <a:buNone/>
-                      </a:pPr>
-                      <a:r>
-                        <a:rPr sz="1000">
-                          <a:solidFill>
-                            <a:srgbClr val="000000">
-                              <a:alpha val="100000"/>
-                            </a:srgbClr>
-                          </a:solidFill>
-                          <a:latin typeface="Arial"/>
-                          <a:cs typeface="Arial"/>
+                      <a:pPr algn="r" marL="63500" marR="63500">
+                        <a:spcBef>
+                          <a:spcPts val="200"/>
+                        </a:spcBef>
+                        <a:spcAft>
+                          <a:spcPts val="200"/>
+                        </a:spcAft>
+                        <a:buNone/>
+                      </a:pPr>
+                      <a:r>
+                        <a:rPr sz="1100">
+                          <a:solidFill>
+                            <a:srgbClr val="111111">
+                              <a:alpha val="100000"/>
+                            </a:srgbClr>
+                          </a:solidFill>
+                          <a:latin typeface="Roboto"/>
+                          <a:cs typeface="Roboto"/>
                           <a:highlight>
                             <a:srgbClr val="FFFFFF">
                               <a:alpha val="0"/>
@@ -6543,24 +6543,24 @@
                     <a:bodyPr/>
                     <a:lstStyle/>
                     <a:p>
-                      <a:pPr algn="r" marL="25400" marR="25400">
-                        <a:spcBef>
-                          <a:spcPts val="200"/>
-                        </a:spcBef>
-                        <a:spcAft>
-                          <a:spcPts val="200"/>
-                        </a:spcAft>
-                        <a:buNone/>
-                      </a:pPr>
-                      <a:r>
-                        <a:rPr sz="1000">
-                          <a:solidFill>
-                            <a:srgbClr val="000000">
-                              <a:alpha val="100000"/>
-                            </a:srgbClr>
-                          </a:solidFill>
-                          <a:latin typeface="Arial"/>
-                          <a:cs typeface="Arial"/>
+                      <a:pPr algn="r" marL="63500" marR="63500">
+                        <a:spcBef>
+                          <a:spcPts val="200"/>
+                        </a:spcBef>
+                        <a:spcAft>
+                          <a:spcPts val="200"/>
+                        </a:spcAft>
+                        <a:buNone/>
+                      </a:pPr>
+                      <a:r>
+                        <a:rPr sz="1100">
+                          <a:solidFill>
+                            <a:srgbClr val="111111">
+                              <a:alpha val="100000"/>
+                            </a:srgbClr>
+                          </a:solidFill>
+                          <a:latin typeface="Roboto"/>
+                          <a:cs typeface="Roboto"/>
                           <a:highlight>
                             <a:srgbClr val="FFFFFF">
                               <a:alpha val="0"/>
@@ -6611,24 +6611,24 @@
                     <a:bodyPr/>
                     <a:lstStyle/>
                     <a:p>
-                      <a:pPr algn="r" marL="25400" marR="25400">
-                        <a:spcBef>
-                          <a:spcPts val="200"/>
-                        </a:spcBef>
-                        <a:spcAft>
-                          <a:spcPts val="200"/>
-                        </a:spcAft>
-                        <a:buNone/>
-                      </a:pPr>
-                      <a:r>
-                        <a:rPr sz="1000">
-                          <a:solidFill>
-                            <a:srgbClr val="000000">
-                              <a:alpha val="100000"/>
-                            </a:srgbClr>
-                          </a:solidFill>
-                          <a:latin typeface="Arial"/>
-                          <a:cs typeface="Arial"/>
+                      <a:pPr algn="r" marL="63500" marR="63500">
+                        <a:spcBef>
+                          <a:spcPts val="200"/>
+                        </a:spcBef>
+                        <a:spcAft>
+                          <a:spcPts val="200"/>
+                        </a:spcAft>
+                        <a:buNone/>
+                      </a:pPr>
+                      <a:r>
+                        <a:rPr sz="1100">
+                          <a:solidFill>
+                            <a:srgbClr val="111111">
+                              <a:alpha val="100000"/>
+                            </a:srgbClr>
+                          </a:solidFill>
+                          <a:latin typeface="Roboto"/>
+                          <a:cs typeface="Roboto"/>
                           <a:highlight>
                             <a:srgbClr val="FFFFFF">
                               <a:alpha val="0"/>
@@ -6679,24 +6679,24 @@
                     <a:bodyPr/>
                     <a:lstStyle/>
                     <a:p>
-                      <a:pPr algn="r" marL="25400" marR="25400">
-                        <a:spcBef>
-                          <a:spcPts val="200"/>
-                        </a:spcBef>
-                        <a:spcAft>
-                          <a:spcPts val="200"/>
-                        </a:spcAft>
-                        <a:buNone/>
-                      </a:pPr>
-                      <a:r>
-                        <a:rPr sz="1000">
-                          <a:solidFill>
-                            <a:srgbClr val="000000">
-                              <a:alpha val="100000"/>
-                            </a:srgbClr>
-                          </a:solidFill>
-                          <a:latin typeface="Arial"/>
-                          <a:cs typeface="Arial"/>
+                      <a:pPr algn="r" marL="63500" marR="63500">
+                        <a:spcBef>
+                          <a:spcPts val="200"/>
+                        </a:spcBef>
+                        <a:spcAft>
+                          <a:spcPts val="200"/>
+                        </a:spcAft>
+                        <a:buNone/>
+                      </a:pPr>
+                      <a:r>
+                        <a:rPr sz="1100">
+                          <a:solidFill>
+                            <a:srgbClr val="111111">
+                              <a:alpha val="100000"/>
+                            </a:srgbClr>
+                          </a:solidFill>
+                          <a:latin typeface="Roboto"/>
+                          <a:cs typeface="Roboto"/>
                           <a:highlight>
                             <a:srgbClr val="FFFFFF">
                               <a:alpha val="0"/>
@@ -6749,24 +6749,24 @@
                     <a:bodyPr/>
                     <a:lstStyle/>
                     <a:p>
-                      <a:pPr algn="r" marL="25400" marR="25400">
-                        <a:spcBef>
-                          <a:spcPts val="200"/>
-                        </a:spcBef>
-                        <a:spcAft>
-                          <a:spcPts val="200"/>
-                        </a:spcAft>
-                        <a:buNone/>
-                      </a:pPr>
-                      <a:r>
-                        <a:rPr sz="1000">
-                          <a:solidFill>
-                            <a:srgbClr val="000000">
-                              <a:alpha val="100000"/>
-                            </a:srgbClr>
-                          </a:solidFill>
-                          <a:latin typeface="Arial"/>
-                          <a:cs typeface="Arial"/>
+                      <a:pPr algn="r" marL="63500" marR="63500">
+                        <a:spcBef>
+                          <a:spcPts val="200"/>
+                        </a:spcBef>
+                        <a:spcAft>
+                          <a:spcPts val="200"/>
+                        </a:spcAft>
+                        <a:buNone/>
+                      </a:pPr>
+                      <a:r>
+                        <a:rPr sz="1100">
+                          <a:solidFill>
+                            <a:srgbClr val="111111">
+                              <a:alpha val="100000"/>
+                            </a:srgbClr>
+                          </a:solidFill>
+                          <a:latin typeface="Roboto"/>
+                          <a:cs typeface="Roboto"/>
                           <a:highlight>
                             <a:srgbClr val="FFFFFF">
                               <a:alpha val="0"/>
@@ -6817,24 +6817,24 @@
                     <a:bodyPr/>
                     <a:lstStyle/>
                     <a:p>
-                      <a:pPr algn="r" marL="25400" marR="25400">
-                        <a:spcBef>
-                          <a:spcPts val="200"/>
-                        </a:spcBef>
-                        <a:spcAft>
-                          <a:spcPts val="200"/>
-                        </a:spcAft>
-                        <a:buNone/>
-                      </a:pPr>
-                      <a:r>
-                        <a:rPr sz="1000">
-                          <a:solidFill>
-                            <a:srgbClr val="000000">
-                              <a:alpha val="100000"/>
-                            </a:srgbClr>
-                          </a:solidFill>
-                          <a:latin typeface="Arial"/>
-                          <a:cs typeface="Arial"/>
+                      <a:pPr algn="r" marL="63500" marR="63500">
+                        <a:spcBef>
+                          <a:spcPts val="200"/>
+                        </a:spcBef>
+                        <a:spcAft>
+                          <a:spcPts val="200"/>
+                        </a:spcAft>
+                        <a:buNone/>
+                      </a:pPr>
+                      <a:r>
+                        <a:rPr sz="1100">
+                          <a:solidFill>
+                            <a:srgbClr val="111111">
+                              <a:alpha val="100000"/>
+                            </a:srgbClr>
+                          </a:solidFill>
+                          <a:latin typeface="Roboto"/>
+                          <a:cs typeface="Roboto"/>
                           <a:highlight>
                             <a:srgbClr val="FFFFFF">
                               <a:alpha val="0"/>
@@ -6885,24 +6885,24 @@
                     <a:bodyPr/>
                     <a:lstStyle/>
                     <a:p>
-                      <a:pPr algn="r" marL="25400" marR="25400">
-                        <a:spcBef>
-                          <a:spcPts val="200"/>
-                        </a:spcBef>
-                        <a:spcAft>
-                          <a:spcPts val="200"/>
-                        </a:spcAft>
-                        <a:buNone/>
-                      </a:pPr>
-                      <a:r>
-                        <a:rPr sz="1000">
-                          <a:solidFill>
-                            <a:srgbClr val="000000">
-                              <a:alpha val="100000"/>
-                            </a:srgbClr>
-                          </a:solidFill>
-                          <a:latin typeface="Arial"/>
-                          <a:cs typeface="Arial"/>
+                      <a:pPr algn="r" marL="63500" marR="63500">
+                        <a:spcBef>
+                          <a:spcPts val="200"/>
+                        </a:spcBef>
+                        <a:spcAft>
+                          <a:spcPts val="200"/>
+                        </a:spcAft>
+                        <a:buNone/>
+                      </a:pPr>
+                      <a:r>
+                        <a:rPr sz="1100">
+                          <a:solidFill>
+                            <a:srgbClr val="111111">
+                              <a:alpha val="100000"/>
+                            </a:srgbClr>
+                          </a:solidFill>
+                          <a:latin typeface="Roboto"/>
+                          <a:cs typeface="Roboto"/>
                           <a:highlight>
                             <a:srgbClr val="FFFFFF">
                               <a:alpha val="0"/>
@@ -6953,24 +6953,24 @@
                     <a:bodyPr/>
                     <a:lstStyle/>
                     <a:p>
-                      <a:pPr algn="r" marL="25400" marR="25400">
-                        <a:spcBef>
-                          <a:spcPts val="200"/>
-                        </a:spcBef>
-                        <a:spcAft>
-                          <a:spcPts val="200"/>
-                        </a:spcAft>
-                        <a:buNone/>
-                      </a:pPr>
-                      <a:r>
-                        <a:rPr sz="1000">
-                          <a:solidFill>
-                            <a:srgbClr val="000000">
-                              <a:alpha val="100000"/>
-                            </a:srgbClr>
-                          </a:solidFill>
-                          <a:latin typeface="Arial"/>
-                          <a:cs typeface="Arial"/>
+                      <a:pPr algn="r" marL="63500" marR="63500">
+                        <a:spcBef>
+                          <a:spcPts val="200"/>
+                        </a:spcBef>
+                        <a:spcAft>
+                          <a:spcPts val="200"/>
+                        </a:spcAft>
+                        <a:buNone/>
+                      </a:pPr>
+                      <a:r>
+                        <a:rPr sz="1100">
+                          <a:solidFill>
+                            <a:srgbClr val="111111">
+                              <a:alpha val="100000"/>
+                            </a:srgbClr>
+                          </a:solidFill>
+                          <a:latin typeface="Roboto"/>
+                          <a:cs typeface="Roboto"/>
                           <a:highlight>
                             <a:srgbClr val="FFFFFF">
                               <a:alpha val="0"/>
@@ -7021,24 +7021,24 @@
                     <a:bodyPr/>
                     <a:lstStyle/>
                     <a:p>
-                      <a:pPr algn="r" marL="25400" marR="25400">
-                        <a:spcBef>
-                          <a:spcPts val="200"/>
-                        </a:spcBef>
-                        <a:spcAft>
-                          <a:spcPts val="200"/>
-                        </a:spcAft>
-                        <a:buNone/>
-                      </a:pPr>
-                      <a:r>
-                        <a:rPr sz="1000">
-                          <a:solidFill>
-                            <a:srgbClr val="000000">
-                              <a:alpha val="100000"/>
-                            </a:srgbClr>
-                          </a:solidFill>
-                          <a:latin typeface="Arial"/>
-                          <a:cs typeface="Arial"/>
+                      <a:pPr algn="r" marL="63500" marR="63500">
+                        <a:spcBef>
+                          <a:spcPts val="200"/>
+                        </a:spcBef>
+                        <a:spcAft>
+                          <a:spcPts val="200"/>
+                        </a:spcAft>
+                        <a:buNone/>
+                      </a:pPr>
+                      <a:r>
+                        <a:rPr sz="1100">
+                          <a:solidFill>
+                            <a:srgbClr val="111111">
+                              <a:alpha val="100000"/>
+                            </a:srgbClr>
+                          </a:solidFill>
+                          <a:latin typeface="Roboto"/>
+                          <a:cs typeface="Roboto"/>
                           <a:highlight>
                             <a:srgbClr val="FFFFFF">
                               <a:alpha val="0"/>
@@ -7089,24 +7089,24 @@
                     <a:bodyPr/>
                     <a:lstStyle/>
                     <a:p>
-                      <a:pPr algn="r" marL="25400" marR="25400">
-                        <a:spcBef>
-                          <a:spcPts val="200"/>
-                        </a:spcBef>
-                        <a:spcAft>
-                          <a:spcPts val="200"/>
-                        </a:spcAft>
-                        <a:buNone/>
-                      </a:pPr>
-                      <a:r>
-                        <a:rPr sz="1000">
-                          <a:solidFill>
-                            <a:srgbClr val="000000">
-                              <a:alpha val="100000"/>
-                            </a:srgbClr>
-                          </a:solidFill>
-                          <a:latin typeface="Arial"/>
-                          <a:cs typeface="Arial"/>
+                      <a:pPr algn="r" marL="63500" marR="63500">
+                        <a:spcBef>
+                          <a:spcPts val="200"/>
+                        </a:spcBef>
+                        <a:spcAft>
+                          <a:spcPts val="200"/>
+                        </a:spcAft>
+                        <a:buNone/>
+                      </a:pPr>
+                      <a:r>
+                        <a:rPr sz="1100">
+                          <a:solidFill>
+                            <a:srgbClr val="111111">
+                              <a:alpha val="100000"/>
+                            </a:srgbClr>
+                          </a:solidFill>
+                          <a:latin typeface="Roboto"/>
+                          <a:cs typeface="Roboto"/>
                           <a:highlight>
                             <a:srgbClr val="FFFFFF">
                               <a:alpha val="0"/>
@@ -7157,24 +7157,24 @@
                     <a:bodyPr/>
                     <a:lstStyle/>
                     <a:p>
-                      <a:pPr algn="r" marL="25400" marR="25400">
-                        <a:spcBef>
-                          <a:spcPts val="200"/>
-                        </a:spcBef>
-                        <a:spcAft>
-                          <a:spcPts val="200"/>
-                        </a:spcAft>
-                        <a:buNone/>
-                      </a:pPr>
-                      <a:r>
-                        <a:rPr sz="1000">
-                          <a:solidFill>
-                            <a:srgbClr val="000000">
-                              <a:alpha val="100000"/>
-                            </a:srgbClr>
-                          </a:solidFill>
-                          <a:latin typeface="Arial"/>
-                          <a:cs typeface="Arial"/>
+                      <a:pPr algn="r" marL="63500" marR="63500">
+                        <a:spcBef>
+                          <a:spcPts val="200"/>
+                        </a:spcBef>
+                        <a:spcAft>
+                          <a:spcPts val="200"/>
+                        </a:spcAft>
+                        <a:buNone/>
+                      </a:pPr>
+                      <a:r>
+                        <a:rPr sz="1100">
+                          <a:solidFill>
+                            <a:srgbClr val="111111">
+                              <a:alpha val="100000"/>
+                            </a:srgbClr>
+                          </a:solidFill>
+                          <a:latin typeface="Roboto"/>
+                          <a:cs typeface="Roboto"/>
                           <a:highlight>
                             <a:srgbClr val="FFFFFF">
                               <a:alpha val="0"/>
@@ -7225,24 +7225,24 @@
                     <a:bodyPr/>
                     <a:lstStyle/>
                     <a:p>
-                      <a:pPr algn="r" marL="25400" marR="25400">
-                        <a:spcBef>
-                          <a:spcPts val="200"/>
-                        </a:spcBef>
-                        <a:spcAft>
-                          <a:spcPts val="200"/>
-                        </a:spcAft>
-                        <a:buNone/>
-                      </a:pPr>
-                      <a:r>
-                        <a:rPr sz="1000">
-                          <a:solidFill>
-                            <a:srgbClr val="000000">
-                              <a:alpha val="100000"/>
-                            </a:srgbClr>
-                          </a:solidFill>
-                          <a:latin typeface="Arial"/>
-                          <a:cs typeface="Arial"/>
+                      <a:pPr algn="r" marL="63500" marR="63500">
+                        <a:spcBef>
+                          <a:spcPts val="200"/>
+                        </a:spcBef>
+                        <a:spcAft>
+                          <a:spcPts val="200"/>
+                        </a:spcAft>
+                        <a:buNone/>
+                      </a:pPr>
+                      <a:r>
+                        <a:rPr sz="1100">
+                          <a:solidFill>
+                            <a:srgbClr val="111111">
+                              <a:alpha val="100000"/>
+                            </a:srgbClr>
+                          </a:solidFill>
+                          <a:latin typeface="Roboto"/>
+                          <a:cs typeface="Roboto"/>
                           <a:highlight>
                             <a:srgbClr val="FFFFFF">
                               <a:alpha val="0"/>
@@ -7293,24 +7293,24 @@
                     <a:bodyPr/>
                     <a:lstStyle/>
                     <a:p>
-                      <a:pPr algn="r" marL="25400" marR="25400">
-                        <a:spcBef>
-                          <a:spcPts val="200"/>
-                        </a:spcBef>
-                        <a:spcAft>
-                          <a:spcPts val="200"/>
-                        </a:spcAft>
-                        <a:buNone/>
-                      </a:pPr>
-                      <a:r>
-                        <a:rPr sz="1000">
-                          <a:solidFill>
-                            <a:srgbClr val="000000">
-                              <a:alpha val="100000"/>
-                            </a:srgbClr>
-                          </a:solidFill>
-                          <a:latin typeface="Arial"/>
-                          <a:cs typeface="Arial"/>
+                      <a:pPr algn="r" marL="63500" marR="63500">
+                        <a:spcBef>
+                          <a:spcPts val="200"/>
+                        </a:spcBef>
+                        <a:spcAft>
+                          <a:spcPts val="200"/>
+                        </a:spcAft>
+                        <a:buNone/>
+                      </a:pPr>
+                      <a:r>
+                        <a:rPr sz="1100">
+                          <a:solidFill>
+                            <a:srgbClr val="111111">
+                              <a:alpha val="100000"/>
+                            </a:srgbClr>
+                          </a:solidFill>
+                          <a:latin typeface="Roboto"/>
+                          <a:cs typeface="Roboto"/>
                           <a:highlight>
                             <a:srgbClr val="FFFFFF">
                               <a:alpha val="0"/>
@@ -7361,24 +7361,24 @@
                     <a:bodyPr/>
                     <a:lstStyle/>
                     <a:p>
-                      <a:pPr algn="r" marL="25400" marR="25400">
-                        <a:spcBef>
-                          <a:spcPts val="200"/>
-                        </a:spcBef>
-                        <a:spcAft>
-                          <a:spcPts val="200"/>
-                        </a:spcAft>
-                        <a:buNone/>
-                      </a:pPr>
-                      <a:r>
-                        <a:rPr sz="1000">
-                          <a:solidFill>
-                            <a:srgbClr val="000000">
-                              <a:alpha val="100000"/>
-                            </a:srgbClr>
-                          </a:solidFill>
-                          <a:latin typeface="Arial"/>
-                          <a:cs typeface="Arial"/>
+                      <a:pPr algn="r" marL="63500" marR="63500">
+                        <a:spcBef>
+                          <a:spcPts val="200"/>
+                        </a:spcBef>
+                        <a:spcAft>
+                          <a:spcPts val="200"/>
+                        </a:spcAft>
+                        <a:buNone/>
+                      </a:pPr>
+                      <a:r>
+                        <a:rPr sz="1100">
+                          <a:solidFill>
+                            <a:srgbClr val="111111">
+                              <a:alpha val="100000"/>
+                            </a:srgbClr>
+                          </a:solidFill>
+                          <a:latin typeface="Roboto"/>
+                          <a:cs typeface="Roboto"/>
                           <a:highlight>
                             <a:srgbClr val="FFFFFF">
                               <a:alpha val="0"/>
@@ -7429,24 +7429,24 @@
                     <a:bodyPr/>
                     <a:lstStyle/>
                     <a:p>
-                      <a:pPr algn="r" marL="25400" marR="25400">
-                        <a:spcBef>
-                          <a:spcPts val="200"/>
-                        </a:spcBef>
-                        <a:spcAft>
-                          <a:spcPts val="200"/>
-                        </a:spcAft>
-                        <a:buNone/>
-                      </a:pPr>
-                      <a:r>
-                        <a:rPr sz="1000">
-                          <a:solidFill>
-                            <a:srgbClr val="000000">
-                              <a:alpha val="100000"/>
-                            </a:srgbClr>
-                          </a:solidFill>
-                          <a:latin typeface="Arial"/>
-                          <a:cs typeface="Arial"/>
+                      <a:pPr algn="r" marL="63500" marR="63500">
+                        <a:spcBef>
+                          <a:spcPts val="200"/>
+                        </a:spcBef>
+                        <a:spcAft>
+                          <a:spcPts val="200"/>
+                        </a:spcAft>
+                        <a:buNone/>
+                      </a:pPr>
+                      <a:r>
+                        <a:rPr sz="1100">
+                          <a:solidFill>
+                            <a:srgbClr val="111111">
+                              <a:alpha val="100000"/>
+                            </a:srgbClr>
+                          </a:solidFill>
+                          <a:latin typeface="Roboto"/>
+                          <a:cs typeface="Roboto"/>
                           <a:highlight>
                             <a:srgbClr val="FFFFFF">
                               <a:alpha val="0"/>
@@ -7532,24 +7532,24 @@
                     <a:bodyPr/>
                     <a:lstStyle/>
                     <a:p>
-                      <a:pPr algn="ctr" marL="25400" marR="25400">
-                        <a:spcBef>
-                          <a:spcPts val="200"/>
-                        </a:spcBef>
-                        <a:spcAft>
-                          <a:spcPts val="200"/>
-                        </a:spcAft>
-                        <a:buNone/>
-                      </a:pPr>
-                      <a:r>
-                        <a:rPr sz="1000">
-                          <a:solidFill>
-                            <a:srgbClr val="000000">
-                              <a:alpha val="100000"/>
-                            </a:srgbClr>
-                          </a:solidFill>
-                          <a:latin typeface="Arial"/>
-                          <a:cs typeface="Arial"/>
+                      <a:pPr algn="r" marL="63500" marR="63500">
+                        <a:spcBef>
+                          <a:spcPts val="200"/>
+                        </a:spcBef>
+                        <a:spcAft>
+                          <a:spcPts val="200"/>
+                        </a:spcAft>
+                        <a:buNone/>
+                      </a:pPr>
+                      <a:r>
+                        <a:rPr sz="1100">
+                          <a:solidFill>
+                            <a:srgbClr val="111111">
+                              <a:alpha val="100000"/>
+                            </a:srgbClr>
+                          </a:solidFill>
+                          <a:latin typeface="Roboto"/>
+                          <a:cs typeface="Roboto"/>
                           <a:highlight>
                             <a:srgbClr val="FFFFFF">
                               <a:alpha val="0"/>
@@ -7600,24 +7600,24 @@
                     <a:bodyPr/>
                     <a:lstStyle/>
                     <a:p>
-                      <a:pPr algn="ctr" marL="25400" marR="25400">
-                        <a:spcBef>
-                          <a:spcPts val="200"/>
-                        </a:spcBef>
-                        <a:spcAft>
-                          <a:spcPts val="200"/>
-                        </a:spcAft>
-                        <a:buNone/>
-                      </a:pPr>
-                      <a:r>
-                        <a:rPr sz="1000">
-                          <a:solidFill>
-                            <a:srgbClr val="000000">
-                              <a:alpha val="100000"/>
-                            </a:srgbClr>
-                          </a:solidFill>
-                          <a:latin typeface="Arial"/>
-                          <a:cs typeface="Arial"/>
+                      <a:pPr algn="r" marL="63500" marR="63500">
+                        <a:spcBef>
+                          <a:spcPts val="200"/>
+                        </a:spcBef>
+                        <a:spcAft>
+                          <a:spcPts val="200"/>
+                        </a:spcAft>
+                        <a:buNone/>
+                      </a:pPr>
+                      <a:r>
+                        <a:rPr sz="1100">
+                          <a:solidFill>
+                            <a:srgbClr val="111111">
+                              <a:alpha val="100000"/>
+                            </a:srgbClr>
+                          </a:solidFill>
+                          <a:latin typeface="Roboto"/>
+                          <a:cs typeface="Roboto"/>
                           <a:highlight>
                             <a:srgbClr val="FFFFFF">
                               <a:alpha val="0"/>
@@ -7668,24 +7668,24 @@
                     <a:bodyPr/>
                     <a:lstStyle/>
                     <a:p>
-                      <a:pPr algn="ctr" marL="25400" marR="25400">
-                        <a:spcBef>
-                          <a:spcPts val="200"/>
-                        </a:spcBef>
-                        <a:spcAft>
-                          <a:spcPts val="200"/>
-                        </a:spcAft>
-                        <a:buNone/>
-                      </a:pPr>
-                      <a:r>
-                        <a:rPr sz="1000">
-                          <a:solidFill>
-                            <a:srgbClr val="000000">
-                              <a:alpha val="100000"/>
-                            </a:srgbClr>
-                          </a:solidFill>
-                          <a:latin typeface="Arial"/>
-                          <a:cs typeface="Arial"/>
+                      <a:pPr algn="r" marL="63500" marR="63500">
+                        <a:spcBef>
+                          <a:spcPts val="200"/>
+                        </a:spcBef>
+                        <a:spcAft>
+                          <a:spcPts val="200"/>
+                        </a:spcAft>
+                        <a:buNone/>
+                      </a:pPr>
+                      <a:r>
+                        <a:rPr sz="1100">
+                          <a:solidFill>
+                            <a:srgbClr val="111111">
+                              <a:alpha val="100000"/>
+                            </a:srgbClr>
+                          </a:solidFill>
+                          <a:latin typeface="Roboto"/>
+                          <a:cs typeface="Roboto"/>
                           <a:highlight>
                             <a:srgbClr val="FFFFFF">
                               <a:alpha val="0"/>
@@ -7736,24 +7736,24 @@
                     <a:bodyPr/>
                     <a:lstStyle/>
                     <a:p>
-                      <a:pPr algn="ctr" marL="25400" marR="25400">
-                        <a:spcBef>
-                          <a:spcPts val="200"/>
-                        </a:spcBef>
-                        <a:spcAft>
-                          <a:spcPts val="200"/>
-                        </a:spcAft>
-                        <a:buNone/>
-                      </a:pPr>
-                      <a:r>
-                        <a:rPr sz="1000">
-                          <a:solidFill>
-                            <a:srgbClr val="000000">
-                              <a:alpha val="100000"/>
-                            </a:srgbClr>
-                          </a:solidFill>
-                          <a:latin typeface="Arial"/>
-                          <a:cs typeface="Arial"/>
+                      <a:pPr algn="r" marL="63500" marR="63500">
+                        <a:spcBef>
+                          <a:spcPts val="200"/>
+                        </a:spcBef>
+                        <a:spcAft>
+                          <a:spcPts val="200"/>
+                        </a:spcAft>
+                        <a:buNone/>
+                      </a:pPr>
+                      <a:r>
+                        <a:rPr sz="1100">
+                          <a:solidFill>
+                            <a:srgbClr val="111111">
+                              <a:alpha val="100000"/>
+                            </a:srgbClr>
+                          </a:solidFill>
+                          <a:latin typeface="Roboto"/>
+                          <a:cs typeface="Roboto"/>
                           <a:highlight>
                             <a:srgbClr val="FFFFFF">
                               <a:alpha val="0"/>
@@ -7804,24 +7804,24 @@
                     <a:bodyPr/>
                     <a:lstStyle/>
                     <a:p>
-                      <a:pPr algn="ctr" marL="25400" marR="25400">
-                        <a:spcBef>
-                          <a:spcPts val="200"/>
-                        </a:spcBef>
-                        <a:spcAft>
-                          <a:spcPts val="200"/>
-                        </a:spcAft>
-                        <a:buNone/>
-                      </a:pPr>
-                      <a:r>
-                        <a:rPr sz="1000">
-                          <a:solidFill>
-                            <a:srgbClr val="000000">
-                              <a:alpha val="100000"/>
-                            </a:srgbClr>
-                          </a:solidFill>
-                          <a:latin typeface="Arial"/>
-                          <a:cs typeface="Arial"/>
+                      <a:pPr algn="r" marL="63500" marR="63500">
+                        <a:spcBef>
+                          <a:spcPts val="200"/>
+                        </a:spcBef>
+                        <a:spcAft>
+                          <a:spcPts val="200"/>
+                        </a:spcAft>
+                        <a:buNone/>
+                      </a:pPr>
+                      <a:r>
+                        <a:rPr sz="1100">
+                          <a:solidFill>
+                            <a:srgbClr val="111111">
+                              <a:alpha val="100000"/>
+                            </a:srgbClr>
+                          </a:solidFill>
+                          <a:latin typeface="Roboto"/>
+                          <a:cs typeface="Roboto"/>
                           <a:highlight>
                             <a:srgbClr val="FFFFFF">
                               <a:alpha val="0"/>
@@ -7872,24 +7872,24 @@
                     <a:bodyPr/>
                     <a:lstStyle/>
                     <a:p>
-                      <a:pPr algn="ctr" marL="25400" marR="25400">
-                        <a:spcBef>
-                          <a:spcPts val="200"/>
-                        </a:spcBef>
-                        <a:spcAft>
-                          <a:spcPts val="200"/>
-                        </a:spcAft>
-                        <a:buNone/>
-                      </a:pPr>
-                      <a:r>
-                        <a:rPr sz="1000">
-                          <a:solidFill>
-                            <a:srgbClr val="000000">
-                              <a:alpha val="100000"/>
-                            </a:srgbClr>
-                          </a:solidFill>
-                          <a:latin typeface="Arial"/>
-                          <a:cs typeface="Arial"/>
+                      <a:pPr algn="r" marL="63500" marR="63500">
+                        <a:spcBef>
+                          <a:spcPts val="200"/>
+                        </a:spcBef>
+                        <a:spcAft>
+                          <a:spcPts val="200"/>
+                        </a:spcAft>
+                        <a:buNone/>
+                      </a:pPr>
+                      <a:r>
+                        <a:rPr sz="1100">
+                          <a:solidFill>
+                            <a:srgbClr val="111111">
+                              <a:alpha val="100000"/>
+                            </a:srgbClr>
+                          </a:solidFill>
+                          <a:latin typeface="Roboto"/>
+                          <a:cs typeface="Roboto"/>
                           <a:highlight>
                             <a:srgbClr val="FFFFFF">
                               <a:alpha val="0"/>
@@ -7940,24 +7940,24 @@
                     <a:bodyPr/>
                     <a:lstStyle/>
                     <a:p>
-                      <a:pPr algn="ctr" marL="25400" marR="25400">
-                        <a:spcBef>
-                          <a:spcPts val="200"/>
-                        </a:spcBef>
-                        <a:spcAft>
-                          <a:spcPts val="200"/>
-                        </a:spcAft>
-                        <a:buNone/>
-                      </a:pPr>
-                      <a:r>
-                        <a:rPr sz="1000">
-                          <a:solidFill>
-                            <a:srgbClr val="000000">
-                              <a:alpha val="100000"/>
-                            </a:srgbClr>
-                          </a:solidFill>
-                          <a:latin typeface="Arial"/>
-                          <a:cs typeface="Arial"/>
+                      <a:pPr algn="r" marL="63500" marR="63500">
+                        <a:spcBef>
+                          <a:spcPts val="200"/>
+                        </a:spcBef>
+                        <a:spcAft>
+                          <a:spcPts val="200"/>
+                        </a:spcAft>
+                        <a:buNone/>
+                      </a:pPr>
+                      <a:r>
+                        <a:rPr sz="1100">
+                          <a:solidFill>
+                            <a:srgbClr val="111111">
+                              <a:alpha val="100000"/>
+                            </a:srgbClr>
+                          </a:solidFill>
+                          <a:latin typeface="Roboto"/>
+                          <a:cs typeface="Roboto"/>
                           <a:highlight>
                             <a:srgbClr val="FFFFFF">
                               <a:alpha val="0"/>
@@ -8008,24 +8008,24 @@
                     <a:bodyPr/>
                     <a:lstStyle/>
                     <a:p>
-                      <a:pPr algn="ctr" marL="25400" marR="25400">
-                        <a:spcBef>
-                          <a:spcPts val="200"/>
-                        </a:spcBef>
-                        <a:spcAft>
-                          <a:spcPts val="200"/>
-                        </a:spcAft>
-                        <a:buNone/>
-                      </a:pPr>
-                      <a:r>
-                        <a:rPr sz="1000">
-                          <a:solidFill>
-                            <a:srgbClr val="000000">
-                              <a:alpha val="100000"/>
-                            </a:srgbClr>
-                          </a:solidFill>
-                          <a:latin typeface="Arial"/>
-                          <a:cs typeface="Arial"/>
+                      <a:pPr algn="r" marL="63500" marR="63500">
+                        <a:spcBef>
+                          <a:spcPts val="200"/>
+                        </a:spcBef>
+                        <a:spcAft>
+                          <a:spcPts val="200"/>
+                        </a:spcAft>
+                        <a:buNone/>
+                      </a:pPr>
+                      <a:r>
+                        <a:rPr sz="1100">
+                          <a:solidFill>
+                            <a:srgbClr val="111111">
+                              <a:alpha val="100000"/>
+                            </a:srgbClr>
+                          </a:solidFill>
+                          <a:latin typeface="Roboto"/>
+                          <a:cs typeface="Roboto"/>
                           <a:highlight>
                             <a:srgbClr val="FFFFFF">
                               <a:alpha val="0"/>
@@ -8076,24 +8076,24 @@
                     <a:bodyPr/>
                     <a:lstStyle/>
                     <a:p>
-                      <a:pPr algn="ctr" marL="25400" marR="25400">
-                        <a:spcBef>
-                          <a:spcPts val="200"/>
-                        </a:spcBef>
-                        <a:spcAft>
-                          <a:spcPts val="200"/>
-                        </a:spcAft>
-                        <a:buNone/>
-                      </a:pPr>
-                      <a:r>
-                        <a:rPr sz="1000">
-                          <a:solidFill>
-                            <a:srgbClr val="000000">
-                              <a:alpha val="100000"/>
-                            </a:srgbClr>
-                          </a:solidFill>
-                          <a:latin typeface="Arial"/>
-                          <a:cs typeface="Arial"/>
+                      <a:pPr algn="r" marL="63500" marR="63500">
+                        <a:spcBef>
+                          <a:spcPts val="200"/>
+                        </a:spcBef>
+                        <a:spcAft>
+                          <a:spcPts val="200"/>
+                        </a:spcAft>
+                        <a:buNone/>
+                      </a:pPr>
+                      <a:r>
+                        <a:rPr sz="1100">
+                          <a:solidFill>
+                            <a:srgbClr val="111111">
+                              <a:alpha val="100000"/>
+                            </a:srgbClr>
+                          </a:solidFill>
+                          <a:latin typeface="Roboto"/>
+                          <a:cs typeface="Roboto"/>
                           <a:highlight>
                             <a:srgbClr val="FFFFFF">
                               <a:alpha val="0"/>
@@ -8144,24 +8144,24 @@
                     <a:bodyPr/>
                     <a:lstStyle/>
                     <a:p>
-                      <a:pPr algn="ctr" marL="25400" marR="25400">
-                        <a:spcBef>
-                          <a:spcPts val="200"/>
-                        </a:spcBef>
-                        <a:spcAft>
-                          <a:spcPts val="200"/>
-                        </a:spcAft>
-                        <a:buNone/>
-                      </a:pPr>
-                      <a:r>
-                        <a:rPr sz="1000">
-                          <a:solidFill>
-                            <a:srgbClr val="000000">
-                              <a:alpha val="100000"/>
-                            </a:srgbClr>
-                          </a:solidFill>
-                          <a:latin typeface="Arial"/>
-                          <a:cs typeface="Arial"/>
+                      <a:pPr algn="r" marL="63500" marR="63500">
+                        <a:spcBef>
+                          <a:spcPts val="200"/>
+                        </a:spcBef>
+                        <a:spcAft>
+                          <a:spcPts val="200"/>
+                        </a:spcAft>
+                        <a:buNone/>
+                      </a:pPr>
+                      <a:r>
+                        <a:rPr sz="1100">
+                          <a:solidFill>
+                            <a:srgbClr val="111111">
+                              <a:alpha val="100000"/>
+                            </a:srgbClr>
+                          </a:solidFill>
+                          <a:latin typeface="Roboto"/>
+                          <a:cs typeface="Roboto"/>
                           <a:highlight>
                             <a:srgbClr val="FFFFFF">
                               <a:alpha val="0"/>
@@ -8212,24 +8212,24 @@
                     <a:bodyPr/>
                     <a:lstStyle/>
                     <a:p>
-                      <a:pPr algn="ctr" marL="25400" marR="25400">
-                        <a:spcBef>
-                          <a:spcPts val="200"/>
-                        </a:spcBef>
-                        <a:spcAft>
-                          <a:spcPts val="200"/>
-                        </a:spcAft>
-                        <a:buNone/>
-                      </a:pPr>
-                      <a:r>
-                        <a:rPr sz="1000">
-                          <a:solidFill>
-                            <a:srgbClr val="000000">
-                              <a:alpha val="100000"/>
-                            </a:srgbClr>
-                          </a:solidFill>
-                          <a:latin typeface="Arial"/>
-                          <a:cs typeface="Arial"/>
+                      <a:pPr algn="r" marL="63500" marR="63500">
+                        <a:spcBef>
+                          <a:spcPts val="200"/>
+                        </a:spcBef>
+                        <a:spcAft>
+                          <a:spcPts val="200"/>
+                        </a:spcAft>
+                        <a:buNone/>
+                      </a:pPr>
+                      <a:r>
+                        <a:rPr sz="1100">
+                          <a:solidFill>
+                            <a:srgbClr val="111111">
+                              <a:alpha val="100000"/>
+                            </a:srgbClr>
+                          </a:solidFill>
+                          <a:latin typeface="Roboto"/>
+                          <a:cs typeface="Roboto"/>
                           <a:highlight>
                             <a:srgbClr val="FFFFFF">
                               <a:alpha val="0"/>
@@ -8282,24 +8282,24 @@
                     <a:bodyPr/>
                     <a:lstStyle/>
                     <a:p>
-                      <a:pPr algn="r" marL="25400" marR="25400">
-                        <a:spcBef>
-                          <a:spcPts val="200"/>
-                        </a:spcBef>
-                        <a:spcAft>
-                          <a:spcPts val="200"/>
-                        </a:spcAft>
-                        <a:buNone/>
-                      </a:pPr>
-                      <a:r>
-                        <a:rPr sz="1000">
-                          <a:solidFill>
-                            <a:srgbClr val="000000">
-                              <a:alpha val="100000"/>
-                            </a:srgbClr>
-                          </a:solidFill>
-                          <a:latin typeface="Arial"/>
-                          <a:cs typeface="Arial"/>
+                      <a:pPr algn="r" marL="63500" marR="63500">
+                        <a:spcBef>
+                          <a:spcPts val="200"/>
+                        </a:spcBef>
+                        <a:spcAft>
+                          <a:spcPts val="200"/>
+                        </a:spcAft>
+                        <a:buNone/>
+                      </a:pPr>
+                      <a:r>
+                        <a:rPr sz="1100">
+                          <a:solidFill>
+                            <a:srgbClr val="111111">
+                              <a:alpha val="100000"/>
+                            </a:srgbClr>
+                          </a:solidFill>
+                          <a:latin typeface="Roboto"/>
+                          <a:cs typeface="Roboto"/>
                           <a:highlight>
                             <a:srgbClr val="FFFFFF">
                               <a:alpha val="0"/>
@@ -8350,24 +8350,24 @@
                     <a:bodyPr/>
                     <a:lstStyle/>
                     <a:p>
-                      <a:pPr algn="r" marL="25400" marR="25400">
-                        <a:spcBef>
-                          <a:spcPts val="200"/>
-                        </a:spcBef>
-                        <a:spcAft>
-                          <a:spcPts val="200"/>
-                        </a:spcAft>
-                        <a:buNone/>
-                      </a:pPr>
-                      <a:r>
-                        <a:rPr sz="1000">
-                          <a:solidFill>
-                            <a:srgbClr val="000000">
-                              <a:alpha val="100000"/>
-                            </a:srgbClr>
-                          </a:solidFill>
-                          <a:latin typeface="Arial"/>
-                          <a:cs typeface="Arial"/>
+                      <a:pPr algn="r" marL="63500" marR="63500">
+                        <a:spcBef>
+                          <a:spcPts val="200"/>
+                        </a:spcBef>
+                        <a:spcAft>
+                          <a:spcPts val="200"/>
+                        </a:spcAft>
+                        <a:buNone/>
+                      </a:pPr>
+                      <a:r>
+                        <a:rPr sz="1100">
+                          <a:solidFill>
+                            <a:srgbClr val="111111">
+                              <a:alpha val="100000"/>
+                            </a:srgbClr>
+                          </a:solidFill>
+                          <a:latin typeface="Roboto"/>
+                          <a:cs typeface="Roboto"/>
                           <a:highlight>
                             <a:srgbClr val="FFFFFF">
                               <a:alpha val="0"/>
@@ -8418,24 +8418,24 @@
                     <a:bodyPr/>
                     <a:lstStyle/>
                     <a:p>
-                      <a:pPr algn="r" marL="25400" marR="25400">
-                        <a:spcBef>
-                          <a:spcPts val="200"/>
-                        </a:spcBef>
-                        <a:spcAft>
-                          <a:spcPts val="200"/>
-                        </a:spcAft>
-                        <a:buNone/>
-                      </a:pPr>
-                      <a:r>
-                        <a:rPr sz="1000">
-                          <a:solidFill>
-                            <a:srgbClr val="000000">
-                              <a:alpha val="100000"/>
-                            </a:srgbClr>
-                          </a:solidFill>
-                          <a:latin typeface="Arial"/>
-                          <a:cs typeface="Arial"/>
+                      <a:pPr algn="r" marL="63500" marR="63500">
+                        <a:spcBef>
+                          <a:spcPts val="200"/>
+                        </a:spcBef>
+                        <a:spcAft>
+                          <a:spcPts val="200"/>
+                        </a:spcAft>
+                        <a:buNone/>
+                      </a:pPr>
+                      <a:r>
+                        <a:rPr sz="1100">
+                          <a:solidFill>
+                            <a:srgbClr val="111111">
+                              <a:alpha val="100000"/>
+                            </a:srgbClr>
+                          </a:solidFill>
+                          <a:latin typeface="Roboto"/>
+                          <a:cs typeface="Roboto"/>
                           <a:highlight>
                             <a:srgbClr val="FFFFFF">
                               <a:alpha val="0"/>
@@ -8486,24 +8486,24 @@
                     <a:bodyPr/>
                     <a:lstStyle/>
                     <a:p>
-                      <a:pPr algn="r" marL="25400" marR="25400">
-                        <a:spcBef>
-                          <a:spcPts val="200"/>
-                        </a:spcBef>
-                        <a:spcAft>
-                          <a:spcPts val="200"/>
-                        </a:spcAft>
-                        <a:buNone/>
-                      </a:pPr>
-                      <a:r>
-                        <a:rPr sz="1000">
-                          <a:solidFill>
-                            <a:srgbClr val="000000">
-                              <a:alpha val="100000"/>
-                            </a:srgbClr>
-                          </a:solidFill>
-                          <a:latin typeface="Arial"/>
-                          <a:cs typeface="Arial"/>
+                      <a:pPr algn="r" marL="63500" marR="63500">
+                        <a:spcBef>
+                          <a:spcPts val="200"/>
+                        </a:spcBef>
+                        <a:spcAft>
+                          <a:spcPts val="200"/>
+                        </a:spcAft>
+                        <a:buNone/>
+                      </a:pPr>
+                      <a:r>
+                        <a:rPr sz="1100">
+                          <a:solidFill>
+                            <a:srgbClr val="111111">
+                              <a:alpha val="100000"/>
+                            </a:srgbClr>
+                          </a:solidFill>
+                          <a:latin typeface="Roboto"/>
+                          <a:cs typeface="Roboto"/>
                           <a:highlight>
                             <a:srgbClr val="FFFFFF">
                               <a:alpha val="0"/>
@@ -8554,24 +8554,24 @@
                     <a:bodyPr/>
                     <a:lstStyle/>
                     <a:p>
-                      <a:pPr algn="r" marL="25400" marR="25400">
-                        <a:spcBef>
-                          <a:spcPts val="200"/>
-                        </a:spcBef>
-                        <a:spcAft>
-                          <a:spcPts val="200"/>
-                        </a:spcAft>
-                        <a:buNone/>
-                      </a:pPr>
-                      <a:r>
-                        <a:rPr sz="1000">
-                          <a:solidFill>
-                            <a:srgbClr val="000000">
-                              <a:alpha val="100000"/>
-                            </a:srgbClr>
-                          </a:solidFill>
-                          <a:latin typeface="Arial"/>
-                          <a:cs typeface="Arial"/>
+                      <a:pPr algn="r" marL="63500" marR="63500">
+                        <a:spcBef>
+                          <a:spcPts val="200"/>
+                        </a:spcBef>
+                        <a:spcAft>
+                          <a:spcPts val="200"/>
+                        </a:spcAft>
+                        <a:buNone/>
+                      </a:pPr>
+                      <a:r>
+                        <a:rPr sz="1100">
+                          <a:solidFill>
+                            <a:srgbClr val="111111">
+                              <a:alpha val="100000"/>
+                            </a:srgbClr>
+                          </a:solidFill>
+                          <a:latin typeface="Roboto"/>
+                          <a:cs typeface="Roboto"/>
                           <a:highlight>
                             <a:srgbClr val="FFFFFF">
                               <a:alpha val="0"/>
@@ -8622,24 +8622,24 @@
                     <a:bodyPr/>
                     <a:lstStyle/>
                     <a:p>
-                      <a:pPr algn="r" marL="25400" marR="25400">
-                        <a:spcBef>
-                          <a:spcPts val="200"/>
-                        </a:spcBef>
-                        <a:spcAft>
-                          <a:spcPts val="200"/>
-                        </a:spcAft>
-                        <a:buNone/>
-                      </a:pPr>
-                      <a:r>
-                        <a:rPr sz="1000">
-                          <a:solidFill>
-                            <a:srgbClr val="000000">
-                              <a:alpha val="100000"/>
-                            </a:srgbClr>
-                          </a:solidFill>
-                          <a:latin typeface="Arial"/>
-                          <a:cs typeface="Arial"/>
+                      <a:pPr algn="r" marL="63500" marR="63500">
+                        <a:spcBef>
+                          <a:spcPts val="200"/>
+                        </a:spcBef>
+                        <a:spcAft>
+                          <a:spcPts val="200"/>
+                        </a:spcAft>
+                        <a:buNone/>
+                      </a:pPr>
+                      <a:r>
+                        <a:rPr sz="1100">
+                          <a:solidFill>
+                            <a:srgbClr val="111111">
+                              <a:alpha val="100000"/>
+                            </a:srgbClr>
+                          </a:solidFill>
+                          <a:latin typeface="Roboto"/>
+                          <a:cs typeface="Roboto"/>
                           <a:highlight>
                             <a:srgbClr val="FFFFFF">
                               <a:alpha val="0"/>
@@ -8690,24 +8690,24 @@
                     <a:bodyPr/>
                     <a:lstStyle/>
                     <a:p>
-                      <a:pPr algn="r" marL="25400" marR="25400">
-                        <a:spcBef>
-                          <a:spcPts val="200"/>
-                        </a:spcBef>
-                        <a:spcAft>
-                          <a:spcPts val="200"/>
-                        </a:spcAft>
-                        <a:buNone/>
-                      </a:pPr>
-                      <a:r>
-                        <a:rPr sz="1000">
-                          <a:solidFill>
-                            <a:srgbClr val="000000">
-                              <a:alpha val="100000"/>
-                            </a:srgbClr>
-                          </a:solidFill>
-                          <a:latin typeface="Arial"/>
-                          <a:cs typeface="Arial"/>
+                      <a:pPr algn="r" marL="63500" marR="63500">
+                        <a:spcBef>
+                          <a:spcPts val="200"/>
+                        </a:spcBef>
+                        <a:spcAft>
+                          <a:spcPts val="200"/>
+                        </a:spcAft>
+                        <a:buNone/>
+                      </a:pPr>
+                      <a:r>
+                        <a:rPr sz="1100">
+                          <a:solidFill>
+                            <a:srgbClr val="111111">
+                              <a:alpha val="100000"/>
+                            </a:srgbClr>
+                          </a:solidFill>
+                          <a:latin typeface="Roboto"/>
+                          <a:cs typeface="Roboto"/>
                           <a:highlight>
                             <a:srgbClr val="FFFFFF">
                               <a:alpha val="0"/>
@@ -8758,24 +8758,24 @@
                     <a:bodyPr/>
                     <a:lstStyle/>
                     <a:p>
-                      <a:pPr algn="r" marL="25400" marR="25400">
-                        <a:spcBef>
-                          <a:spcPts val="200"/>
-                        </a:spcBef>
-                        <a:spcAft>
-                          <a:spcPts val="200"/>
-                        </a:spcAft>
-                        <a:buNone/>
-                      </a:pPr>
-                      <a:r>
-                        <a:rPr sz="1000">
-                          <a:solidFill>
-                            <a:srgbClr val="000000">
-                              <a:alpha val="100000"/>
-                            </a:srgbClr>
-                          </a:solidFill>
-                          <a:latin typeface="Arial"/>
-                          <a:cs typeface="Arial"/>
+                      <a:pPr algn="r" marL="63500" marR="63500">
+                        <a:spcBef>
+                          <a:spcPts val="200"/>
+                        </a:spcBef>
+                        <a:spcAft>
+                          <a:spcPts val="200"/>
+                        </a:spcAft>
+                        <a:buNone/>
+                      </a:pPr>
+                      <a:r>
+                        <a:rPr sz="1100">
+                          <a:solidFill>
+                            <a:srgbClr val="111111">
+                              <a:alpha val="100000"/>
+                            </a:srgbClr>
+                          </a:solidFill>
+                          <a:latin typeface="Roboto"/>
+                          <a:cs typeface="Roboto"/>
                           <a:highlight>
                             <a:srgbClr val="FFFFFF">
                               <a:alpha val="0"/>
@@ -8826,24 +8826,24 @@
                     <a:bodyPr/>
                     <a:lstStyle/>
                     <a:p>
-                      <a:pPr algn="r" marL="25400" marR="25400">
-                        <a:spcBef>
-                          <a:spcPts val="200"/>
-                        </a:spcBef>
-                        <a:spcAft>
-                          <a:spcPts val="200"/>
-                        </a:spcAft>
-                        <a:buNone/>
-                      </a:pPr>
-                      <a:r>
-                        <a:rPr sz="1000">
-                          <a:solidFill>
-                            <a:srgbClr val="000000">
-                              <a:alpha val="100000"/>
-                            </a:srgbClr>
-                          </a:solidFill>
-                          <a:latin typeface="Arial"/>
-                          <a:cs typeface="Arial"/>
+                      <a:pPr algn="r" marL="63500" marR="63500">
+                        <a:spcBef>
+                          <a:spcPts val="200"/>
+                        </a:spcBef>
+                        <a:spcAft>
+                          <a:spcPts val="200"/>
+                        </a:spcAft>
+                        <a:buNone/>
+                      </a:pPr>
+                      <a:r>
+                        <a:rPr sz="1100">
+                          <a:solidFill>
+                            <a:srgbClr val="111111">
+                              <a:alpha val="100000"/>
+                            </a:srgbClr>
+                          </a:solidFill>
+                          <a:latin typeface="Roboto"/>
+                          <a:cs typeface="Roboto"/>
                           <a:highlight>
                             <a:srgbClr val="FFFFFF">
                               <a:alpha val="0"/>
@@ -8894,24 +8894,24 @@
                     <a:bodyPr/>
                     <a:lstStyle/>
                     <a:p>
-                      <a:pPr algn="r" marL="25400" marR="25400">
-                        <a:spcBef>
-                          <a:spcPts val="200"/>
-                        </a:spcBef>
-                        <a:spcAft>
-                          <a:spcPts val="200"/>
-                        </a:spcAft>
-                        <a:buNone/>
-                      </a:pPr>
-                      <a:r>
-                        <a:rPr sz="1000">
-                          <a:solidFill>
-                            <a:srgbClr val="000000">
-                              <a:alpha val="100000"/>
-                            </a:srgbClr>
-                          </a:solidFill>
-                          <a:latin typeface="Arial"/>
-                          <a:cs typeface="Arial"/>
+                      <a:pPr algn="r" marL="63500" marR="63500">
+                        <a:spcBef>
+                          <a:spcPts val="200"/>
+                        </a:spcBef>
+                        <a:spcAft>
+                          <a:spcPts val="200"/>
+                        </a:spcAft>
+                        <a:buNone/>
+                      </a:pPr>
+                      <a:r>
+                        <a:rPr sz="1100">
+                          <a:solidFill>
+                            <a:srgbClr val="111111">
+                              <a:alpha val="100000"/>
+                            </a:srgbClr>
+                          </a:solidFill>
+                          <a:latin typeface="Roboto"/>
+                          <a:cs typeface="Roboto"/>
                           <a:highlight>
                             <a:srgbClr val="FFFFFF">
                               <a:alpha val="0"/>
@@ -8962,24 +8962,24 @@
                     <a:bodyPr/>
                     <a:lstStyle/>
                     <a:p>
-                      <a:pPr algn="r" marL="25400" marR="25400">
-                        <a:spcBef>
-                          <a:spcPts val="200"/>
-                        </a:spcBef>
-                        <a:spcAft>
-                          <a:spcPts val="200"/>
-                        </a:spcAft>
-                        <a:buNone/>
-                      </a:pPr>
-                      <a:r>
-                        <a:rPr sz="1000">
-                          <a:solidFill>
-                            <a:srgbClr val="000000">
-                              <a:alpha val="100000"/>
-                            </a:srgbClr>
-                          </a:solidFill>
-                          <a:latin typeface="Arial"/>
-                          <a:cs typeface="Arial"/>
+                      <a:pPr algn="r" marL="63500" marR="63500">
+                        <a:spcBef>
+                          <a:spcPts val="200"/>
+                        </a:spcBef>
+                        <a:spcAft>
+                          <a:spcPts val="200"/>
+                        </a:spcAft>
+                        <a:buNone/>
+                      </a:pPr>
+                      <a:r>
+                        <a:rPr sz="1100">
+                          <a:solidFill>
+                            <a:srgbClr val="111111">
+                              <a:alpha val="100000"/>
+                            </a:srgbClr>
+                          </a:solidFill>
+                          <a:latin typeface="Roboto"/>
+                          <a:cs typeface="Roboto"/>
                           <a:highlight>
                             <a:srgbClr val="FFFFFF">
                               <a:alpha val="0"/>
@@ -9032,24 +9032,24 @@
                     <a:bodyPr/>
                     <a:lstStyle/>
                     <a:p>
-                      <a:pPr algn="r" marL="25400" marR="25400">
-                        <a:spcBef>
-                          <a:spcPts val="200"/>
-                        </a:spcBef>
-                        <a:spcAft>
-                          <a:spcPts val="200"/>
-                        </a:spcAft>
-                        <a:buNone/>
-                      </a:pPr>
-                      <a:r>
-                        <a:rPr sz="1000">
-                          <a:solidFill>
-                            <a:srgbClr val="000000">
-                              <a:alpha val="100000"/>
-                            </a:srgbClr>
-                          </a:solidFill>
-                          <a:latin typeface="Arial"/>
-                          <a:cs typeface="Arial"/>
+                      <a:pPr algn="r" marL="63500" marR="63500">
+                        <a:spcBef>
+                          <a:spcPts val="200"/>
+                        </a:spcBef>
+                        <a:spcAft>
+                          <a:spcPts val="200"/>
+                        </a:spcAft>
+                        <a:buNone/>
+                      </a:pPr>
+                      <a:r>
+                        <a:rPr sz="1100">
+                          <a:solidFill>
+                            <a:srgbClr val="111111">
+                              <a:alpha val="100000"/>
+                            </a:srgbClr>
+                          </a:solidFill>
+                          <a:latin typeface="Roboto"/>
+                          <a:cs typeface="Roboto"/>
                           <a:highlight>
                             <a:srgbClr val="FFFFFF">
                               <a:alpha val="0"/>
@@ -9100,24 +9100,24 @@
                     <a:bodyPr/>
                     <a:lstStyle/>
                     <a:p>
-                      <a:pPr algn="r" marL="25400" marR="25400">
-                        <a:spcBef>
-                          <a:spcPts val="200"/>
-                        </a:spcBef>
-                        <a:spcAft>
-                          <a:spcPts val="200"/>
-                        </a:spcAft>
-                        <a:buNone/>
-                      </a:pPr>
-                      <a:r>
-                        <a:rPr sz="1000">
-                          <a:solidFill>
-                            <a:srgbClr val="000000">
-                              <a:alpha val="100000"/>
-                            </a:srgbClr>
-                          </a:solidFill>
-                          <a:latin typeface="Arial"/>
-                          <a:cs typeface="Arial"/>
+                      <a:pPr algn="r" marL="63500" marR="63500">
+                        <a:spcBef>
+                          <a:spcPts val="200"/>
+                        </a:spcBef>
+                        <a:spcAft>
+                          <a:spcPts val="200"/>
+                        </a:spcAft>
+                        <a:buNone/>
+                      </a:pPr>
+                      <a:r>
+                        <a:rPr sz="1100">
+                          <a:solidFill>
+                            <a:srgbClr val="111111">
+                              <a:alpha val="100000"/>
+                            </a:srgbClr>
+                          </a:solidFill>
+                          <a:latin typeface="Roboto"/>
+                          <a:cs typeface="Roboto"/>
                           <a:highlight>
                             <a:srgbClr val="FFFFFF">
                               <a:alpha val="0"/>
@@ -9168,24 +9168,24 @@
                     <a:bodyPr/>
                     <a:lstStyle/>
                     <a:p>
-                      <a:pPr algn="r" marL="25400" marR="25400">
-                        <a:spcBef>
-                          <a:spcPts val="200"/>
-                        </a:spcBef>
-                        <a:spcAft>
-                          <a:spcPts val="200"/>
-                        </a:spcAft>
-                        <a:buNone/>
-                      </a:pPr>
-                      <a:r>
-                        <a:rPr sz="1000">
-                          <a:solidFill>
-                            <a:srgbClr val="000000">
-                              <a:alpha val="100000"/>
-                            </a:srgbClr>
-                          </a:solidFill>
-                          <a:latin typeface="Arial"/>
-                          <a:cs typeface="Arial"/>
+                      <a:pPr algn="r" marL="63500" marR="63500">
+                        <a:spcBef>
+                          <a:spcPts val="200"/>
+                        </a:spcBef>
+                        <a:spcAft>
+                          <a:spcPts val="200"/>
+                        </a:spcAft>
+                        <a:buNone/>
+                      </a:pPr>
+                      <a:r>
+                        <a:rPr sz="1100">
+                          <a:solidFill>
+                            <a:srgbClr val="111111">
+                              <a:alpha val="100000"/>
+                            </a:srgbClr>
+                          </a:solidFill>
+                          <a:latin typeface="Roboto"/>
+                          <a:cs typeface="Roboto"/>
                           <a:highlight>
                             <a:srgbClr val="FFFFFF">
                               <a:alpha val="0"/>
@@ -9236,24 +9236,24 @@
                     <a:bodyPr/>
                     <a:lstStyle/>
                     <a:p>
-                      <a:pPr algn="r" marL="25400" marR="25400">
-                        <a:spcBef>
-                          <a:spcPts val="200"/>
-                        </a:spcBef>
-                        <a:spcAft>
-                          <a:spcPts val="200"/>
-                        </a:spcAft>
-                        <a:buNone/>
-                      </a:pPr>
-                      <a:r>
-                        <a:rPr sz="1000">
-                          <a:solidFill>
-                            <a:srgbClr val="000000">
-                              <a:alpha val="100000"/>
-                            </a:srgbClr>
-                          </a:solidFill>
-                          <a:latin typeface="Arial"/>
-                          <a:cs typeface="Arial"/>
+                      <a:pPr algn="r" marL="63500" marR="63500">
+                        <a:spcBef>
+                          <a:spcPts val="200"/>
+                        </a:spcBef>
+                        <a:spcAft>
+                          <a:spcPts val="200"/>
+                        </a:spcAft>
+                        <a:buNone/>
+                      </a:pPr>
+                      <a:r>
+                        <a:rPr sz="1100">
+                          <a:solidFill>
+                            <a:srgbClr val="111111">
+                              <a:alpha val="100000"/>
+                            </a:srgbClr>
+                          </a:solidFill>
+                          <a:latin typeface="Roboto"/>
+                          <a:cs typeface="Roboto"/>
                           <a:highlight>
                             <a:srgbClr val="FFFFFF">
                               <a:alpha val="0"/>
@@ -9304,24 +9304,24 @@
                     <a:bodyPr/>
                     <a:lstStyle/>
                     <a:p>
-                      <a:pPr algn="r" marL="25400" marR="25400">
-                        <a:spcBef>
-                          <a:spcPts val="200"/>
-                        </a:spcBef>
-                        <a:spcAft>
-                          <a:spcPts val="200"/>
-                        </a:spcAft>
-                        <a:buNone/>
-                      </a:pPr>
-                      <a:r>
-                        <a:rPr sz="1000">
-                          <a:solidFill>
-                            <a:srgbClr val="000000">
-                              <a:alpha val="100000"/>
-                            </a:srgbClr>
-                          </a:solidFill>
-                          <a:latin typeface="Arial"/>
-                          <a:cs typeface="Arial"/>
+                      <a:pPr algn="r" marL="63500" marR="63500">
+                        <a:spcBef>
+                          <a:spcPts val="200"/>
+                        </a:spcBef>
+                        <a:spcAft>
+                          <a:spcPts val="200"/>
+                        </a:spcAft>
+                        <a:buNone/>
+                      </a:pPr>
+                      <a:r>
+                        <a:rPr sz="1100">
+                          <a:solidFill>
+                            <a:srgbClr val="111111">
+                              <a:alpha val="100000"/>
+                            </a:srgbClr>
+                          </a:solidFill>
+                          <a:latin typeface="Roboto"/>
+                          <a:cs typeface="Roboto"/>
                           <a:highlight>
                             <a:srgbClr val="FFFFFF">
                               <a:alpha val="0"/>
@@ -9372,24 +9372,24 @@
                     <a:bodyPr/>
                     <a:lstStyle/>
                     <a:p>
-                      <a:pPr algn="r" marL="25400" marR="25400">
-                        <a:spcBef>
-                          <a:spcPts val="200"/>
-                        </a:spcBef>
-                        <a:spcAft>
-                          <a:spcPts val="200"/>
-                        </a:spcAft>
-                        <a:buNone/>
-                      </a:pPr>
-                      <a:r>
-                        <a:rPr sz="1000">
-                          <a:solidFill>
-                            <a:srgbClr val="000000">
-                              <a:alpha val="100000"/>
-                            </a:srgbClr>
-                          </a:solidFill>
-                          <a:latin typeface="Arial"/>
-                          <a:cs typeface="Arial"/>
+                      <a:pPr algn="r" marL="63500" marR="63500">
+                        <a:spcBef>
+                          <a:spcPts val="200"/>
+                        </a:spcBef>
+                        <a:spcAft>
+                          <a:spcPts val="200"/>
+                        </a:spcAft>
+                        <a:buNone/>
+                      </a:pPr>
+                      <a:r>
+                        <a:rPr sz="1100">
+                          <a:solidFill>
+                            <a:srgbClr val="111111">
+                              <a:alpha val="100000"/>
+                            </a:srgbClr>
+                          </a:solidFill>
+                          <a:latin typeface="Roboto"/>
+                          <a:cs typeface="Roboto"/>
                           <a:highlight>
                             <a:srgbClr val="FFFFFF">
                               <a:alpha val="0"/>
@@ -9440,24 +9440,24 @@
                     <a:bodyPr/>
                     <a:lstStyle/>
                     <a:p>
-                      <a:pPr algn="r" marL="25400" marR="25400">
-                        <a:spcBef>
-                          <a:spcPts val="200"/>
-                        </a:spcBef>
-                        <a:spcAft>
-                          <a:spcPts val="200"/>
-                        </a:spcAft>
-                        <a:buNone/>
-                      </a:pPr>
-                      <a:r>
-                        <a:rPr sz="1000">
-                          <a:solidFill>
-                            <a:srgbClr val="000000">
-                              <a:alpha val="100000"/>
-                            </a:srgbClr>
-                          </a:solidFill>
-                          <a:latin typeface="Arial"/>
-                          <a:cs typeface="Arial"/>
+                      <a:pPr algn="r" marL="63500" marR="63500">
+                        <a:spcBef>
+                          <a:spcPts val="200"/>
+                        </a:spcBef>
+                        <a:spcAft>
+                          <a:spcPts val="200"/>
+                        </a:spcAft>
+                        <a:buNone/>
+                      </a:pPr>
+                      <a:r>
+                        <a:rPr sz="1100">
+                          <a:solidFill>
+                            <a:srgbClr val="111111">
+                              <a:alpha val="100000"/>
+                            </a:srgbClr>
+                          </a:solidFill>
+                          <a:latin typeface="Roboto"/>
+                          <a:cs typeface="Roboto"/>
                           <a:highlight>
                             <a:srgbClr val="FFFFFF">
                               <a:alpha val="0"/>
@@ -9508,24 +9508,24 @@
                     <a:bodyPr/>
                     <a:lstStyle/>
                     <a:p>
-                      <a:pPr algn="r" marL="25400" marR="25400">
-                        <a:spcBef>
-                          <a:spcPts val="200"/>
-                        </a:spcBef>
-                        <a:spcAft>
-                          <a:spcPts val="200"/>
-                        </a:spcAft>
-                        <a:buNone/>
-                      </a:pPr>
-                      <a:r>
-                        <a:rPr sz="1000">
-                          <a:solidFill>
-                            <a:srgbClr val="000000">
-                              <a:alpha val="100000"/>
-                            </a:srgbClr>
-                          </a:solidFill>
-                          <a:latin typeface="Arial"/>
-                          <a:cs typeface="Arial"/>
+                      <a:pPr algn="r" marL="63500" marR="63500">
+                        <a:spcBef>
+                          <a:spcPts val="200"/>
+                        </a:spcBef>
+                        <a:spcAft>
+                          <a:spcPts val="200"/>
+                        </a:spcAft>
+                        <a:buNone/>
+                      </a:pPr>
+                      <a:r>
+                        <a:rPr sz="1100">
+                          <a:solidFill>
+                            <a:srgbClr val="111111">
+                              <a:alpha val="100000"/>
+                            </a:srgbClr>
+                          </a:solidFill>
+                          <a:latin typeface="Roboto"/>
+                          <a:cs typeface="Roboto"/>
                           <a:highlight>
                             <a:srgbClr val="FFFFFF">
                               <a:alpha val="0"/>
@@ -9576,24 +9576,24 @@
                     <a:bodyPr/>
                     <a:lstStyle/>
                     <a:p>
-                      <a:pPr algn="r" marL="25400" marR="25400">
-                        <a:spcBef>
-                          <a:spcPts val="200"/>
-                        </a:spcBef>
-                        <a:spcAft>
-                          <a:spcPts val="200"/>
-                        </a:spcAft>
-                        <a:buNone/>
-                      </a:pPr>
-                      <a:r>
-                        <a:rPr sz="1000">
-                          <a:solidFill>
-                            <a:srgbClr val="000000">
-                              <a:alpha val="100000"/>
-                            </a:srgbClr>
-                          </a:solidFill>
-                          <a:latin typeface="Arial"/>
-                          <a:cs typeface="Arial"/>
+                      <a:pPr algn="r" marL="63500" marR="63500">
+                        <a:spcBef>
+                          <a:spcPts val="200"/>
+                        </a:spcBef>
+                        <a:spcAft>
+                          <a:spcPts val="200"/>
+                        </a:spcAft>
+                        <a:buNone/>
+                      </a:pPr>
+                      <a:r>
+                        <a:rPr sz="1100">
+                          <a:solidFill>
+                            <a:srgbClr val="111111">
+                              <a:alpha val="100000"/>
+                            </a:srgbClr>
+                          </a:solidFill>
+                          <a:latin typeface="Roboto"/>
+                          <a:cs typeface="Roboto"/>
                           <a:highlight>
                             <a:srgbClr val="FFFFFF">
                               <a:alpha val="0"/>
@@ -9644,24 +9644,24 @@
                     <a:bodyPr/>
                     <a:lstStyle/>
                     <a:p>
-                      <a:pPr algn="r" marL="25400" marR="25400">
-                        <a:spcBef>
-                          <a:spcPts val="200"/>
-                        </a:spcBef>
-                        <a:spcAft>
-                          <a:spcPts val="200"/>
-                        </a:spcAft>
-                        <a:buNone/>
-                      </a:pPr>
-                      <a:r>
-                        <a:rPr sz="1000">
-                          <a:solidFill>
-                            <a:srgbClr val="000000">
-                              <a:alpha val="100000"/>
-                            </a:srgbClr>
-                          </a:solidFill>
-                          <a:latin typeface="Arial"/>
-                          <a:cs typeface="Arial"/>
+                      <a:pPr algn="r" marL="63500" marR="63500">
+                        <a:spcBef>
+                          <a:spcPts val="200"/>
+                        </a:spcBef>
+                        <a:spcAft>
+                          <a:spcPts val="200"/>
+                        </a:spcAft>
+                        <a:buNone/>
+                      </a:pPr>
+                      <a:r>
+                        <a:rPr sz="1100">
+                          <a:solidFill>
+                            <a:srgbClr val="111111">
+                              <a:alpha val="100000"/>
+                            </a:srgbClr>
+                          </a:solidFill>
+                          <a:latin typeface="Roboto"/>
+                          <a:cs typeface="Roboto"/>
                           <a:highlight>
                             <a:srgbClr val="FFFFFF">
                               <a:alpha val="0"/>
@@ -9712,24 +9712,24 @@
                     <a:bodyPr/>
                     <a:lstStyle/>
                     <a:p>
-                      <a:pPr algn="r" marL="25400" marR="25400">
-                        <a:spcBef>
-                          <a:spcPts val="200"/>
-                        </a:spcBef>
-                        <a:spcAft>
-                          <a:spcPts val="200"/>
-                        </a:spcAft>
-                        <a:buNone/>
-                      </a:pPr>
-                      <a:r>
-                        <a:rPr sz="1000">
-                          <a:solidFill>
-                            <a:srgbClr val="000000">
-                              <a:alpha val="100000"/>
-                            </a:srgbClr>
-                          </a:solidFill>
-                          <a:latin typeface="Arial"/>
-                          <a:cs typeface="Arial"/>
+                      <a:pPr algn="r" marL="63500" marR="63500">
+                        <a:spcBef>
+                          <a:spcPts val="200"/>
+                        </a:spcBef>
+                        <a:spcAft>
+                          <a:spcPts val="200"/>
+                        </a:spcAft>
+                        <a:buNone/>
+                      </a:pPr>
+                      <a:r>
+                        <a:rPr sz="1100">
+                          <a:solidFill>
+                            <a:srgbClr val="111111">
+                              <a:alpha val="100000"/>
+                            </a:srgbClr>
+                          </a:solidFill>
+                          <a:latin typeface="Roboto"/>
+                          <a:cs typeface="Roboto"/>
                           <a:highlight>
                             <a:srgbClr val="FFFFFF">
                               <a:alpha val="0"/>
@@ -9782,24 +9782,24 @@
                     <a:bodyPr/>
                     <a:lstStyle/>
                     <a:p>
-                      <a:pPr algn="r" marL="25400" marR="25400">
-                        <a:spcBef>
-                          <a:spcPts val="200"/>
-                        </a:spcBef>
-                        <a:spcAft>
-                          <a:spcPts val="200"/>
-                        </a:spcAft>
-                        <a:buNone/>
-                      </a:pPr>
-                      <a:r>
-                        <a:rPr sz="1000">
-                          <a:solidFill>
-                            <a:srgbClr val="000000">
-                              <a:alpha val="100000"/>
-                            </a:srgbClr>
-                          </a:solidFill>
-                          <a:latin typeface="Arial"/>
-                          <a:cs typeface="Arial"/>
+                      <a:pPr algn="r" marL="63500" marR="63500">
+                        <a:spcBef>
+                          <a:spcPts val="200"/>
+                        </a:spcBef>
+                        <a:spcAft>
+                          <a:spcPts val="200"/>
+                        </a:spcAft>
+                        <a:buNone/>
+                      </a:pPr>
+                      <a:r>
+                        <a:rPr sz="1100">
+                          <a:solidFill>
+                            <a:srgbClr val="111111">
+                              <a:alpha val="100000"/>
+                            </a:srgbClr>
+                          </a:solidFill>
+                          <a:latin typeface="Roboto"/>
+                          <a:cs typeface="Roboto"/>
                           <a:highlight>
                             <a:srgbClr val="FFFFFF">
                               <a:alpha val="0"/>
@@ -9850,24 +9850,24 @@
                     <a:bodyPr/>
                     <a:lstStyle/>
                     <a:p>
-                      <a:pPr algn="r" marL="25400" marR="25400">
-                        <a:spcBef>
-                          <a:spcPts val="200"/>
-                        </a:spcBef>
-                        <a:spcAft>
-                          <a:spcPts val="200"/>
-                        </a:spcAft>
-                        <a:buNone/>
-                      </a:pPr>
-                      <a:r>
-                        <a:rPr sz="1000">
-                          <a:solidFill>
-                            <a:srgbClr val="000000">
-                              <a:alpha val="100000"/>
-                            </a:srgbClr>
-                          </a:solidFill>
-                          <a:latin typeface="Arial"/>
-                          <a:cs typeface="Arial"/>
+                      <a:pPr algn="r" marL="63500" marR="63500">
+                        <a:spcBef>
+                          <a:spcPts val="200"/>
+                        </a:spcBef>
+                        <a:spcAft>
+                          <a:spcPts val="200"/>
+                        </a:spcAft>
+                        <a:buNone/>
+                      </a:pPr>
+                      <a:r>
+                        <a:rPr sz="1100">
+                          <a:solidFill>
+                            <a:srgbClr val="111111">
+                              <a:alpha val="100000"/>
+                            </a:srgbClr>
+                          </a:solidFill>
+                          <a:latin typeface="Roboto"/>
+                          <a:cs typeface="Roboto"/>
                           <a:highlight>
                             <a:srgbClr val="FFFFFF">
                               <a:alpha val="0"/>
@@ -9918,24 +9918,24 @@
                     <a:bodyPr/>
                     <a:lstStyle/>
                     <a:p>
-                      <a:pPr algn="r" marL="25400" marR="25400">
-                        <a:spcBef>
-                          <a:spcPts val="200"/>
-                        </a:spcBef>
-                        <a:spcAft>
-                          <a:spcPts val="200"/>
-                        </a:spcAft>
-                        <a:buNone/>
-                      </a:pPr>
-                      <a:r>
-                        <a:rPr sz="1000">
-                          <a:solidFill>
-                            <a:srgbClr val="000000">
-                              <a:alpha val="100000"/>
-                            </a:srgbClr>
-                          </a:solidFill>
-                          <a:latin typeface="Arial"/>
-                          <a:cs typeface="Arial"/>
+                      <a:pPr algn="r" marL="63500" marR="63500">
+                        <a:spcBef>
+                          <a:spcPts val="200"/>
+                        </a:spcBef>
+                        <a:spcAft>
+                          <a:spcPts val="200"/>
+                        </a:spcAft>
+                        <a:buNone/>
+                      </a:pPr>
+                      <a:r>
+                        <a:rPr sz="1100">
+                          <a:solidFill>
+                            <a:srgbClr val="111111">
+                              <a:alpha val="100000"/>
+                            </a:srgbClr>
+                          </a:solidFill>
+                          <a:latin typeface="Roboto"/>
+                          <a:cs typeface="Roboto"/>
                           <a:highlight>
                             <a:srgbClr val="FFFFFF">
                               <a:alpha val="0"/>
@@ -9986,24 +9986,24 @@
                     <a:bodyPr/>
                     <a:lstStyle/>
                     <a:p>
-                      <a:pPr algn="r" marL="25400" marR="25400">
-                        <a:spcBef>
-                          <a:spcPts val="200"/>
-                        </a:spcBef>
-                        <a:spcAft>
-                          <a:spcPts val="200"/>
-                        </a:spcAft>
-                        <a:buNone/>
-                      </a:pPr>
-                      <a:r>
-                        <a:rPr sz="1000">
-                          <a:solidFill>
-                            <a:srgbClr val="000000">
-                              <a:alpha val="100000"/>
-                            </a:srgbClr>
-                          </a:solidFill>
-                          <a:latin typeface="Arial"/>
-                          <a:cs typeface="Arial"/>
+                      <a:pPr algn="r" marL="63500" marR="63500">
+                        <a:spcBef>
+                          <a:spcPts val="200"/>
+                        </a:spcBef>
+                        <a:spcAft>
+                          <a:spcPts val="200"/>
+                        </a:spcAft>
+                        <a:buNone/>
+                      </a:pPr>
+                      <a:r>
+                        <a:rPr sz="1100">
+                          <a:solidFill>
+                            <a:srgbClr val="111111">
+                              <a:alpha val="100000"/>
+                            </a:srgbClr>
+                          </a:solidFill>
+                          <a:latin typeface="Roboto"/>
+                          <a:cs typeface="Roboto"/>
                           <a:highlight>
                             <a:srgbClr val="FFFFFF">
                               <a:alpha val="0"/>
@@ -10054,24 +10054,24 @@
                     <a:bodyPr/>
                     <a:lstStyle/>
                     <a:p>
-                      <a:pPr algn="r" marL="25400" marR="25400">
-                        <a:spcBef>
-                          <a:spcPts val="200"/>
-                        </a:spcBef>
-                        <a:spcAft>
-                          <a:spcPts val="200"/>
-                        </a:spcAft>
-                        <a:buNone/>
-                      </a:pPr>
-                      <a:r>
-                        <a:rPr sz="1000">
-                          <a:solidFill>
-                            <a:srgbClr val="000000">
-                              <a:alpha val="100000"/>
-                            </a:srgbClr>
-                          </a:solidFill>
-                          <a:latin typeface="Arial"/>
-                          <a:cs typeface="Arial"/>
+                      <a:pPr algn="r" marL="63500" marR="63500">
+                        <a:spcBef>
+                          <a:spcPts val="200"/>
+                        </a:spcBef>
+                        <a:spcAft>
+                          <a:spcPts val="200"/>
+                        </a:spcAft>
+                        <a:buNone/>
+                      </a:pPr>
+                      <a:r>
+                        <a:rPr sz="1100">
+                          <a:solidFill>
+                            <a:srgbClr val="111111">
+                              <a:alpha val="100000"/>
+                            </a:srgbClr>
+                          </a:solidFill>
+                          <a:latin typeface="Roboto"/>
+                          <a:cs typeface="Roboto"/>
                           <a:highlight>
                             <a:srgbClr val="FFFFFF">
                               <a:alpha val="0"/>
@@ -10122,24 +10122,24 @@
                     <a:bodyPr/>
                     <a:lstStyle/>
                     <a:p>
-                      <a:pPr algn="r" marL="25400" marR="25400">
-                        <a:spcBef>
-                          <a:spcPts val="200"/>
-                        </a:spcBef>
-                        <a:spcAft>
-                          <a:spcPts val="200"/>
-                        </a:spcAft>
-                        <a:buNone/>
-                      </a:pPr>
-                      <a:r>
-                        <a:rPr sz="1000">
-                          <a:solidFill>
-                            <a:srgbClr val="000000">
-                              <a:alpha val="100000"/>
-                            </a:srgbClr>
-                          </a:solidFill>
-                          <a:latin typeface="Arial"/>
-                          <a:cs typeface="Arial"/>
+                      <a:pPr algn="r" marL="63500" marR="63500">
+                        <a:spcBef>
+                          <a:spcPts val="200"/>
+                        </a:spcBef>
+                        <a:spcAft>
+                          <a:spcPts val="200"/>
+                        </a:spcAft>
+                        <a:buNone/>
+                      </a:pPr>
+                      <a:r>
+                        <a:rPr sz="1100">
+                          <a:solidFill>
+                            <a:srgbClr val="111111">
+                              <a:alpha val="100000"/>
+                            </a:srgbClr>
+                          </a:solidFill>
+                          <a:latin typeface="Roboto"/>
+                          <a:cs typeface="Roboto"/>
                           <a:highlight>
                             <a:srgbClr val="FFFFFF">
                               <a:alpha val="0"/>
@@ -10190,24 +10190,24 @@
                     <a:bodyPr/>
                     <a:lstStyle/>
                     <a:p>
-                      <a:pPr algn="r" marL="25400" marR="25400">
-                        <a:spcBef>
-                          <a:spcPts val="200"/>
-                        </a:spcBef>
-                        <a:spcAft>
-                          <a:spcPts val="200"/>
-                        </a:spcAft>
-                        <a:buNone/>
-                      </a:pPr>
-                      <a:r>
-                        <a:rPr sz="1000">
-                          <a:solidFill>
-                            <a:srgbClr val="000000">
-                              <a:alpha val="100000"/>
-                            </a:srgbClr>
-                          </a:solidFill>
-                          <a:latin typeface="Arial"/>
-                          <a:cs typeface="Arial"/>
+                      <a:pPr algn="r" marL="63500" marR="63500">
+                        <a:spcBef>
+                          <a:spcPts val="200"/>
+                        </a:spcBef>
+                        <a:spcAft>
+                          <a:spcPts val="200"/>
+                        </a:spcAft>
+                        <a:buNone/>
+                      </a:pPr>
+                      <a:r>
+                        <a:rPr sz="1100">
+                          <a:solidFill>
+                            <a:srgbClr val="111111">
+                              <a:alpha val="100000"/>
+                            </a:srgbClr>
+                          </a:solidFill>
+                          <a:latin typeface="Roboto"/>
+                          <a:cs typeface="Roboto"/>
                           <a:highlight>
                             <a:srgbClr val="FFFFFF">
                               <a:alpha val="0"/>
@@ -10258,24 +10258,24 @@
                     <a:bodyPr/>
                     <a:lstStyle/>
                     <a:p>
-                      <a:pPr algn="r" marL="25400" marR="25400">
-                        <a:spcBef>
-                          <a:spcPts val="200"/>
-                        </a:spcBef>
-                        <a:spcAft>
-                          <a:spcPts val="200"/>
-                        </a:spcAft>
-                        <a:buNone/>
-                      </a:pPr>
-                      <a:r>
-                        <a:rPr sz="1000">
-                          <a:solidFill>
-                            <a:srgbClr val="000000">
-                              <a:alpha val="100000"/>
-                            </a:srgbClr>
-                          </a:solidFill>
-                          <a:latin typeface="Arial"/>
-                          <a:cs typeface="Arial"/>
+                      <a:pPr algn="r" marL="63500" marR="63500">
+                        <a:spcBef>
+                          <a:spcPts val="200"/>
+                        </a:spcBef>
+                        <a:spcAft>
+                          <a:spcPts val="200"/>
+                        </a:spcAft>
+                        <a:buNone/>
+                      </a:pPr>
+                      <a:r>
+                        <a:rPr sz="1100">
+                          <a:solidFill>
+                            <a:srgbClr val="111111">
+                              <a:alpha val="100000"/>
+                            </a:srgbClr>
+                          </a:solidFill>
+                          <a:latin typeface="Roboto"/>
+                          <a:cs typeface="Roboto"/>
                           <a:highlight>
                             <a:srgbClr val="FFFFFF">
                               <a:alpha val="0"/>
@@ -10326,24 +10326,24 @@
                     <a:bodyPr/>
                     <a:lstStyle/>
                     <a:p>
-                      <a:pPr algn="r" marL="25400" marR="25400">
-                        <a:spcBef>
-                          <a:spcPts val="200"/>
-                        </a:spcBef>
-                        <a:spcAft>
-                          <a:spcPts val="200"/>
-                        </a:spcAft>
-                        <a:buNone/>
-                      </a:pPr>
-                      <a:r>
-                        <a:rPr sz="1000">
-                          <a:solidFill>
-                            <a:srgbClr val="000000">
-                              <a:alpha val="100000"/>
-                            </a:srgbClr>
-                          </a:solidFill>
-                          <a:latin typeface="Arial"/>
-                          <a:cs typeface="Arial"/>
+                      <a:pPr algn="r" marL="63500" marR="63500">
+                        <a:spcBef>
+                          <a:spcPts val="200"/>
+                        </a:spcBef>
+                        <a:spcAft>
+                          <a:spcPts val="200"/>
+                        </a:spcAft>
+                        <a:buNone/>
+                      </a:pPr>
+                      <a:r>
+                        <a:rPr sz="1100">
+                          <a:solidFill>
+                            <a:srgbClr val="111111">
+                              <a:alpha val="100000"/>
+                            </a:srgbClr>
+                          </a:solidFill>
+                          <a:latin typeface="Roboto"/>
+                          <a:cs typeface="Roboto"/>
                           <a:highlight>
                             <a:srgbClr val="FFFFFF">
                               <a:alpha val="0"/>
@@ -10394,24 +10394,24 @@
                     <a:bodyPr/>
                     <a:lstStyle/>
                     <a:p>
-                      <a:pPr algn="r" marL="25400" marR="25400">
-                        <a:spcBef>
-                          <a:spcPts val="200"/>
-                        </a:spcBef>
-                        <a:spcAft>
-                          <a:spcPts val="200"/>
-                        </a:spcAft>
-                        <a:buNone/>
-                      </a:pPr>
-                      <a:r>
-                        <a:rPr sz="1000">
-                          <a:solidFill>
-                            <a:srgbClr val="000000">
-                              <a:alpha val="100000"/>
-                            </a:srgbClr>
-                          </a:solidFill>
-                          <a:latin typeface="Arial"/>
-                          <a:cs typeface="Arial"/>
+                      <a:pPr algn="r" marL="63500" marR="63500">
+                        <a:spcBef>
+                          <a:spcPts val="200"/>
+                        </a:spcBef>
+                        <a:spcAft>
+                          <a:spcPts val="200"/>
+                        </a:spcAft>
+                        <a:buNone/>
+                      </a:pPr>
+                      <a:r>
+                        <a:rPr sz="1100">
+                          <a:solidFill>
+                            <a:srgbClr val="111111">
+                              <a:alpha val="100000"/>
+                            </a:srgbClr>
+                          </a:solidFill>
+                          <a:latin typeface="Roboto"/>
+                          <a:cs typeface="Roboto"/>
                           <a:highlight>
                             <a:srgbClr val="FFFFFF">
                               <a:alpha val="0"/>
@@ -10462,24 +10462,24 @@
                     <a:bodyPr/>
                     <a:lstStyle/>
                     <a:p>
-                      <a:pPr algn="r" marL="25400" marR="25400">
-                        <a:spcBef>
-                          <a:spcPts val="200"/>
-                        </a:spcBef>
-                        <a:spcAft>
-                          <a:spcPts val="200"/>
-                        </a:spcAft>
-                        <a:buNone/>
-                      </a:pPr>
-                      <a:r>
-                        <a:rPr sz="1000">
-                          <a:solidFill>
-                            <a:srgbClr val="000000">
-                              <a:alpha val="100000"/>
-                            </a:srgbClr>
-                          </a:solidFill>
-                          <a:latin typeface="Arial"/>
-                          <a:cs typeface="Arial"/>
+                      <a:pPr algn="r" marL="63500" marR="63500">
+                        <a:spcBef>
+                          <a:spcPts val="200"/>
+                        </a:spcBef>
+                        <a:spcAft>
+                          <a:spcPts val="200"/>
+                        </a:spcAft>
+                        <a:buNone/>
+                      </a:pPr>
+                      <a:r>
+                        <a:rPr sz="1100">
+                          <a:solidFill>
+                            <a:srgbClr val="111111">
+                              <a:alpha val="100000"/>
+                            </a:srgbClr>
+                          </a:solidFill>
+                          <a:latin typeface="Roboto"/>
+                          <a:cs typeface="Roboto"/>
                           <a:highlight>
                             <a:srgbClr val="FFFFFF">
                               <a:alpha val="0"/>
@@ -10532,24 +10532,24 @@
                     <a:bodyPr/>
                     <a:lstStyle/>
                     <a:p>
-                      <a:pPr algn="r" marL="25400" marR="25400">
-                        <a:spcBef>
-                          <a:spcPts val="200"/>
-                        </a:spcBef>
-                        <a:spcAft>
-                          <a:spcPts val="200"/>
-                        </a:spcAft>
-                        <a:buNone/>
-                      </a:pPr>
-                      <a:r>
-                        <a:rPr sz="1000">
-                          <a:solidFill>
-                            <a:srgbClr val="000000">
-                              <a:alpha val="100000"/>
-                            </a:srgbClr>
-                          </a:solidFill>
-                          <a:latin typeface="Arial"/>
-                          <a:cs typeface="Arial"/>
+                      <a:pPr algn="r" marL="63500" marR="63500">
+                        <a:spcBef>
+                          <a:spcPts val="200"/>
+                        </a:spcBef>
+                        <a:spcAft>
+                          <a:spcPts val="200"/>
+                        </a:spcAft>
+                        <a:buNone/>
+                      </a:pPr>
+                      <a:r>
+                        <a:rPr sz="1100">
+                          <a:solidFill>
+                            <a:srgbClr val="111111">
+                              <a:alpha val="100000"/>
+                            </a:srgbClr>
+                          </a:solidFill>
+                          <a:latin typeface="Roboto"/>
+                          <a:cs typeface="Roboto"/>
                           <a:highlight>
                             <a:srgbClr val="FFFFFF">
                               <a:alpha val="0"/>
@@ -10600,24 +10600,24 @@
                     <a:bodyPr/>
                     <a:lstStyle/>
                     <a:p>
-                      <a:pPr algn="r" marL="25400" marR="25400">
-                        <a:spcBef>
-                          <a:spcPts val="200"/>
-                        </a:spcBef>
-                        <a:spcAft>
-                          <a:spcPts val="200"/>
-                        </a:spcAft>
-                        <a:buNone/>
-                      </a:pPr>
-                      <a:r>
-                        <a:rPr sz="1000">
-                          <a:solidFill>
-                            <a:srgbClr val="000000">
-                              <a:alpha val="100000"/>
-                            </a:srgbClr>
-                          </a:solidFill>
-                          <a:latin typeface="Arial"/>
-                          <a:cs typeface="Arial"/>
+                      <a:pPr algn="r" marL="63500" marR="63500">
+                        <a:spcBef>
+                          <a:spcPts val="200"/>
+                        </a:spcBef>
+                        <a:spcAft>
+                          <a:spcPts val="200"/>
+                        </a:spcAft>
+                        <a:buNone/>
+                      </a:pPr>
+                      <a:r>
+                        <a:rPr sz="1100">
+                          <a:solidFill>
+                            <a:srgbClr val="111111">
+                              <a:alpha val="100000"/>
+                            </a:srgbClr>
+                          </a:solidFill>
+                          <a:latin typeface="Roboto"/>
+                          <a:cs typeface="Roboto"/>
                           <a:highlight>
                             <a:srgbClr val="FFFFFF">
                               <a:alpha val="0"/>
@@ -10668,24 +10668,24 @@
                     <a:bodyPr/>
                     <a:lstStyle/>
                     <a:p>
-                      <a:pPr algn="r" marL="25400" marR="25400">
-                        <a:spcBef>
-                          <a:spcPts val="200"/>
-                        </a:spcBef>
-                        <a:spcAft>
-                          <a:spcPts val="200"/>
-                        </a:spcAft>
-                        <a:buNone/>
-                      </a:pPr>
-                      <a:r>
-                        <a:rPr sz="1000">
-                          <a:solidFill>
-                            <a:srgbClr val="000000">
-                              <a:alpha val="100000"/>
-                            </a:srgbClr>
-                          </a:solidFill>
-                          <a:latin typeface="Arial"/>
-                          <a:cs typeface="Arial"/>
+                      <a:pPr algn="r" marL="63500" marR="63500">
+                        <a:spcBef>
+                          <a:spcPts val="200"/>
+                        </a:spcBef>
+                        <a:spcAft>
+                          <a:spcPts val="200"/>
+                        </a:spcAft>
+                        <a:buNone/>
+                      </a:pPr>
+                      <a:r>
+                        <a:rPr sz="1100">
+                          <a:solidFill>
+                            <a:srgbClr val="111111">
+                              <a:alpha val="100000"/>
+                            </a:srgbClr>
+                          </a:solidFill>
+                          <a:latin typeface="Roboto"/>
+                          <a:cs typeface="Roboto"/>
                           <a:highlight>
                             <a:srgbClr val="FFFFFF">
                               <a:alpha val="0"/>
@@ -10736,24 +10736,24 @@
                     <a:bodyPr/>
                     <a:lstStyle/>
                     <a:p>
-                      <a:pPr algn="r" marL="25400" marR="25400">
-                        <a:spcBef>
-                          <a:spcPts val="200"/>
-                        </a:spcBef>
-                        <a:spcAft>
-                          <a:spcPts val="200"/>
-                        </a:spcAft>
-                        <a:buNone/>
-                      </a:pPr>
-                      <a:r>
-                        <a:rPr sz="1000">
-                          <a:solidFill>
-                            <a:srgbClr val="000000">
-                              <a:alpha val="100000"/>
-                            </a:srgbClr>
-                          </a:solidFill>
-                          <a:latin typeface="Arial"/>
-                          <a:cs typeface="Arial"/>
+                      <a:pPr algn="r" marL="63500" marR="63500">
+                        <a:spcBef>
+                          <a:spcPts val="200"/>
+                        </a:spcBef>
+                        <a:spcAft>
+                          <a:spcPts val="200"/>
+                        </a:spcAft>
+                        <a:buNone/>
+                      </a:pPr>
+                      <a:r>
+                        <a:rPr sz="1100">
+                          <a:solidFill>
+                            <a:srgbClr val="111111">
+                              <a:alpha val="100000"/>
+                            </a:srgbClr>
+                          </a:solidFill>
+                          <a:latin typeface="Roboto"/>
+                          <a:cs typeface="Roboto"/>
                           <a:highlight>
                             <a:srgbClr val="FFFFFF">
                               <a:alpha val="0"/>
@@ -10804,24 +10804,24 @@
                     <a:bodyPr/>
                     <a:lstStyle/>
                     <a:p>
-                      <a:pPr algn="r" marL="25400" marR="25400">
-                        <a:spcBef>
-                          <a:spcPts val="200"/>
-                        </a:spcBef>
-                        <a:spcAft>
-                          <a:spcPts val="200"/>
-                        </a:spcAft>
-                        <a:buNone/>
-                      </a:pPr>
-                      <a:r>
-                        <a:rPr sz="1000">
-                          <a:solidFill>
-                            <a:srgbClr val="000000">
-                              <a:alpha val="100000"/>
-                            </a:srgbClr>
-                          </a:solidFill>
-                          <a:latin typeface="Arial"/>
-                          <a:cs typeface="Arial"/>
+                      <a:pPr algn="r" marL="63500" marR="63500">
+                        <a:spcBef>
+                          <a:spcPts val="200"/>
+                        </a:spcBef>
+                        <a:spcAft>
+                          <a:spcPts val="200"/>
+                        </a:spcAft>
+                        <a:buNone/>
+                      </a:pPr>
+                      <a:r>
+                        <a:rPr sz="1100">
+                          <a:solidFill>
+                            <a:srgbClr val="111111">
+                              <a:alpha val="100000"/>
+                            </a:srgbClr>
+                          </a:solidFill>
+                          <a:latin typeface="Roboto"/>
+                          <a:cs typeface="Roboto"/>
                           <a:highlight>
                             <a:srgbClr val="FFFFFF">
                               <a:alpha val="0"/>
@@ -10872,24 +10872,24 @@
                     <a:bodyPr/>
                     <a:lstStyle/>
                     <a:p>
-                      <a:pPr algn="r" marL="25400" marR="25400">
-                        <a:spcBef>
-                          <a:spcPts val="200"/>
-                        </a:spcBef>
-                        <a:spcAft>
-                          <a:spcPts val="200"/>
-                        </a:spcAft>
-                        <a:buNone/>
-                      </a:pPr>
-                      <a:r>
-                        <a:rPr sz="1000">
-                          <a:solidFill>
-                            <a:srgbClr val="000000">
-                              <a:alpha val="100000"/>
-                            </a:srgbClr>
-                          </a:solidFill>
-                          <a:latin typeface="Arial"/>
-                          <a:cs typeface="Arial"/>
+                      <a:pPr algn="r" marL="63500" marR="63500">
+                        <a:spcBef>
+                          <a:spcPts val="200"/>
+                        </a:spcBef>
+                        <a:spcAft>
+                          <a:spcPts val="200"/>
+                        </a:spcAft>
+                        <a:buNone/>
+                      </a:pPr>
+                      <a:r>
+                        <a:rPr sz="1100">
+                          <a:solidFill>
+                            <a:srgbClr val="111111">
+                              <a:alpha val="100000"/>
+                            </a:srgbClr>
+                          </a:solidFill>
+                          <a:latin typeface="Roboto"/>
+                          <a:cs typeface="Roboto"/>
                           <a:highlight>
                             <a:srgbClr val="FFFFFF">
                               <a:alpha val="0"/>
@@ -10940,24 +10940,24 @@
                     <a:bodyPr/>
                     <a:lstStyle/>
                     <a:p>
-                      <a:pPr algn="r" marL="25400" marR="25400">
-                        <a:spcBef>
-                          <a:spcPts val="200"/>
-                        </a:spcBef>
-                        <a:spcAft>
-                          <a:spcPts val="200"/>
-                        </a:spcAft>
-                        <a:buNone/>
-                      </a:pPr>
-                      <a:r>
-                        <a:rPr sz="1000">
-                          <a:solidFill>
-                            <a:srgbClr val="000000">
-                              <a:alpha val="100000"/>
-                            </a:srgbClr>
-                          </a:solidFill>
-                          <a:latin typeface="Arial"/>
-                          <a:cs typeface="Arial"/>
+                      <a:pPr algn="r" marL="63500" marR="63500">
+                        <a:spcBef>
+                          <a:spcPts val="200"/>
+                        </a:spcBef>
+                        <a:spcAft>
+                          <a:spcPts val="200"/>
+                        </a:spcAft>
+                        <a:buNone/>
+                      </a:pPr>
+                      <a:r>
+                        <a:rPr sz="1100">
+                          <a:solidFill>
+                            <a:srgbClr val="111111">
+                              <a:alpha val="100000"/>
+                            </a:srgbClr>
+                          </a:solidFill>
+                          <a:latin typeface="Roboto"/>
+                          <a:cs typeface="Roboto"/>
                           <a:highlight>
                             <a:srgbClr val="FFFFFF">
                               <a:alpha val="0"/>
@@ -11008,24 +11008,24 @@
                     <a:bodyPr/>
                     <a:lstStyle/>
                     <a:p>
-                      <a:pPr algn="r" marL="25400" marR="25400">
-                        <a:spcBef>
-                          <a:spcPts val="200"/>
-                        </a:spcBef>
-                        <a:spcAft>
-                          <a:spcPts val="200"/>
-                        </a:spcAft>
-                        <a:buNone/>
-                      </a:pPr>
-                      <a:r>
-                        <a:rPr sz="1000">
-                          <a:solidFill>
-                            <a:srgbClr val="000000">
-                              <a:alpha val="100000"/>
-                            </a:srgbClr>
-                          </a:solidFill>
-                          <a:latin typeface="Arial"/>
-                          <a:cs typeface="Arial"/>
+                      <a:pPr algn="r" marL="63500" marR="63500">
+                        <a:spcBef>
+                          <a:spcPts val="200"/>
+                        </a:spcBef>
+                        <a:spcAft>
+                          <a:spcPts val="200"/>
+                        </a:spcAft>
+                        <a:buNone/>
+                      </a:pPr>
+                      <a:r>
+                        <a:rPr sz="1100">
+                          <a:solidFill>
+                            <a:srgbClr val="111111">
+                              <a:alpha val="100000"/>
+                            </a:srgbClr>
+                          </a:solidFill>
+                          <a:latin typeface="Roboto"/>
+                          <a:cs typeface="Roboto"/>
                           <a:highlight>
                             <a:srgbClr val="FFFFFF">
                               <a:alpha val="0"/>
@@ -11076,24 +11076,24 @@
                     <a:bodyPr/>
                     <a:lstStyle/>
                     <a:p>
-                      <a:pPr algn="r" marL="25400" marR="25400">
-                        <a:spcBef>
-                          <a:spcPts val="200"/>
-                        </a:spcBef>
-                        <a:spcAft>
-                          <a:spcPts val="200"/>
-                        </a:spcAft>
-                        <a:buNone/>
-                      </a:pPr>
-                      <a:r>
-                        <a:rPr sz="1000">
-                          <a:solidFill>
-                            <a:srgbClr val="000000">
-                              <a:alpha val="100000"/>
-                            </a:srgbClr>
-                          </a:solidFill>
-                          <a:latin typeface="Arial"/>
-                          <a:cs typeface="Arial"/>
+                      <a:pPr algn="r" marL="63500" marR="63500">
+                        <a:spcBef>
+                          <a:spcPts val="200"/>
+                        </a:spcBef>
+                        <a:spcAft>
+                          <a:spcPts val="200"/>
+                        </a:spcAft>
+                        <a:buNone/>
+                      </a:pPr>
+                      <a:r>
+                        <a:rPr sz="1100">
+                          <a:solidFill>
+                            <a:srgbClr val="111111">
+                              <a:alpha val="100000"/>
+                            </a:srgbClr>
+                          </a:solidFill>
+                          <a:latin typeface="Roboto"/>
+                          <a:cs typeface="Roboto"/>
                           <a:highlight>
                             <a:srgbClr val="FFFFFF">
                               <a:alpha val="0"/>
@@ -11144,24 +11144,24 @@
                     <a:bodyPr/>
                     <a:lstStyle/>
                     <a:p>
-                      <a:pPr algn="r" marL="25400" marR="25400">
-                        <a:spcBef>
-                          <a:spcPts val="200"/>
-                        </a:spcBef>
-                        <a:spcAft>
-                          <a:spcPts val="200"/>
-                        </a:spcAft>
-                        <a:buNone/>
-                      </a:pPr>
-                      <a:r>
-                        <a:rPr sz="1000">
-                          <a:solidFill>
-                            <a:srgbClr val="000000">
-                              <a:alpha val="100000"/>
-                            </a:srgbClr>
-                          </a:solidFill>
-                          <a:latin typeface="Arial"/>
-                          <a:cs typeface="Arial"/>
+                      <a:pPr algn="r" marL="63500" marR="63500">
+                        <a:spcBef>
+                          <a:spcPts val="200"/>
+                        </a:spcBef>
+                        <a:spcAft>
+                          <a:spcPts val="200"/>
+                        </a:spcAft>
+                        <a:buNone/>
+                      </a:pPr>
+                      <a:r>
+                        <a:rPr sz="1100">
+                          <a:solidFill>
+                            <a:srgbClr val="111111">
+                              <a:alpha val="100000"/>
+                            </a:srgbClr>
+                          </a:solidFill>
+                          <a:latin typeface="Roboto"/>
+                          <a:cs typeface="Roboto"/>
                           <a:highlight>
                             <a:srgbClr val="FFFFFF">
                               <a:alpha val="0"/>
@@ -11212,24 +11212,24 @@
                     <a:bodyPr/>
                     <a:lstStyle/>
                     <a:p>
-                      <a:pPr algn="r" marL="25400" marR="25400">
-                        <a:spcBef>
-                          <a:spcPts val="200"/>
-                        </a:spcBef>
-                        <a:spcAft>
-                          <a:spcPts val="200"/>
-                        </a:spcAft>
-                        <a:buNone/>
-                      </a:pPr>
-                      <a:r>
-                        <a:rPr sz="1000">
-                          <a:solidFill>
-                            <a:srgbClr val="000000">
-                              <a:alpha val="100000"/>
-                            </a:srgbClr>
-                          </a:solidFill>
-                          <a:latin typeface="Arial"/>
-                          <a:cs typeface="Arial"/>
+                      <a:pPr algn="r" marL="63500" marR="63500">
+                        <a:spcBef>
+                          <a:spcPts val="200"/>
+                        </a:spcBef>
+                        <a:spcAft>
+                          <a:spcPts val="200"/>
+                        </a:spcAft>
+                        <a:buNone/>
+                      </a:pPr>
+                      <a:r>
+                        <a:rPr sz="1100">
+                          <a:solidFill>
+                            <a:srgbClr val="111111">
+                              <a:alpha val="100000"/>
+                            </a:srgbClr>
+                          </a:solidFill>
+                          <a:latin typeface="Roboto"/>
+                          <a:cs typeface="Roboto"/>
                           <a:highlight>
                             <a:srgbClr val="FFFFFF">
                               <a:alpha val="0"/>
@@ -11282,24 +11282,24 @@
                     <a:bodyPr/>
                     <a:lstStyle/>
                     <a:p>
-                      <a:pPr algn="r" marL="25400" marR="25400">
-                        <a:spcBef>
-                          <a:spcPts val="200"/>
-                        </a:spcBef>
-                        <a:spcAft>
-                          <a:spcPts val="200"/>
-                        </a:spcAft>
-                        <a:buNone/>
-                      </a:pPr>
-                      <a:r>
-                        <a:rPr sz="1000">
-                          <a:solidFill>
-                            <a:srgbClr val="000000">
-                              <a:alpha val="100000"/>
-                            </a:srgbClr>
-                          </a:solidFill>
-                          <a:latin typeface="Arial"/>
-                          <a:cs typeface="Arial"/>
+                      <a:pPr algn="r" marL="63500" marR="63500">
+                        <a:spcBef>
+                          <a:spcPts val="200"/>
+                        </a:spcBef>
+                        <a:spcAft>
+                          <a:spcPts val="200"/>
+                        </a:spcAft>
+                        <a:buNone/>
+                      </a:pPr>
+                      <a:r>
+                        <a:rPr sz="1100">
+                          <a:solidFill>
+                            <a:srgbClr val="111111">
+                              <a:alpha val="100000"/>
+                            </a:srgbClr>
+                          </a:solidFill>
+                          <a:latin typeface="Roboto"/>
+                          <a:cs typeface="Roboto"/>
                           <a:highlight>
                             <a:srgbClr val="FFFFFF">
                               <a:alpha val="0"/>
@@ -11350,24 +11350,24 @@
                     <a:bodyPr/>
                     <a:lstStyle/>
                     <a:p>
-                      <a:pPr algn="r" marL="25400" marR="25400">
-                        <a:spcBef>
-                          <a:spcPts val="200"/>
-                        </a:spcBef>
-                        <a:spcAft>
-                          <a:spcPts val="200"/>
-                        </a:spcAft>
-                        <a:buNone/>
-                      </a:pPr>
-                      <a:r>
-                        <a:rPr sz="1000">
-                          <a:solidFill>
-                            <a:srgbClr val="000000">
-                              <a:alpha val="100000"/>
-                            </a:srgbClr>
-                          </a:solidFill>
-                          <a:latin typeface="Arial"/>
-                          <a:cs typeface="Arial"/>
+                      <a:pPr algn="r" marL="63500" marR="63500">
+                        <a:spcBef>
+                          <a:spcPts val="200"/>
+                        </a:spcBef>
+                        <a:spcAft>
+                          <a:spcPts val="200"/>
+                        </a:spcAft>
+                        <a:buNone/>
+                      </a:pPr>
+                      <a:r>
+                        <a:rPr sz="1100">
+                          <a:solidFill>
+                            <a:srgbClr val="111111">
+                              <a:alpha val="100000"/>
+                            </a:srgbClr>
+                          </a:solidFill>
+                          <a:latin typeface="Roboto"/>
+                          <a:cs typeface="Roboto"/>
                           <a:highlight>
                             <a:srgbClr val="FFFFFF">
                               <a:alpha val="0"/>
@@ -11418,24 +11418,24 @@
                     <a:bodyPr/>
                     <a:lstStyle/>
                     <a:p>
-                      <a:pPr algn="r" marL="25400" marR="25400">
-                        <a:spcBef>
-                          <a:spcPts val="200"/>
-                        </a:spcBef>
-                        <a:spcAft>
-                          <a:spcPts val="200"/>
-                        </a:spcAft>
-                        <a:buNone/>
-                      </a:pPr>
-                      <a:r>
-                        <a:rPr sz="1000">
-                          <a:solidFill>
-                            <a:srgbClr val="000000">
-                              <a:alpha val="100000"/>
-                            </a:srgbClr>
-                          </a:solidFill>
-                          <a:latin typeface="Arial"/>
-                          <a:cs typeface="Arial"/>
+                      <a:pPr algn="r" marL="63500" marR="63500">
+                        <a:spcBef>
+                          <a:spcPts val="200"/>
+                        </a:spcBef>
+                        <a:spcAft>
+                          <a:spcPts val="200"/>
+                        </a:spcAft>
+                        <a:buNone/>
+                      </a:pPr>
+                      <a:r>
+                        <a:rPr sz="1100">
+                          <a:solidFill>
+                            <a:srgbClr val="111111">
+                              <a:alpha val="100000"/>
+                            </a:srgbClr>
+                          </a:solidFill>
+                          <a:latin typeface="Roboto"/>
+                          <a:cs typeface="Roboto"/>
                           <a:highlight>
                             <a:srgbClr val="FFFFFF">
                               <a:alpha val="0"/>
@@ -11486,24 +11486,24 @@
                     <a:bodyPr/>
                     <a:lstStyle/>
                     <a:p>
-                      <a:pPr algn="r" marL="25400" marR="25400">
-                        <a:spcBef>
-                          <a:spcPts val="200"/>
-                        </a:spcBef>
-                        <a:spcAft>
-                          <a:spcPts val="200"/>
-                        </a:spcAft>
-                        <a:buNone/>
-                      </a:pPr>
-                      <a:r>
-                        <a:rPr sz="1000">
-                          <a:solidFill>
-                            <a:srgbClr val="000000">
-                              <a:alpha val="100000"/>
-                            </a:srgbClr>
-                          </a:solidFill>
-                          <a:latin typeface="Arial"/>
-                          <a:cs typeface="Arial"/>
+                      <a:pPr algn="r" marL="63500" marR="63500">
+                        <a:spcBef>
+                          <a:spcPts val="200"/>
+                        </a:spcBef>
+                        <a:spcAft>
+                          <a:spcPts val="200"/>
+                        </a:spcAft>
+                        <a:buNone/>
+                      </a:pPr>
+                      <a:r>
+                        <a:rPr sz="1100">
+                          <a:solidFill>
+                            <a:srgbClr val="111111">
+                              <a:alpha val="100000"/>
+                            </a:srgbClr>
+                          </a:solidFill>
+                          <a:latin typeface="Roboto"/>
+                          <a:cs typeface="Roboto"/>
                           <a:highlight>
                             <a:srgbClr val="FFFFFF">
                               <a:alpha val="0"/>
@@ -11554,24 +11554,24 @@
                     <a:bodyPr/>
                     <a:lstStyle/>
                     <a:p>
-                      <a:pPr algn="r" marL="25400" marR="25400">
-                        <a:spcBef>
-                          <a:spcPts val="200"/>
-                        </a:spcBef>
-                        <a:spcAft>
-                          <a:spcPts val="200"/>
-                        </a:spcAft>
-                        <a:buNone/>
-                      </a:pPr>
-                      <a:r>
-                        <a:rPr sz="1000">
-                          <a:solidFill>
-                            <a:srgbClr val="000000">
-                              <a:alpha val="100000"/>
-                            </a:srgbClr>
-                          </a:solidFill>
-                          <a:latin typeface="Arial"/>
-                          <a:cs typeface="Arial"/>
+                      <a:pPr algn="r" marL="63500" marR="63500">
+                        <a:spcBef>
+                          <a:spcPts val="200"/>
+                        </a:spcBef>
+                        <a:spcAft>
+                          <a:spcPts val="200"/>
+                        </a:spcAft>
+                        <a:buNone/>
+                      </a:pPr>
+                      <a:r>
+                        <a:rPr sz="1100">
+                          <a:solidFill>
+                            <a:srgbClr val="111111">
+                              <a:alpha val="100000"/>
+                            </a:srgbClr>
+                          </a:solidFill>
+                          <a:latin typeface="Roboto"/>
+                          <a:cs typeface="Roboto"/>
                           <a:highlight>
                             <a:srgbClr val="FFFFFF">
                               <a:alpha val="0"/>
@@ -11622,24 +11622,24 @@
                     <a:bodyPr/>
                     <a:lstStyle/>
                     <a:p>
-                      <a:pPr algn="r" marL="25400" marR="25400">
-                        <a:spcBef>
-                          <a:spcPts val="200"/>
-                        </a:spcBef>
-                        <a:spcAft>
-                          <a:spcPts val="200"/>
-                        </a:spcAft>
-                        <a:buNone/>
-                      </a:pPr>
-                      <a:r>
-                        <a:rPr sz="1000">
-                          <a:solidFill>
-                            <a:srgbClr val="000000">
-                              <a:alpha val="100000"/>
-                            </a:srgbClr>
-                          </a:solidFill>
-                          <a:latin typeface="Arial"/>
-                          <a:cs typeface="Arial"/>
+                      <a:pPr algn="r" marL="63500" marR="63500">
+                        <a:spcBef>
+                          <a:spcPts val="200"/>
+                        </a:spcBef>
+                        <a:spcAft>
+                          <a:spcPts val="200"/>
+                        </a:spcAft>
+                        <a:buNone/>
+                      </a:pPr>
+                      <a:r>
+                        <a:rPr sz="1100">
+                          <a:solidFill>
+                            <a:srgbClr val="111111">
+                              <a:alpha val="100000"/>
+                            </a:srgbClr>
+                          </a:solidFill>
+                          <a:latin typeface="Roboto"/>
+                          <a:cs typeface="Roboto"/>
                           <a:highlight>
                             <a:srgbClr val="FFFFFF">
                               <a:alpha val="0"/>
@@ -11690,24 +11690,24 @@
                     <a:bodyPr/>
                     <a:lstStyle/>
                     <a:p>
-                      <a:pPr algn="r" marL="25400" marR="25400">
-                        <a:spcBef>
-                          <a:spcPts val="200"/>
-                        </a:spcBef>
-                        <a:spcAft>
-                          <a:spcPts val="200"/>
-                        </a:spcAft>
-                        <a:buNone/>
-                      </a:pPr>
-                      <a:r>
-                        <a:rPr sz="1000">
-                          <a:solidFill>
-                            <a:srgbClr val="000000">
-                              <a:alpha val="100000"/>
-                            </a:srgbClr>
-                          </a:solidFill>
-                          <a:latin typeface="Arial"/>
-                          <a:cs typeface="Arial"/>
+                      <a:pPr algn="r" marL="63500" marR="63500">
+                        <a:spcBef>
+                          <a:spcPts val="200"/>
+                        </a:spcBef>
+                        <a:spcAft>
+                          <a:spcPts val="200"/>
+                        </a:spcAft>
+                        <a:buNone/>
+                      </a:pPr>
+                      <a:r>
+                        <a:rPr sz="1100">
+                          <a:solidFill>
+                            <a:srgbClr val="111111">
+                              <a:alpha val="100000"/>
+                            </a:srgbClr>
+                          </a:solidFill>
+                          <a:latin typeface="Roboto"/>
+                          <a:cs typeface="Roboto"/>
                           <a:highlight>
                             <a:srgbClr val="FFFFFF">
                               <a:alpha val="0"/>
@@ -11758,24 +11758,24 @@
                     <a:bodyPr/>
                     <a:lstStyle/>
                     <a:p>
-                      <a:pPr algn="r" marL="25400" marR="25400">
-                        <a:spcBef>
-                          <a:spcPts val="200"/>
-                        </a:spcBef>
-                        <a:spcAft>
-                          <a:spcPts val="200"/>
-                        </a:spcAft>
-                        <a:buNone/>
-                      </a:pPr>
-                      <a:r>
-                        <a:rPr sz="1000">
-                          <a:solidFill>
-                            <a:srgbClr val="000000">
-                              <a:alpha val="100000"/>
-                            </a:srgbClr>
-                          </a:solidFill>
-                          <a:latin typeface="Arial"/>
-                          <a:cs typeface="Arial"/>
+                      <a:pPr algn="r" marL="63500" marR="63500">
+                        <a:spcBef>
+                          <a:spcPts val="200"/>
+                        </a:spcBef>
+                        <a:spcAft>
+                          <a:spcPts val="200"/>
+                        </a:spcAft>
+                        <a:buNone/>
+                      </a:pPr>
+                      <a:r>
+                        <a:rPr sz="1100">
+                          <a:solidFill>
+                            <a:srgbClr val="111111">
+                              <a:alpha val="100000"/>
+                            </a:srgbClr>
+                          </a:solidFill>
+                          <a:latin typeface="Roboto"/>
+                          <a:cs typeface="Roboto"/>
                           <a:highlight>
                             <a:srgbClr val="FFFFFF">
                               <a:alpha val="0"/>
@@ -11826,24 +11826,24 @@
                     <a:bodyPr/>
                     <a:lstStyle/>
                     <a:p>
-                      <a:pPr algn="r" marL="25400" marR="25400">
-                        <a:spcBef>
-                          <a:spcPts val="200"/>
-                        </a:spcBef>
-                        <a:spcAft>
-                          <a:spcPts val="200"/>
-                        </a:spcAft>
-                        <a:buNone/>
-                      </a:pPr>
-                      <a:r>
-                        <a:rPr sz="1000">
-                          <a:solidFill>
-                            <a:srgbClr val="000000">
-                              <a:alpha val="100000"/>
-                            </a:srgbClr>
-                          </a:solidFill>
-                          <a:latin typeface="Arial"/>
-                          <a:cs typeface="Arial"/>
+                      <a:pPr algn="r" marL="63500" marR="63500">
+                        <a:spcBef>
+                          <a:spcPts val="200"/>
+                        </a:spcBef>
+                        <a:spcAft>
+                          <a:spcPts val="200"/>
+                        </a:spcAft>
+                        <a:buNone/>
+                      </a:pPr>
+                      <a:r>
+                        <a:rPr sz="1100">
+                          <a:solidFill>
+                            <a:srgbClr val="111111">
+                              <a:alpha val="100000"/>
+                            </a:srgbClr>
+                          </a:solidFill>
+                          <a:latin typeface="Roboto"/>
+                          <a:cs typeface="Roboto"/>
                           <a:highlight>
                             <a:srgbClr val="FFFFFF">
                               <a:alpha val="0"/>
@@ -11894,24 +11894,24 @@
                     <a:bodyPr/>
                     <a:lstStyle/>
                     <a:p>
-                      <a:pPr algn="r" marL="25400" marR="25400">
-                        <a:spcBef>
-                          <a:spcPts val="200"/>
-                        </a:spcBef>
-                        <a:spcAft>
-                          <a:spcPts val="200"/>
-                        </a:spcAft>
-                        <a:buNone/>
-                      </a:pPr>
-                      <a:r>
-                        <a:rPr sz="1000">
-                          <a:solidFill>
-                            <a:srgbClr val="000000">
-                              <a:alpha val="100000"/>
-                            </a:srgbClr>
-                          </a:solidFill>
-                          <a:latin typeface="Arial"/>
-                          <a:cs typeface="Arial"/>
+                      <a:pPr algn="r" marL="63500" marR="63500">
+                        <a:spcBef>
+                          <a:spcPts val="200"/>
+                        </a:spcBef>
+                        <a:spcAft>
+                          <a:spcPts val="200"/>
+                        </a:spcAft>
+                        <a:buNone/>
+                      </a:pPr>
+                      <a:r>
+                        <a:rPr sz="1100">
+                          <a:solidFill>
+                            <a:srgbClr val="111111">
+                              <a:alpha val="100000"/>
+                            </a:srgbClr>
+                          </a:solidFill>
+                          <a:latin typeface="Roboto"/>
+                          <a:cs typeface="Roboto"/>
                           <a:highlight>
                             <a:srgbClr val="FFFFFF">
                               <a:alpha val="0"/>
@@ -11962,24 +11962,24 @@
                     <a:bodyPr/>
                     <a:lstStyle/>
                     <a:p>
-                      <a:pPr algn="r" marL="25400" marR="25400">
-                        <a:spcBef>
-                          <a:spcPts val="200"/>
-                        </a:spcBef>
-                        <a:spcAft>
-                          <a:spcPts val="200"/>
-                        </a:spcAft>
-                        <a:buNone/>
-                      </a:pPr>
-                      <a:r>
-                        <a:rPr sz="1000">
-                          <a:solidFill>
-                            <a:srgbClr val="000000">
-                              <a:alpha val="100000"/>
-                            </a:srgbClr>
-                          </a:solidFill>
-                          <a:latin typeface="Arial"/>
-                          <a:cs typeface="Arial"/>
+                      <a:pPr algn="r" marL="63500" marR="63500">
+                        <a:spcBef>
+                          <a:spcPts val="200"/>
+                        </a:spcBef>
+                        <a:spcAft>
+                          <a:spcPts val="200"/>
+                        </a:spcAft>
+                        <a:buNone/>
+                      </a:pPr>
+                      <a:r>
+                        <a:rPr sz="1100">
+                          <a:solidFill>
+                            <a:srgbClr val="111111">
+                              <a:alpha val="100000"/>
+                            </a:srgbClr>
+                          </a:solidFill>
+                          <a:latin typeface="Roboto"/>
+                          <a:cs typeface="Roboto"/>
                           <a:highlight>
                             <a:srgbClr val="FFFFFF">
                               <a:alpha val="0"/>
@@ -12032,24 +12032,24 @@
                     <a:bodyPr/>
                     <a:lstStyle/>
                     <a:p>
-                      <a:pPr algn="r" marL="25400" marR="25400">
-                        <a:spcBef>
-                          <a:spcPts val="200"/>
-                        </a:spcBef>
-                        <a:spcAft>
-                          <a:spcPts val="200"/>
-                        </a:spcAft>
-                        <a:buNone/>
-                      </a:pPr>
-                      <a:r>
-                        <a:rPr sz="1000">
-                          <a:solidFill>
-                            <a:srgbClr val="000000">
-                              <a:alpha val="100000"/>
-                            </a:srgbClr>
-                          </a:solidFill>
-                          <a:latin typeface="Arial"/>
-                          <a:cs typeface="Arial"/>
+                      <a:pPr algn="r" marL="63500" marR="63500">
+                        <a:spcBef>
+                          <a:spcPts val="200"/>
+                        </a:spcBef>
+                        <a:spcAft>
+                          <a:spcPts val="200"/>
+                        </a:spcAft>
+                        <a:buNone/>
+                      </a:pPr>
+                      <a:r>
+                        <a:rPr sz="1100">
+                          <a:solidFill>
+                            <a:srgbClr val="111111">
+                              <a:alpha val="100000"/>
+                            </a:srgbClr>
+                          </a:solidFill>
+                          <a:latin typeface="Roboto"/>
+                          <a:cs typeface="Roboto"/>
                           <a:highlight>
                             <a:srgbClr val="FFFFFF">
                               <a:alpha val="0"/>
@@ -12100,24 +12100,24 @@
                     <a:bodyPr/>
                     <a:lstStyle/>
                     <a:p>
-                      <a:pPr algn="r" marL="25400" marR="25400">
-                        <a:spcBef>
-                          <a:spcPts val="200"/>
-                        </a:spcBef>
-                        <a:spcAft>
-                          <a:spcPts val="200"/>
-                        </a:spcAft>
-                        <a:buNone/>
-                      </a:pPr>
-                      <a:r>
-                        <a:rPr sz="1000">
-                          <a:solidFill>
-                            <a:srgbClr val="000000">
-                              <a:alpha val="100000"/>
-                            </a:srgbClr>
-                          </a:solidFill>
-                          <a:latin typeface="Arial"/>
-                          <a:cs typeface="Arial"/>
+                      <a:pPr algn="r" marL="63500" marR="63500">
+                        <a:spcBef>
+                          <a:spcPts val="200"/>
+                        </a:spcBef>
+                        <a:spcAft>
+                          <a:spcPts val="200"/>
+                        </a:spcAft>
+                        <a:buNone/>
+                      </a:pPr>
+                      <a:r>
+                        <a:rPr sz="1100">
+                          <a:solidFill>
+                            <a:srgbClr val="111111">
+                              <a:alpha val="100000"/>
+                            </a:srgbClr>
+                          </a:solidFill>
+                          <a:latin typeface="Roboto"/>
+                          <a:cs typeface="Roboto"/>
                           <a:highlight>
                             <a:srgbClr val="FFFFFF">
                               <a:alpha val="0"/>
@@ -12168,24 +12168,24 @@
                     <a:bodyPr/>
                     <a:lstStyle/>
                     <a:p>
-                      <a:pPr algn="r" marL="25400" marR="25400">
-                        <a:spcBef>
-                          <a:spcPts val="200"/>
-                        </a:spcBef>
-                        <a:spcAft>
-                          <a:spcPts val="200"/>
-                        </a:spcAft>
-                        <a:buNone/>
-                      </a:pPr>
-                      <a:r>
-                        <a:rPr sz="1000">
-                          <a:solidFill>
-                            <a:srgbClr val="000000">
-                              <a:alpha val="100000"/>
-                            </a:srgbClr>
-                          </a:solidFill>
-                          <a:latin typeface="Arial"/>
-                          <a:cs typeface="Arial"/>
+                      <a:pPr algn="r" marL="63500" marR="63500">
+                        <a:spcBef>
+                          <a:spcPts val="200"/>
+                        </a:spcBef>
+                        <a:spcAft>
+                          <a:spcPts val="200"/>
+                        </a:spcAft>
+                        <a:buNone/>
+                      </a:pPr>
+                      <a:r>
+                        <a:rPr sz="1100">
+                          <a:solidFill>
+                            <a:srgbClr val="111111">
+                              <a:alpha val="100000"/>
+                            </a:srgbClr>
+                          </a:solidFill>
+                          <a:latin typeface="Roboto"/>
+                          <a:cs typeface="Roboto"/>
                           <a:highlight>
                             <a:srgbClr val="FFFFFF">
                               <a:alpha val="0"/>
@@ -12236,24 +12236,24 @@
                     <a:bodyPr/>
                     <a:lstStyle/>
                     <a:p>
-                      <a:pPr algn="r" marL="25400" marR="25400">
-                        <a:spcBef>
-                          <a:spcPts val="200"/>
-                        </a:spcBef>
-                        <a:spcAft>
-                          <a:spcPts val="200"/>
-                        </a:spcAft>
-                        <a:buNone/>
-                      </a:pPr>
-                      <a:r>
-                        <a:rPr sz="1000">
-                          <a:solidFill>
-                            <a:srgbClr val="000000">
-                              <a:alpha val="100000"/>
-                            </a:srgbClr>
-                          </a:solidFill>
-                          <a:latin typeface="Arial"/>
-                          <a:cs typeface="Arial"/>
+                      <a:pPr algn="r" marL="63500" marR="63500">
+                        <a:spcBef>
+                          <a:spcPts val="200"/>
+                        </a:spcBef>
+                        <a:spcAft>
+                          <a:spcPts val="200"/>
+                        </a:spcAft>
+                        <a:buNone/>
+                      </a:pPr>
+                      <a:r>
+                        <a:rPr sz="1100">
+                          <a:solidFill>
+                            <a:srgbClr val="111111">
+                              <a:alpha val="100000"/>
+                            </a:srgbClr>
+                          </a:solidFill>
+                          <a:latin typeface="Roboto"/>
+                          <a:cs typeface="Roboto"/>
                           <a:highlight>
                             <a:srgbClr val="FFFFFF">
                               <a:alpha val="0"/>
@@ -12304,24 +12304,24 @@
                     <a:bodyPr/>
                     <a:lstStyle/>
                     <a:p>
-                      <a:pPr algn="r" marL="25400" marR="25400">
-                        <a:spcBef>
-                          <a:spcPts val="200"/>
-                        </a:spcBef>
-                        <a:spcAft>
-                          <a:spcPts val="200"/>
-                        </a:spcAft>
-                        <a:buNone/>
-                      </a:pPr>
-                      <a:r>
-                        <a:rPr sz="1000">
-                          <a:solidFill>
-                            <a:srgbClr val="000000">
-                              <a:alpha val="100000"/>
-                            </a:srgbClr>
-                          </a:solidFill>
-                          <a:latin typeface="Arial"/>
-                          <a:cs typeface="Arial"/>
+                      <a:pPr algn="r" marL="63500" marR="63500">
+                        <a:spcBef>
+                          <a:spcPts val="200"/>
+                        </a:spcBef>
+                        <a:spcAft>
+                          <a:spcPts val="200"/>
+                        </a:spcAft>
+                        <a:buNone/>
+                      </a:pPr>
+                      <a:r>
+                        <a:rPr sz="1100">
+                          <a:solidFill>
+                            <a:srgbClr val="111111">
+                              <a:alpha val="100000"/>
+                            </a:srgbClr>
+                          </a:solidFill>
+                          <a:latin typeface="Roboto"/>
+                          <a:cs typeface="Roboto"/>
                           <a:highlight>
                             <a:srgbClr val="FFFFFF">
                               <a:alpha val="0"/>
@@ -12372,24 +12372,24 @@
                     <a:bodyPr/>
                     <a:lstStyle/>
                     <a:p>
-                      <a:pPr algn="r" marL="25400" marR="25400">
-                        <a:spcBef>
-                          <a:spcPts val="200"/>
-                        </a:spcBef>
-                        <a:spcAft>
-                          <a:spcPts val="200"/>
-                        </a:spcAft>
-                        <a:buNone/>
-                      </a:pPr>
-                      <a:r>
-                        <a:rPr sz="1000">
-                          <a:solidFill>
-                            <a:srgbClr val="000000">
-                              <a:alpha val="100000"/>
-                            </a:srgbClr>
-                          </a:solidFill>
-                          <a:latin typeface="Arial"/>
-                          <a:cs typeface="Arial"/>
+                      <a:pPr algn="r" marL="63500" marR="63500">
+                        <a:spcBef>
+                          <a:spcPts val="200"/>
+                        </a:spcBef>
+                        <a:spcAft>
+                          <a:spcPts val="200"/>
+                        </a:spcAft>
+                        <a:buNone/>
+                      </a:pPr>
+                      <a:r>
+                        <a:rPr sz="1100">
+                          <a:solidFill>
+                            <a:srgbClr val="111111">
+                              <a:alpha val="100000"/>
+                            </a:srgbClr>
+                          </a:solidFill>
+                          <a:latin typeface="Roboto"/>
+                          <a:cs typeface="Roboto"/>
                           <a:highlight>
                             <a:srgbClr val="FFFFFF">
                               <a:alpha val="0"/>
@@ -12440,24 +12440,24 @@
                     <a:bodyPr/>
                     <a:lstStyle/>
                     <a:p>
-                      <a:pPr algn="r" marL="25400" marR="25400">
-                        <a:spcBef>
-                          <a:spcPts val="200"/>
-                        </a:spcBef>
-                        <a:spcAft>
-                          <a:spcPts val="200"/>
-                        </a:spcAft>
-                        <a:buNone/>
-                      </a:pPr>
-                      <a:r>
-                        <a:rPr sz="1000">
-                          <a:solidFill>
-                            <a:srgbClr val="000000">
-                              <a:alpha val="100000"/>
-                            </a:srgbClr>
-                          </a:solidFill>
-                          <a:latin typeface="Arial"/>
-                          <a:cs typeface="Arial"/>
+                      <a:pPr algn="r" marL="63500" marR="63500">
+                        <a:spcBef>
+                          <a:spcPts val="200"/>
+                        </a:spcBef>
+                        <a:spcAft>
+                          <a:spcPts val="200"/>
+                        </a:spcAft>
+                        <a:buNone/>
+                      </a:pPr>
+                      <a:r>
+                        <a:rPr sz="1100">
+                          <a:solidFill>
+                            <a:srgbClr val="111111">
+                              <a:alpha val="100000"/>
+                            </a:srgbClr>
+                          </a:solidFill>
+                          <a:latin typeface="Roboto"/>
+                          <a:cs typeface="Roboto"/>
                           <a:highlight>
                             <a:srgbClr val="FFFFFF">
                               <a:alpha val="0"/>
@@ -12508,24 +12508,24 @@
                     <a:bodyPr/>
                     <a:lstStyle/>
                     <a:p>
-                      <a:pPr algn="r" marL="25400" marR="25400">
-                        <a:spcBef>
-                          <a:spcPts val="200"/>
-                        </a:spcBef>
-                        <a:spcAft>
-                          <a:spcPts val="200"/>
-                        </a:spcAft>
-                        <a:buNone/>
-                      </a:pPr>
-                      <a:r>
-                        <a:rPr sz="1000">
-                          <a:solidFill>
-                            <a:srgbClr val="000000">
-                              <a:alpha val="100000"/>
-                            </a:srgbClr>
-                          </a:solidFill>
-                          <a:latin typeface="Arial"/>
-                          <a:cs typeface="Arial"/>
+                      <a:pPr algn="r" marL="63500" marR="63500">
+                        <a:spcBef>
+                          <a:spcPts val="200"/>
+                        </a:spcBef>
+                        <a:spcAft>
+                          <a:spcPts val="200"/>
+                        </a:spcAft>
+                        <a:buNone/>
+                      </a:pPr>
+                      <a:r>
+                        <a:rPr sz="1100">
+                          <a:solidFill>
+                            <a:srgbClr val="111111">
+                              <a:alpha val="100000"/>
+                            </a:srgbClr>
+                          </a:solidFill>
+                          <a:latin typeface="Roboto"/>
+                          <a:cs typeface="Roboto"/>
                           <a:highlight>
                             <a:srgbClr val="FFFFFF">
                               <a:alpha val="0"/>
@@ -12576,24 +12576,24 @@
                     <a:bodyPr/>
                     <a:lstStyle/>
                     <a:p>
-                      <a:pPr algn="r" marL="25400" marR="25400">
-                        <a:spcBef>
-                          <a:spcPts val="200"/>
-                        </a:spcBef>
-                        <a:spcAft>
-                          <a:spcPts val="200"/>
-                        </a:spcAft>
-                        <a:buNone/>
-                      </a:pPr>
-                      <a:r>
-                        <a:rPr sz="1000">
-                          <a:solidFill>
-                            <a:srgbClr val="000000">
-                              <a:alpha val="100000"/>
-                            </a:srgbClr>
-                          </a:solidFill>
-                          <a:latin typeface="Arial"/>
-                          <a:cs typeface="Arial"/>
+                      <a:pPr algn="r" marL="63500" marR="63500">
+                        <a:spcBef>
+                          <a:spcPts val="200"/>
+                        </a:spcBef>
+                        <a:spcAft>
+                          <a:spcPts val="200"/>
+                        </a:spcAft>
+                        <a:buNone/>
+                      </a:pPr>
+                      <a:r>
+                        <a:rPr sz="1100">
+                          <a:solidFill>
+                            <a:srgbClr val="111111">
+                              <a:alpha val="100000"/>
+                            </a:srgbClr>
+                          </a:solidFill>
+                          <a:latin typeface="Roboto"/>
+                          <a:cs typeface="Roboto"/>
                           <a:highlight>
                             <a:srgbClr val="FFFFFF">
                               <a:alpha val="0"/>
@@ -12644,24 +12644,24 @@
                     <a:bodyPr/>
                     <a:lstStyle/>
                     <a:p>
-                      <a:pPr algn="r" marL="25400" marR="25400">
-                        <a:spcBef>
-                          <a:spcPts val="200"/>
-                        </a:spcBef>
-                        <a:spcAft>
-                          <a:spcPts val="200"/>
-                        </a:spcAft>
-                        <a:buNone/>
-                      </a:pPr>
-                      <a:r>
-                        <a:rPr sz="1000">
-                          <a:solidFill>
-                            <a:srgbClr val="000000">
-                              <a:alpha val="100000"/>
-                            </a:srgbClr>
-                          </a:solidFill>
-                          <a:latin typeface="Arial"/>
-                          <a:cs typeface="Arial"/>
+                      <a:pPr algn="r" marL="63500" marR="63500">
+                        <a:spcBef>
+                          <a:spcPts val="200"/>
+                        </a:spcBef>
+                        <a:spcAft>
+                          <a:spcPts val="200"/>
+                        </a:spcAft>
+                        <a:buNone/>
+                      </a:pPr>
+                      <a:r>
+                        <a:rPr sz="1100">
+                          <a:solidFill>
+                            <a:srgbClr val="111111">
+                              <a:alpha val="100000"/>
+                            </a:srgbClr>
+                          </a:solidFill>
+                          <a:latin typeface="Roboto"/>
+                          <a:cs typeface="Roboto"/>
                           <a:highlight>
                             <a:srgbClr val="FFFFFF">
                               <a:alpha val="0"/>
@@ -12712,24 +12712,24 @@
                     <a:bodyPr/>
                     <a:lstStyle/>
                     <a:p>
-                      <a:pPr algn="r" marL="25400" marR="25400">
-                        <a:spcBef>
-                          <a:spcPts val="200"/>
-                        </a:spcBef>
-                        <a:spcAft>
-                          <a:spcPts val="200"/>
-                        </a:spcAft>
-                        <a:buNone/>
-                      </a:pPr>
-                      <a:r>
-                        <a:rPr sz="1000">
-                          <a:solidFill>
-                            <a:srgbClr val="000000">
-                              <a:alpha val="100000"/>
-                            </a:srgbClr>
-                          </a:solidFill>
-                          <a:latin typeface="Arial"/>
-                          <a:cs typeface="Arial"/>
+                      <a:pPr algn="r" marL="63500" marR="63500">
+                        <a:spcBef>
+                          <a:spcPts val="200"/>
+                        </a:spcBef>
+                        <a:spcAft>
+                          <a:spcPts val="200"/>
+                        </a:spcAft>
+                        <a:buNone/>
+                      </a:pPr>
+                      <a:r>
+                        <a:rPr sz="1100">
+                          <a:solidFill>
+                            <a:srgbClr val="111111">
+                              <a:alpha val="100000"/>
+                            </a:srgbClr>
+                          </a:solidFill>
+                          <a:latin typeface="Roboto"/>
+                          <a:cs typeface="Roboto"/>
                           <a:highlight>
                             <a:srgbClr val="FFFFFF">
                               <a:alpha val="0"/>
